--- a/Learn to teach_MikeKSmith.pptx
+++ b/Learn to teach_MikeKSmith.pptx
@@ -5,32 +5,36 @@
     <p:sldMasterId id="2147483648" r:id="rId1"/>
   </p:sldMasterIdLst>
   <p:notesMasterIdLst>
-    <p:notesMasterId r:id="rId25"/>
+    <p:notesMasterId r:id="rId29"/>
   </p:notesMasterIdLst>
   <p:sldIdLst>
     <p:sldId id="256" r:id="rId2"/>
     <p:sldId id="504" r:id="rId3"/>
-    <p:sldId id="505" r:id="rId4"/>
-    <p:sldId id="506" r:id="rId5"/>
-    <p:sldId id="507" r:id="rId6"/>
-    <p:sldId id="508" r:id="rId7"/>
-    <p:sldId id="511" r:id="rId8"/>
-    <p:sldId id="262" r:id="rId9"/>
+    <p:sldId id="506" r:id="rId4"/>
+    <p:sldId id="507" r:id="rId5"/>
+    <p:sldId id="508" r:id="rId6"/>
+    <p:sldId id="511" r:id="rId7"/>
+    <p:sldId id="262" r:id="rId8"/>
+    <p:sldId id="516" r:id="rId9"/>
     <p:sldId id="509" r:id="rId10"/>
-    <p:sldId id="510" r:id="rId11"/>
-    <p:sldId id="513" r:id="rId12"/>
-    <p:sldId id="503" r:id="rId13"/>
-    <p:sldId id="494" r:id="rId14"/>
-    <p:sldId id="277" r:id="rId15"/>
-    <p:sldId id="512" r:id="rId16"/>
-    <p:sldId id="495" r:id="rId17"/>
-    <p:sldId id="489" r:id="rId18"/>
-    <p:sldId id="484" r:id="rId19"/>
-    <p:sldId id="488" r:id="rId20"/>
-    <p:sldId id="491" r:id="rId21"/>
-    <p:sldId id="276" r:id="rId22"/>
-    <p:sldId id="274" r:id="rId23"/>
-    <p:sldId id="273" r:id="rId24"/>
+    <p:sldId id="515" r:id="rId11"/>
+    <p:sldId id="517" r:id="rId12"/>
+    <p:sldId id="510" r:id="rId13"/>
+    <p:sldId id="518" r:id="rId14"/>
+    <p:sldId id="513" r:id="rId15"/>
+    <p:sldId id="503" r:id="rId16"/>
+    <p:sldId id="494" r:id="rId17"/>
+    <p:sldId id="277" r:id="rId18"/>
+    <p:sldId id="514" r:id="rId19"/>
+    <p:sldId id="512" r:id="rId20"/>
+    <p:sldId id="495" r:id="rId21"/>
+    <p:sldId id="489" r:id="rId22"/>
+    <p:sldId id="484" r:id="rId23"/>
+    <p:sldId id="488" r:id="rId24"/>
+    <p:sldId id="491" r:id="rId25"/>
+    <p:sldId id="276" r:id="rId26"/>
+    <p:sldId id="274" r:id="rId27"/>
+    <p:sldId id="273" r:id="rId28"/>
   </p:sldIdLst>
   <p:sldSz cx="12192000" cy="6858000"/>
   <p:notesSz cx="6858000" cy="9144000"/>
@@ -222,7 +226,7 @@
           <a:p>
             <a:fld id="{9D62F800-1419-438B-96D0-791D66092393}" type="datetimeFigureOut">
               <a:rPr lang="en-GB" smtClean="0"/>
-              <a:t>07/11/2019</a:t>
+              <a:t>12/12/2019</a:t>
             </a:fld>
             <a:endParaRPr lang="en-GB"/>
           </a:p>
@@ -555,7 +559,7 @@
           <a:p>
             <a:fld id="{B60CA314-A09D-430B-B8BD-3F5B4A929A38}" type="slidenum">
               <a:rPr lang="en-GB" smtClean="0"/>
-              <a:t>16</a:t>
+              <a:t>20</a:t>
             </a:fld>
             <a:endParaRPr lang="en-GB"/>
           </a:p>
@@ -617,7 +621,7 @@
             <a:fld id="{A1895CF7-F0DF-498A-8F74-CEBB6050F1C4}" type="slidenum">
               <a:rPr lang="en-GB" altLang="en-US"/>
               <a:pPr/>
-              <a:t>18</a:t>
+              <a:t>22</a:t>
             </a:fld>
             <a:endParaRPr lang="en-GB" altLang="en-US"/>
           </a:p>
@@ -846,7 +850,7 @@
           <a:p>
             <a:fld id="{A2A003D7-24A3-4DE2-8BAD-93DC5C5E8607}" type="datetimeFigureOut">
               <a:rPr lang="en-GB" smtClean="0"/>
-              <a:t>07/11/2019</a:t>
+              <a:t>12/12/2019</a:t>
             </a:fld>
             <a:endParaRPr lang="en-GB"/>
           </a:p>
@@ -1046,7 +1050,7 @@
           <a:p>
             <a:fld id="{A2A003D7-24A3-4DE2-8BAD-93DC5C5E8607}" type="datetimeFigureOut">
               <a:rPr lang="en-GB" smtClean="0"/>
-              <a:t>07/11/2019</a:t>
+              <a:t>12/12/2019</a:t>
             </a:fld>
             <a:endParaRPr lang="en-GB"/>
           </a:p>
@@ -1256,7 +1260,7 @@
           <a:p>
             <a:fld id="{A2A003D7-24A3-4DE2-8BAD-93DC5C5E8607}" type="datetimeFigureOut">
               <a:rPr lang="en-GB" smtClean="0"/>
-              <a:t>07/11/2019</a:t>
+              <a:t>12/12/2019</a:t>
             </a:fld>
             <a:endParaRPr lang="en-GB"/>
           </a:p>
@@ -1456,7 +1460,7 @@
           <a:p>
             <a:fld id="{A2A003D7-24A3-4DE2-8BAD-93DC5C5E8607}" type="datetimeFigureOut">
               <a:rPr lang="en-GB" smtClean="0"/>
-              <a:t>07/11/2019</a:t>
+              <a:t>12/12/2019</a:t>
             </a:fld>
             <a:endParaRPr lang="en-GB"/>
           </a:p>
@@ -1732,7 +1736,7 @@
           <a:p>
             <a:fld id="{A2A003D7-24A3-4DE2-8BAD-93DC5C5E8607}" type="datetimeFigureOut">
               <a:rPr lang="en-GB" smtClean="0"/>
-              <a:t>07/11/2019</a:t>
+              <a:t>12/12/2019</a:t>
             </a:fld>
             <a:endParaRPr lang="en-GB"/>
           </a:p>
@@ -2000,7 +2004,7 @@
           <a:p>
             <a:fld id="{A2A003D7-24A3-4DE2-8BAD-93DC5C5E8607}" type="datetimeFigureOut">
               <a:rPr lang="en-GB" smtClean="0"/>
-              <a:t>07/11/2019</a:t>
+              <a:t>12/12/2019</a:t>
             </a:fld>
             <a:endParaRPr lang="en-GB"/>
           </a:p>
@@ -2415,7 +2419,7 @@
           <a:p>
             <a:fld id="{A2A003D7-24A3-4DE2-8BAD-93DC5C5E8607}" type="datetimeFigureOut">
               <a:rPr lang="en-GB" smtClean="0"/>
-              <a:t>07/11/2019</a:t>
+              <a:t>12/12/2019</a:t>
             </a:fld>
             <a:endParaRPr lang="en-GB"/>
           </a:p>
@@ -2557,7 +2561,7 @@
           <a:p>
             <a:fld id="{A2A003D7-24A3-4DE2-8BAD-93DC5C5E8607}" type="datetimeFigureOut">
               <a:rPr lang="en-GB" smtClean="0"/>
-              <a:t>07/11/2019</a:t>
+              <a:t>12/12/2019</a:t>
             </a:fld>
             <a:endParaRPr lang="en-GB"/>
           </a:p>
@@ -2670,7 +2674,7 @@
           <a:p>
             <a:fld id="{A2A003D7-24A3-4DE2-8BAD-93DC5C5E8607}" type="datetimeFigureOut">
               <a:rPr lang="en-GB" smtClean="0"/>
-              <a:t>07/11/2019</a:t>
+              <a:t>12/12/2019</a:t>
             </a:fld>
             <a:endParaRPr lang="en-GB"/>
           </a:p>
@@ -2983,7 +2987,7 @@
           <a:p>
             <a:fld id="{A2A003D7-24A3-4DE2-8BAD-93DC5C5E8607}" type="datetimeFigureOut">
               <a:rPr lang="en-GB" smtClean="0"/>
-              <a:t>07/11/2019</a:t>
+              <a:t>12/12/2019</a:t>
             </a:fld>
             <a:endParaRPr lang="en-GB"/>
           </a:p>
@@ -3272,7 +3276,7 @@
           <a:p>
             <a:fld id="{A2A003D7-24A3-4DE2-8BAD-93DC5C5E8607}" type="datetimeFigureOut">
               <a:rPr lang="en-GB" smtClean="0"/>
-              <a:t>07/11/2019</a:t>
+              <a:t>12/12/2019</a:t>
             </a:fld>
             <a:endParaRPr lang="en-GB"/>
           </a:p>
@@ -3515,7 +3519,7 @@
           <a:p>
             <a:fld id="{A2A003D7-24A3-4DE2-8BAD-93DC5C5E8607}" type="datetimeFigureOut">
               <a:rPr lang="en-GB" smtClean="0"/>
-              <a:t>07/11/2019</a:t>
+              <a:t>12/12/2019</a:t>
             </a:fld>
             <a:endParaRPr lang="en-GB"/>
           </a:p>
@@ -3948,9 +3952,16 @@
             <p:ph type="ctrTitle"/>
           </p:nvPr>
         </p:nvSpPr>
-        <p:spPr/>
+        <p:spPr>
+          <a:xfrm>
+            <a:off x="1524000" y="1184993"/>
+            <a:ext cx="9144000" cy="4226252"/>
+          </a:xfrm>
+        </p:spPr>
         <p:txBody>
-          <a:bodyPr/>
+          <a:bodyPr>
+            <a:normAutofit/>
+          </a:bodyPr>
           <a:lstStyle/>
           <a:p>
             <a:r>
@@ -3964,7 +3975,17 @@
               <a:rPr lang="en-GB" sz="4800" dirty="0"/>
               <a:t>for goodness sake.</a:t>
             </a:r>
-            <a:endParaRPr lang="en-GB" dirty="0"/>
+            <a:br>
+              <a:rPr lang="en-GB" sz="4800" dirty="0"/>
+            </a:br>
+            <a:br>
+              <a:rPr lang="en-GB" sz="4800" dirty="0"/>
+            </a:br>
+            <a:r>
+              <a:rPr lang="en-GB" sz="4800" i="1" dirty="0"/>
+              <a:t>How RStudio certification is changing my teaching methods.</a:t>
+            </a:r>
+            <a:endParaRPr lang="en-GB" i="1" dirty="0"/>
           </a:p>
         </p:txBody>
       </p:sp>
@@ -3986,8 +4007,8 @@
         </p:nvSpPr>
         <p:spPr>
           <a:xfrm>
-            <a:off x="1524000" y="4208016"/>
-            <a:ext cx="9144000" cy="1049784"/>
+            <a:off x="1524000" y="5937337"/>
+            <a:ext cx="9144000" cy="522962"/>
           </a:xfrm>
         </p:spPr>
         <p:txBody>
@@ -4015,6 +4036,1665 @@
 </file>
 
 <file path=ppt/slides/slide10.xml><?xml version="1.0" encoding="utf-8"?>
+<p:sld xmlns:a="http://schemas.openxmlformats.org/drawingml/2006/main" xmlns:r="http://schemas.openxmlformats.org/officeDocument/2006/relationships" xmlns:p="http://schemas.openxmlformats.org/presentationml/2006/main">
+  <p:cSld>
+    <p:spTree>
+      <p:nvGrpSpPr>
+        <p:cNvPr id="1" name=""/>
+        <p:cNvGrpSpPr/>
+        <p:nvPr/>
+      </p:nvGrpSpPr>
+      <p:grpSpPr>
+        <a:xfrm>
+          <a:off x="0" y="0"/>
+          <a:ext cx="0" cy="0"/>
+          <a:chOff x="0" y="0"/>
+          <a:chExt cx="0" cy="0"/>
+        </a:xfrm>
+      </p:grpSpPr>
+      <p:sp>
+        <p:nvSpPr>
+          <p:cNvPr id="2" name="Title 1">
+            <a:extLst>
+              <a:ext uri="{FF2B5EF4-FFF2-40B4-BE49-F238E27FC236}">
+                <a16:creationId xmlns:a16="http://schemas.microsoft.com/office/drawing/2014/main" id="{8AE22903-BB48-4455-9DE6-6FD232DD504D}"/>
+              </a:ext>
+            </a:extLst>
+          </p:cNvPr>
+          <p:cNvSpPr>
+            <a:spLocks noGrp="1"/>
+          </p:cNvSpPr>
+          <p:nvPr>
+            <p:ph type="title"/>
+          </p:nvPr>
+        </p:nvSpPr>
+        <p:spPr>
+          <a:xfrm>
+            <a:off x="838200" y="365125"/>
+            <a:ext cx="10515600" cy="1812018"/>
+          </a:xfrm>
+        </p:spPr>
+        <p:txBody>
+          <a:bodyPr>
+            <a:normAutofit/>
+          </a:bodyPr>
+          <a:lstStyle/>
+          <a:p>
+            <a:r>
+              <a:rPr lang="en-GB" b="1" dirty="0"/>
+              <a:t>… and use formative assessment to check progress.</a:t>
+            </a:r>
+          </a:p>
+        </p:txBody>
+      </p:sp>
+      <p:graphicFrame>
+        <p:nvGraphicFramePr>
+          <p:cNvPr id="6" name="Table 5">
+            <a:extLst>
+              <a:ext uri="{FF2B5EF4-FFF2-40B4-BE49-F238E27FC236}">
+                <a16:creationId xmlns:a16="http://schemas.microsoft.com/office/drawing/2014/main" id="{830FFD33-D6DF-4DF0-9D0A-17D92C6D23CB}"/>
+              </a:ext>
+            </a:extLst>
+          </p:cNvPr>
+          <p:cNvGraphicFramePr>
+            <a:graphicFrameLocks noGrp="1"/>
+          </p:cNvGraphicFramePr>
+          <p:nvPr>
+            <p:extLst>
+              <p:ext uri="{D42A27DB-BD31-4B8C-83A1-F6EECF244321}">
+                <p14:modId xmlns:p14="http://schemas.microsoft.com/office/powerpoint/2010/main" val="2336316185"/>
+              </p:ext>
+            </p:extLst>
+          </p:nvPr>
+        </p:nvGraphicFramePr>
+        <p:xfrm>
+          <a:off x="1139993" y="2416418"/>
+          <a:ext cx="9912014" cy="3827570"/>
+        </p:xfrm>
+        <a:graphic>
+          <a:graphicData uri="http://schemas.openxmlformats.org/drawingml/2006/table">
+            <a:tbl>
+              <a:tblPr/>
+              <a:tblGrid>
+                <a:gridCol w="1299762">
+                  <a:extLst>
+                    <a:ext uri="{9D8B030D-6E8A-4147-A177-3AD203B41FA5}">
+                      <a16:colId xmlns:a16="http://schemas.microsoft.com/office/drawing/2014/main" val="3693639221"/>
+                    </a:ext>
+                  </a:extLst>
+                </a:gridCol>
+                <a:gridCol w="1071284">
+                  <a:extLst>
+                    <a:ext uri="{9D8B030D-6E8A-4147-A177-3AD203B41FA5}">
+                      <a16:colId xmlns:a16="http://schemas.microsoft.com/office/drawing/2014/main" val="302076751"/>
+                    </a:ext>
+                  </a:extLst>
+                </a:gridCol>
+                <a:gridCol w="852067">
+                  <a:extLst>
+                    <a:ext uri="{9D8B030D-6E8A-4147-A177-3AD203B41FA5}">
+                      <a16:colId xmlns:a16="http://schemas.microsoft.com/office/drawing/2014/main" val="4071914447"/>
+                    </a:ext>
+                  </a:extLst>
+                </a:gridCol>
+                <a:gridCol w="1089351">
+                  <a:extLst>
+                    <a:ext uri="{9D8B030D-6E8A-4147-A177-3AD203B41FA5}">
+                      <a16:colId xmlns:a16="http://schemas.microsoft.com/office/drawing/2014/main" val="2615334561"/>
+                    </a:ext>
+                  </a:extLst>
+                </a:gridCol>
+                <a:gridCol w="891744">
+                  <a:extLst>
+                    <a:ext uri="{9D8B030D-6E8A-4147-A177-3AD203B41FA5}">
+                      <a16:colId xmlns:a16="http://schemas.microsoft.com/office/drawing/2014/main" val="146551761"/>
+                    </a:ext>
+                  </a:extLst>
+                </a:gridCol>
+                <a:gridCol w="1040842">
+                  <a:extLst>
+                    <a:ext uri="{9D8B030D-6E8A-4147-A177-3AD203B41FA5}">
+                      <a16:colId xmlns:a16="http://schemas.microsoft.com/office/drawing/2014/main" val="1928664565"/>
+                    </a:ext>
+                  </a:extLst>
+                </a:gridCol>
+                <a:gridCol w="1410966">
+                  <a:extLst>
+                    <a:ext uri="{9D8B030D-6E8A-4147-A177-3AD203B41FA5}">
+                      <a16:colId xmlns:a16="http://schemas.microsoft.com/office/drawing/2014/main" val="2602580722"/>
+                    </a:ext>
+                  </a:extLst>
+                </a:gridCol>
+                <a:gridCol w="2255998">
+                  <a:extLst>
+                    <a:ext uri="{9D8B030D-6E8A-4147-A177-3AD203B41FA5}">
+                      <a16:colId xmlns:a16="http://schemas.microsoft.com/office/drawing/2014/main" val="739095414"/>
+                    </a:ext>
+                  </a:extLst>
+                </a:gridCol>
+              </a:tblGrid>
+              <a:tr h="501241">
+                <a:tc>
+                  <a:txBody>
+                    <a:bodyPr/>
+                    <a:lstStyle/>
+                    <a:p>
+                      <a:r>
+                        <a:rPr lang="en-GB" sz="2800" b="1" dirty="0">
+                          <a:effectLst/>
+                        </a:rPr>
+                        <a:t>Week 1</a:t>
+                      </a:r>
+                    </a:p>
+                  </a:txBody>
+                  <a:tcPr marL="16997" marR="16997" marT="16997" marB="16997" anchor="ctr">
+                    <a:lnL>
+                      <a:noFill/>
+                    </a:lnL>
+                    <a:lnR>
+                      <a:noFill/>
+                    </a:lnR>
+                    <a:lnT>
+                      <a:noFill/>
+                    </a:lnT>
+                    <a:lnB>
+                      <a:noFill/>
+                    </a:lnB>
+                    <a:solidFill>
+                      <a:srgbClr val="FFFFFF"/>
+                    </a:solidFill>
+                  </a:tcPr>
+                </a:tc>
+                <a:tc>
+                  <a:txBody>
+                    <a:bodyPr/>
+                    <a:lstStyle/>
+                    <a:p>
+                      <a:r>
+                        <a:rPr lang="en-GB" sz="2000" dirty="0">
+                          <a:solidFill>
+                            <a:schemeClr val="bg1">
+                              <a:lumMod val="85000"/>
+                            </a:schemeClr>
+                          </a:solidFill>
+                          <a:effectLst/>
+                        </a:rPr>
+                        <a:t>15 minutes jogging. </a:t>
+                      </a:r>
+                    </a:p>
+                  </a:txBody>
+                  <a:tcPr marL="16997" marR="16997" marT="16997" marB="16997" anchor="ctr">
+                    <a:lnL>
+                      <a:noFill/>
+                    </a:lnL>
+                    <a:lnR>
+                      <a:noFill/>
+                    </a:lnR>
+                    <a:lnT>
+                      <a:noFill/>
+                    </a:lnT>
+                    <a:lnB>
+                      <a:noFill/>
+                    </a:lnB>
+                    <a:solidFill>
+                      <a:srgbClr val="FFFFFF"/>
+                    </a:solidFill>
+                  </a:tcPr>
+                </a:tc>
+                <a:tc>
+                  <a:txBody>
+                    <a:bodyPr/>
+                    <a:lstStyle/>
+                    <a:p>
+                      <a:pPr algn="ctr"/>
+                      <a:r>
+                        <a:rPr lang="en-GB" sz="2000" b="0" i="0" dirty="0">
+                          <a:solidFill>
+                            <a:schemeClr val="bg1">
+                              <a:lumMod val="85000"/>
+                            </a:schemeClr>
+                          </a:solidFill>
+                          <a:effectLst/>
+                        </a:rPr>
+                        <a:t>Rest</a:t>
+                      </a:r>
+                    </a:p>
+                  </a:txBody>
+                  <a:tcPr marL="16997" marR="16997" marT="16997" marB="16997" anchor="ctr">
+                    <a:lnL>
+                      <a:noFill/>
+                    </a:lnL>
+                    <a:lnR>
+                      <a:noFill/>
+                    </a:lnR>
+                    <a:lnT>
+                      <a:noFill/>
+                    </a:lnT>
+                    <a:lnB>
+                      <a:noFill/>
+                    </a:lnB>
+                    <a:solidFill>
+                      <a:srgbClr val="FFFFFF"/>
+                    </a:solidFill>
+                  </a:tcPr>
+                </a:tc>
+                <a:tc>
+                  <a:txBody>
+                    <a:bodyPr/>
+                    <a:lstStyle/>
+                    <a:p>
+                      <a:r>
+                        <a:rPr lang="en-GB" sz="2000" b="0" i="0" dirty="0">
+                          <a:solidFill>
+                            <a:schemeClr val="bg1">
+                              <a:lumMod val="85000"/>
+                            </a:schemeClr>
+                          </a:solidFill>
+                          <a:effectLst/>
+                        </a:rPr>
+                        <a:t>20 minutes jogging. </a:t>
+                      </a:r>
+                    </a:p>
+                  </a:txBody>
+                  <a:tcPr marL="16997" marR="16997" marT="16997" marB="16997" anchor="ctr">
+                    <a:lnL>
+                      <a:noFill/>
+                    </a:lnL>
+                    <a:lnR>
+                      <a:noFill/>
+                    </a:lnR>
+                    <a:lnT>
+                      <a:noFill/>
+                    </a:lnT>
+                    <a:lnB>
+                      <a:noFill/>
+                    </a:lnB>
+                    <a:solidFill>
+                      <a:srgbClr val="FFFFFF"/>
+                    </a:solidFill>
+                  </a:tcPr>
+                </a:tc>
+                <a:tc>
+                  <a:txBody>
+                    <a:bodyPr/>
+                    <a:lstStyle/>
+                    <a:p>
+                      <a:pPr algn="ctr"/>
+                      <a:r>
+                        <a:rPr lang="en-GB" sz="2000" b="0" i="0" dirty="0">
+                          <a:solidFill>
+                            <a:schemeClr val="bg1">
+                              <a:lumMod val="85000"/>
+                            </a:schemeClr>
+                          </a:solidFill>
+                          <a:effectLst/>
+                        </a:rPr>
+                        <a:t>Rest</a:t>
+                      </a:r>
+                    </a:p>
+                  </a:txBody>
+                  <a:tcPr marL="16997" marR="16997" marT="16997" marB="16997" anchor="ctr">
+                    <a:lnL>
+                      <a:noFill/>
+                    </a:lnL>
+                    <a:lnR>
+                      <a:noFill/>
+                    </a:lnR>
+                    <a:lnT>
+                      <a:noFill/>
+                    </a:lnT>
+                    <a:lnB>
+                      <a:noFill/>
+                    </a:lnB>
+                    <a:solidFill>
+                      <a:srgbClr val="FFFFFF"/>
+                    </a:solidFill>
+                  </a:tcPr>
+                </a:tc>
+                <a:tc>
+                  <a:txBody>
+                    <a:bodyPr/>
+                    <a:lstStyle/>
+                    <a:p>
+                      <a:pPr algn="ctr"/>
+                      <a:r>
+                        <a:rPr lang="en-GB" sz="2000" b="0" i="0" dirty="0">
+                          <a:solidFill>
+                            <a:schemeClr val="bg1">
+                              <a:lumMod val="85000"/>
+                            </a:schemeClr>
+                          </a:solidFill>
+                          <a:effectLst/>
+                        </a:rPr>
+                        <a:t>Rest</a:t>
+                      </a:r>
+                    </a:p>
+                  </a:txBody>
+                  <a:tcPr marL="16997" marR="16997" marT="16997" marB="16997" anchor="ctr">
+                    <a:lnL>
+                      <a:noFill/>
+                    </a:lnL>
+                    <a:lnR>
+                      <a:noFill/>
+                    </a:lnR>
+                    <a:lnT>
+                      <a:noFill/>
+                    </a:lnT>
+                    <a:lnB>
+                      <a:noFill/>
+                    </a:lnB>
+                    <a:solidFill>
+                      <a:srgbClr val="FFFFFF"/>
+                    </a:solidFill>
+                  </a:tcPr>
+                </a:tc>
+                <a:tc>
+                  <a:txBody>
+                    <a:bodyPr/>
+                    <a:lstStyle/>
+                    <a:p>
+                      <a:r>
+                        <a:rPr lang="en-GB" sz="2000" dirty="0">
+                          <a:solidFill>
+                            <a:schemeClr val="bg1">
+                              <a:lumMod val="85000"/>
+                            </a:schemeClr>
+                          </a:solidFill>
+                          <a:effectLst/>
+                        </a:rPr>
+                        <a:t>25 minutes jogging.</a:t>
+                      </a:r>
+                    </a:p>
+                  </a:txBody>
+                  <a:tcPr marL="16997" marR="16997" marT="16997" marB="16997" anchor="ctr">
+                    <a:lnL>
+                      <a:noFill/>
+                    </a:lnL>
+                    <a:lnR>
+                      <a:noFill/>
+                    </a:lnR>
+                    <a:lnT>
+                      <a:noFill/>
+                    </a:lnT>
+                    <a:lnB>
+                      <a:noFill/>
+                    </a:lnB>
+                    <a:solidFill>
+                      <a:srgbClr val="FFFFFF"/>
+                    </a:solidFill>
+                  </a:tcPr>
+                </a:tc>
+                <a:tc>
+                  <a:txBody>
+                    <a:bodyPr/>
+                    <a:lstStyle/>
+                    <a:p>
+                      <a:r>
+                        <a:rPr lang="en-GB" sz="2000" dirty="0">
+                          <a:solidFill>
+                            <a:schemeClr val="bg1">
+                              <a:lumMod val="85000"/>
+                            </a:schemeClr>
+                          </a:solidFill>
+                          <a:effectLst/>
+                        </a:rPr>
+                        <a:t>1 hour ramble</a:t>
+                      </a:r>
+                    </a:p>
+                  </a:txBody>
+                  <a:tcPr marL="16997" marR="16997" marT="16997" marB="16997" anchor="ctr">
+                    <a:lnL>
+                      <a:noFill/>
+                    </a:lnL>
+                    <a:lnR>
+                      <a:noFill/>
+                    </a:lnR>
+                    <a:lnT w="12700" cmpd="sng">
+                      <a:noFill/>
+                      <a:prstDash val="solid"/>
+                    </a:lnT>
+                    <a:lnB>
+                      <a:noFill/>
+                    </a:lnB>
+                    <a:lnTlToBr w="12700" cmpd="sng">
+                      <a:noFill/>
+                      <a:prstDash val="solid"/>
+                    </a:lnTlToBr>
+                    <a:lnBlToTr w="12700" cmpd="sng">
+                      <a:noFill/>
+                      <a:prstDash val="solid"/>
+                    </a:lnBlToTr>
+                    <a:solidFill>
+                      <a:srgbClr val="FFFFFF"/>
+                    </a:solidFill>
+                  </a:tcPr>
+                </a:tc>
+                <a:extLst>
+                  <a:ext uri="{0D108BD9-81ED-4DB2-BD59-A6C34878D82A}">
+                    <a16:rowId xmlns:a16="http://schemas.microsoft.com/office/drawing/2014/main" val="3579610694"/>
+                  </a:ext>
+                </a:extLst>
+              </a:tr>
+              <a:tr h="441716">
+                <a:tc>
+                  <a:txBody>
+                    <a:bodyPr/>
+                    <a:lstStyle/>
+                    <a:p>
+                      <a:r>
+                        <a:rPr lang="en-GB" sz="2800" b="1" dirty="0">
+                          <a:effectLst/>
+                        </a:rPr>
+                        <a:t>Week 2</a:t>
+                      </a:r>
+                    </a:p>
+                  </a:txBody>
+                  <a:tcPr marL="16997" marR="16997" marT="16997" marB="16997" anchor="ctr">
+                    <a:lnL>
+                      <a:noFill/>
+                    </a:lnL>
+                    <a:lnR>
+                      <a:noFill/>
+                    </a:lnR>
+                    <a:lnT>
+                      <a:noFill/>
+                    </a:lnT>
+                    <a:lnB>
+                      <a:noFill/>
+                    </a:lnB>
+                    <a:solidFill>
+                      <a:srgbClr val="EEEEEE"/>
+                    </a:solidFill>
+                  </a:tcPr>
+                </a:tc>
+                <a:tc>
+                  <a:txBody>
+                    <a:bodyPr/>
+                    <a:lstStyle/>
+                    <a:p>
+                      <a:r>
+                        <a:rPr lang="en-GB" sz="2000" dirty="0">
+                          <a:solidFill>
+                            <a:schemeClr val="bg1">
+                              <a:lumMod val="85000"/>
+                            </a:schemeClr>
+                          </a:solidFill>
+                          <a:effectLst/>
+                        </a:rPr>
+                        <a:t>25 mins jogging</a:t>
+                      </a:r>
+                    </a:p>
+                  </a:txBody>
+                  <a:tcPr marL="16997" marR="16997" marT="16997" marB="16997" anchor="ctr">
+                    <a:lnL>
+                      <a:noFill/>
+                    </a:lnL>
+                    <a:lnR>
+                      <a:noFill/>
+                    </a:lnR>
+                    <a:lnT>
+                      <a:noFill/>
+                    </a:lnT>
+                    <a:lnB>
+                      <a:noFill/>
+                    </a:lnB>
+                    <a:solidFill>
+                      <a:srgbClr val="EEEEEE"/>
+                    </a:solidFill>
+                  </a:tcPr>
+                </a:tc>
+                <a:tc>
+                  <a:txBody>
+                    <a:bodyPr/>
+                    <a:lstStyle/>
+                    <a:p>
+                      <a:pPr algn="ctr"/>
+                      <a:r>
+                        <a:rPr lang="en-GB" sz="2000" b="0" i="0" dirty="0">
+                          <a:solidFill>
+                            <a:schemeClr val="bg1">
+                              <a:lumMod val="85000"/>
+                            </a:schemeClr>
+                          </a:solidFill>
+                          <a:effectLst/>
+                        </a:rPr>
+                        <a:t>Rest</a:t>
+                      </a:r>
+                    </a:p>
+                  </a:txBody>
+                  <a:tcPr marL="16997" marR="16997" marT="16997" marB="16997" anchor="ctr">
+                    <a:lnL>
+                      <a:noFill/>
+                    </a:lnL>
+                    <a:lnR>
+                      <a:noFill/>
+                    </a:lnR>
+                    <a:lnT>
+                      <a:noFill/>
+                    </a:lnT>
+                    <a:lnB>
+                      <a:noFill/>
+                    </a:lnB>
+                    <a:solidFill>
+                      <a:srgbClr val="EEEEEE"/>
+                    </a:solidFill>
+                  </a:tcPr>
+                </a:tc>
+                <a:tc>
+                  <a:txBody>
+                    <a:bodyPr/>
+                    <a:lstStyle/>
+                    <a:p>
+                      <a:r>
+                        <a:rPr lang="en-GB" sz="2000" b="0" i="0" dirty="0">
+                          <a:solidFill>
+                            <a:schemeClr val="bg1">
+                              <a:lumMod val="85000"/>
+                            </a:schemeClr>
+                          </a:solidFill>
+                          <a:effectLst/>
+                        </a:rPr>
+                        <a:t>35 mins jogging</a:t>
+                      </a:r>
+                    </a:p>
+                  </a:txBody>
+                  <a:tcPr marL="16997" marR="16997" marT="16997" marB="16997" anchor="ctr">
+                    <a:lnL>
+                      <a:noFill/>
+                    </a:lnL>
+                    <a:lnR>
+                      <a:noFill/>
+                    </a:lnR>
+                    <a:lnT>
+                      <a:noFill/>
+                    </a:lnT>
+                    <a:lnB>
+                      <a:noFill/>
+                    </a:lnB>
+                    <a:solidFill>
+                      <a:srgbClr val="EEEEEE"/>
+                    </a:solidFill>
+                  </a:tcPr>
+                </a:tc>
+                <a:tc>
+                  <a:txBody>
+                    <a:bodyPr/>
+                    <a:lstStyle/>
+                    <a:p>
+                      <a:pPr algn="ctr"/>
+                      <a:r>
+                        <a:rPr lang="en-GB" sz="2000" b="0" i="0" dirty="0">
+                          <a:solidFill>
+                            <a:schemeClr val="bg1">
+                              <a:lumMod val="85000"/>
+                            </a:schemeClr>
+                          </a:solidFill>
+                          <a:effectLst/>
+                        </a:rPr>
+                        <a:t>Rest</a:t>
+                      </a:r>
+                    </a:p>
+                  </a:txBody>
+                  <a:tcPr marL="16997" marR="16997" marT="16997" marB="16997" anchor="ctr">
+                    <a:lnL>
+                      <a:noFill/>
+                    </a:lnL>
+                    <a:lnR>
+                      <a:noFill/>
+                    </a:lnR>
+                    <a:lnT>
+                      <a:noFill/>
+                    </a:lnT>
+                    <a:lnB>
+                      <a:noFill/>
+                    </a:lnB>
+                    <a:solidFill>
+                      <a:srgbClr val="EEEEEE"/>
+                    </a:solidFill>
+                  </a:tcPr>
+                </a:tc>
+                <a:tc>
+                  <a:txBody>
+                    <a:bodyPr/>
+                    <a:lstStyle/>
+                    <a:p>
+                      <a:pPr algn="ctr"/>
+                      <a:r>
+                        <a:rPr lang="en-GB" sz="2000" b="0" i="0" dirty="0">
+                          <a:solidFill>
+                            <a:schemeClr val="bg1">
+                              <a:lumMod val="85000"/>
+                            </a:schemeClr>
+                          </a:solidFill>
+                          <a:effectLst/>
+                        </a:rPr>
+                        <a:t>Rest</a:t>
+                      </a:r>
+                    </a:p>
+                  </a:txBody>
+                  <a:tcPr marL="16997" marR="16997" marT="16997" marB="16997" anchor="ctr">
+                    <a:lnL>
+                      <a:noFill/>
+                    </a:lnL>
+                    <a:lnR>
+                      <a:noFill/>
+                    </a:lnR>
+                    <a:lnT>
+                      <a:noFill/>
+                    </a:lnT>
+                    <a:lnB>
+                      <a:noFill/>
+                    </a:lnB>
+                    <a:solidFill>
+                      <a:srgbClr val="EEEEEE"/>
+                    </a:solidFill>
+                  </a:tcPr>
+                </a:tc>
+                <a:tc>
+                  <a:txBody>
+                    <a:bodyPr/>
+                    <a:lstStyle/>
+                    <a:p>
+                      <a:r>
+                        <a:rPr lang="en-GB" sz="2000" dirty="0">
+                          <a:solidFill>
+                            <a:schemeClr val="bg1">
+                              <a:lumMod val="85000"/>
+                            </a:schemeClr>
+                          </a:solidFill>
+                          <a:effectLst/>
+                        </a:rPr>
+                        <a:t>30 mins jogging</a:t>
+                      </a:r>
+                    </a:p>
+                  </a:txBody>
+                  <a:tcPr marL="16997" marR="16997" marT="16997" marB="16997" anchor="ctr">
+                    <a:lnL>
+                      <a:noFill/>
+                    </a:lnL>
+                    <a:lnR>
+                      <a:noFill/>
+                    </a:lnR>
+                    <a:lnT>
+                      <a:noFill/>
+                    </a:lnT>
+                    <a:lnB>
+                      <a:noFill/>
+                    </a:lnB>
+                    <a:solidFill>
+                      <a:srgbClr val="EEEEEE"/>
+                    </a:solidFill>
+                  </a:tcPr>
+                </a:tc>
+                <a:tc>
+                  <a:txBody>
+                    <a:bodyPr/>
+                    <a:lstStyle/>
+                    <a:p>
+                      <a:r>
+                        <a:rPr lang="en-GB" sz="2000" dirty="0">
+                          <a:solidFill>
+                            <a:schemeClr val="bg1">
+                              <a:lumMod val="85000"/>
+                            </a:schemeClr>
+                          </a:solidFill>
+                          <a:effectLst/>
+                        </a:rPr>
+                        <a:t>75-min ramble</a:t>
+                      </a:r>
+                    </a:p>
+                  </a:txBody>
+                  <a:tcPr marL="16997" marR="16997" marT="16997" marB="16997" anchor="ctr">
+                    <a:lnL>
+                      <a:noFill/>
+                    </a:lnL>
+                    <a:lnR>
+                      <a:noFill/>
+                    </a:lnR>
+                    <a:lnT>
+                      <a:noFill/>
+                    </a:lnT>
+                    <a:lnB>
+                      <a:noFill/>
+                    </a:lnB>
+                    <a:lnTlToBr w="12700" cmpd="sng">
+                      <a:noFill/>
+                      <a:prstDash val="solid"/>
+                    </a:lnTlToBr>
+                    <a:lnBlToTr w="12700" cmpd="sng">
+                      <a:noFill/>
+                      <a:prstDash val="solid"/>
+                    </a:lnBlToTr>
+                    <a:solidFill>
+                      <a:srgbClr val="EEEEEE"/>
+                    </a:solidFill>
+                  </a:tcPr>
+                </a:tc>
+                <a:extLst>
+                  <a:ext uri="{0D108BD9-81ED-4DB2-BD59-A6C34878D82A}">
+                    <a16:rowId xmlns:a16="http://schemas.microsoft.com/office/drawing/2014/main" val="74197366"/>
+                  </a:ext>
+                </a:extLst>
+              </a:tr>
+              <a:tr h="441716">
+                <a:tc>
+                  <a:txBody>
+                    <a:bodyPr/>
+                    <a:lstStyle/>
+                    <a:p>
+                      <a:r>
+                        <a:rPr lang="en-GB" sz="2800" b="1" dirty="0">
+                          <a:effectLst/>
+                        </a:rPr>
+                        <a:t>Week 3</a:t>
+                      </a:r>
+                    </a:p>
+                  </a:txBody>
+                  <a:tcPr marL="16997" marR="16997" marT="16997" marB="16997" anchor="ctr">
+                    <a:lnL>
+                      <a:noFill/>
+                    </a:lnL>
+                    <a:lnR>
+                      <a:noFill/>
+                    </a:lnR>
+                    <a:lnT>
+                      <a:noFill/>
+                    </a:lnT>
+                    <a:lnB>
+                      <a:noFill/>
+                    </a:lnB>
+                    <a:solidFill>
+                      <a:srgbClr val="FFFFFF"/>
+                    </a:solidFill>
+                  </a:tcPr>
+                </a:tc>
+                <a:tc>
+                  <a:txBody>
+                    <a:bodyPr/>
+                    <a:lstStyle/>
+                    <a:p>
+                      <a:r>
+                        <a:rPr lang="en-GB" sz="2000" dirty="0">
+                          <a:solidFill>
+                            <a:schemeClr val="bg1">
+                              <a:lumMod val="85000"/>
+                            </a:schemeClr>
+                          </a:solidFill>
+                          <a:effectLst/>
+                        </a:rPr>
+                        <a:t>30 mins jogging</a:t>
+                      </a:r>
+                    </a:p>
+                  </a:txBody>
+                  <a:tcPr marL="16997" marR="16997" marT="16997" marB="16997" anchor="ctr">
+                    <a:lnL>
+                      <a:noFill/>
+                    </a:lnL>
+                    <a:lnR>
+                      <a:noFill/>
+                    </a:lnR>
+                    <a:lnT>
+                      <a:noFill/>
+                    </a:lnT>
+                    <a:lnB>
+                      <a:noFill/>
+                    </a:lnB>
+                    <a:solidFill>
+                      <a:srgbClr val="FFFFFF"/>
+                    </a:solidFill>
+                  </a:tcPr>
+                </a:tc>
+                <a:tc>
+                  <a:txBody>
+                    <a:bodyPr/>
+                    <a:lstStyle/>
+                    <a:p>
+                      <a:pPr algn="ctr"/>
+                      <a:r>
+                        <a:rPr lang="en-GB" sz="2000" b="0" i="0" dirty="0">
+                          <a:solidFill>
+                            <a:schemeClr val="bg1">
+                              <a:lumMod val="85000"/>
+                            </a:schemeClr>
+                          </a:solidFill>
+                          <a:effectLst/>
+                        </a:rPr>
+                        <a:t>Rest</a:t>
+                      </a:r>
+                    </a:p>
+                  </a:txBody>
+                  <a:tcPr marL="16997" marR="16997" marT="16997" marB="16997" anchor="ctr">
+                    <a:lnL>
+                      <a:noFill/>
+                    </a:lnL>
+                    <a:lnR>
+                      <a:noFill/>
+                    </a:lnR>
+                    <a:lnT>
+                      <a:noFill/>
+                    </a:lnT>
+                    <a:lnB>
+                      <a:noFill/>
+                    </a:lnB>
+                    <a:solidFill>
+                      <a:srgbClr val="FFFFFF"/>
+                    </a:solidFill>
+                  </a:tcPr>
+                </a:tc>
+                <a:tc>
+                  <a:txBody>
+                    <a:bodyPr/>
+                    <a:lstStyle/>
+                    <a:p>
+                      <a:r>
+                        <a:rPr lang="en-GB" sz="2000" b="0" i="0" dirty="0">
+                          <a:solidFill>
+                            <a:schemeClr val="bg1">
+                              <a:lumMod val="85000"/>
+                            </a:schemeClr>
+                          </a:solidFill>
+                          <a:effectLst/>
+                        </a:rPr>
+                        <a:t>40 mins jogging</a:t>
+                      </a:r>
+                    </a:p>
+                  </a:txBody>
+                  <a:tcPr marL="16997" marR="16997" marT="16997" marB="16997" anchor="ctr">
+                    <a:lnL>
+                      <a:noFill/>
+                    </a:lnL>
+                    <a:lnR>
+                      <a:noFill/>
+                    </a:lnR>
+                    <a:lnT>
+                      <a:noFill/>
+                    </a:lnT>
+                    <a:lnB>
+                      <a:noFill/>
+                    </a:lnB>
+                    <a:solidFill>
+                      <a:srgbClr val="FFFFFF"/>
+                    </a:solidFill>
+                  </a:tcPr>
+                </a:tc>
+                <a:tc>
+                  <a:txBody>
+                    <a:bodyPr/>
+                    <a:lstStyle/>
+                    <a:p>
+                      <a:pPr algn="ctr"/>
+                      <a:r>
+                        <a:rPr lang="en-GB" sz="2000" b="0" i="0" dirty="0">
+                          <a:solidFill>
+                            <a:schemeClr val="bg1">
+                              <a:lumMod val="85000"/>
+                            </a:schemeClr>
+                          </a:solidFill>
+                          <a:effectLst/>
+                        </a:rPr>
+                        <a:t>Rest</a:t>
+                      </a:r>
+                    </a:p>
+                  </a:txBody>
+                  <a:tcPr marL="16997" marR="16997" marT="16997" marB="16997" anchor="ctr">
+                    <a:lnL>
+                      <a:noFill/>
+                    </a:lnL>
+                    <a:lnR>
+                      <a:noFill/>
+                    </a:lnR>
+                    <a:lnT>
+                      <a:noFill/>
+                    </a:lnT>
+                    <a:lnB>
+                      <a:noFill/>
+                    </a:lnB>
+                    <a:solidFill>
+                      <a:srgbClr val="FFFFFF"/>
+                    </a:solidFill>
+                  </a:tcPr>
+                </a:tc>
+                <a:tc>
+                  <a:txBody>
+                    <a:bodyPr/>
+                    <a:lstStyle/>
+                    <a:p>
+                      <a:pPr algn="ctr"/>
+                      <a:r>
+                        <a:rPr lang="en-GB" sz="2000" b="0" i="0" dirty="0">
+                          <a:solidFill>
+                            <a:schemeClr val="bg1">
+                              <a:lumMod val="85000"/>
+                            </a:schemeClr>
+                          </a:solidFill>
+                          <a:effectLst/>
+                        </a:rPr>
+                        <a:t>Rest</a:t>
+                      </a:r>
+                    </a:p>
+                  </a:txBody>
+                  <a:tcPr marL="16997" marR="16997" marT="16997" marB="16997" anchor="ctr">
+                    <a:lnL>
+                      <a:noFill/>
+                    </a:lnL>
+                    <a:lnR>
+                      <a:noFill/>
+                    </a:lnR>
+                    <a:lnT>
+                      <a:noFill/>
+                    </a:lnT>
+                    <a:lnB>
+                      <a:noFill/>
+                    </a:lnB>
+                    <a:solidFill>
+                      <a:srgbClr val="FFFFFF"/>
+                    </a:solidFill>
+                  </a:tcPr>
+                </a:tc>
+                <a:tc>
+                  <a:txBody>
+                    <a:bodyPr/>
+                    <a:lstStyle/>
+                    <a:p>
+                      <a:r>
+                        <a:rPr lang="en-GB" sz="2000" dirty="0">
+                          <a:solidFill>
+                            <a:schemeClr val="bg1">
+                              <a:lumMod val="85000"/>
+                            </a:schemeClr>
+                          </a:solidFill>
+                          <a:effectLst/>
+                        </a:rPr>
+                        <a:t>35 mins jogging</a:t>
+                      </a:r>
+                    </a:p>
+                  </a:txBody>
+                  <a:tcPr marL="16997" marR="16997" marT="16997" marB="16997" anchor="ctr">
+                    <a:lnL>
+                      <a:noFill/>
+                    </a:lnL>
+                    <a:lnR>
+                      <a:noFill/>
+                    </a:lnR>
+                    <a:lnT>
+                      <a:noFill/>
+                    </a:lnT>
+                    <a:lnB>
+                      <a:noFill/>
+                    </a:lnB>
+                    <a:solidFill>
+                      <a:srgbClr val="FFFFFF"/>
+                    </a:solidFill>
+                  </a:tcPr>
+                </a:tc>
+                <a:tc>
+                  <a:txBody>
+                    <a:bodyPr/>
+                    <a:lstStyle/>
+                    <a:p>
+                      <a:r>
+                        <a:rPr lang="en-GB" sz="2000" dirty="0">
+                          <a:solidFill>
+                            <a:schemeClr val="bg1">
+                              <a:lumMod val="85000"/>
+                            </a:schemeClr>
+                          </a:solidFill>
+                          <a:effectLst/>
+                        </a:rPr>
+                        <a:t>90-min ramble</a:t>
+                      </a:r>
+                    </a:p>
+                  </a:txBody>
+                  <a:tcPr marL="16997" marR="16997" marT="16997" marB="16997" anchor="ctr">
+                    <a:lnL>
+                      <a:noFill/>
+                    </a:lnL>
+                    <a:lnR>
+                      <a:noFill/>
+                    </a:lnR>
+                    <a:lnT>
+                      <a:noFill/>
+                    </a:lnT>
+                    <a:lnB>
+                      <a:noFill/>
+                    </a:lnB>
+                    <a:lnTlToBr w="12700" cmpd="sng">
+                      <a:noFill/>
+                      <a:prstDash val="solid"/>
+                    </a:lnTlToBr>
+                    <a:lnBlToTr w="12700" cmpd="sng">
+                      <a:noFill/>
+                      <a:prstDash val="solid"/>
+                    </a:lnBlToTr>
+                    <a:solidFill>
+                      <a:srgbClr val="FFFFFF"/>
+                    </a:solidFill>
+                  </a:tcPr>
+                </a:tc>
+                <a:extLst>
+                  <a:ext uri="{0D108BD9-81ED-4DB2-BD59-A6C34878D82A}">
+                    <a16:rowId xmlns:a16="http://schemas.microsoft.com/office/drawing/2014/main" val="2608435965"/>
+                  </a:ext>
+                </a:extLst>
+              </a:tr>
+              <a:tr h="441716">
+                <a:tc>
+                  <a:txBody>
+                    <a:bodyPr/>
+                    <a:lstStyle/>
+                    <a:p>
+                      <a:r>
+                        <a:rPr lang="en-GB" sz="2800" b="1" dirty="0">
+                          <a:effectLst/>
+                        </a:rPr>
+                        <a:t>Week 4</a:t>
+                      </a:r>
+                    </a:p>
+                  </a:txBody>
+                  <a:tcPr marL="16997" marR="16997" marT="16997" marB="16997" anchor="ctr">
+                    <a:lnL>
+                      <a:noFill/>
+                    </a:lnL>
+                    <a:lnR>
+                      <a:noFill/>
+                    </a:lnR>
+                    <a:lnT>
+                      <a:noFill/>
+                    </a:lnT>
+                    <a:lnB>
+                      <a:noFill/>
+                    </a:lnB>
+                    <a:solidFill>
+                      <a:srgbClr val="EEEEEE"/>
+                    </a:solidFill>
+                  </a:tcPr>
+                </a:tc>
+                <a:tc>
+                  <a:txBody>
+                    <a:bodyPr/>
+                    <a:lstStyle/>
+                    <a:p>
+                      <a:r>
+                        <a:rPr lang="en-GB" sz="2000" dirty="0">
+                          <a:solidFill>
+                            <a:schemeClr val="bg1">
+                              <a:lumMod val="85000"/>
+                            </a:schemeClr>
+                          </a:solidFill>
+                          <a:effectLst/>
+                        </a:rPr>
+                        <a:t>35 mins jogging</a:t>
+                      </a:r>
+                    </a:p>
+                  </a:txBody>
+                  <a:tcPr marL="16997" marR="16997" marT="16997" marB="16997" anchor="ctr">
+                    <a:lnL>
+                      <a:noFill/>
+                    </a:lnL>
+                    <a:lnR>
+                      <a:noFill/>
+                    </a:lnR>
+                    <a:lnT>
+                      <a:noFill/>
+                    </a:lnT>
+                    <a:lnB>
+                      <a:noFill/>
+                    </a:lnB>
+                    <a:solidFill>
+                      <a:srgbClr val="EEEEEE"/>
+                    </a:solidFill>
+                  </a:tcPr>
+                </a:tc>
+                <a:tc>
+                  <a:txBody>
+                    <a:bodyPr/>
+                    <a:lstStyle/>
+                    <a:p>
+                      <a:pPr algn="ctr"/>
+                      <a:r>
+                        <a:rPr lang="en-GB" sz="2000" b="0" i="0" dirty="0">
+                          <a:solidFill>
+                            <a:schemeClr val="bg1">
+                              <a:lumMod val="85000"/>
+                            </a:schemeClr>
+                          </a:solidFill>
+                          <a:effectLst/>
+                        </a:rPr>
+                        <a:t>Rest</a:t>
+                      </a:r>
+                    </a:p>
+                  </a:txBody>
+                  <a:tcPr marL="16997" marR="16997" marT="16997" marB="16997" anchor="ctr">
+                    <a:lnL>
+                      <a:noFill/>
+                    </a:lnL>
+                    <a:lnR>
+                      <a:noFill/>
+                    </a:lnR>
+                    <a:lnT>
+                      <a:noFill/>
+                    </a:lnT>
+                    <a:lnB>
+                      <a:noFill/>
+                    </a:lnB>
+                    <a:solidFill>
+                      <a:srgbClr val="EEEEEE"/>
+                    </a:solidFill>
+                  </a:tcPr>
+                </a:tc>
+                <a:tc>
+                  <a:txBody>
+                    <a:bodyPr/>
+                    <a:lstStyle/>
+                    <a:p>
+                      <a:r>
+                        <a:rPr lang="en-GB" sz="2000" b="0" i="0" dirty="0">
+                          <a:solidFill>
+                            <a:schemeClr val="bg1">
+                              <a:lumMod val="85000"/>
+                            </a:schemeClr>
+                          </a:solidFill>
+                          <a:effectLst/>
+                        </a:rPr>
+                        <a:t>45 mins jogging</a:t>
+                      </a:r>
+                    </a:p>
+                  </a:txBody>
+                  <a:tcPr marL="16997" marR="16997" marT="16997" marB="16997" anchor="ctr">
+                    <a:lnL>
+                      <a:noFill/>
+                    </a:lnL>
+                    <a:lnR>
+                      <a:noFill/>
+                    </a:lnR>
+                    <a:lnT>
+                      <a:noFill/>
+                    </a:lnT>
+                    <a:lnB>
+                      <a:noFill/>
+                    </a:lnB>
+                    <a:solidFill>
+                      <a:srgbClr val="EEEEEE"/>
+                    </a:solidFill>
+                  </a:tcPr>
+                </a:tc>
+                <a:tc>
+                  <a:txBody>
+                    <a:bodyPr/>
+                    <a:lstStyle/>
+                    <a:p>
+                      <a:pPr algn="ctr"/>
+                      <a:r>
+                        <a:rPr lang="en-GB" sz="2000" b="0" i="0" dirty="0">
+                          <a:solidFill>
+                            <a:schemeClr val="bg1">
+                              <a:lumMod val="85000"/>
+                            </a:schemeClr>
+                          </a:solidFill>
+                          <a:effectLst/>
+                        </a:rPr>
+                        <a:t>Rest</a:t>
+                      </a:r>
+                    </a:p>
+                  </a:txBody>
+                  <a:tcPr marL="16997" marR="16997" marT="16997" marB="16997" anchor="ctr">
+                    <a:lnL>
+                      <a:noFill/>
+                    </a:lnL>
+                    <a:lnR>
+                      <a:noFill/>
+                    </a:lnR>
+                    <a:lnT>
+                      <a:noFill/>
+                    </a:lnT>
+                    <a:lnB>
+                      <a:noFill/>
+                    </a:lnB>
+                    <a:solidFill>
+                      <a:srgbClr val="EEEEEE"/>
+                    </a:solidFill>
+                  </a:tcPr>
+                </a:tc>
+                <a:tc>
+                  <a:txBody>
+                    <a:bodyPr/>
+                    <a:lstStyle/>
+                    <a:p>
+                      <a:pPr algn="ctr"/>
+                      <a:r>
+                        <a:rPr lang="en-GB" sz="2000" b="0" i="0" dirty="0">
+                          <a:solidFill>
+                            <a:schemeClr val="bg1">
+                              <a:lumMod val="85000"/>
+                            </a:schemeClr>
+                          </a:solidFill>
+                          <a:effectLst/>
+                        </a:rPr>
+                        <a:t>Rest</a:t>
+                      </a:r>
+                    </a:p>
+                  </a:txBody>
+                  <a:tcPr marL="16997" marR="16997" marT="16997" marB="16997" anchor="ctr">
+                    <a:lnL>
+                      <a:noFill/>
+                    </a:lnL>
+                    <a:lnR>
+                      <a:noFill/>
+                    </a:lnR>
+                    <a:lnT>
+                      <a:noFill/>
+                    </a:lnT>
+                    <a:lnB>
+                      <a:noFill/>
+                    </a:lnB>
+                    <a:solidFill>
+                      <a:srgbClr val="EEEEEE"/>
+                    </a:solidFill>
+                  </a:tcPr>
+                </a:tc>
+                <a:tc>
+                  <a:txBody>
+                    <a:bodyPr/>
+                    <a:lstStyle/>
+                    <a:p>
+                      <a:r>
+                        <a:rPr lang="en-GB" sz="2000">
+                          <a:solidFill>
+                            <a:schemeClr val="bg1">
+                              <a:lumMod val="85000"/>
+                            </a:schemeClr>
+                          </a:solidFill>
+                          <a:effectLst/>
+                        </a:rPr>
+                        <a:t>35 mins jogging</a:t>
+                      </a:r>
+                    </a:p>
+                  </a:txBody>
+                  <a:tcPr marL="16997" marR="16997" marT="16997" marB="16997" anchor="ctr">
+                    <a:lnL>
+                      <a:noFill/>
+                    </a:lnL>
+                    <a:lnR>
+                      <a:noFill/>
+                    </a:lnR>
+                    <a:lnT>
+                      <a:noFill/>
+                    </a:lnT>
+                    <a:lnB>
+                      <a:noFill/>
+                    </a:lnB>
+                    <a:solidFill>
+                      <a:srgbClr val="EEEEEE"/>
+                    </a:solidFill>
+                  </a:tcPr>
+                </a:tc>
+                <a:tc>
+                  <a:txBody>
+                    <a:bodyPr/>
+                    <a:lstStyle/>
+                    <a:p>
+                      <a:r>
+                        <a:rPr lang="en-GB" sz="2000" dirty="0">
+                          <a:solidFill>
+                            <a:schemeClr val="bg1">
+                              <a:lumMod val="85000"/>
+                            </a:schemeClr>
+                          </a:solidFill>
+                          <a:effectLst/>
+                        </a:rPr>
+                        <a:t>1 hr jogging and walking.</a:t>
+                      </a:r>
+                    </a:p>
+                  </a:txBody>
+                  <a:tcPr marL="16997" marR="16997" marT="16997" marB="16997" anchor="ctr">
+                    <a:lnL>
+                      <a:noFill/>
+                    </a:lnL>
+                    <a:lnR>
+                      <a:noFill/>
+                    </a:lnR>
+                    <a:lnT>
+                      <a:noFill/>
+                    </a:lnT>
+                    <a:lnB>
+                      <a:noFill/>
+                    </a:lnB>
+                    <a:lnTlToBr w="12700" cmpd="sng">
+                      <a:noFill/>
+                      <a:prstDash val="solid"/>
+                    </a:lnTlToBr>
+                    <a:lnBlToTr w="12700" cmpd="sng">
+                      <a:noFill/>
+                      <a:prstDash val="solid"/>
+                    </a:lnBlToTr>
+                    <a:solidFill>
+                      <a:srgbClr val="EEEEEE"/>
+                    </a:solidFill>
+                  </a:tcPr>
+                </a:tc>
+                <a:extLst>
+                  <a:ext uri="{0D108BD9-81ED-4DB2-BD59-A6C34878D82A}">
+                    <a16:rowId xmlns:a16="http://schemas.microsoft.com/office/drawing/2014/main" val="2028427573"/>
+                  </a:ext>
+                </a:extLst>
+              </a:tr>
+              <a:tr h="641738">
+                <a:tc>
+                  <a:txBody>
+                    <a:bodyPr/>
+                    <a:lstStyle/>
+                    <a:p>
+                      <a:r>
+                        <a:rPr lang="en-GB" sz="2800" b="1" dirty="0">
+                          <a:effectLst/>
+                        </a:rPr>
+                        <a:t>Week 5</a:t>
+                      </a:r>
+                    </a:p>
+                  </a:txBody>
+                  <a:tcPr marL="16997" marR="16997" marT="16997" marB="16997" anchor="ctr">
+                    <a:lnL>
+                      <a:noFill/>
+                    </a:lnL>
+                    <a:lnR>
+                      <a:noFill/>
+                    </a:lnR>
+                    <a:lnT>
+                      <a:noFill/>
+                    </a:lnT>
+                    <a:lnB>
+                      <a:noFill/>
+                    </a:lnB>
+                    <a:solidFill>
+                      <a:srgbClr val="FFFFFF"/>
+                    </a:solidFill>
+                  </a:tcPr>
+                </a:tc>
+                <a:tc>
+                  <a:txBody>
+                    <a:bodyPr/>
+                    <a:lstStyle/>
+                    <a:p>
+                      <a:r>
+                        <a:rPr lang="en-GB" sz="2000" dirty="0">
+                          <a:solidFill>
+                            <a:schemeClr val="bg1">
+                              <a:lumMod val="85000"/>
+                            </a:schemeClr>
+                          </a:solidFill>
+                          <a:effectLst/>
+                        </a:rPr>
+                        <a:t>20-min run</a:t>
+                      </a:r>
+                    </a:p>
+                  </a:txBody>
+                  <a:tcPr marL="16997" marR="16997" marT="16997" marB="16997" anchor="ctr">
+                    <a:lnL>
+                      <a:noFill/>
+                    </a:lnL>
+                    <a:lnR>
+                      <a:noFill/>
+                    </a:lnR>
+                    <a:lnT>
+                      <a:noFill/>
+                    </a:lnT>
+                    <a:lnB>
+                      <a:noFill/>
+                    </a:lnB>
+                    <a:solidFill>
+                      <a:srgbClr val="FFFFFF"/>
+                    </a:solidFill>
+                  </a:tcPr>
+                </a:tc>
+                <a:tc>
+                  <a:txBody>
+                    <a:bodyPr/>
+                    <a:lstStyle/>
+                    <a:p>
+                      <a:pPr algn="ctr"/>
+                      <a:r>
+                        <a:rPr lang="en-GB" sz="2000" b="0" i="0" dirty="0">
+                          <a:solidFill>
+                            <a:schemeClr val="bg1">
+                              <a:lumMod val="85000"/>
+                            </a:schemeClr>
+                          </a:solidFill>
+                          <a:effectLst/>
+                        </a:rPr>
+                        <a:t>Rest</a:t>
+                      </a:r>
+                    </a:p>
+                  </a:txBody>
+                  <a:tcPr marL="16997" marR="16997" marT="16997" marB="16997" anchor="ctr">
+                    <a:lnL>
+                      <a:noFill/>
+                    </a:lnL>
+                    <a:lnR>
+                      <a:noFill/>
+                    </a:lnR>
+                    <a:lnT>
+                      <a:noFill/>
+                    </a:lnT>
+                    <a:lnB>
+                      <a:noFill/>
+                    </a:lnB>
+                    <a:solidFill>
+                      <a:srgbClr val="FFFFFF"/>
+                    </a:solidFill>
+                  </a:tcPr>
+                </a:tc>
+                <a:tc>
+                  <a:txBody>
+                    <a:bodyPr/>
+                    <a:lstStyle/>
+                    <a:p>
+                      <a:r>
+                        <a:rPr lang="en-GB" sz="2000" b="0" i="0" dirty="0">
+                          <a:solidFill>
+                            <a:schemeClr val="bg1">
+                              <a:lumMod val="85000"/>
+                            </a:schemeClr>
+                          </a:solidFill>
+                          <a:effectLst/>
+                        </a:rPr>
+                        <a:t>50 mins jogging</a:t>
+                      </a:r>
+                    </a:p>
+                  </a:txBody>
+                  <a:tcPr marL="16997" marR="16997" marT="16997" marB="16997" anchor="ctr">
+                    <a:lnL>
+                      <a:noFill/>
+                    </a:lnL>
+                    <a:lnR>
+                      <a:noFill/>
+                    </a:lnR>
+                    <a:lnT>
+                      <a:noFill/>
+                    </a:lnT>
+                    <a:lnB>
+                      <a:noFill/>
+                    </a:lnB>
+                    <a:solidFill>
+                      <a:srgbClr val="FFFFFF"/>
+                    </a:solidFill>
+                  </a:tcPr>
+                </a:tc>
+                <a:tc>
+                  <a:txBody>
+                    <a:bodyPr/>
+                    <a:lstStyle/>
+                    <a:p>
+                      <a:pPr algn="ctr"/>
+                      <a:r>
+                        <a:rPr lang="en-GB" sz="2000" b="0" i="0" dirty="0">
+                          <a:solidFill>
+                            <a:schemeClr val="bg1">
+                              <a:lumMod val="85000"/>
+                            </a:schemeClr>
+                          </a:solidFill>
+                          <a:effectLst/>
+                        </a:rPr>
+                        <a:t>Rest</a:t>
+                      </a:r>
+                    </a:p>
+                  </a:txBody>
+                  <a:tcPr marL="16997" marR="16997" marT="16997" marB="16997" anchor="ctr">
+                    <a:lnL>
+                      <a:noFill/>
+                    </a:lnL>
+                    <a:lnR>
+                      <a:noFill/>
+                    </a:lnR>
+                    <a:lnT>
+                      <a:noFill/>
+                    </a:lnT>
+                    <a:lnB>
+                      <a:noFill/>
+                    </a:lnB>
+                    <a:solidFill>
+                      <a:srgbClr val="FFFFFF"/>
+                    </a:solidFill>
+                  </a:tcPr>
+                </a:tc>
+                <a:tc>
+                  <a:txBody>
+                    <a:bodyPr/>
+                    <a:lstStyle/>
+                    <a:p>
+                      <a:pPr algn="ctr"/>
+                      <a:r>
+                        <a:rPr lang="en-GB" sz="2000" b="0" i="0" dirty="0">
+                          <a:solidFill>
+                            <a:schemeClr val="bg1">
+                              <a:lumMod val="85000"/>
+                            </a:schemeClr>
+                          </a:solidFill>
+                          <a:effectLst/>
+                        </a:rPr>
+                        <a:t>Rest</a:t>
+                      </a:r>
+                    </a:p>
+                  </a:txBody>
+                  <a:tcPr marL="16997" marR="16997" marT="16997" marB="16997" anchor="ctr">
+                    <a:lnL>
+                      <a:noFill/>
+                    </a:lnL>
+                    <a:lnR>
+                      <a:noFill/>
+                    </a:lnR>
+                    <a:lnT>
+                      <a:noFill/>
+                    </a:lnT>
+                    <a:lnB>
+                      <a:noFill/>
+                    </a:lnB>
+                    <a:solidFill>
+                      <a:srgbClr val="FFFFFF"/>
+                    </a:solidFill>
+                  </a:tcPr>
+                </a:tc>
+                <a:tc>
+                  <a:txBody>
+                    <a:bodyPr/>
+                    <a:lstStyle/>
+                    <a:p>
+                      <a:r>
+                        <a:rPr lang="en-GB" sz="2000" b="1" i="1" dirty="0">
+                          <a:solidFill>
+                            <a:srgbClr val="FF0000"/>
+                          </a:solidFill>
+                          <a:effectLst/>
+                        </a:rPr>
+                        <a:t>Timed run over a 2M course</a:t>
+                      </a:r>
+                    </a:p>
+                  </a:txBody>
+                  <a:tcPr marL="16997" marR="16997" marT="16997" marB="16997" anchor="ctr">
+                    <a:lnL>
+                      <a:noFill/>
+                    </a:lnL>
+                    <a:lnR>
+                      <a:noFill/>
+                    </a:lnR>
+                    <a:lnT>
+                      <a:noFill/>
+                    </a:lnT>
+                    <a:lnB>
+                      <a:noFill/>
+                    </a:lnB>
+                    <a:solidFill>
+                      <a:srgbClr val="FFFFFF"/>
+                    </a:solidFill>
+                  </a:tcPr>
+                </a:tc>
+                <a:tc>
+                  <a:txBody>
+                    <a:bodyPr/>
+                    <a:lstStyle/>
+                    <a:p>
+                      <a:r>
+                        <a:rPr lang="en-GB" sz="2000" dirty="0">
+                          <a:solidFill>
+                            <a:schemeClr val="bg1">
+                              <a:lumMod val="85000"/>
+                            </a:schemeClr>
+                          </a:solidFill>
+                          <a:effectLst/>
+                        </a:rPr>
+                        <a:t>90-min ramble, or run in a 10K road race</a:t>
+                      </a:r>
+                    </a:p>
+                  </a:txBody>
+                  <a:tcPr marL="16997" marR="16997" marT="16997" marB="16997" anchor="ctr">
+                    <a:lnL>
+                      <a:noFill/>
+                    </a:lnL>
+                    <a:lnR>
+                      <a:noFill/>
+                    </a:lnR>
+                    <a:lnT>
+                      <a:noFill/>
+                    </a:lnT>
+                    <a:lnB>
+                      <a:noFill/>
+                    </a:lnB>
+                    <a:lnTlToBr w="12700" cmpd="sng">
+                      <a:noFill/>
+                      <a:prstDash val="solid"/>
+                    </a:lnTlToBr>
+                    <a:lnBlToTr w="12700" cmpd="sng">
+                      <a:noFill/>
+                      <a:prstDash val="solid"/>
+                    </a:lnBlToTr>
+                    <a:solidFill>
+                      <a:srgbClr val="FFFFFF"/>
+                    </a:solidFill>
+                  </a:tcPr>
+                </a:tc>
+                <a:extLst>
+                  <a:ext uri="{0D108BD9-81ED-4DB2-BD59-A6C34878D82A}">
+                    <a16:rowId xmlns:a16="http://schemas.microsoft.com/office/drawing/2014/main" val="659567723"/>
+                  </a:ext>
+                </a:extLst>
+              </a:tr>
+            </a:tbl>
+          </a:graphicData>
+        </a:graphic>
+      </p:graphicFrame>
+    </p:spTree>
+    <p:extLst>
+      <p:ext uri="{BB962C8B-B14F-4D97-AF65-F5344CB8AC3E}">
+        <p14:creationId xmlns:p14="http://schemas.microsoft.com/office/powerpoint/2010/main" val="87548259"/>
+      </p:ext>
+    </p:extLst>
+  </p:cSld>
+  <p:clrMapOvr>
+    <a:masterClrMapping/>
+  </p:clrMapOvr>
+</p:sld>
+</file>
+
+<file path=ppt/slides/slide11.xml><?xml version="1.0" encoding="utf-8"?>
 <p:sld xmlns:a="http://schemas.openxmlformats.org/drawingml/2006/main" xmlns:r="http://schemas.openxmlformats.org/officeDocument/2006/relationships" xmlns:p="http://schemas.openxmlformats.org/presentationml/2006/main">
   <p:cSld>
     <p:spTree>
@@ -4136,6 +5816,78 @@
           </p:spPr>
         </p:pic>
       </p:grpSp>
+      <p:sp>
+        <p:nvSpPr>
+          <p:cNvPr id="2" name="Title 1">
+            <a:extLst>
+              <a:ext uri="{FF2B5EF4-FFF2-40B4-BE49-F238E27FC236}">
+                <a16:creationId xmlns:a16="http://schemas.microsoft.com/office/drawing/2014/main" id="{8AE22903-BB48-4455-9DE6-6FD232DD504D}"/>
+              </a:ext>
+            </a:extLst>
+          </p:cNvPr>
+          <p:cNvSpPr>
+            <a:spLocks noGrp="1"/>
+          </p:cNvSpPr>
+          <p:nvPr>
+            <p:ph type="title"/>
+          </p:nvPr>
+        </p:nvSpPr>
+        <p:spPr/>
+        <p:txBody>
+          <a:bodyPr>
+            <a:normAutofit fontScale="90000"/>
+          </a:bodyPr>
+          <a:lstStyle/>
+          <a:p>
+            <a:r>
+              <a:rPr lang="en-GB" dirty="0"/>
+              <a:t>Each lesson should move at least one of the identified learner personas towards achieving </a:t>
+            </a:r>
+            <a:r>
+              <a:rPr lang="en-GB" b="1" i="1" dirty="0">
+                <a:solidFill>
+                  <a:srgbClr val="FF0000"/>
+                </a:solidFill>
+              </a:rPr>
+              <a:t>their</a:t>
+            </a:r>
+            <a:r>
+              <a:rPr lang="en-GB" dirty="0"/>
+              <a:t> goal.</a:t>
+            </a:r>
+          </a:p>
+        </p:txBody>
+      </p:sp>
+    </p:spTree>
+    <p:extLst>
+      <p:ext uri="{BB962C8B-B14F-4D97-AF65-F5344CB8AC3E}">
+        <p14:creationId xmlns:p14="http://schemas.microsoft.com/office/powerpoint/2010/main" val="2080458286"/>
+      </p:ext>
+    </p:extLst>
+  </p:cSld>
+  <p:clrMapOvr>
+    <a:masterClrMapping/>
+  </p:clrMapOvr>
+</p:sld>
+</file>
+
+<file path=ppt/slides/slide12.xml><?xml version="1.0" encoding="utf-8"?>
+<p:sld xmlns:a="http://schemas.openxmlformats.org/drawingml/2006/main" xmlns:r="http://schemas.openxmlformats.org/officeDocument/2006/relationships" xmlns:p="http://schemas.openxmlformats.org/presentationml/2006/main">
+  <p:cSld>
+    <p:spTree>
+      <p:nvGrpSpPr>
+        <p:cNvPr id="1" name=""/>
+        <p:cNvGrpSpPr/>
+        <p:nvPr/>
+      </p:nvGrpSpPr>
+      <p:grpSpPr>
+        <a:xfrm>
+          <a:off x="0" y="0"/>
+          <a:ext cx="0" cy="0"/>
+          <a:chOff x="0" y="0"/>
+          <a:chExt cx="0" cy="0"/>
+        </a:xfrm>
+      </p:grpSpPr>
       <p:grpSp>
         <p:nvGrpSpPr>
           <p:cNvPr id="6" name="Group 5">
@@ -4186,7 +5938,9 @@
               <a:r>
                 <a:rPr lang="en-GB" dirty="0">
                   <a:solidFill>
-                    <a:srgbClr val="24292E"/>
+                    <a:schemeClr val="bg1">
+                      <a:lumMod val="65000"/>
+                    </a:schemeClr>
                   </a:solidFill>
                   <a:latin typeface="-apple-system"/>
                 </a:rPr>
@@ -4196,7 +5950,9 @@
             <a:p>
               <a:endParaRPr lang="en-GB" dirty="0">
                 <a:solidFill>
-                  <a:srgbClr val="24292E"/>
+                  <a:schemeClr val="bg1">
+                    <a:lumMod val="65000"/>
+                  </a:schemeClr>
                 </a:solidFill>
                 <a:latin typeface="-apple-system"/>
               </a:endParaRPr>
@@ -4205,7 +5961,9 @@
               <a:r>
                 <a:rPr lang="en-GB" dirty="0">
                   <a:solidFill>
-                    <a:srgbClr val="24292E"/>
+                    <a:schemeClr val="bg1">
+                      <a:lumMod val="65000"/>
+                    </a:schemeClr>
                   </a:solidFill>
                   <a:latin typeface="-apple-system"/>
                 </a:rPr>
@@ -4215,7 +5973,9 @@
             <a:p>
               <a:endParaRPr lang="en-GB" b="0" i="0" dirty="0">
                 <a:solidFill>
-                  <a:srgbClr val="24292E"/>
+                  <a:schemeClr val="bg1">
+                    <a:lumMod val="65000"/>
+                  </a:schemeClr>
                 </a:solidFill>
                 <a:effectLst/>
                 <a:latin typeface="-apple-system"/>
@@ -4225,7 +5985,9 @@
               <a:r>
                 <a:rPr lang="en-GB" dirty="0">
                   <a:solidFill>
-                    <a:srgbClr val="24292E"/>
+                    <a:schemeClr val="bg1">
+                      <a:lumMod val="65000"/>
+                    </a:schemeClr>
                   </a:solidFill>
                   <a:latin typeface="-apple-system"/>
                 </a:rPr>
@@ -4235,28 +5997,43 @@
             <a:p>
               <a:endParaRPr lang="en-GB" dirty="0">
                 <a:solidFill>
-                  <a:srgbClr val="24292E"/>
+                  <a:schemeClr val="bg1">
+                    <a:lumMod val="65000"/>
+                  </a:schemeClr>
                 </a:solidFill>
                 <a:latin typeface="-apple-system"/>
               </a:endParaRPr>
             </a:p>
             <a:p>
               <a:r>
-                <a:rPr lang="en-GB" dirty="0">
+                <a:rPr lang="en-GB" b="1" dirty="0">
                   <a:solidFill>
-                    <a:srgbClr val="24292E"/>
+                    <a:schemeClr val="accent1"/>
                   </a:solidFill>
                   <a:latin typeface="-apple-system"/>
                 </a:rPr>
                 <a:t>- </a:t>
               </a:r>
               <a:r>
-                <a:rPr lang="en-GB" dirty="0">
-                  <a:hlinkClick r:id="rId4"/>
+                <a:rPr lang="en-GB" b="1" dirty="0">
+                  <a:solidFill>
+                    <a:schemeClr val="accent1"/>
+                  </a:solidFill>
+                  <a:hlinkClick r:id="rId2">
+                    <a:extLst>
+                      <a:ext uri="{A12FA001-AC4F-418D-AE19-62706E023703}">
+                        <ahyp:hlinkClr xmlns:ahyp="http://schemas.microsoft.com/office/drawing/2018/hyperlinkcolor" val="tx"/>
+                      </a:ext>
+                    </a:extLst>
+                  </a:hlinkClick>
                 </a:rPr>
                 <a:t>https://github.com/rstudio-education/learner-personas</a:t>
               </a:r>
-              <a:endParaRPr lang="en-GB" dirty="0"/>
+              <a:endParaRPr lang="en-GB" b="1" dirty="0">
+                <a:solidFill>
+                  <a:schemeClr val="accent1"/>
+                </a:solidFill>
+              </a:endParaRPr>
             </a:p>
           </p:txBody>
         </p:sp>
@@ -4275,7 +6052,7 @@
             <p:nvPr/>
           </p:nvPicPr>
           <p:blipFill>
-            <a:blip r:embed="rId5">
+            <a:blip r:embed="rId3">
               <a:extLst>
                 <a:ext uri="{28A0092B-C50C-407E-A947-70E740481C1C}">
                   <a14:useLocalDpi xmlns:a14="http://schemas.microsoft.com/office/drawing/2010/main" val="0"/>
@@ -4342,7 +6119,19 @@
           <a:p>
             <a:r>
               <a:rPr lang="en-GB" dirty="0"/>
-              <a:t>Each lesson should move at least one of the identified learner personas towards achieving their goal.</a:t>
+              <a:t>Each lesson should move at least one of the identified learner personas towards achieving </a:t>
+            </a:r>
+            <a:r>
+              <a:rPr lang="en-GB" b="1" i="1" dirty="0">
+                <a:solidFill>
+                  <a:srgbClr val="FF0000"/>
+                </a:solidFill>
+              </a:rPr>
+              <a:t>their</a:t>
+            </a:r>
+            <a:r>
+              <a:rPr lang="en-GB" dirty="0"/>
+              <a:t> goal.</a:t>
             </a:r>
           </a:p>
         </p:txBody>
@@ -4357,157 +6146,10 @@
   <p:clrMapOvr>
     <a:masterClrMapping/>
   </p:clrMapOvr>
-  <p:timing>
-    <p:tnLst>
-      <p:par>
-        <p:cTn id="1" dur="indefinite" restart="never" nodeType="tmRoot">
-          <p:childTnLst>
-            <p:seq concurrent="1" nextAc="seek">
-              <p:cTn id="2" dur="indefinite" nodeType="mainSeq">
-                <p:childTnLst>
-                  <p:par>
-                    <p:cTn id="3" fill="hold">
-                      <p:stCondLst>
-                        <p:cond delay="indefinite"/>
-                        <p:cond evt="onBegin" delay="0">
-                          <p:tn val="2"/>
-                        </p:cond>
-                      </p:stCondLst>
-                      <p:childTnLst>
-                        <p:par>
-                          <p:cTn id="4" fill="hold">
-                            <p:stCondLst>
-                              <p:cond delay="0"/>
-                            </p:stCondLst>
-                            <p:childTnLst>
-                              <p:par>
-                                <p:cTn id="5" presetID="1" presetClass="entr" presetSubtype="0" fill="hold" nodeType="withEffect">
-                                  <p:stCondLst>
-                                    <p:cond delay="0"/>
-                                  </p:stCondLst>
-                                  <p:childTnLst>
-                                    <p:set>
-                                      <p:cBhvr>
-                                        <p:cTn id="6" dur="1" fill="hold">
-                                          <p:stCondLst>
-                                            <p:cond delay="0"/>
-                                          </p:stCondLst>
-                                        </p:cTn>
-                                        <p:tgtEl>
-                                          <p:spTgt spid="4"/>
-                                        </p:tgtEl>
-                                        <p:attrNameLst>
-                                          <p:attrName>style.visibility</p:attrName>
-                                        </p:attrNameLst>
-                                      </p:cBhvr>
-                                      <p:to>
-                                        <p:strVal val="visible"/>
-                                      </p:to>
-                                    </p:set>
-                                  </p:childTnLst>
-                                  <p:subTnLst>
-                                    <p:set>
-                                      <p:cBhvr override="childStyle">
-                                        <p:cTn dur="1" fill="hold" display="0" masterRel="nextClick" afterEffect="1"/>
-                                        <p:tgtEl>
-                                          <p:spTgt spid="4"/>
-                                        </p:tgtEl>
-                                        <p:attrNameLst>
-                                          <p:attrName>style.visibility</p:attrName>
-                                        </p:attrNameLst>
-                                      </p:cBhvr>
-                                      <p:to>
-                                        <p:strVal val="hidden"/>
-                                      </p:to>
-                                    </p:set>
-                                  </p:subTnLst>
-                                </p:cTn>
-                              </p:par>
-                            </p:childTnLst>
-                          </p:cTn>
-                        </p:par>
-                      </p:childTnLst>
-                    </p:cTn>
-                  </p:par>
-                  <p:par>
-                    <p:cTn id="7" fill="hold">
-                      <p:stCondLst>
-                        <p:cond delay="indefinite"/>
-                      </p:stCondLst>
-                      <p:childTnLst>
-                        <p:par>
-                          <p:cTn id="8" fill="hold">
-                            <p:stCondLst>
-                              <p:cond delay="0"/>
-                            </p:stCondLst>
-                            <p:childTnLst>
-                              <p:par>
-                                <p:cTn id="9" presetID="10" presetClass="entr" presetSubtype="0" fill="hold" nodeType="clickEffect">
-                                  <p:stCondLst>
-                                    <p:cond delay="0"/>
-                                  </p:stCondLst>
-                                  <p:childTnLst>
-                                    <p:set>
-                                      <p:cBhvr>
-                                        <p:cTn id="10" dur="1" fill="hold">
-                                          <p:stCondLst>
-                                            <p:cond delay="0"/>
-                                          </p:stCondLst>
-                                        </p:cTn>
-                                        <p:tgtEl>
-                                          <p:spTgt spid="6"/>
-                                        </p:tgtEl>
-                                        <p:attrNameLst>
-                                          <p:attrName>style.visibility</p:attrName>
-                                        </p:attrNameLst>
-                                      </p:cBhvr>
-                                      <p:to>
-                                        <p:strVal val="visible"/>
-                                      </p:to>
-                                    </p:set>
-                                    <p:animEffect transition="in" filter="fade">
-                                      <p:cBhvr>
-                                        <p:cTn id="11" dur="500"/>
-                                        <p:tgtEl>
-                                          <p:spTgt spid="6"/>
-                                        </p:tgtEl>
-                                      </p:cBhvr>
-                                    </p:animEffect>
-                                  </p:childTnLst>
-                                </p:cTn>
-                              </p:par>
-                            </p:childTnLst>
-                          </p:cTn>
-                        </p:par>
-                      </p:childTnLst>
-                    </p:cTn>
-                  </p:par>
-                </p:childTnLst>
-              </p:cTn>
-              <p:prevCondLst>
-                <p:cond evt="onPrev" delay="0">
-                  <p:tgtEl>
-                    <p:sldTgt/>
-                  </p:tgtEl>
-                </p:cond>
-              </p:prevCondLst>
-              <p:nextCondLst>
-                <p:cond evt="onNext" delay="0">
-                  <p:tgtEl>
-                    <p:sldTgt/>
-                  </p:tgtEl>
-                </p:cond>
-              </p:nextCondLst>
-            </p:seq>
-          </p:childTnLst>
-        </p:cTn>
-      </p:par>
-    </p:tnLst>
-  </p:timing>
 </p:sld>
 </file>
 
-<file path=ppt/slides/slide11.xml><?xml version="1.0" encoding="utf-8"?>
+<file path=ppt/slides/slide13.xml><?xml version="1.0" encoding="utf-8"?>
 <p:sld xmlns:a="http://schemas.openxmlformats.org/drawingml/2006/main" xmlns:r="http://schemas.openxmlformats.org/officeDocument/2006/relationships" xmlns:p="http://schemas.openxmlformats.org/presentationml/2006/main">
   <p:cSld>
     <p:spTree>
@@ -4582,6 +6224,64 @@
           </a:prstGeom>
         </p:spPr>
       </p:pic>
+    </p:spTree>
+    <p:extLst>
+      <p:ext uri="{BB962C8B-B14F-4D97-AF65-F5344CB8AC3E}">
+        <p14:creationId xmlns:p14="http://schemas.microsoft.com/office/powerpoint/2010/main" val="3673171504"/>
+      </p:ext>
+    </p:extLst>
+  </p:cSld>
+  <p:clrMapOvr>
+    <a:masterClrMapping/>
+  </p:clrMapOvr>
+</p:sld>
+</file>
+
+<file path=ppt/slides/slide14.xml><?xml version="1.0" encoding="utf-8"?>
+<p:sld xmlns:a="http://schemas.openxmlformats.org/drawingml/2006/main" xmlns:r="http://schemas.openxmlformats.org/officeDocument/2006/relationships" xmlns:p="http://schemas.openxmlformats.org/presentationml/2006/main">
+  <p:cSld>
+    <p:spTree>
+      <p:nvGrpSpPr>
+        <p:cNvPr id="1" name=""/>
+        <p:cNvGrpSpPr/>
+        <p:nvPr/>
+      </p:nvGrpSpPr>
+      <p:grpSpPr>
+        <a:xfrm>
+          <a:off x="0" y="0"/>
+          <a:ext cx="0" cy="0"/>
+          <a:chOff x="0" y="0"/>
+          <a:chExt cx="0" cy="0"/>
+        </a:xfrm>
+      </p:grpSpPr>
+      <p:sp>
+        <p:nvSpPr>
+          <p:cNvPr id="2" name="Title 1">
+            <a:extLst>
+              <a:ext uri="{FF2B5EF4-FFF2-40B4-BE49-F238E27FC236}">
+                <a16:creationId xmlns:a16="http://schemas.microsoft.com/office/drawing/2014/main" id="{22BD76A7-8548-46F9-9A7E-EAEA7CBDC961}"/>
+              </a:ext>
+            </a:extLst>
+          </p:cNvPr>
+          <p:cNvSpPr>
+            <a:spLocks noGrp="1"/>
+          </p:cNvSpPr>
+          <p:nvPr>
+            <p:ph type="title"/>
+          </p:nvPr>
+        </p:nvSpPr>
+        <p:spPr/>
+        <p:txBody>
+          <a:bodyPr/>
+          <a:lstStyle/>
+          <a:p>
+            <a:r>
+              <a:rPr lang="en-GB" dirty="0"/>
+              <a:t>Doing too much too soon can lead to injury</a:t>
+            </a:r>
+          </a:p>
+        </p:txBody>
+      </p:sp>
       <p:pic>
         <p:nvPicPr>
           <p:cNvPr id="5" name="Picture 2">
@@ -4597,7 +6297,7 @@
           <p:nvPr/>
         </p:nvPicPr>
         <p:blipFill>
-          <a:blip r:embed="rId3">
+          <a:blip r:embed="rId2">
             <a:extLst>
               <a:ext uri="{28A0092B-C50C-407E-A947-70E740481C1C}">
                 <a14:useLocalDpi xmlns:a14="http://schemas.microsoft.com/office/drawing/2010/main" val="0"/>
@@ -4662,149 +6362,10 @@
   <p:clrMapOvr>
     <a:masterClrMapping/>
   </p:clrMapOvr>
-  <p:timing>
-    <p:tnLst>
-      <p:par>
-        <p:cTn id="1" dur="indefinite" restart="never" nodeType="tmRoot">
-          <p:childTnLst>
-            <p:seq concurrent="1" nextAc="seek">
-              <p:cTn id="2" dur="indefinite" nodeType="mainSeq">
-                <p:childTnLst>
-                  <p:par>
-                    <p:cTn id="3" fill="hold">
-                      <p:stCondLst>
-                        <p:cond delay="indefinite"/>
-                        <p:cond evt="onBegin" delay="0">
-                          <p:tn val="2"/>
-                        </p:cond>
-                      </p:stCondLst>
-                      <p:childTnLst>
-                        <p:par>
-                          <p:cTn id="4" fill="hold">
-                            <p:stCondLst>
-                              <p:cond delay="0"/>
-                            </p:stCondLst>
-                            <p:childTnLst>
-                              <p:par>
-                                <p:cTn id="5" presetID="1" presetClass="entr" presetSubtype="0" fill="hold" nodeType="withEffect">
-                                  <p:stCondLst>
-                                    <p:cond delay="0"/>
-                                  </p:stCondLst>
-                                  <p:childTnLst>
-                                    <p:set>
-                                      <p:cBhvr>
-                                        <p:cTn id="6" dur="1" fill="hold">
-                                          <p:stCondLst>
-                                            <p:cond delay="0"/>
-                                          </p:stCondLst>
-                                        </p:cTn>
-                                        <p:tgtEl>
-                                          <p:spTgt spid="4"/>
-                                        </p:tgtEl>
-                                        <p:attrNameLst>
-                                          <p:attrName>style.visibility</p:attrName>
-                                        </p:attrNameLst>
-                                      </p:cBhvr>
-                                      <p:to>
-                                        <p:strVal val="visible"/>
-                                      </p:to>
-                                    </p:set>
-                                  </p:childTnLst>
-                                  <p:subTnLst>
-                                    <p:set>
-                                      <p:cBhvr override="childStyle">
-                                        <p:cTn dur="1" fill="hold" display="0" masterRel="nextClick" afterEffect="1"/>
-                                        <p:tgtEl>
-                                          <p:spTgt spid="4"/>
-                                        </p:tgtEl>
-                                        <p:attrNameLst>
-                                          <p:attrName>style.visibility</p:attrName>
-                                        </p:attrNameLst>
-                                      </p:cBhvr>
-                                      <p:to>
-                                        <p:strVal val="hidden"/>
-                                      </p:to>
-                                    </p:set>
-                                  </p:subTnLst>
-                                </p:cTn>
-                              </p:par>
-                            </p:childTnLst>
-                          </p:cTn>
-                        </p:par>
-                      </p:childTnLst>
-                    </p:cTn>
-                  </p:par>
-                  <p:par>
-                    <p:cTn id="7" fill="hold">
-                      <p:stCondLst>
-                        <p:cond delay="indefinite"/>
-                      </p:stCondLst>
-                      <p:childTnLst>
-                        <p:par>
-                          <p:cTn id="8" fill="hold">
-                            <p:stCondLst>
-                              <p:cond delay="0"/>
-                            </p:stCondLst>
-                            <p:childTnLst>
-                              <p:par>
-                                <p:cTn id="9" presetID="1" presetClass="entr" presetSubtype="0" fill="hold" nodeType="clickEffect">
-                                  <p:stCondLst>
-                                    <p:cond delay="0"/>
-                                  </p:stCondLst>
-                                  <p:childTnLst>
-                                    <p:set>
-                                      <p:cBhvr>
-                                        <p:cTn id="10" dur="1" fill="hold">
-                                          <p:stCondLst>
-                                            <p:cond delay="0"/>
-                                          </p:stCondLst>
-                                        </p:cTn>
-                                        <p:tgtEl>
-                                          <p:spTgt spid="5"/>
-                                        </p:tgtEl>
-                                        <p:attrNameLst>
-                                          <p:attrName>style.visibility</p:attrName>
-                                        </p:attrNameLst>
-                                      </p:cBhvr>
-                                      <p:to>
-                                        <p:strVal val="visible"/>
-                                      </p:to>
-                                    </p:set>
-                                  </p:childTnLst>
-                                </p:cTn>
-                              </p:par>
-                            </p:childTnLst>
-                          </p:cTn>
-                        </p:par>
-                      </p:childTnLst>
-                    </p:cTn>
-                  </p:par>
-                </p:childTnLst>
-              </p:cTn>
-              <p:prevCondLst>
-                <p:cond evt="onPrev" delay="0">
-                  <p:tgtEl>
-                    <p:sldTgt/>
-                  </p:tgtEl>
-                </p:cond>
-              </p:prevCondLst>
-              <p:nextCondLst>
-                <p:cond evt="onNext" delay="0">
-                  <p:tgtEl>
-                    <p:sldTgt/>
-                  </p:tgtEl>
-                </p:cond>
-              </p:nextCondLst>
-            </p:seq>
-          </p:childTnLst>
-        </p:cTn>
-      </p:par>
-    </p:tnLst>
-  </p:timing>
 </p:sld>
 </file>
 
-<file path=ppt/slides/slide12.xml><?xml version="1.0" encoding="utf-8"?>
+<file path=ppt/slides/slide15.xml><?xml version="1.0" encoding="utf-8"?>
 <p:sld xmlns:a="http://schemas.openxmlformats.org/drawingml/2006/main" xmlns:r="http://schemas.openxmlformats.org/officeDocument/2006/relationships" xmlns:p="http://schemas.openxmlformats.org/presentationml/2006/main">
   <p:cSld>
     <p:spTree>
@@ -4870,7 +6431,7 @@
 </p:sld>
 </file>
 
-<file path=ppt/slides/slide13.xml><?xml version="1.0" encoding="utf-8"?>
+<file path=ppt/slides/slide16.xml><?xml version="1.0" encoding="utf-8"?>
 <p:sld xmlns:a="http://schemas.openxmlformats.org/drawingml/2006/main" xmlns:r="http://schemas.openxmlformats.org/officeDocument/2006/relationships" xmlns:p="http://schemas.openxmlformats.org/presentationml/2006/main">
   <p:cSld>
     <p:spTree>
@@ -4936,7 +6497,7 @@
 </p:sld>
 </file>
 
-<file path=ppt/slides/slide14.xml><?xml version="1.0" encoding="utf-8"?>
+<file path=ppt/slides/slide17.xml><?xml version="1.0" encoding="utf-8"?>
 <p:sld xmlns:a="http://schemas.openxmlformats.org/drawingml/2006/main" xmlns:r="http://schemas.openxmlformats.org/officeDocument/2006/relationships" xmlns:p="http://schemas.openxmlformats.org/presentationml/2006/main">
   <p:cSld>
     <p:spTree>
@@ -5475,7 +7036,7 @@
 </p:sld>
 </file>
 
-<file path=ppt/slides/slide15.xml><?xml version="1.0" encoding="utf-8"?>
+<file path=ppt/slides/slide18.xml><?xml version="1.0" encoding="utf-8"?>
 <p:sld xmlns:a="http://schemas.openxmlformats.org/drawingml/2006/main" xmlns:r="http://schemas.openxmlformats.org/officeDocument/2006/relationships" xmlns:p="http://schemas.openxmlformats.org/presentationml/2006/main">
   <p:cSld>
     <p:spTree>
@@ -5494,10 +7055,10 @@
       </p:grpSpPr>
       <p:sp>
         <p:nvSpPr>
-          <p:cNvPr id="4" name="Title 3">
-            <a:extLst>
-              <a:ext uri="{FF2B5EF4-FFF2-40B4-BE49-F238E27FC236}">
-                <a16:creationId xmlns:a16="http://schemas.microsoft.com/office/drawing/2014/main" id="{8735D53C-59E6-47C5-9A06-9515285548D1}"/>
+          <p:cNvPr id="2" name="Title 1">
+            <a:extLst>
+              <a:ext uri="{FF2B5EF4-FFF2-40B4-BE49-F238E27FC236}">
+                <a16:creationId xmlns:a16="http://schemas.microsoft.com/office/drawing/2014/main" id="{3D4FCA36-4F58-4B31-B96E-FB109527CC07}"/>
               </a:ext>
             </a:extLst>
           </p:cNvPr>
@@ -5515,100 +7076,17 @@
           <a:p>
             <a:r>
               <a:rPr lang="en-GB" dirty="0"/>
-              <a:t>The backup pile</a:t>
+              <a:t>Find out more</a:t>
             </a:r>
           </a:p>
         </p:txBody>
       </p:sp>
       <p:sp>
         <p:nvSpPr>
-          <p:cNvPr id="5" name="Text Placeholder 4">
-            <a:extLst>
-              <a:ext uri="{FF2B5EF4-FFF2-40B4-BE49-F238E27FC236}">
-                <a16:creationId xmlns:a16="http://schemas.microsoft.com/office/drawing/2014/main" id="{A473CBF5-CEA4-4F21-8B89-C9DAF6C434DB}"/>
-              </a:ext>
-            </a:extLst>
-          </p:cNvPr>
-          <p:cNvSpPr>
-            <a:spLocks noGrp="1"/>
-          </p:cNvSpPr>
-          <p:nvPr>
-            <p:ph type="body" idx="1"/>
-          </p:nvPr>
-        </p:nvSpPr>
-        <p:spPr/>
-        <p:txBody>
-          <a:bodyPr/>
-          <a:lstStyle/>
-          <a:p>
-            <a:endParaRPr lang="en-GB"/>
-          </a:p>
-        </p:txBody>
-      </p:sp>
-    </p:spTree>
-    <p:extLst>
-      <p:ext uri="{BB962C8B-B14F-4D97-AF65-F5344CB8AC3E}">
-        <p14:creationId xmlns:p14="http://schemas.microsoft.com/office/powerpoint/2010/main" val="919430748"/>
-      </p:ext>
-    </p:extLst>
-  </p:cSld>
-  <p:clrMapOvr>
-    <a:masterClrMapping/>
-  </p:clrMapOvr>
-</p:sld>
-</file>
-
-<file path=ppt/slides/slide16.xml><?xml version="1.0" encoding="utf-8"?>
-<p:sld xmlns:a="http://schemas.openxmlformats.org/drawingml/2006/main" xmlns:r="http://schemas.openxmlformats.org/officeDocument/2006/relationships" xmlns:p="http://schemas.openxmlformats.org/presentationml/2006/main" show="0">
-  <p:cSld>
-    <p:spTree>
-      <p:nvGrpSpPr>
-        <p:cNvPr id="1" name=""/>
-        <p:cNvGrpSpPr/>
-        <p:nvPr/>
-      </p:nvGrpSpPr>
-      <p:grpSpPr>
-        <a:xfrm>
-          <a:off x="0" y="0"/>
-          <a:ext cx="0" cy="0"/>
-          <a:chOff x="0" y="0"/>
-          <a:chExt cx="0" cy="0"/>
-        </a:xfrm>
-      </p:grpSpPr>
-      <p:sp>
-        <p:nvSpPr>
-          <p:cNvPr id="4" name="Title 3">
-            <a:extLst>
-              <a:ext uri="{FF2B5EF4-FFF2-40B4-BE49-F238E27FC236}">
-                <a16:creationId xmlns:a16="http://schemas.microsoft.com/office/drawing/2014/main" id="{62BBA9DC-8E71-4EB1-962E-3CA67DD92CD3}"/>
-              </a:ext>
-            </a:extLst>
-          </p:cNvPr>
-          <p:cNvSpPr>
-            <a:spLocks noGrp="1"/>
-          </p:cNvSpPr>
-          <p:nvPr>
-            <p:ph type="title"/>
-          </p:nvPr>
-        </p:nvSpPr>
-        <p:spPr/>
-        <p:txBody>
-          <a:bodyPr/>
-          <a:lstStyle/>
-          <a:p>
-            <a:r>
-              <a:rPr lang="en-GB" dirty="0"/>
-              <a:t>Certification – what’s the point?</a:t>
-            </a:r>
-          </a:p>
-        </p:txBody>
-      </p:sp>
-      <p:sp>
-        <p:nvSpPr>
-          <p:cNvPr id="5" name="Content Placeholder 4">
-            <a:extLst>
-              <a:ext uri="{FF2B5EF4-FFF2-40B4-BE49-F238E27FC236}">
-                <a16:creationId xmlns:a16="http://schemas.microsoft.com/office/drawing/2014/main" id="{C5603F27-A49F-49BF-999B-63AFFB3A97A6}"/>
+          <p:cNvPr id="3" name="Content Placeholder 2">
+            <a:extLst>
+              <a:ext uri="{FF2B5EF4-FFF2-40B4-BE49-F238E27FC236}">
+                <a16:creationId xmlns:a16="http://schemas.microsoft.com/office/drawing/2014/main" id="{62660EEF-541F-40E2-848B-E51551038F2F}"/>
               </a:ext>
             </a:extLst>
           </p:cNvPr>
@@ -5619,334 +7097,421 @@
             <p:ph idx="1"/>
           </p:nvPr>
         </p:nvSpPr>
-        <p:spPr/>
+        <p:spPr>
+          <a:xfrm>
+            <a:off x="838200" y="1541417"/>
+            <a:ext cx="10515600" cy="4635546"/>
+          </a:xfrm>
+        </p:spPr>
         <p:txBody>
           <a:bodyPr/>
           <a:lstStyle/>
           <a:p>
             <a:r>
               <a:rPr lang="en-GB" dirty="0"/>
-              <a:t>Proficiency in teaching</a:t>
-            </a:r>
+              <a:t>Find a certified trainer near you:</a:t>
+            </a:r>
+          </a:p>
+          <a:p>
+            <a:pPr lvl="1"/>
+            <a:r>
+              <a:rPr lang="en-GB" dirty="0">
+                <a:hlinkClick r:id="rId2"/>
+              </a:rPr>
+              <a:t>https://education.rstudio.com/trainers#people</a:t>
+            </a:r>
+            <a:endParaRPr lang="en-GB" dirty="0"/>
+          </a:p>
+          <a:p>
+            <a:endParaRPr lang="en-GB" dirty="0"/>
           </a:p>
           <a:p>
             <a:r>
               <a:rPr lang="en-GB" dirty="0"/>
-              <a:t>Proficiency in technical skills</a:t>
-            </a:r>
-          </a:p>
-          <a:p>
+              <a:t>Become a certified trainer:</a:t>
+            </a:r>
+          </a:p>
+          <a:p>
+            <a:pPr lvl="1"/>
+            <a:r>
+              <a:rPr lang="en-GB" dirty="0">
+                <a:hlinkClick r:id="rId3"/>
+              </a:rPr>
+              <a:t>https://education.rstudio.com/trainers#info</a:t>
+            </a:r>
             <a:endParaRPr lang="en-GB" dirty="0"/>
           </a:p>
           <a:p>
+            <a:pPr lvl="1"/>
             <a:r>
               <a:rPr lang="en-GB" dirty="0"/>
-              <a:t>Certified trainers share best practice, keep up to date with latest developments and tools in </a:t>
-            </a:r>
-            <a:r>
-              <a:rPr lang="en-GB" dirty="0" err="1"/>
-              <a:t>tidyverse</a:t>
-            </a:r>
+              <a:t>Instructor training in February 2020. Contact Greg Wilson.</a:t>
+            </a:r>
+          </a:p>
+          <a:p>
+            <a:endParaRPr lang="en-GB" dirty="0"/>
+          </a:p>
+          <a:p>
             <a:r>
               <a:rPr lang="en-GB" dirty="0"/>
-              <a:t>, Shiny.</a:t>
+              <a:t>RStudio Education material (CC-BY-SA license)</a:t>
             </a:r>
           </a:p>
           <a:p>
             <a:pPr lvl="1"/>
             <a:r>
-              <a:rPr lang="en-GB" dirty="0"/>
-              <a:t>Community of practice</a:t>
-            </a:r>
-          </a:p>
-          <a:p>
+              <a:rPr lang="en-GB" dirty="0">
+                <a:hlinkClick r:id="rId4"/>
+              </a:rPr>
+              <a:t>https://github.com/rstudio-education</a:t>
+            </a:r>
             <a:endParaRPr lang="en-GB" dirty="0"/>
-          </a:p>
-          <a:p>
-            <a:r>
-              <a:rPr lang="en-GB" dirty="0"/>
-              <a:t>Delegates being trained and organisations commissioning training by certified trainers can be confident that the training will be good.</a:t>
-            </a:r>
           </a:p>
         </p:txBody>
       </p:sp>
+      <p:grpSp>
+        <p:nvGrpSpPr>
+          <p:cNvPr id="11" name="Group 10">
+            <a:extLst>
+              <a:ext uri="{FF2B5EF4-FFF2-40B4-BE49-F238E27FC236}">
+                <a16:creationId xmlns:a16="http://schemas.microsoft.com/office/drawing/2014/main" id="{311AF60B-EE68-40DE-BEBE-551EDA02FACC}"/>
+              </a:ext>
+            </a:extLst>
+          </p:cNvPr>
+          <p:cNvGrpSpPr/>
+          <p:nvPr/>
+        </p:nvGrpSpPr>
+        <p:grpSpPr>
+          <a:xfrm>
+            <a:off x="1480033" y="6176963"/>
+            <a:ext cx="9231934" cy="523025"/>
+            <a:chOff x="1993414" y="6309324"/>
+            <a:chExt cx="9231934" cy="523025"/>
+          </a:xfrm>
+        </p:grpSpPr>
+        <p:grpSp>
+          <p:nvGrpSpPr>
+            <p:cNvPr id="4" name="Group 3">
+              <a:extLst>
+                <a:ext uri="{FF2B5EF4-FFF2-40B4-BE49-F238E27FC236}">
+                  <a16:creationId xmlns:a16="http://schemas.microsoft.com/office/drawing/2014/main" id="{F025299F-D9C8-44D4-B433-BA4A5BEEC8DF}"/>
+                </a:ext>
+              </a:extLst>
+            </p:cNvPr>
+            <p:cNvGrpSpPr/>
+            <p:nvPr/>
+          </p:nvGrpSpPr>
+          <p:grpSpPr>
+            <a:xfrm>
+              <a:off x="1993414" y="6309324"/>
+              <a:ext cx="5426288" cy="523025"/>
+              <a:chOff x="5860852" y="10817241"/>
+              <a:chExt cx="10349592" cy="1064887"/>
+            </a:xfrm>
+          </p:grpSpPr>
+          <p:sp>
+            <p:nvSpPr>
+              <p:cNvPr id="5" name=" @StatGarrett">
+                <a:extLst>
+                  <a:ext uri="{FF2B5EF4-FFF2-40B4-BE49-F238E27FC236}">
+                    <a16:creationId xmlns:a16="http://schemas.microsoft.com/office/drawing/2014/main" id="{F1B796BB-BDDE-425B-BB96-4C63400BB476}"/>
+                  </a:ext>
+                </a:extLst>
+              </p:cNvPr>
+              <p:cNvSpPr txBox="1"/>
+              <p:nvPr/>
+            </p:nvSpPr>
+            <p:spPr>
+              <a:xfrm>
+                <a:off x="5860852" y="10817241"/>
+                <a:ext cx="5359082" cy="1064887"/>
+              </a:xfrm>
+              <a:prstGeom prst="rect">
+                <a:avLst/>
+              </a:prstGeom>
+              <a:ln w="12700">
+                <a:miter lim="400000"/>
+              </a:ln>
+              <a:extLst>
+                <a:ext uri="{C572A759-6A51-4108-AA02-DFA0A04FC94B}">
+                  <ma14:wrappingTextBoxFlag xmlns:ma14="http://schemas.microsoft.com/office/mac/drawingml/2011/main" xmlns="" val="1"/>
+                </a:ext>
+              </a:extLst>
+            </p:spPr>
+            <p:txBody>
+              <a:bodyPr lIns="71437" tIns="71437" rIns="71437" bIns="71437" anchor="ctr"/>
+              <a:lstStyle/>
+              <a:p>
+                <a:pPr algn="l">
+                  <a:defRPr sz="5600">
+                    <a:latin typeface="+mn-lt"/>
+                    <a:ea typeface="+mn-ea"/>
+                    <a:cs typeface="+mn-cs"/>
+                    <a:sym typeface="Helvetica Neue"/>
+                  </a:defRPr>
+                </a:pPr>
+                <a:r>
+                  <a:rPr sz="2800" dirty="0">
+                    <a:solidFill>
+                      <a:srgbClr val="78AAD6"/>
+                    </a:solidFill>
+                    <a:latin typeface="FontAwesome"/>
+                    <a:ea typeface="FontAwesome"/>
+                    <a:cs typeface="FontAwesome"/>
+                    <a:sym typeface="FontAwesome"/>
+                  </a:rPr>
+                  <a:t></a:t>
+                </a:r>
+                <a:r>
+                  <a:rPr sz="2800" dirty="0"/>
+                  <a:t> </a:t>
+                </a:r>
+                <a:r>
+                  <a:rPr sz="2800" dirty="0">
+                    <a:solidFill>
+                      <a:srgbClr val="53585F"/>
+                    </a:solidFill>
+                  </a:rPr>
+                  <a:t>@</a:t>
+                </a:r>
+                <a:r>
+                  <a:rPr lang="en-GB" sz="2800" dirty="0" err="1">
+                    <a:solidFill>
+                      <a:srgbClr val="53585F"/>
+                    </a:solidFill>
+                  </a:rPr>
+                  <a:t>MikeKSmith</a:t>
+                </a:r>
+                <a:endParaRPr sz="2800" dirty="0">
+                  <a:solidFill>
+                    <a:srgbClr val="53585F"/>
+                  </a:solidFill>
+                </a:endParaRPr>
+              </a:p>
+            </p:txBody>
+          </p:sp>
+          <p:pic>
+            <p:nvPicPr>
+              <p:cNvPr id="6" name="Picture 6" descr="Image result for github">
+                <a:extLst>
+                  <a:ext uri="{FF2B5EF4-FFF2-40B4-BE49-F238E27FC236}">
+                    <a16:creationId xmlns:a16="http://schemas.microsoft.com/office/drawing/2014/main" id="{D289C10A-E4C7-427C-B72F-DA97849BCD35}"/>
+                  </a:ext>
+                </a:extLst>
+              </p:cNvPr>
+              <p:cNvPicPr>
+                <a:picLocks noChangeAspect="1" noChangeArrowheads="1"/>
+              </p:cNvPicPr>
+              <p:nvPr/>
+            </p:nvPicPr>
+            <p:blipFill>
+              <a:blip r:embed="rId5" cstate="print">
+                <a:extLst>
+                  <a:ext uri="{28A0092B-C50C-407E-A947-70E740481C1C}">
+                    <a14:useLocalDpi xmlns:a14="http://schemas.microsoft.com/office/drawing/2010/main" val="0"/>
+                  </a:ext>
+                </a:extLst>
+              </a:blip>
+              <a:srcRect/>
+              <a:stretch>
+                <a:fillRect/>
+              </a:stretch>
+            </p:blipFill>
+            <p:spPr bwMode="auto">
+              <a:xfrm>
+                <a:off x="11219933" y="10920286"/>
+                <a:ext cx="858795" cy="858795"/>
+              </a:xfrm>
+              <a:prstGeom prst="rect">
+                <a:avLst/>
+              </a:prstGeom>
+              <a:noFill/>
+              <a:extLst>
+                <a:ext uri="{909E8E84-426E-40DD-AFC4-6F175D3DCCD1}">
+                  <a14:hiddenFill xmlns:a14="http://schemas.microsoft.com/office/drawing/2010/main">
+                    <a:solidFill>
+                      <a:srgbClr val="FFFFFF"/>
+                    </a:solidFill>
+                  </a14:hiddenFill>
+                </a:ext>
+              </a:extLst>
+            </p:spPr>
+          </p:pic>
+          <p:sp>
+            <p:nvSpPr>
+              <p:cNvPr id="7" name=" @StatGarrett">
+                <a:extLst>
+                  <a:ext uri="{FF2B5EF4-FFF2-40B4-BE49-F238E27FC236}">
+                    <a16:creationId xmlns:a16="http://schemas.microsoft.com/office/drawing/2014/main" id="{2B04BBB2-5F6C-49ED-A79A-D160DB27C60D}"/>
+                  </a:ext>
+                </a:extLst>
+              </p:cNvPr>
+              <p:cNvSpPr txBox="1"/>
+              <p:nvPr/>
+            </p:nvSpPr>
+            <p:spPr>
+              <a:xfrm>
+                <a:off x="12078728" y="10817241"/>
+                <a:ext cx="4131716" cy="1064887"/>
+              </a:xfrm>
+              <a:prstGeom prst="rect">
+                <a:avLst/>
+              </a:prstGeom>
+              <a:ln w="12700">
+                <a:miter lim="400000"/>
+              </a:ln>
+              <a:extLst>
+                <a:ext uri="{C572A759-6A51-4108-AA02-DFA0A04FC94B}">
+                  <ma14:wrappingTextBoxFlag xmlns:ma14="http://schemas.microsoft.com/office/mac/drawingml/2011/main" xmlns="" val="1"/>
+                </a:ext>
+              </a:extLst>
+            </p:spPr>
+            <p:txBody>
+              <a:bodyPr lIns="71437" tIns="71437" rIns="71437" bIns="71437" anchor="ctr"/>
+              <a:lstStyle/>
+              <a:p>
+                <a:pPr algn="l">
+                  <a:defRPr sz="5600">
+                    <a:latin typeface="+mn-lt"/>
+                    <a:ea typeface="+mn-ea"/>
+                    <a:cs typeface="+mn-cs"/>
+                    <a:sym typeface="Helvetica Neue"/>
+                  </a:defRPr>
+                </a:pPr>
+                <a:r>
+                  <a:rPr lang="en-GB" sz="2800" dirty="0" err="1">
+                    <a:solidFill>
+                      <a:srgbClr val="53585F"/>
+                    </a:solidFill>
+                  </a:rPr>
+                  <a:t>MikeKSmith</a:t>
+                </a:r>
+                <a:endParaRPr sz="2800" dirty="0">
+                  <a:solidFill>
+                    <a:srgbClr val="53585F"/>
+                  </a:solidFill>
+                </a:endParaRPr>
+              </a:p>
+            </p:txBody>
+          </p:sp>
+        </p:grpSp>
+        <p:grpSp>
+          <p:nvGrpSpPr>
+            <p:cNvPr id="10" name="Group 9">
+              <a:extLst>
+                <a:ext uri="{FF2B5EF4-FFF2-40B4-BE49-F238E27FC236}">
+                  <a16:creationId xmlns:a16="http://schemas.microsoft.com/office/drawing/2014/main" id="{79C625B3-50DE-4B0D-8852-057DCB54BECF}"/>
+                </a:ext>
+              </a:extLst>
+            </p:cNvPr>
+            <p:cNvGrpSpPr/>
+            <p:nvPr/>
+          </p:nvGrpSpPr>
+          <p:grpSpPr>
+            <a:xfrm>
+              <a:off x="7324602" y="6326709"/>
+              <a:ext cx="3900746" cy="505640"/>
+              <a:chOff x="8291254" y="6309324"/>
+              <a:chExt cx="3900746" cy="505640"/>
+            </a:xfrm>
+          </p:grpSpPr>
+          <p:sp>
+            <p:nvSpPr>
+              <p:cNvPr id="8" name=" @StatGarrett">
+                <a:extLst>
+                  <a:ext uri="{FF2B5EF4-FFF2-40B4-BE49-F238E27FC236}">
+                    <a16:creationId xmlns:a16="http://schemas.microsoft.com/office/drawing/2014/main" id="{D881E01C-33DC-4528-84BC-9C10A8AC3ADF}"/>
+                  </a:ext>
+                </a:extLst>
+              </p:cNvPr>
+              <p:cNvSpPr txBox="1"/>
+              <p:nvPr/>
+            </p:nvSpPr>
+            <p:spPr>
+              <a:xfrm>
+                <a:off x="8746283" y="6326707"/>
+                <a:ext cx="3445717" cy="488257"/>
+              </a:xfrm>
+              <a:prstGeom prst="rect">
+                <a:avLst/>
+              </a:prstGeom>
+              <a:ln w="12700">
+                <a:miter lim="400000"/>
+              </a:ln>
+              <a:extLst>
+                <a:ext uri="{C572A759-6A51-4108-AA02-DFA0A04FC94B}">
+                  <ma14:wrappingTextBoxFlag xmlns:ma14="http://schemas.microsoft.com/office/mac/drawingml/2011/main" xmlns="" val="1"/>
+                </a:ext>
+              </a:extLst>
+            </p:spPr>
+            <p:txBody>
+              <a:bodyPr lIns="26789" tIns="26789" rIns="26789" bIns="26789" anchor="ctr"/>
+              <a:lstStyle/>
+              <a:p>
+                <a:pPr algn="l">
+                  <a:defRPr sz="5600">
+                    <a:latin typeface="+mn-lt"/>
+                    <a:ea typeface="+mn-ea"/>
+                    <a:cs typeface="+mn-cs"/>
+                    <a:sym typeface="Helvetica Neue"/>
+                  </a:defRPr>
+                </a:pPr>
+                <a:r>
+                  <a:rPr lang="en-GB" sz="2400" dirty="0"/>
+                  <a:t>Mike.K.Smith@Pfizer.com</a:t>
+                </a:r>
+                <a:endParaRPr sz="2400" dirty="0">
+                  <a:solidFill>
+                    <a:srgbClr val="53585F"/>
+                  </a:solidFill>
+                </a:endParaRPr>
+              </a:p>
+            </p:txBody>
+          </p:sp>
+          <p:pic>
+            <p:nvPicPr>
+              <p:cNvPr id="9" name="Graphic 8" descr="Email">
+                <a:extLst>
+                  <a:ext uri="{FF2B5EF4-FFF2-40B4-BE49-F238E27FC236}">
+                    <a16:creationId xmlns:a16="http://schemas.microsoft.com/office/drawing/2014/main" id="{DCF71A11-F087-4965-9DC0-66A6B0C67483}"/>
+                  </a:ext>
+                </a:extLst>
+              </p:cNvPr>
+              <p:cNvPicPr>
+                <a:picLocks noChangeAspect="1"/>
+              </p:cNvPicPr>
+              <p:nvPr/>
+            </p:nvPicPr>
+            <p:blipFill>
+              <a:blip r:embed="rId6">
+                <a:extLst>
+                  <a:ext uri="{96DAC541-7B7A-43D3-8B79-37D633B846F1}">
+                    <asvg:svgBlip xmlns:asvg="http://schemas.microsoft.com/office/drawing/2016/SVG/main" r:embed="rId7"/>
+                  </a:ext>
+                </a:extLst>
+              </a:blip>
+              <a:stretch>
+                <a:fillRect/>
+              </a:stretch>
+            </p:blipFill>
+            <p:spPr>
+              <a:xfrm>
+                <a:off x="8291254" y="6309324"/>
+                <a:ext cx="455029" cy="455029"/>
+              </a:xfrm>
+              <a:prstGeom prst="rect">
+                <a:avLst/>
+              </a:prstGeom>
+            </p:spPr>
+          </p:pic>
+        </p:grpSp>
+      </p:grpSp>
     </p:spTree>
     <p:extLst>
       <p:ext uri="{BB962C8B-B14F-4D97-AF65-F5344CB8AC3E}">
-        <p14:creationId xmlns:p14="http://schemas.microsoft.com/office/powerpoint/2010/main" val="1456518721"/>
+        <p14:creationId xmlns:p14="http://schemas.microsoft.com/office/powerpoint/2010/main" val="281923491"/>
       </p:ext>
     </p:extLst>
-  </p:cSld>
-  <p:clrMapOvr>
-    <a:masterClrMapping/>
-  </p:clrMapOvr>
-</p:sld>
-</file>
-
-<file path=ppt/slides/slide17.xml><?xml version="1.0" encoding="utf-8"?>
-<p:sld xmlns:a="http://schemas.openxmlformats.org/drawingml/2006/main" xmlns:r="http://schemas.openxmlformats.org/officeDocument/2006/relationships" xmlns:p="http://schemas.openxmlformats.org/presentationml/2006/main">
-  <p:cSld>
-    <p:spTree>
-      <p:nvGrpSpPr>
-        <p:cNvPr id="1" name=""/>
-        <p:cNvGrpSpPr/>
-        <p:nvPr/>
-      </p:nvGrpSpPr>
-      <p:grpSpPr>
-        <a:xfrm>
-          <a:off x="0" y="0"/>
-          <a:ext cx="0" cy="0"/>
-          <a:chOff x="0" y="0"/>
-          <a:chExt cx="0" cy="0"/>
-        </a:xfrm>
-      </p:grpSpPr>
-      <p:pic>
-        <p:nvPicPr>
-          <p:cNvPr id="5" name="Picture 4">
-            <a:extLst>
-              <a:ext uri="{FF2B5EF4-FFF2-40B4-BE49-F238E27FC236}">
-                <a16:creationId xmlns:a16="http://schemas.microsoft.com/office/drawing/2014/main" id="{BC9CCBE8-9C84-49B7-A26F-119228D4A347}"/>
-              </a:ext>
-            </a:extLst>
-          </p:cNvPr>
-          <p:cNvPicPr>
-            <a:picLocks noChangeAspect="1"/>
-          </p:cNvPicPr>
-          <p:nvPr/>
-        </p:nvPicPr>
-        <p:blipFill>
-          <a:blip r:embed="rId2">
-            <a:extLst>
-              <a:ext uri="{28A0092B-C50C-407E-A947-70E740481C1C}">
-                <a14:useLocalDpi xmlns:a14="http://schemas.microsoft.com/office/drawing/2010/main" val="0"/>
-              </a:ext>
-            </a:extLst>
-          </a:blip>
-          <a:stretch>
-            <a:fillRect/>
-          </a:stretch>
-        </p:blipFill>
-        <p:spPr>
-          <a:xfrm>
-            <a:off x="3080616" y="318536"/>
-            <a:ext cx="6030768" cy="6220927"/>
-          </a:xfrm>
-          <a:prstGeom prst="rect">
-            <a:avLst/>
-          </a:prstGeom>
-        </p:spPr>
-      </p:pic>
-      <p:sp>
-        <p:nvSpPr>
-          <p:cNvPr id="6" name="TextBox 5">
-            <a:extLst>
-              <a:ext uri="{FF2B5EF4-FFF2-40B4-BE49-F238E27FC236}">
-                <a16:creationId xmlns:a16="http://schemas.microsoft.com/office/drawing/2014/main" id="{C0260A94-1E9C-4C16-9736-F86B857BDAAE}"/>
-              </a:ext>
-            </a:extLst>
-          </p:cNvPr>
-          <p:cNvSpPr txBox="1"/>
-          <p:nvPr/>
-        </p:nvSpPr>
-        <p:spPr>
-          <a:xfrm>
-            <a:off x="3651260" y="6565715"/>
-            <a:ext cx="4889480" cy="246221"/>
-          </a:xfrm>
-          <a:prstGeom prst="rect">
-            <a:avLst/>
-          </a:prstGeom>
-          <a:noFill/>
-        </p:spPr>
-        <p:txBody>
-          <a:bodyPr wrap="none" rtlCol="0">
-            <a:spAutoFit/>
-          </a:bodyPr>
-          <a:lstStyle/>
-          <a:p>
-            <a:r>
-              <a:rPr lang="en-GB" sz="1000" dirty="0">
-                <a:hlinkClick r:id="rId3"/>
-              </a:rPr>
-              <a:t>https://headrush.typepad.com/creating_passionate_users/2005/10/getting_users_p.html</a:t>
-            </a:r>
-            <a:endParaRPr lang="en-GB" sz="1000" dirty="0"/>
-          </a:p>
-        </p:txBody>
-      </p:sp>
-    </p:spTree>
-    <p:extLst>
-      <p:ext uri="{BB962C8B-B14F-4D97-AF65-F5344CB8AC3E}">
-        <p14:creationId xmlns:p14="http://schemas.microsoft.com/office/powerpoint/2010/main" val="2260987142"/>
-      </p:ext>
-    </p:extLst>
-  </p:cSld>
-  <p:clrMapOvr>
-    <a:masterClrMapping/>
-  </p:clrMapOvr>
-</p:sld>
-</file>
-
-<file path=ppt/slides/slide18.xml><?xml version="1.0" encoding="utf-8"?>
-<p:sld xmlns:a="http://schemas.openxmlformats.org/drawingml/2006/main" xmlns:r="http://schemas.openxmlformats.org/officeDocument/2006/relationships" xmlns:p="http://schemas.openxmlformats.org/presentationml/2006/main">
-  <p:cSld>
-    <p:spTree>
-      <p:nvGrpSpPr>
-        <p:cNvPr id="1" name=""/>
-        <p:cNvGrpSpPr/>
-        <p:nvPr/>
-      </p:nvGrpSpPr>
-      <p:grpSpPr>
-        <a:xfrm>
-          <a:off x="0" y="0"/>
-          <a:ext cx="0" cy="0"/>
-          <a:chOff x="0" y="0"/>
-          <a:chExt cx="0" cy="0"/>
-        </a:xfrm>
-      </p:grpSpPr>
-      <p:pic>
-        <p:nvPicPr>
-          <p:cNvPr id="586754" name="Picture 2">
-            <a:extLst>
-              <a:ext uri="{FF2B5EF4-FFF2-40B4-BE49-F238E27FC236}">
-                <a16:creationId xmlns:a16="http://schemas.microsoft.com/office/drawing/2014/main" id="{BD3708BE-1CF2-4ECD-BFF6-BA30351BE724}"/>
-              </a:ext>
-            </a:extLst>
-          </p:cNvPr>
-          <p:cNvPicPr>
-            <a:picLocks noChangeAspect="1" noChangeArrowheads="1"/>
-          </p:cNvPicPr>
-          <p:nvPr/>
-        </p:nvPicPr>
-        <p:blipFill>
-          <a:blip r:embed="rId3">
-            <a:extLst>
-              <a:ext uri="{28A0092B-C50C-407E-A947-70E740481C1C}">
-                <a14:useLocalDpi xmlns:a14="http://schemas.microsoft.com/office/drawing/2010/main" val="0"/>
-              </a:ext>
-            </a:extLst>
-          </a:blip>
-          <a:srcRect/>
-          <a:stretch>
-            <a:fillRect/>
-          </a:stretch>
-        </p:blipFill>
-        <p:spPr bwMode="auto">
-          <a:xfrm>
-            <a:off x="3058160" y="421538"/>
-            <a:ext cx="6075680" cy="6014923"/>
-          </a:xfrm>
-          <a:prstGeom prst="rect">
-            <a:avLst/>
-          </a:prstGeom>
-          <a:noFill/>
-          <a:ln>
-            <a:noFill/>
-          </a:ln>
-          <a:effectLst/>
-          <a:extLst>
-            <a:ext uri="{909E8E84-426E-40DD-AFC4-6F175D3DCCD1}">
-              <a14:hiddenFill xmlns:a14="http://schemas.microsoft.com/office/drawing/2010/main">
-                <a:solidFill>
-                  <a:schemeClr val="accent1"/>
-                </a:solidFill>
-              </a14:hiddenFill>
-            </a:ext>
-            <a:ext uri="{91240B29-F687-4F45-9708-019B960494DF}">
-              <a14:hiddenLine xmlns:a14="http://schemas.microsoft.com/office/drawing/2010/main" w="9525">
-                <a:solidFill>
-                  <a:schemeClr val="tx1"/>
-                </a:solidFill>
-                <a:miter lim="800000"/>
-                <a:headEnd/>
-                <a:tailEnd/>
-              </a14:hiddenLine>
-            </a:ext>
-            <a:ext uri="{AF507438-7753-43E0-B8FC-AC1667EBCBE1}">
-              <a14:hiddenEffects xmlns:a14="http://schemas.microsoft.com/office/drawing/2010/main">
-                <a:effectLst>
-                  <a:outerShdw dist="35921" dir="2700000" algn="ctr" rotWithShape="0">
-                    <a:schemeClr val="bg2"/>
-                  </a:outerShdw>
-                </a:effectLst>
-              </a14:hiddenEffects>
-            </a:ext>
-          </a:extLst>
-        </p:spPr>
-      </p:pic>
-      <p:sp>
-        <p:nvSpPr>
-          <p:cNvPr id="586755" name="Text Box 3">
-            <a:extLst>
-              <a:ext uri="{FF2B5EF4-FFF2-40B4-BE49-F238E27FC236}">
-                <a16:creationId xmlns:a16="http://schemas.microsoft.com/office/drawing/2014/main" id="{1CD68509-E825-4DB8-BF41-29BB44717EAE}"/>
-              </a:ext>
-            </a:extLst>
-          </p:cNvPr>
-          <p:cNvSpPr txBox="1">
-            <a:spLocks noChangeArrowheads="1"/>
-          </p:cNvSpPr>
-          <p:nvPr/>
-        </p:nvSpPr>
-        <p:spPr bwMode="auto">
-          <a:xfrm>
-            <a:off x="7331075" y="6562725"/>
-            <a:ext cx="3302000" cy="228600"/>
-          </a:xfrm>
-          <a:prstGeom prst="rect">
-            <a:avLst/>
-          </a:prstGeom>
-          <a:noFill/>
-          <a:ln>
-            <a:noFill/>
-          </a:ln>
-          <a:effectLst/>
-          <a:extLst>
-            <a:ext uri="{909E8E84-426E-40DD-AFC4-6F175D3DCCD1}">
-              <a14:hiddenFill xmlns:a14="http://schemas.microsoft.com/office/drawing/2010/main">
-                <a:solidFill>
-                  <a:schemeClr val="accent1"/>
-                </a:solidFill>
-              </a14:hiddenFill>
-            </a:ext>
-            <a:ext uri="{91240B29-F687-4F45-9708-019B960494DF}">
-              <a14:hiddenLine xmlns:a14="http://schemas.microsoft.com/office/drawing/2010/main" w="9525">
-                <a:solidFill>
-                  <a:schemeClr val="tx1"/>
-                </a:solidFill>
-                <a:miter lim="800000"/>
-                <a:headEnd/>
-                <a:tailEnd/>
-              </a14:hiddenLine>
-            </a:ext>
-            <a:ext uri="{AF507438-7753-43E0-B8FC-AC1667EBCBE1}">
-              <a14:hiddenEffects xmlns:a14="http://schemas.microsoft.com/office/drawing/2010/main">
-                <a:effectLst>
-                  <a:outerShdw dist="35921" dir="2700000" algn="ctr" rotWithShape="0">
-                    <a:schemeClr val="bg2"/>
-                  </a:outerShdw>
-                </a:effectLst>
-              </a14:hiddenEffects>
-            </a:ext>
-          </a:extLst>
-        </p:spPr>
-        <p:txBody>
-          <a:bodyPr wrap="none">
-            <a:spAutoFit/>
-          </a:bodyPr>
-          <a:lstStyle/>
-          <a:p>
-            <a:r>
-              <a:rPr lang="en-GB" altLang="en-US" sz="900">
-                <a:hlinkClick r:id="rId4"/>
-              </a:rPr>
-              <a:t>http://www.slideshare.net/CJAtherton/chris-atherton-at-tcuk09</a:t>
-            </a:r>
-            <a:endParaRPr lang="en-GB" altLang="en-US" sz="900"/>
-          </a:p>
-        </p:txBody>
-      </p:sp>
-    </p:spTree>
   </p:cSld>
   <p:clrMapOvr>
     <a:masterClrMapping/>
@@ -5973,10 +7538,10 @@
       </p:grpSpPr>
       <p:sp>
         <p:nvSpPr>
-          <p:cNvPr id="2" name="Title 1">
-            <a:extLst>
-              <a:ext uri="{FF2B5EF4-FFF2-40B4-BE49-F238E27FC236}">
-                <a16:creationId xmlns:a16="http://schemas.microsoft.com/office/drawing/2014/main" id="{426A38E2-6A52-43CB-B639-E0331370C905}"/>
+          <p:cNvPr id="4" name="Title 3">
+            <a:extLst>
+              <a:ext uri="{FF2B5EF4-FFF2-40B4-BE49-F238E27FC236}">
+                <a16:creationId xmlns:a16="http://schemas.microsoft.com/office/drawing/2014/main" id="{8735D53C-59E6-47C5-9A06-9515285548D1}"/>
               </a:ext>
             </a:extLst>
           </p:cNvPr>
@@ -5994,266 +7559,40 @@
           <a:p>
             <a:r>
               <a:rPr lang="en-GB" dirty="0"/>
-              <a:t>Evidence-based teaching methods</a:t>
+              <a:t>The backup pile</a:t>
             </a:r>
           </a:p>
         </p:txBody>
       </p:sp>
       <p:sp>
         <p:nvSpPr>
-          <p:cNvPr id="3" name="TextBox 2">
-            <a:extLst>
-              <a:ext uri="{FF2B5EF4-FFF2-40B4-BE49-F238E27FC236}">
-                <a16:creationId xmlns:a16="http://schemas.microsoft.com/office/drawing/2014/main" id="{FA8506BB-04A9-4044-88C7-B9B3F945E632}"/>
-              </a:ext>
-            </a:extLst>
-          </p:cNvPr>
-          <p:cNvSpPr txBox="1"/>
-          <p:nvPr/>
+          <p:cNvPr id="5" name="Text Placeholder 4">
+            <a:extLst>
+              <a:ext uri="{FF2B5EF4-FFF2-40B4-BE49-F238E27FC236}">
+                <a16:creationId xmlns:a16="http://schemas.microsoft.com/office/drawing/2014/main" id="{A473CBF5-CEA4-4F21-8B89-C9DAF6C434DB}"/>
+              </a:ext>
+            </a:extLst>
+          </p:cNvPr>
+          <p:cNvSpPr>
+            <a:spLocks noGrp="1"/>
+          </p:cNvSpPr>
+          <p:nvPr>
+            <p:ph type="body" idx="1"/>
+          </p:nvPr>
         </p:nvSpPr>
-        <p:spPr>
-          <a:xfrm>
-            <a:off x="756006" y="5500532"/>
-            <a:ext cx="2887650" cy="646331"/>
-          </a:xfrm>
-          <a:prstGeom prst="rect">
-            <a:avLst/>
-          </a:prstGeom>
-          <a:noFill/>
-        </p:spPr>
+        <p:spPr/>
         <p:txBody>
-          <a:bodyPr wrap="none" rtlCol="0">
-            <a:spAutoFit/>
-          </a:bodyPr>
+          <a:bodyPr/>
           <a:lstStyle/>
           <a:p>
-            <a:r>
-              <a:rPr lang="en-GB" sz="3600" dirty="0"/>
-              <a:t>Cognitive-load</a:t>
-            </a:r>
-          </a:p>
-        </p:txBody>
-      </p:sp>
-      <p:sp>
-        <p:nvSpPr>
-          <p:cNvPr id="4" name="TextBox 3">
-            <a:extLst>
-              <a:ext uri="{FF2B5EF4-FFF2-40B4-BE49-F238E27FC236}">
-                <a16:creationId xmlns:a16="http://schemas.microsoft.com/office/drawing/2014/main" id="{A41A273A-ACA1-4206-9744-E5233851FA0F}"/>
-              </a:ext>
-            </a:extLst>
-          </p:cNvPr>
-          <p:cNvSpPr txBox="1"/>
-          <p:nvPr/>
-        </p:nvSpPr>
-        <p:spPr>
-          <a:xfrm>
-            <a:off x="756006" y="3004118"/>
-            <a:ext cx="3418052" cy="646331"/>
-          </a:xfrm>
-          <a:prstGeom prst="rect">
-            <a:avLst/>
-          </a:prstGeom>
-          <a:noFill/>
-        </p:spPr>
-        <p:txBody>
-          <a:bodyPr wrap="none" rtlCol="0">
-            <a:spAutoFit/>
-          </a:bodyPr>
-          <a:lstStyle/>
-          <a:p>
-            <a:r>
-              <a:rPr lang="en-GB" sz="3600" dirty="0"/>
-              <a:t>Learner personas</a:t>
-            </a:r>
-          </a:p>
-        </p:txBody>
-      </p:sp>
-      <p:sp>
-        <p:nvSpPr>
-          <p:cNvPr id="5" name="TextBox 4">
-            <a:extLst>
-              <a:ext uri="{FF2B5EF4-FFF2-40B4-BE49-F238E27FC236}">
-                <a16:creationId xmlns:a16="http://schemas.microsoft.com/office/drawing/2014/main" id="{E88D4766-0012-49D8-AEBD-7B4C627CF354}"/>
-              </a:ext>
-            </a:extLst>
-          </p:cNvPr>
-          <p:cNvSpPr txBox="1"/>
-          <p:nvPr/>
-        </p:nvSpPr>
-        <p:spPr>
-          <a:xfrm>
-            <a:off x="6250602" y="3605995"/>
-            <a:ext cx="4522264" cy="646331"/>
-          </a:xfrm>
-          <a:prstGeom prst="rect">
-            <a:avLst/>
-          </a:prstGeom>
-          <a:noFill/>
-        </p:spPr>
-        <p:txBody>
-          <a:bodyPr wrap="none" rtlCol="0">
-            <a:spAutoFit/>
-          </a:bodyPr>
-          <a:lstStyle/>
-          <a:p>
-            <a:r>
-              <a:rPr lang="en-GB" sz="3600" dirty="0"/>
-              <a:t>Formative assessments</a:t>
-            </a:r>
-          </a:p>
-        </p:txBody>
-      </p:sp>
-      <p:sp>
-        <p:nvSpPr>
-          <p:cNvPr id="6" name="TextBox 5">
-            <a:extLst>
-              <a:ext uri="{FF2B5EF4-FFF2-40B4-BE49-F238E27FC236}">
-                <a16:creationId xmlns:a16="http://schemas.microsoft.com/office/drawing/2014/main" id="{F1C6398D-DE96-4986-97B5-00FF9361A7C7}"/>
-              </a:ext>
-            </a:extLst>
-          </p:cNvPr>
-          <p:cNvSpPr txBox="1"/>
-          <p:nvPr/>
-        </p:nvSpPr>
-        <p:spPr>
-          <a:xfrm>
-            <a:off x="756006" y="4252326"/>
-            <a:ext cx="2246321" cy="646331"/>
-          </a:xfrm>
-          <a:prstGeom prst="rect">
-            <a:avLst/>
-          </a:prstGeom>
-          <a:noFill/>
-        </p:spPr>
-        <p:txBody>
-          <a:bodyPr wrap="none" rtlCol="0">
-            <a:spAutoFit/>
-          </a:bodyPr>
-          <a:lstStyle/>
-          <a:p>
-            <a:r>
-              <a:rPr lang="en-GB" sz="3600" dirty="0"/>
-              <a:t>Motivation</a:t>
-            </a:r>
-          </a:p>
-        </p:txBody>
-      </p:sp>
-      <p:sp>
-        <p:nvSpPr>
-          <p:cNvPr id="7" name="TextBox 6">
-            <a:extLst>
-              <a:ext uri="{FF2B5EF4-FFF2-40B4-BE49-F238E27FC236}">
-                <a16:creationId xmlns:a16="http://schemas.microsoft.com/office/drawing/2014/main" id="{6946D174-CA92-4437-9A96-9FBB8A5B0DF2}"/>
-              </a:ext>
-            </a:extLst>
-          </p:cNvPr>
-          <p:cNvSpPr txBox="1"/>
-          <p:nvPr/>
-        </p:nvSpPr>
-        <p:spPr>
-          <a:xfrm>
-            <a:off x="6250602" y="4854202"/>
-            <a:ext cx="1958870" cy="646331"/>
-          </a:xfrm>
-          <a:prstGeom prst="rect">
-            <a:avLst/>
-          </a:prstGeom>
-          <a:noFill/>
-        </p:spPr>
-        <p:txBody>
-          <a:bodyPr wrap="none" rtlCol="0">
-            <a:spAutoFit/>
-          </a:bodyPr>
-          <a:lstStyle/>
-          <a:p>
-            <a:r>
-              <a:rPr lang="en-GB" sz="3600" dirty="0"/>
-              <a:t>Feedback</a:t>
-            </a:r>
-          </a:p>
-        </p:txBody>
-      </p:sp>
-      <p:sp>
-        <p:nvSpPr>
-          <p:cNvPr id="8" name="TextBox 7">
-            <a:extLst>
-              <a:ext uri="{FF2B5EF4-FFF2-40B4-BE49-F238E27FC236}">
-                <a16:creationId xmlns:a16="http://schemas.microsoft.com/office/drawing/2014/main" id="{FD037F82-F086-43C0-8A02-949BC47482C7}"/>
-              </a:ext>
-            </a:extLst>
-          </p:cNvPr>
-          <p:cNvSpPr txBox="1"/>
-          <p:nvPr/>
-        </p:nvSpPr>
-        <p:spPr>
-          <a:xfrm>
-            <a:off x="756006" y="1755910"/>
-            <a:ext cx="3852465" cy="646331"/>
-          </a:xfrm>
-          <a:prstGeom prst="rect">
-            <a:avLst/>
-          </a:prstGeom>
-          <a:noFill/>
-        </p:spPr>
-        <p:txBody>
-          <a:bodyPr wrap="none" rtlCol="0">
-            <a:spAutoFit/>
-          </a:bodyPr>
-          <a:lstStyle/>
-          <a:p>
-            <a:r>
-              <a:rPr lang="en-GB" sz="3600" dirty="0"/>
-              <a:t>Learning paradigms</a:t>
-            </a:r>
-          </a:p>
-        </p:txBody>
-      </p:sp>
-      <p:sp>
-        <p:nvSpPr>
-          <p:cNvPr id="9" name="TextBox 8">
-            <a:extLst>
-              <a:ext uri="{FF2B5EF4-FFF2-40B4-BE49-F238E27FC236}">
-                <a16:creationId xmlns:a16="http://schemas.microsoft.com/office/drawing/2014/main" id="{BD41778F-7A8C-4EBD-AAAE-A777D8CB4102}"/>
-              </a:ext>
-            </a:extLst>
-          </p:cNvPr>
-          <p:cNvSpPr txBox="1"/>
-          <p:nvPr/>
-        </p:nvSpPr>
-        <p:spPr>
-          <a:xfrm>
-            <a:off x="6250602" y="1690688"/>
-            <a:ext cx="3373552" cy="1200329"/>
-          </a:xfrm>
-          <a:prstGeom prst="rect">
-            <a:avLst/>
-          </a:prstGeom>
-          <a:noFill/>
-        </p:spPr>
-        <p:txBody>
-          <a:bodyPr wrap="none" rtlCol="0">
-            <a:spAutoFit/>
-          </a:bodyPr>
-          <a:lstStyle/>
-          <a:p>
-            <a:r>
-              <a:rPr lang="en-GB" sz="3600" dirty="0"/>
-              <a:t>Concept maps &amp; </a:t>
-            </a:r>
-          </a:p>
-          <a:p>
-            <a:r>
-              <a:rPr lang="en-GB" sz="3600" dirty="0"/>
-              <a:t>Mental models</a:t>
-            </a:r>
+            <a:endParaRPr lang="en-GB"/>
           </a:p>
         </p:txBody>
       </p:sp>
     </p:spTree>
     <p:extLst>
       <p:ext uri="{BB962C8B-B14F-4D97-AF65-F5344CB8AC3E}">
-        <p14:creationId xmlns:p14="http://schemas.microsoft.com/office/powerpoint/2010/main" val="3809533075"/>
+        <p14:creationId xmlns:p14="http://schemas.microsoft.com/office/powerpoint/2010/main" val="919430748"/>
       </p:ext>
     </p:extLst>
   </p:cSld>
@@ -6303,7 +7642,7 @@
           <a:p>
             <a:r>
               <a:rPr lang="en-GB" dirty="0"/>
-              <a:t>Running marathons</a:t>
+              <a:t>Learning R is a bit like running a marathon…</a:t>
             </a:r>
           </a:p>
         </p:txBody>
@@ -6653,33 +7992,15 @@
                                   </p:childTnLst>
                                 </p:cTn>
                               </p:par>
-                            </p:childTnLst>
-                          </p:cTn>
-                        </p:par>
-                      </p:childTnLst>
-                    </p:cTn>
-                  </p:par>
-                  <p:par>
-                    <p:cTn id="7" fill="hold">
-                      <p:stCondLst>
-                        <p:cond delay="indefinite"/>
-                      </p:stCondLst>
-                      <p:childTnLst>
-                        <p:par>
-                          <p:cTn id="8" fill="hold">
-                            <p:stCondLst>
-                              <p:cond delay="0"/>
-                            </p:stCondLst>
-                            <p:childTnLst>
                               <p:par>
-                                <p:cTn id="9" presetID="1" presetClass="entr" presetSubtype="0" fill="hold" nodeType="clickEffect">
+                                <p:cTn id="7" presetID="1" presetClass="entr" presetSubtype="0" fill="hold" nodeType="withEffect">
                                   <p:stCondLst>
                                     <p:cond delay="0"/>
                                   </p:stCondLst>
                                   <p:childTnLst>
                                     <p:set>
                                       <p:cBhvr>
-                                        <p:cTn id="10" dur="1" fill="hold">
+                                        <p:cTn id="8" dur="1" fill="hold">
                                           <p:stCondLst>
                                             <p:cond delay="0"/>
                                           </p:stCondLst>
@@ -6699,14 +8020,14 @@
                                 </p:cTn>
                               </p:par>
                               <p:par>
-                                <p:cTn id="11" presetID="1" presetClass="entr" presetSubtype="0" fill="hold" grpId="0" nodeType="withEffect">
+                                <p:cTn id="9" presetID="1" presetClass="entr" presetSubtype="0" fill="hold" grpId="0" nodeType="withEffect">
                                   <p:stCondLst>
                                     <p:cond delay="0"/>
                                   </p:stCondLst>
                                   <p:childTnLst>
                                     <p:set>
                                       <p:cBhvr>
-                                        <p:cTn id="12" dur="1" fill="hold">
+                                        <p:cTn id="10" dur="1" fill="hold">
                                           <p:stCondLst>
                                             <p:cond delay="0"/>
                                           </p:stCondLst>
@@ -6732,26 +8053,26 @@
                     </p:cTn>
                   </p:par>
                   <p:par>
-                    <p:cTn id="13" fill="hold">
+                    <p:cTn id="11" fill="hold">
                       <p:stCondLst>
                         <p:cond delay="indefinite"/>
                       </p:stCondLst>
                       <p:childTnLst>
                         <p:par>
-                          <p:cTn id="14" fill="hold">
+                          <p:cTn id="12" fill="hold">
                             <p:stCondLst>
                               <p:cond delay="0"/>
                             </p:stCondLst>
                             <p:childTnLst>
                               <p:par>
-                                <p:cTn id="15" presetID="10" presetClass="entr" presetSubtype="0" fill="hold" nodeType="clickEffect">
+                                <p:cTn id="13" presetID="10" presetClass="entr" presetSubtype="0" fill="hold" nodeType="clickEffect">
                                   <p:stCondLst>
                                     <p:cond delay="0"/>
                                   </p:stCondLst>
                                   <p:childTnLst>
                                     <p:set>
                                       <p:cBhvr>
-                                        <p:cTn id="16" dur="1" fill="hold">
+                                        <p:cTn id="14" dur="1" fill="hold">
                                           <p:stCondLst>
                                             <p:cond delay="0"/>
                                           </p:stCondLst>
@@ -6769,7 +8090,7 @@
                                     </p:set>
                                     <p:animEffect transition="in" filter="fade">
                                       <p:cBhvr>
-                                        <p:cTn id="17" dur="500"/>
+                                        <p:cTn id="15" dur="500"/>
                                         <p:tgtEl>
                                           <p:spTgt spid="11"/>
                                         </p:tgtEl>
@@ -6813,6 +8134,711 @@
 </file>
 
 <file path=ppt/slides/slide20.xml><?xml version="1.0" encoding="utf-8"?>
+<p:sld xmlns:a="http://schemas.openxmlformats.org/drawingml/2006/main" xmlns:r="http://schemas.openxmlformats.org/officeDocument/2006/relationships" xmlns:p="http://schemas.openxmlformats.org/presentationml/2006/main" show="0">
+  <p:cSld>
+    <p:spTree>
+      <p:nvGrpSpPr>
+        <p:cNvPr id="1" name=""/>
+        <p:cNvGrpSpPr/>
+        <p:nvPr/>
+      </p:nvGrpSpPr>
+      <p:grpSpPr>
+        <a:xfrm>
+          <a:off x="0" y="0"/>
+          <a:ext cx="0" cy="0"/>
+          <a:chOff x="0" y="0"/>
+          <a:chExt cx="0" cy="0"/>
+        </a:xfrm>
+      </p:grpSpPr>
+      <p:sp>
+        <p:nvSpPr>
+          <p:cNvPr id="4" name="Title 3">
+            <a:extLst>
+              <a:ext uri="{FF2B5EF4-FFF2-40B4-BE49-F238E27FC236}">
+                <a16:creationId xmlns:a16="http://schemas.microsoft.com/office/drawing/2014/main" id="{62BBA9DC-8E71-4EB1-962E-3CA67DD92CD3}"/>
+              </a:ext>
+            </a:extLst>
+          </p:cNvPr>
+          <p:cNvSpPr>
+            <a:spLocks noGrp="1"/>
+          </p:cNvSpPr>
+          <p:nvPr>
+            <p:ph type="title"/>
+          </p:nvPr>
+        </p:nvSpPr>
+        <p:spPr/>
+        <p:txBody>
+          <a:bodyPr/>
+          <a:lstStyle/>
+          <a:p>
+            <a:r>
+              <a:rPr lang="en-GB" dirty="0"/>
+              <a:t>Certification – what’s the point?</a:t>
+            </a:r>
+          </a:p>
+        </p:txBody>
+      </p:sp>
+      <p:sp>
+        <p:nvSpPr>
+          <p:cNvPr id="5" name="Content Placeholder 4">
+            <a:extLst>
+              <a:ext uri="{FF2B5EF4-FFF2-40B4-BE49-F238E27FC236}">
+                <a16:creationId xmlns:a16="http://schemas.microsoft.com/office/drawing/2014/main" id="{C5603F27-A49F-49BF-999B-63AFFB3A97A6}"/>
+              </a:ext>
+            </a:extLst>
+          </p:cNvPr>
+          <p:cNvSpPr>
+            <a:spLocks noGrp="1"/>
+          </p:cNvSpPr>
+          <p:nvPr>
+            <p:ph idx="1"/>
+          </p:nvPr>
+        </p:nvSpPr>
+        <p:spPr/>
+        <p:txBody>
+          <a:bodyPr/>
+          <a:lstStyle/>
+          <a:p>
+            <a:r>
+              <a:rPr lang="en-GB" dirty="0"/>
+              <a:t>Proficiency in teaching</a:t>
+            </a:r>
+          </a:p>
+          <a:p>
+            <a:r>
+              <a:rPr lang="en-GB" dirty="0"/>
+              <a:t>Proficiency in technical skills</a:t>
+            </a:r>
+          </a:p>
+          <a:p>
+            <a:endParaRPr lang="en-GB" dirty="0"/>
+          </a:p>
+          <a:p>
+            <a:r>
+              <a:rPr lang="en-GB" dirty="0"/>
+              <a:t>Certified trainers share best practice, keep up to date with latest developments and tools in </a:t>
+            </a:r>
+            <a:r>
+              <a:rPr lang="en-GB" dirty="0" err="1"/>
+              <a:t>tidyverse</a:t>
+            </a:r>
+            <a:r>
+              <a:rPr lang="en-GB" dirty="0"/>
+              <a:t>, Shiny.</a:t>
+            </a:r>
+          </a:p>
+          <a:p>
+            <a:pPr lvl="1"/>
+            <a:r>
+              <a:rPr lang="en-GB" dirty="0"/>
+              <a:t>Community of practice</a:t>
+            </a:r>
+          </a:p>
+          <a:p>
+            <a:endParaRPr lang="en-GB" dirty="0"/>
+          </a:p>
+          <a:p>
+            <a:r>
+              <a:rPr lang="en-GB" dirty="0"/>
+              <a:t>Delegates being trained and organisations commissioning training by certified trainers can be confident that the training will be good.</a:t>
+            </a:r>
+          </a:p>
+        </p:txBody>
+      </p:sp>
+    </p:spTree>
+    <p:extLst>
+      <p:ext uri="{BB962C8B-B14F-4D97-AF65-F5344CB8AC3E}">
+        <p14:creationId xmlns:p14="http://schemas.microsoft.com/office/powerpoint/2010/main" val="1456518721"/>
+      </p:ext>
+    </p:extLst>
+  </p:cSld>
+  <p:clrMapOvr>
+    <a:masterClrMapping/>
+  </p:clrMapOvr>
+</p:sld>
+</file>
+
+<file path=ppt/slides/slide21.xml><?xml version="1.0" encoding="utf-8"?>
+<p:sld xmlns:a="http://schemas.openxmlformats.org/drawingml/2006/main" xmlns:r="http://schemas.openxmlformats.org/officeDocument/2006/relationships" xmlns:p="http://schemas.openxmlformats.org/presentationml/2006/main">
+  <p:cSld>
+    <p:spTree>
+      <p:nvGrpSpPr>
+        <p:cNvPr id="1" name=""/>
+        <p:cNvGrpSpPr/>
+        <p:nvPr/>
+      </p:nvGrpSpPr>
+      <p:grpSpPr>
+        <a:xfrm>
+          <a:off x="0" y="0"/>
+          <a:ext cx="0" cy="0"/>
+          <a:chOff x="0" y="0"/>
+          <a:chExt cx="0" cy="0"/>
+        </a:xfrm>
+      </p:grpSpPr>
+      <p:pic>
+        <p:nvPicPr>
+          <p:cNvPr id="5" name="Picture 4">
+            <a:extLst>
+              <a:ext uri="{FF2B5EF4-FFF2-40B4-BE49-F238E27FC236}">
+                <a16:creationId xmlns:a16="http://schemas.microsoft.com/office/drawing/2014/main" id="{BC9CCBE8-9C84-49B7-A26F-119228D4A347}"/>
+              </a:ext>
+            </a:extLst>
+          </p:cNvPr>
+          <p:cNvPicPr>
+            <a:picLocks noChangeAspect="1"/>
+          </p:cNvPicPr>
+          <p:nvPr/>
+        </p:nvPicPr>
+        <p:blipFill>
+          <a:blip r:embed="rId2">
+            <a:extLst>
+              <a:ext uri="{28A0092B-C50C-407E-A947-70E740481C1C}">
+                <a14:useLocalDpi xmlns:a14="http://schemas.microsoft.com/office/drawing/2010/main" val="0"/>
+              </a:ext>
+            </a:extLst>
+          </a:blip>
+          <a:stretch>
+            <a:fillRect/>
+          </a:stretch>
+        </p:blipFill>
+        <p:spPr>
+          <a:xfrm>
+            <a:off x="3080616" y="318536"/>
+            <a:ext cx="6030768" cy="6220927"/>
+          </a:xfrm>
+          <a:prstGeom prst="rect">
+            <a:avLst/>
+          </a:prstGeom>
+        </p:spPr>
+      </p:pic>
+      <p:sp>
+        <p:nvSpPr>
+          <p:cNvPr id="6" name="TextBox 5">
+            <a:extLst>
+              <a:ext uri="{FF2B5EF4-FFF2-40B4-BE49-F238E27FC236}">
+                <a16:creationId xmlns:a16="http://schemas.microsoft.com/office/drawing/2014/main" id="{C0260A94-1E9C-4C16-9736-F86B857BDAAE}"/>
+              </a:ext>
+            </a:extLst>
+          </p:cNvPr>
+          <p:cNvSpPr txBox="1"/>
+          <p:nvPr/>
+        </p:nvSpPr>
+        <p:spPr>
+          <a:xfrm>
+            <a:off x="3651260" y="6565715"/>
+            <a:ext cx="4889480" cy="246221"/>
+          </a:xfrm>
+          <a:prstGeom prst="rect">
+            <a:avLst/>
+          </a:prstGeom>
+          <a:noFill/>
+        </p:spPr>
+        <p:txBody>
+          <a:bodyPr wrap="none" rtlCol="0">
+            <a:spAutoFit/>
+          </a:bodyPr>
+          <a:lstStyle/>
+          <a:p>
+            <a:r>
+              <a:rPr lang="en-GB" sz="1000" dirty="0">
+                <a:hlinkClick r:id="rId3"/>
+              </a:rPr>
+              <a:t>https://headrush.typepad.com/creating_passionate_users/2005/10/getting_users_p.html</a:t>
+            </a:r>
+            <a:endParaRPr lang="en-GB" sz="1000" dirty="0"/>
+          </a:p>
+        </p:txBody>
+      </p:sp>
+    </p:spTree>
+    <p:extLst>
+      <p:ext uri="{BB962C8B-B14F-4D97-AF65-F5344CB8AC3E}">
+        <p14:creationId xmlns:p14="http://schemas.microsoft.com/office/powerpoint/2010/main" val="2260987142"/>
+      </p:ext>
+    </p:extLst>
+  </p:cSld>
+  <p:clrMapOvr>
+    <a:masterClrMapping/>
+  </p:clrMapOvr>
+</p:sld>
+</file>
+
+<file path=ppt/slides/slide22.xml><?xml version="1.0" encoding="utf-8"?>
+<p:sld xmlns:a="http://schemas.openxmlformats.org/drawingml/2006/main" xmlns:r="http://schemas.openxmlformats.org/officeDocument/2006/relationships" xmlns:p="http://schemas.openxmlformats.org/presentationml/2006/main">
+  <p:cSld>
+    <p:spTree>
+      <p:nvGrpSpPr>
+        <p:cNvPr id="1" name=""/>
+        <p:cNvGrpSpPr/>
+        <p:nvPr/>
+      </p:nvGrpSpPr>
+      <p:grpSpPr>
+        <a:xfrm>
+          <a:off x="0" y="0"/>
+          <a:ext cx="0" cy="0"/>
+          <a:chOff x="0" y="0"/>
+          <a:chExt cx="0" cy="0"/>
+        </a:xfrm>
+      </p:grpSpPr>
+      <p:pic>
+        <p:nvPicPr>
+          <p:cNvPr id="586754" name="Picture 2">
+            <a:extLst>
+              <a:ext uri="{FF2B5EF4-FFF2-40B4-BE49-F238E27FC236}">
+                <a16:creationId xmlns:a16="http://schemas.microsoft.com/office/drawing/2014/main" id="{BD3708BE-1CF2-4ECD-BFF6-BA30351BE724}"/>
+              </a:ext>
+            </a:extLst>
+          </p:cNvPr>
+          <p:cNvPicPr>
+            <a:picLocks noChangeAspect="1" noChangeArrowheads="1"/>
+          </p:cNvPicPr>
+          <p:nvPr/>
+        </p:nvPicPr>
+        <p:blipFill>
+          <a:blip r:embed="rId3">
+            <a:extLst>
+              <a:ext uri="{28A0092B-C50C-407E-A947-70E740481C1C}">
+                <a14:useLocalDpi xmlns:a14="http://schemas.microsoft.com/office/drawing/2010/main" val="0"/>
+              </a:ext>
+            </a:extLst>
+          </a:blip>
+          <a:srcRect/>
+          <a:stretch>
+            <a:fillRect/>
+          </a:stretch>
+        </p:blipFill>
+        <p:spPr bwMode="auto">
+          <a:xfrm>
+            <a:off x="3058160" y="421538"/>
+            <a:ext cx="6075680" cy="6014923"/>
+          </a:xfrm>
+          <a:prstGeom prst="rect">
+            <a:avLst/>
+          </a:prstGeom>
+          <a:noFill/>
+          <a:ln>
+            <a:noFill/>
+          </a:ln>
+          <a:effectLst/>
+          <a:extLst>
+            <a:ext uri="{909E8E84-426E-40DD-AFC4-6F175D3DCCD1}">
+              <a14:hiddenFill xmlns:a14="http://schemas.microsoft.com/office/drawing/2010/main">
+                <a:solidFill>
+                  <a:schemeClr val="accent1"/>
+                </a:solidFill>
+              </a14:hiddenFill>
+            </a:ext>
+            <a:ext uri="{91240B29-F687-4F45-9708-019B960494DF}">
+              <a14:hiddenLine xmlns:a14="http://schemas.microsoft.com/office/drawing/2010/main" w="9525">
+                <a:solidFill>
+                  <a:schemeClr val="tx1"/>
+                </a:solidFill>
+                <a:miter lim="800000"/>
+                <a:headEnd/>
+                <a:tailEnd/>
+              </a14:hiddenLine>
+            </a:ext>
+            <a:ext uri="{AF507438-7753-43E0-B8FC-AC1667EBCBE1}">
+              <a14:hiddenEffects xmlns:a14="http://schemas.microsoft.com/office/drawing/2010/main">
+                <a:effectLst>
+                  <a:outerShdw dist="35921" dir="2700000" algn="ctr" rotWithShape="0">
+                    <a:schemeClr val="bg2"/>
+                  </a:outerShdw>
+                </a:effectLst>
+              </a14:hiddenEffects>
+            </a:ext>
+          </a:extLst>
+        </p:spPr>
+      </p:pic>
+      <p:sp>
+        <p:nvSpPr>
+          <p:cNvPr id="586755" name="Text Box 3">
+            <a:extLst>
+              <a:ext uri="{FF2B5EF4-FFF2-40B4-BE49-F238E27FC236}">
+                <a16:creationId xmlns:a16="http://schemas.microsoft.com/office/drawing/2014/main" id="{1CD68509-E825-4DB8-BF41-29BB44717EAE}"/>
+              </a:ext>
+            </a:extLst>
+          </p:cNvPr>
+          <p:cNvSpPr txBox="1">
+            <a:spLocks noChangeArrowheads="1"/>
+          </p:cNvSpPr>
+          <p:nvPr/>
+        </p:nvSpPr>
+        <p:spPr bwMode="auto">
+          <a:xfrm>
+            <a:off x="7331075" y="6562725"/>
+            <a:ext cx="3302000" cy="228600"/>
+          </a:xfrm>
+          <a:prstGeom prst="rect">
+            <a:avLst/>
+          </a:prstGeom>
+          <a:noFill/>
+          <a:ln>
+            <a:noFill/>
+          </a:ln>
+          <a:effectLst/>
+          <a:extLst>
+            <a:ext uri="{909E8E84-426E-40DD-AFC4-6F175D3DCCD1}">
+              <a14:hiddenFill xmlns:a14="http://schemas.microsoft.com/office/drawing/2010/main">
+                <a:solidFill>
+                  <a:schemeClr val="accent1"/>
+                </a:solidFill>
+              </a14:hiddenFill>
+            </a:ext>
+            <a:ext uri="{91240B29-F687-4F45-9708-019B960494DF}">
+              <a14:hiddenLine xmlns:a14="http://schemas.microsoft.com/office/drawing/2010/main" w="9525">
+                <a:solidFill>
+                  <a:schemeClr val="tx1"/>
+                </a:solidFill>
+                <a:miter lim="800000"/>
+                <a:headEnd/>
+                <a:tailEnd/>
+              </a14:hiddenLine>
+            </a:ext>
+            <a:ext uri="{AF507438-7753-43E0-B8FC-AC1667EBCBE1}">
+              <a14:hiddenEffects xmlns:a14="http://schemas.microsoft.com/office/drawing/2010/main">
+                <a:effectLst>
+                  <a:outerShdw dist="35921" dir="2700000" algn="ctr" rotWithShape="0">
+                    <a:schemeClr val="bg2"/>
+                  </a:outerShdw>
+                </a:effectLst>
+              </a14:hiddenEffects>
+            </a:ext>
+          </a:extLst>
+        </p:spPr>
+        <p:txBody>
+          <a:bodyPr wrap="none">
+            <a:spAutoFit/>
+          </a:bodyPr>
+          <a:lstStyle/>
+          <a:p>
+            <a:r>
+              <a:rPr lang="en-GB" altLang="en-US" sz="900">
+                <a:hlinkClick r:id="rId4"/>
+              </a:rPr>
+              <a:t>http://www.slideshare.net/CJAtherton/chris-atherton-at-tcuk09</a:t>
+            </a:r>
+            <a:endParaRPr lang="en-GB" altLang="en-US" sz="900"/>
+          </a:p>
+        </p:txBody>
+      </p:sp>
+    </p:spTree>
+  </p:cSld>
+  <p:clrMapOvr>
+    <a:masterClrMapping/>
+  </p:clrMapOvr>
+</p:sld>
+</file>
+
+<file path=ppt/slides/slide23.xml><?xml version="1.0" encoding="utf-8"?>
+<p:sld xmlns:a="http://schemas.openxmlformats.org/drawingml/2006/main" xmlns:r="http://schemas.openxmlformats.org/officeDocument/2006/relationships" xmlns:p="http://schemas.openxmlformats.org/presentationml/2006/main">
+  <p:cSld>
+    <p:spTree>
+      <p:nvGrpSpPr>
+        <p:cNvPr id="1" name=""/>
+        <p:cNvGrpSpPr/>
+        <p:nvPr/>
+      </p:nvGrpSpPr>
+      <p:grpSpPr>
+        <a:xfrm>
+          <a:off x="0" y="0"/>
+          <a:ext cx="0" cy="0"/>
+          <a:chOff x="0" y="0"/>
+          <a:chExt cx="0" cy="0"/>
+        </a:xfrm>
+      </p:grpSpPr>
+      <p:sp>
+        <p:nvSpPr>
+          <p:cNvPr id="2" name="Title 1">
+            <a:extLst>
+              <a:ext uri="{FF2B5EF4-FFF2-40B4-BE49-F238E27FC236}">
+                <a16:creationId xmlns:a16="http://schemas.microsoft.com/office/drawing/2014/main" id="{426A38E2-6A52-43CB-B639-E0331370C905}"/>
+              </a:ext>
+            </a:extLst>
+          </p:cNvPr>
+          <p:cNvSpPr>
+            <a:spLocks noGrp="1"/>
+          </p:cNvSpPr>
+          <p:nvPr>
+            <p:ph type="title"/>
+          </p:nvPr>
+        </p:nvSpPr>
+        <p:spPr/>
+        <p:txBody>
+          <a:bodyPr/>
+          <a:lstStyle/>
+          <a:p>
+            <a:r>
+              <a:rPr lang="en-GB" dirty="0"/>
+              <a:t>Evidence-based teaching methods</a:t>
+            </a:r>
+          </a:p>
+        </p:txBody>
+      </p:sp>
+      <p:sp>
+        <p:nvSpPr>
+          <p:cNvPr id="3" name="TextBox 2">
+            <a:extLst>
+              <a:ext uri="{FF2B5EF4-FFF2-40B4-BE49-F238E27FC236}">
+                <a16:creationId xmlns:a16="http://schemas.microsoft.com/office/drawing/2014/main" id="{FA8506BB-04A9-4044-88C7-B9B3F945E632}"/>
+              </a:ext>
+            </a:extLst>
+          </p:cNvPr>
+          <p:cNvSpPr txBox="1"/>
+          <p:nvPr/>
+        </p:nvSpPr>
+        <p:spPr>
+          <a:xfrm>
+            <a:off x="756006" y="5500532"/>
+            <a:ext cx="2887650" cy="646331"/>
+          </a:xfrm>
+          <a:prstGeom prst="rect">
+            <a:avLst/>
+          </a:prstGeom>
+          <a:noFill/>
+        </p:spPr>
+        <p:txBody>
+          <a:bodyPr wrap="none" rtlCol="0">
+            <a:spAutoFit/>
+          </a:bodyPr>
+          <a:lstStyle/>
+          <a:p>
+            <a:r>
+              <a:rPr lang="en-GB" sz="3600" dirty="0"/>
+              <a:t>Cognitive-load</a:t>
+            </a:r>
+          </a:p>
+        </p:txBody>
+      </p:sp>
+      <p:sp>
+        <p:nvSpPr>
+          <p:cNvPr id="4" name="TextBox 3">
+            <a:extLst>
+              <a:ext uri="{FF2B5EF4-FFF2-40B4-BE49-F238E27FC236}">
+                <a16:creationId xmlns:a16="http://schemas.microsoft.com/office/drawing/2014/main" id="{A41A273A-ACA1-4206-9744-E5233851FA0F}"/>
+              </a:ext>
+            </a:extLst>
+          </p:cNvPr>
+          <p:cNvSpPr txBox="1"/>
+          <p:nvPr/>
+        </p:nvSpPr>
+        <p:spPr>
+          <a:xfrm>
+            <a:off x="756006" y="3004118"/>
+            <a:ext cx="3418052" cy="646331"/>
+          </a:xfrm>
+          <a:prstGeom prst="rect">
+            <a:avLst/>
+          </a:prstGeom>
+          <a:noFill/>
+        </p:spPr>
+        <p:txBody>
+          <a:bodyPr wrap="none" rtlCol="0">
+            <a:spAutoFit/>
+          </a:bodyPr>
+          <a:lstStyle/>
+          <a:p>
+            <a:r>
+              <a:rPr lang="en-GB" sz="3600" dirty="0"/>
+              <a:t>Learner personas</a:t>
+            </a:r>
+          </a:p>
+        </p:txBody>
+      </p:sp>
+      <p:sp>
+        <p:nvSpPr>
+          <p:cNvPr id="5" name="TextBox 4">
+            <a:extLst>
+              <a:ext uri="{FF2B5EF4-FFF2-40B4-BE49-F238E27FC236}">
+                <a16:creationId xmlns:a16="http://schemas.microsoft.com/office/drawing/2014/main" id="{E88D4766-0012-49D8-AEBD-7B4C627CF354}"/>
+              </a:ext>
+            </a:extLst>
+          </p:cNvPr>
+          <p:cNvSpPr txBox="1"/>
+          <p:nvPr/>
+        </p:nvSpPr>
+        <p:spPr>
+          <a:xfrm>
+            <a:off x="6250602" y="3605995"/>
+            <a:ext cx="4522264" cy="646331"/>
+          </a:xfrm>
+          <a:prstGeom prst="rect">
+            <a:avLst/>
+          </a:prstGeom>
+          <a:noFill/>
+        </p:spPr>
+        <p:txBody>
+          <a:bodyPr wrap="none" rtlCol="0">
+            <a:spAutoFit/>
+          </a:bodyPr>
+          <a:lstStyle/>
+          <a:p>
+            <a:r>
+              <a:rPr lang="en-GB" sz="3600" dirty="0"/>
+              <a:t>Formative assessments</a:t>
+            </a:r>
+          </a:p>
+        </p:txBody>
+      </p:sp>
+      <p:sp>
+        <p:nvSpPr>
+          <p:cNvPr id="6" name="TextBox 5">
+            <a:extLst>
+              <a:ext uri="{FF2B5EF4-FFF2-40B4-BE49-F238E27FC236}">
+                <a16:creationId xmlns:a16="http://schemas.microsoft.com/office/drawing/2014/main" id="{F1C6398D-DE96-4986-97B5-00FF9361A7C7}"/>
+              </a:ext>
+            </a:extLst>
+          </p:cNvPr>
+          <p:cNvSpPr txBox="1"/>
+          <p:nvPr/>
+        </p:nvSpPr>
+        <p:spPr>
+          <a:xfrm>
+            <a:off x="756006" y="4252326"/>
+            <a:ext cx="2246321" cy="646331"/>
+          </a:xfrm>
+          <a:prstGeom prst="rect">
+            <a:avLst/>
+          </a:prstGeom>
+          <a:noFill/>
+        </p:spPr>
+        <p:txBody>
+          <a:bodyPr wrap="none" rtlCol="0">
+            <a:spAutoFit/>
+          </a:bodyPr>
+          <a:lstStyle/>
+          <a:p>
+            <a:r>
+              <a:rPr lang="en-GB" sz="3600" dirty="0"/>
+              <a:t>Motivation</a:t>
+            </a:r>
+          </a:p>
+        </p:txBody>
+      </p:sp>
+      <p:sp>
+        <p:nvSpPr>
+          <p:cNvPr id="7" name="TextBox 6">
+            <a:extLst>
+              <a:ext uri="{FF2B5EF4-FFF2-40B4-BE49-F238E27FC236}">
+                <a16:creationId xmlns:a16="http://schemas.microsoft.com/office/drawing/2014/main" id="{6946D174-CA92-4437-9A96-9FBB8A5B0DF2}"/>
+              </a:ext>
+            </a:extLst>
+          </p:cNvPr>
+          <p:cNvSpPr txBox="1"/>
+          <p:nvPr/>
+        </p:nvSpPr>
+        <p:spPr>
+          <a:xfrm>
+            <a:off x="6250602" y="4854202"/>
+            <a:ext cx="1958870" cy="646331"/>
+          </a:xfrm>
+          <a:prstGeom prst="rect">
+            <a:avLst/>
+          </a:prstGeom>
+          <a:noFill/>
+        </p:spPr>
+        <p:txBody>
+          <a:bodyPr wrap="none" rtlCol="0">
+            <a:spAutoFit/>
+          </a:bodyPr>
+          <a:lstStyle/>
+          <a:p>
+            <a:r>
+              <a:rPr lang="en-GB" sz="3600" dirty="0"/>
+              <a:t>Feedback</a:t>
+            </a:r>
+          </a:p>
+        </p:txBody>
+      </p:sp>
+      <p:sp>
+        <p:nvSpPr>
+          <p:cNvPr id="8" name="TextBox 7">
+            <a:extLst>
+              <a:ext uri="{FF2B5EF4-FFF2-40B4-BE49-F238E27FC236}">
+                <a16:creationId xmlns:a16="http://schemas.microsoft.com/office/drawing/2014/main" id="{FD037F82-F086-43C0-8A02-949BC47482C7}"/>
+              </a:ext>
+            </a:extLst>
+          </p:cNvPr>
+          <p:cNvSpPr txBox="1"/>
+          <p:nvPr/>
+        </p:nvSpPr>
+        <p:spPr>
+          <a:xfrm>
+            <a:off x="756006" y="1755910"/>
+            <a:ext cx="3852465" cy="646331"/>
+          </a:xfrm>
+          <a:prstGeom prst="rect">
+            <a:avLst/>
+          </a:prstGeom>
+          <a:noFill/>
+        </p:spPr>
+        <p:txBody>
+          <a:bodyPr wrap="none" rtlCol="0">
+            <a:spAutoFit/>
+          </a:bodyPr>
+          <a:lstStyle/>
+          <a:p>
+            <a:r>
+              <a:rPr lang="en-GB" sz="3600" dirty="0"/>
+              <a:t>Learning paradigms</a:t>
+            </a:r>
+          </a:p>
+        </p:txBody>
+      </p:sp>
+      <p:sp>
+        <p:nvSpPr>
+          <p:cNvPr id="9" name="TextBox 8">
+            <a:extLst>
+              <a:ext uri="{FF2B5EF4-FFF2-40B4-BE49-F238E27FC236}">
+                <a16:creationId xmlns:a16="http://schemas.microsoft.com/office/drawing/2014/main" id="{BD41778F-7A8C-4EBD-AAAE-A777D8CB4102}"/>
+              </a:ext>
+            </a:extLst>
+          </p:cNvPr>
+          <p:cNvSpPr txBox="1"/>
+          <p:nvPr/>
+        </p:nvSpPr>
+        <p:spPr>
+          <a:xfrm>
+            <a:off x="6250602" y="1690688"/>
+            <a:ext cx="3373552" cy="1200329"/>
+          </a:xfrm>
+          <a:prstGeom prst="rect">
+            <a:avLst/>
+          </a:prstGeom>
+          <a:noFill/>
+        </p:spPr>
+        <p:txBody>
+          <a:bodyPr wrap="none" rtlCol="0">
+            <a:spAutoFit/>
+          </a:bodyPr>
+          <a:lstStyle/>
+          <a:p>
+            <a:r>
+              <a:rPr lang="en-GB" sz="3600" dirty="0"/>
+              <a:t>Concept maps &amp; </a:t>
+            </a:r>
+          </a:p>
+          <a:p>
+            <a:r>
+              <a:rPr lang="en-GB" sz="3600" dirty="0"/>
+              <a:t>Mental models</a:t>
+            </a:r>
+          </a:p>
+        </p:txBody>
+      </p:sp>
+    </p:spTree>
+    <p:extLst>
+      <p:ext uri="{BB962C8B-B14F-4D97-AF65-F5344CB8AC3E}">
+        <p14:creationId xmlns:p14="http://schemas.microsoft.com/office/powerpoint/2010/main" val="3809533075"/>
+      </p:ext>
+    </p:extLst>
+  </p:cSld>
+  <p:clrMapOvr>
+    <a:masterClrMapping/>
+  </p:clrMapOvr>
+</p:sld>
+</file>
+
+<file path=ppt/slides/slide24.xml><?xml version="1.0" encoding="utf-8"?>
 <p:sld xmlns:a="http://schemas.openxmlformats.org/drawingml/2006/main" xmlns:r="http://schemas.openxmlformats.org/officeDocument/2006/relationships" xmlns:p="http://schemas.openxmlformats.org/presentationml/2006/main">
   <p:cSld>
     <p:spTree>
@@ -6879,7 +8905,7 @@
 </p:sld>
 </file>
 
-<file path=ppt/slides/slide21.xml><?xml version="1.0" encoding="utf-8"?>
+<file path=ppt/slides/slide25.xml><?xml version="1.0" encoding="utf-8"?>
 <p:sld xmlns:a="http://schemas.openxmlformats.org/drawingml/2006/main" xmlns:r="http://schemas.openxmlformats.org/officeDocument/2006/relationships" xmlns:p="http://schemas.openxmlformats.org/presentationml/2006/main" show="0">
   <p:cSld>
     <p:spTree>
@@ -6992,7 +9018,7 @@
 </p:sld>
 </file>
 
-<file path=ppt/slides/slide22.xml><?xml version="1.0" encoding="utf-8"?>
+<file path=ppt/slides/slide26.xml><?xml version="1.0" encoding="utf-8"?>
 <p:sld xmlns:a="http://schemas.openxmlformats.org/drawingml/2006/main" xmlns:r="http://schemas.openxmlformats.org/officeDocument/2006/relationships" xmlns:p="http://schemas.openxmlformats.org/presentationml/2006/main" show="0">
   <p:cSld>
     <p:spTree>
@@ -7127,7 +9153,7 @@
 </p:sld>
 </file>
 
-<file path=ppt/slides/slide23.xml><?xml version="1.0" encoding="utf-8"?>
+<file path=ppt/slides/slide27.xml><?xml version="1.0" encoding="utf-8"?>
 <p:sld xmlns:a="http://schemas.openxmlformats.org/drawingml/2006/main" xmlns:r="http://schemas.openxmlformats.org/officeDocument/2006/relationships" xmlns:p="http://schemas.openxmlformats.org/presentationml/2006/main" show="0">
   <p:cSld>
     <p:spTree>
@@ -7297,10 +9323,10 @@
       </p:grpSpPr>
       <p:sp>
         <p:nvSpPr>
-          <p:cNvPr id="4" name="Title 3">
-            <a:extLst>
-              <a:ext uri="{FF2B5EF4-FFF2-40B4-BE49-F238E27FC236}">
-                <a16:creationId xmlns:a16="http://schemas.microsoft.com/office/drawing/2014/main" id="{7A5C7A47-D3C0-4FF9-B3E7-AD8F546FD2AB}"/>
+          <p:cNvPr id="2" name="Title 1">
+            <a:extLst>
+              <a:ext uri="{FF2B5EF4-FFF2-40B4-BE49-F238E27FC236}">
+                <a16:creationId xmlns:a16="http://schemas.microsoft.com/office/drawing/2014/main" id="{192114D0-9B80-4513-993C-DD5741184525}"/>
               </a:ext>
             </a:extLst>
           </p:cNvPr>
@@ -7311,91 +9337,28 @@
             <p:ph type="title"/>
           </p:nvPr>
         </p:nvSpPr>
-        <p:spPr>
-          <a:xfrm>
-            <a:off x="831850" y="1950720"/>
-            <a:ext cx="10515600" cy="1158240"/>
-          </a:xfrm>
-        </p:spPr>
+        <p:spPr/>
         <p:txBody>
-          <a:bodyPr anchor="t">
+          <a:bodyPr>
             <a:normAutofit/>
           </a:bodyPr>
           <a:lstStyle/>
           <a:p>
             <a:r>
-              <a:rPr lang="en-GB" sz="4800" dirty="0"/>
-              <a:t>Q: HOW DO YOU RUN A MARATHON?</a:t>
-            </a:r>
-          </a:p>
-        </p:txBody>
-      </p:sp>
-      <p:sp>
-        <p:nvSpPr>
-          <p:cNvPr id="5" name="Text Placeholder 4">
-            <a:extLst>
-              <a:ext uri="{FF2B5EF4-FFF2-40B4-BE49-F238E27FC236}">
-                <a16:creationId xmlns:a16="http://schemas.microsoft.com/office/drawing/2014/main" id="{D0205A9F-893C-4F6D-AC7F-4658BDD7E20C}"/>
-              </a:ext>
-            </a:extLst>
-          </p:cNvPr>
-          <p:cNvSpPr>
-            <a:spLocks noGrp="1"/>
-          </p:cNvSpPr>
-          <p:nvPr>
-            <p:ph type="body" idx="1"/>
-          </p:nvPr>
-        </p:nvSpPr>
-        <p:spPr>
-          <a:xfrm>
-            <a:off x="831850" y="3256754"/>
-            <a:ext cx="10515600" cy="609091"/>
-          </a:xfrm>
-        </p:spPr>
-        <p:txBody>
-          <a:bodyPr anchor="t">
-            <a:normAutofit/>
-          </a:bodyPr>
-          <a:lstStyle/>
-          <a:p>
-            <a:r>
-              <a:rPr lang="en-GB" sz="3600" dirty="0"/>
-              <a:t>A: You just run a marathon </a:t>
-            </a:r>
-          </a:p>
-        </p:txBody>
-      </p:sp>
-      <p:sp>
-        <p:nvSpPr>
-          <p:cNvPr id="6" name="TextBox 5">
-            <a:extLst>
-              <a:ext uri="{FF2B5EF4-FFF2-40B4-BE49-F238E27FC236}">
-                <a16:creationId xmlns:a16="http://schemas.microsoft.com/office/drawing/2014/main" id="{0E9478F6-0D8C-4339-9A3C-81DBF82F05AC}"/>
-              </a:ext>
-            </a:extLst>
-          </p:cNvPr>
-          <p:cNvSpPr txBox="1"/>
-          <p:nvPr/>
-        </p:nvSpPr>
-        <p:spPr>
-          <a:xfrm>
-            <a:off x="8987246" y="5982789"/>
-            <a:ext cx="2882537" cy="369332"/>
-          </a:xfrm>
-          <a:prstGeom prst="rect">
-            <a:avLst/>
-          </a:prstGeom>
-          <a:noFill/>
-        </p:spPr>
-        <p:txBody>
-          <a:bodyPr wrap="square" rtlCol="0">
-            <a:spAutoFit/>
-          </a:bodyPr>
-          <a:lstStyle/>
-          <a:p>
-            <a:r>
               <a:rPr lang="en-GB" dirty="0"/>
-              <a:t>…and “Hello” to Jason Isaacs </a:t>
+              <a:t>…but you shouldn’t seek </a:t>
+            </a:r>
+            <a:r>
+              <a:rPr lang="en-GB" b="1" i="1" dirty="0">
+                <a:solidFill>
+                  <a:srgbClr val="FF0000"/>
+                </a:solidFill>
+              </a:rPr>
+              <a:t>MY</a:t>
+            </a:r>
+            <a:r>
+              <a:rPr lang="en-GB" dirty="0"/>
+              <a:t> advice on how to train to run your best over 26.2 miles.</a:t>
             </a:r>
           </a:p>
         </p:txBody>
@@ -7403,135 +9366,13 @@
     </p:spTree>
     <p:extLst>
       <p:ext uri="{BB962C8B-B14F-4D97-AF65-F5344CB8AC3E}">
-        <p14:creationId xmlns:p14="http://schemas.microsoft.com/office/powerpoint/2010/main" val="1993811542"/>
+        <p14:creationId xmlns:p14="http://schemas.microsoft.com/office/powerpoint/2010/main" val="2321136143"/>
       </p:ext>
     </p:extLst>
   </p:cSld>
   <p:clrMapOvr>
     <a:masterClrMapping/>
   </p:clrMapOvr>
-  <p:timing>
-    <p:tnLst>
-      <p:par>
-        <p:cTn id="1" dur="indefinite" restart="never" nodeType="tmRoot">
-          <p:childTnLst>
-            <p:seq concurrent="1" nextAc="seek">
-              <p:cTn id="2" dur="indefinite" nodeType="mainSeq">
-                <p:childTnLst>
-                  <p:par>
-                    <p:cTn id="3" fill="hold">
-                      <p:stCondLst>
-                        <p:cond delay="indefinite"/>
-                      </p:stCondLst>
-                      <p:childTnLst>
-                        <p:par>
-                          <p:cTn id="4" fill="hold">
-                            <p:stCondLst>
-                              <p:cond delay="0"/>
-                            </p:stCondLst>
-                            <p:childTnLst>
-                              <p:par>
-                                <p:cTn id="5" presetID="10" presetClass="entr" presetSubtype="0" fill="hold" grpId="0" nodeType="clickEffect">
-                                  <p:stCondLst>
-                                    <p:cond delay="0"/>
-                                  </p:stCondLst>
-                                  <p:childTnLst>
-                                    <p:set>
-                                      <p:cBhvr>
-                                        <p:cTn id="6" dur="1" fill="hold">
-                                          <p:stCondLst>
-                                            <p:cond delay="0"/>
-                                          </p:stCondLst>
-                                        </p:cTn>
-                                        <p:tgtEl>
-                                          <p:spTgt spid="5">
-                                            <p:txEl>
-                                              <p:pRg st="0" end="0"/>
-                                            </p:txEl>
-                                          </p:spTgt>
-                                        </p:tgtEl>
-                                        <p:attrNameLst>
-                                          <p:attrName>style.visibility</p:attrName>
-                                        </p:attrNameLst>
-                                      </p:cBhvr>
-                                      <p:to>
-                                        <p:strVal val="visible"/>
-                                      </p:to>
-                                    </p:set>
-                                    <p:animEffect transition="in" filter="fade">
-                                      <p:cBhvr>
-                                        <p:cTn id="7" dur="500"/>
-                                        <p:tgtEl>
-                                          <p:spTgt spid="5">
-                                            <p:txEl>
-                                              <p:pRg st="0" end="0"/>
-                                            </p:txEl>
-                                          </p:spTgt>
-                                        </p:tgtEl>
-                                      </p:cBhvr>
-                                    </p:animEffect>
-                                  </p:childTnLst>
-                                </p:cTn>
-                              </p:par>
-                              <p:par>
-                                <p:cTn id="8" presetID="1" presetClass="entr" presetSubtype="0" fill="hold" grpId="0" nodeType="withEffect">
-                                  <p:stCondLst>
-                                    <p:cond delay="0"/>
-                                  </p:stCondLst>
-                                  <p:childTnLst>
-                                    <p:set>
-                                      <p:cBhvr>
-                                        <p:cTn id="9" dur="1" fill="hold">
-                                          <p:stCondLst>
-                                            <p:cond delay="0"/>
-                                          </p:stCondLst>
-                                        </p:cTn>
-                                        <p:tgtEl>
-                                          <p:spTgt spid="6"/>
-                                        </p:tgtEl>
-                                        <p:attrNameLst>
-                                          <p:attrName>style.visibility</p:attrName>
-                                        </p:attrNameLst>
-                                      </p:cBhvr>
-                                      <p:to>
-                                        <p:strVal val="visible"/>
-                                      </p:to>
-                                    </p:set>
-                                  </p:childTnLst>
-                                </p:cTn>
-                              </p:par>
-                            </p:childTnLst>
-                          </p:cTn>
-                        </p:par>
-                      </p:childTnLst>
-                    </p:cTn>
-                  </p:par>
-                </p:childTnLst>
-              </p:cTn>
-              <p:prevCondLst>
-                <p:cond evt="onPrev" delay="0">
-                  <p:tgtEl>
-                    <p:sldTgt/>
-                  </p:tgtEl>
-                </p:cond>
-              </p:prevCondLst>
-              <p:nextCondLst>
-                <p:cond evt="onNext" delay="0">
-                  <p:tgtEl>
-                    <p:sldTgt/>
-                  </p:tgtEl>
-                </p:cond>
-              </p:nextCondLst>
-            </p:seq>
-          </p:childTnLst>
-        </p:cTn>
-      </p:par>
-    </p:tnLst>
-    <p:bldLst>
-      <p:bldP spid="5" grpId="0" build="p"/>
-      <p:bldP spid="6" grpId="0"/>
-    </p:bldLst>
-  </p:timing>
 </p:sld>
 </file>
 
@@ -7570,26 +9411,12 @@
         </p:nvSpPr>
         <p:spPr/>
         <p:txBody>
-          <a:bodyPr>
-            <a:normAutofit/>
-          </a:bodyPr>
+          <a:bodyPr/>
           <a:lstStyle/>
           <a:p>
             <a:r>
               <a:rPr lang="en-GB" dirty="0"/>
-              <a:t>You shouldn’t seek </a:t>
-            </a:r>
-            <a:r>
-              <a:rPr lang="en-GB" b="1" i="1" dirty="0">
-                <a:solidFill>
-                  <a:srgbClr val="FF0000"/>
-                </a:solidFill>
-              </a:rPr>
-              <a:t>MY</a:t>
-            </a:r>
-            <a:r>
-              <a:rPr lang="en-GB" dirty="0"/>
-              <a:t> advice on how to train to run your best over 26.2 miles…</a:t>
+              <a:t>So why do we often turn to “experienced users” to train us in things like R?</a:t>
             </a:r>
           </a:p>
         </p:txBody>
@@ -7597,7 +9424,7 @@
     </p:spTree>
     <p:extLst>
       <p:ext uri="{BB962C8B-B14F-4D97-AF65-F5344CB8AC3E}">
-        <p14:creationId xmlns:p14="http://schemas.microsoft.com/office/powerpoint/2010/main" val="2321136143"/>
+        <p14:creationId xmlns:p14="http://schemas.microsoft.com/office/powerpoint/2010/main" val="2807204743"/>
       </p:ext>
     </p:extLst>
   </p:cSld>
@@ -7626,10 +9453,10 @@
       </p:grpSpPr>
       <p:sp>
         <p:nvSpPr>
-          <p:cNvPr id="2" name="Title 1">
-            <a:extLst>
-              <a:ext uri="{FF2B5EF4-FFF2-40B4-BE49-F238E27FC236}">
-                <a16:creationId xmlns:a16="http://schemas.microsoft.com/office/drawing/2014/main" id="{192114D0-9B80-4513-993C-DD5741184525}"/>
+          <p:cNvPr id="4" name="Title 3">
+            <a:extLst>
+              <a:ext uri="{FF2B5EF4-FFF2-40B4-BE49-F238E27FC236}">
+                <a16:creationId xmlns:a16="http://schemas.microsoft.com/office/drawing/2014/main" id="{00AA6E9A-C5E8-4091-8679-499E847DAD14}"/>
               </a:ext>
             </a:extLst>
           </p:cNvPr>
@@ -7647,7 +9474,19 @@
           <a:p>
             <a:r>
               <a:rPr lang="en-GB" dirty="0"/>
-              <a:t>So why do we often turn to “experienced users” to train us in things like R?</a:t>
+              <a:t>There’s more to teaching R than “simply” telling others how </a:t>
+            </a:r>
+            <a:r>
+              <a:rPr lang="en-GB" b="1" i="1" dirty="0">
+                <a:solidFill>
+                  <a:srgbClr val="FF0000"/>
+                </a:solidFill>
+              </a:rPr>
+              <a:t>YOU</a:t>
+            </a:r>
+            <a:r>
+              <a:rPr lang="en-GB" dirty="0"/>
+              <a:t> do R…</a:t>
             </a:r>
           </a:p>
         </p:txBody>
@@ -7655,7 +9494,7 @@
     </p:spTree>
     <p:extLst>
       <p:ext uri="{BB962C8B-B14F-4D97-AF65-F5344CB8AC3E}">
-        <p14:creationId xmlns:p14="http://schemas.microsoft.com/office/powerpoint/2010/main" val="2807204743"/>
+        <p14:creationId xmlns:p14="http://schemas.microsoft.com/office/powerpoint/2010/main" val="2171025839"/>
       </p:ext>
     </p:extLst>
   </p:cSld>
@@ -7684,10 +9523,10 @@
       </p:grpSpPr>
       <p:sp>
         <p:nvSpPr>
-          <p:cNvPr id="4" name="Title 3">
-            <a:extLst>
-              <a:ext uri="{FF2B5EF4-FFF2-40B4-BE49-F238E27FC236}">
-                <a16:creationId xmlns:a16="http://schemas.microsoft.com/office/drawing/2014/main" id="{00AA6E9A-C5E8-4091-8679-499E847DAD14}"/>
+          <p:cNvPr id="3" name="Title 2">
+            <a:extLst>
+              <a:ext uri="{FF2B5EF4-FFF2-40B4-BE49-F238E27FC236}">
+                <a16:creationId xmlns:a16="http://schemas.microsoft.com/office/drawing/2014/main" id="{19BA71D4-0736-4C20-AB4C-57079B852148}"/>
               </a:ext>
             </a:extLst>
           </p:cNvPr>
@@ -7698,77 +9537,12 @@
             <p:ph type="title"/>
           </p:nvPr>
         </p:nvSpPr>
-        <p:spPr/>
-        <p:txBody>
-          <a:bodyPr/>
-          <a:lstStyle/>
-          <a:p>
-            <a:r>
-              <a:rPr lang="en-GB" dirty="0"/>
-              <a:t>There’s more to teaching R than “simply” telling others how </a:t>
-            </a:r>
-            <a:r>
-              <a:rPr lang="en-GB" b="1" i="1" dirty="0">
-                <a:solidFill>
-                  <a:srgbClr val="FF0000"/>
-                </a:solidFill>
-              </a:rPr>
-              <a:t>YOU</a:t>
-            </a:r>
-            <a:r>
-              <a:rPr lang="en-GB" dirty="0"/>
-              <a:t> do R…</a:t>
-            </a:r>
-          </a:p>
-        </p:txBody>
-      </p:sp>
-    </p:spTree>
-    <p:extLst>
-      <p:ext uri="{BB962C8B-B14F-4D97-AF65-F5344CB8AC3E}">
-        <p14:creationId xmlns:p14="http://schemas.microsoft.com/office/powerpoint/2010/main" val="2171025839"/>
-      </p:ext>
-    </p:extLst>
-  </p:cSld>
-  <p:clrMapOvr>
-    <a:masterClrMapping/>
-  </p:clrMapOvr>
-</p:sld>
-</file>
-
-<file path=ppt/slides/slide7.xml><?xml version="1.0" encoding="utf-8"?>
-<p:sld xmlns:a="http://schemas.openxmlformats.org/drawingml/2006/main" xmlns:r="http://schemas.openxmlformats.org/officeDocument/2006/relationships" xmlns:p="http://schemas.openxmlformats.org/presentationml/2006/main">
-  <p:cSld>
-    <p:spTree>
-      <p:nvGrpSpPr>
-        <p:cNvPr id="1" name=""/>
-        <p:cNvGrpSpPr/>
-        <p:nvPr/>
-      </p:nvGrpSpPr>
-      <p:grpSpPr>
-        <a:xfrm>
-          <a:off x="0" y="0"/>
-          <a:ext cx="0" cy="0"/>
-          <a:chOff x="0" y="0"/>
-          <a:chExt cx="0" cy="0"/>
-        </a:xfrm>
-      </p:grpSpPr>
-      <p:sp>
-        <p:nvSpPr>
-          <p:cNvPr id="3" name="Title 2">
-            <a:extLst>
-              <a:ext uri="{FF2B5EF4-FFF2-40B4-BE49-F238E27FC236}">
-                <a16:creationId xmlns:a16="http://schemas.microsoft.com/office/drawing/2014/main" id="{19BA71D4-0736-4C20-AB4C-57079B852148}"/>
-              </a:ext>
-            </a:extLst>
-          </p:cNvPr>
-          <p:cNvSpPr>
-            <a:spLocks noGrp="1"/>
-          </p:cNvSpPr>
-          <p:nvPr>
-            <p:ph type="title"/>
-          </p:nvPr>
-        </p:nvSpPr>
-        <p:spPr/>
+        <p:spPr>
+          <a:xfrm>
+            <a:off x="838200" y="2519362"/>
+            <a:ext cx="10515600" cy="1819275"/>
+          </a:xfrm>
+        </p:spPr>
         <p:txBody>
           <a:bodyPr/>
           <a:lstStyle/>
@@ -7790,13 +9564,13 @@
   <p:clrMapOvr>
     <a:masterClrMapping/>
   </p:clrMapOvr>
-  <mc:AlternateContent xmlns:mc="http://schemas.openxmlformats.org/markup-compatibility/2006">
-    <mc:Choice xmlns:p14="http://schemas.microsoft.com/office/powerpoint/2010/main" Requires="p14">
+  <mc:AlternateContent xmlns:mc="http://schemas.openxmlformats.org/markup-compatibility/2006" xmlns:p14="http://schemas.microsoft.com/office/powerpoint/2010/main">
+    <mc:Choice Requires="p14">
       <p:transition spd="slow" p14:dur="2000">
         <p:fade thruBlk="1"/>
       </p:transition>
     </mc:Choice>
-    <mc:Fallback>
+    <mc:Fallback xmlns="">
       <p:transition spd="slow">
         <p:fade thruBlk="1"/>
       </p:transition>
@@ -7805,7 +9579,7 @@
 </p:sld>
 </file>
 
-<file path=ppt/slides/slide8.xml><?xml version="1.0" encoding="utf-8"?>
+<file path=ppt/slides/slide7.xml><?xml version="1.0" encoding="utf-8"?>
 <p:sld xmlns:a="http://schemas.openxmlformats.org/drawingml/2006/main" xmlns:r="http://schemas.openxmlformats.org/officeDocument/2006/relationships" xmlns:p="http://schemas.openxmlformats.org/presentationml/2006/main">
   <p:cSld>
     <p:spTree>
@@ -7892,6 +9666,66 @@
           </a:effectLst>
         </p:spPr>
       </p:pic>
+    </p:spTree>
+    <p:extLst>
+      <p:ext uri="{BB962C8B-B14F-4D97-AF65-F5344CB8AC3E}">
+        <p14:creationId xmlns:p14="http://schemas.microsoft.com/office/powerpoint/2010/main" val="2523511368"/>
+      </p:ext>
+    </p:extLst>
+  </p:cSld>
+  <p:clrMapOvr>
+    <a:masterClrMapping/>
+  </p:clrMapOvr>
+</p:sld>
+</file>
+
+<file path=ppt/slides/slide8.xml><?xml version="1.0" encoding="utf-8"?>
+<p:sld xmlns:a="http://schemas.openxmlformats.org/drawingml/2006/main" xmlns:r="http://schemas.openxmlformats.org/officeDocument/2006/relationships" xmlns:p="http://schemas.openxmlformats.org/presentationml/2006/main">
+  <p:cSld>
+    <p:spTree>
+      <p:nvGrpSpPr>
+        <p:cNvPr id="1" name=""/>
+        <p:cNvGrpSpPr/>
+        <p:nvPr/>
+      </p:nvGrpSpPr>
+      <p:grpSpPr>
+        <a:xfrm>
+          <a:off x="0" y="0"/>
+          <a:ext cx="0" cy="0"/>
+          <a:chOff x="0" y="0"/>
+          <a:chExt cx="0" cy="0"/>
+        </a:xfrm>
+      </p:grpSpPr>
+      <p:sp>
+        <p:nvSpPr>
+          <p:cNvPr id="2" name="Title 1">
+            <a:extLst>
+              <a:ext uri="{FF2B5EF4-FFF2-40B4-BE49-F238E27FC236}">
+                <a16:creationId xmlns:a16="http://schemas.microsoft.com/office/drawing/2014/main" id="{8AE22903-BB48-4455-9DE6-6FD232DD504D}"/>
+              </a:ext>
+            </a:extLst>
+          </p:cNvPr>
+          <p:cNvSpPr>
+            <a:spLocks noGrp="1"/>
+          </p:cNvSpPr>
+          <p:nvPr>
+            <p:ph type="title"/>
+          </p:nvPr>
+        </p:nvSpPr>
+        <p:spPr/>
+        <p:txBody>
+          <a:bodyPr>
+            <a:normAutofit fontScale="90000"/>
+          </a:bodyPr>
+          <a:lstStyle/>
+          <a:p>
+            <a:r>
+              <a:rPr lang="en-GB" dirty="0"/>
+              <a:t>Providing concept maps helps learners associate concepts – help build training routes</a:t>
+            </a:r>
+          </a:p>
+        </p:txBody>
+      </p:sp>
       <p:pic>
         <p:nvPicPr>
           <p:cNvPr id="7" name="Picture 6">
@@ -7907,7 +9741,7 @@
           <p:nvPr/>
         </p:nvPicPr>
         <p:blipFill>
-          <a:blip r:embed="rId3"/>
+          <a:blip r:embed="rId2"/>
           <a:stretch>
             <a:fillRect/>
           </a:stretch>
@@ -7935,160 +9769,13 @@
     </p:spTree>
     <p:extLst>
       <p:ext uri="{BB962C8B-B14F-4D97-AF65-F5344CB8AC3E}">
-        <p14:creationId xmlns:p14="http://schemas.microsoft.com/office/powerpoint/2010/main" val="2523511368"/>
+        <p14:creationId xmlns:p14="http://schemas.microsoft.com/office/powerpoint/2010/main" val="1201384947"/>
       </p:ext>
     </p:extLst>
   </p:cSld>
   <p:clrMapOvr>
     <a:masterClrMapping/>
   </p:clrMapOvr>
-  <p:timing>
-    <p:tnLst>
-      <p:par>
-        <p:cTn id="1" dur="indefinite" restart="never" nodeType="tmRoot">
-          <p:childTnLst>
-            <p:seq concurrent="1" nextAc="seek">
-              <p:cTn id="2" dur="indefinite" nodeType="mainSeq">
-                <p:childTnLst>
-                  <p:par>
-                    <p:cTn id="3" fill="hold">
-                      <p:stCondLst>
-                        <p:cond delay="indefinite"/>
-                        <p:cond evt="onBegin" delay="0">
-                          <p:tn val="2"/>
-                        </p:cond>
-                      </p:stCondLst>
-                      <p:childTnLst>
-                        <p:par>
-                          <p:cTn id="4" fill="hold">
-                            <p:stCondLst>
-                              <p:cond delay="0"/>
-                            </p:stCondLst>
-                            <p:childTnLst>
-                              <p:par>
-                                <p:cTn id="5" presetID="1" presetClass="entr" presetSubtype="0" fill="hold" nodeType="withEffect">
-                                  <p:stCondLst>
-                                    <p:cond delay="0"/>
-                                  </p:stCondLst>
-                                  <p:childTnLst>
-                                    <p:set>
-                                      <p:cBhvr>
-                                        <p:cTn id="6" dur="1" fill="hold">
-                                          <p:stCondLst>
-                                            <p:cond delay="0"/>
-                                          </p:stCondLst>
-                                        </p:cTn>
-                                        <p:tgtEl>
-                                          <p:spTgt spid="6"/>
-                                        </p:tgtEl>
-                                        <p:attrNameLst>
-                                          <p:attrName>style.visibility</p:attrName>
-                                        </p:attrNameLst>
-                                      </p:cBhvr>
-                                      <p:to>
-                                        <p:strVal val="visible"/>
-                                      </p:to>
-                                    </p:set>
-                                  </p:childTnLst>
-                                  <p:subTnLst>
-                                    <p:set>
-                                      <p:cBhvr override="childStyle">
-                                        <p:cTn dur="1" fill="hold" display="0" masterRel="nextClick" afterEffect="1"/>
-                                        <p:tgtEl>
-                                          <p:spTgt spid="6"/>
-                                        </p:tgtEl>
-                                        <p:attrNameLst>
-                                          <p:attrName>style.visibility</p:attrName>
-                                        </p:attrNameLst>
-                                      </p:cBhvr>
-                                      <p:to>
-                                        <p:strVal val="hidden"/>
-                                      </p:to>
-                                    </p:set>
-                                  </p:subTnLst>
-                                </p:cTn>
-                              </p:par>
-                            </p:childTnLst>
-                          </p:cTn>
-                        </p:par>
-                      </p:childTnLst>
-                    </p:cTn>
-                  </p:par>
-                  <p:par>
-                    <p:cTn id="7" fill="hold">
-                      <p:stCondLst>
-                        <p:cond delay="indefinite"/>
-                      </p:stCondLst>
-                      <p:childTnLst>
-                        <p:par>
-                          <p:cTn id="8" fill="hold">
-                            <p:stCondLst>
-                              <p:cond delay="0"/>
-                            </p:stCondLst>
-                            <p:childTnLst>
-                              <p:par>
-                                <p:cTn id="9" presetID="10" presetClass="entr" presetSubtype="0" fill="hold" nodeType="clickEffect">
-                                  <p:stCondLst>
-                                    <p:cond delay="0"/>
-                                  </p:stCondLst>
-                                  <p:childTnLst>
-                                    <p:set>
-                                      <p:cBhvr>
-                                        <p:cTn id="10" dur="1" fill="hold">
-                                          <p:stCondLst>
-                                            <p:cond delay="0"/>
-                                          </p:stCondLst>
-                                        </p:cTn>
-                                        <p:tgtEl>
-                                          <p:spTgt spid="7"/>
-                                        </p:tgtEl>
-                                        <p:attrNameLst>
-                                          <p:attrName>style.visibility</p:attrName>
-                                        </p:attrNameLst>
-                                      </p:cBhvr>
-                                      <p:to>
-                                        <p:strVal val="visible"/>
-                                      </p:to>
-                                    </p:set>
-                                    <p:animEffect transition="in" filter="fade">
-                                      <p:cBhvr>
-                                        <p:cTn id="11" dur="500"/>
-                                        <p:tgtEl>
-                                          <p:spTgt spid="7"/>
-                                        </p:tgtEl>
-                                      </p:cBhvr>
-                                    </p:animEffect>
-                                  </p:childTnLst>
-                                </p:cTn>
-                              </p:par>
-                            </p:childTnLst>
-                          </p:cTn>
-                        </p:par>
-                      </p:childTnLst>
-                    </p:cTn>
-                  </p:par>
-                </p:childTnLst>
-              </p:cTn>
-              <p:prevCondLst>
-                <p:cond evt="onPrev" delay="0">
-                  <p:tgtEl>
-                    <p:sldTgt/>
-                  </p:tgtEl>
-                </p:cond>
-              </p:prevCondLst>
-              <p:nextCondLst>
-                <p:cond evt="onNext" delay="0">
-                  <p:tgtEl>
-                    <p:sldTgt/>
-                  </p:tgtEl>
-                </p:cond>
-              </p:nextCondLst>
-            </p:seq>
-          </p:childTnLst>
-        </p:cTn>
-      </p:par>
-    </p:tnLst>
-  </p:timing>
 </p:sld>
 </file>
 
@@ -8133,13 +9820,13 @@
         </p:spPr>
         <p:txBody>
           <a:bodyPr>
-            <a:normAutofit fontScale="90000"/>
+            <a:normAutofit/>
           </a:bodyPr>
           <a:lstStyle/>
           <a:p>
             <a:r>
               <a:rPr lang="en-GB" dirty="0"/>
-              <a:t>Structure content to allow learners space to absorb the concepts and use formative assessment to check progress.</a:t>
+              <a:t>Structure content to allow learners space to absorb the concepts …</a:t>
             </a:r>
           </a:p>
         </p:txBody>
@@ -8159,7 +9846,7 @@
           <p:nvPr>
             <p:extLst>
               <p:ext uri="{D42A27DB-BD31-4B8C-83A1-F6EECF244321}">
-                <p14:modId xmlns:p14="http://schemas.microsoft.com/office/powerpoint/2010/main" val="2473095818"/>
+                <p14:modId xmlns:p14="http://schemas.microsoft.com/office/powerpoint/2010/main" val="3076730656"/>
               </p:ext>
             </p:extLst>
           </p:nvPr>
@@ -9626,9 +11313,11 @@
                     <a:lstStyle/>
                     <a:p>
                       <a:r>
-                        <a:rPr lang="en-GB" sz="2000" b="1" dirty="0">
+                        <a:rPr lang="en-GB" sz="2000" b="0" dirty="0">
                           <a:solidFill>
-                            <a:schemeClr val="accent1"/>
+                            <a:schemeClr val="bg1">
+                              <a:lumMod val="85000"/>
+                            </a:schemeClr>
                           </a:solidFill>
                           <a:effectLst/>
                         </a:rPr>

--- a/Learn to teach_MikeKSmith.pptx
+++ b/Learn to teach_MikeKSmith.pptx
@@ -5,36 +5,25 @@
     <p:sldMasterId id="2147483648" r:id="rId1"/>
   </p:sldMasterIdLst>
   <p:notesMasterIdLst>
-    <p:notesMasterId r:id="rId29"/>
+    <p:notesMasterId r:id="rId18"/>
   </p:notesMasterIdLst>
   <p:sldIdLst>
     <p:sldId id="256" r:id="rId2"/>
-    <p:sldId id="504" r:id="rId3"/>
-    <p:sldId id="506" r:id="rId4"/>
-    <p:sldId id="507" r:id="rId5"/>
-    <p:sldId id="508" r:id="rId6"/>
-    <p:sldId id="511" r:id="rId7"/>
-    <p:sldId id="262" r:id="rId8"/>
-    <p:sldId id="516" r:id="rId9"/>
-    <p:sldId id="509" r:id="rId10"/>
+    <p:sldId id="519" r:id="rId3"/>
+    <p:sldId id="504" r:id="rId4"/>
+    <p:sldId id="508" r:id="rId5"/>
+    <p:sldId id="511" r:id="rId6"/>
+    <p:sldId id="262" r:id="rId7"/>
+    <p:sldId id="516" r:id="rId8"/>
+    <p:sldId id="521" r:id="rId9"/>
+    <p:sldId id="520" r:id="rId10"/>
     <p:sldId id="515" r:id="rId11"/>
-    <p:sldId id="517" r:id="rId12"/>
-    <p:sldId id="510" r:id="rId13"/>
-    <p:sldId id="518" r:id="rId14"/>
-    <p:sldId id="513" r:id="rId15"/>
-    <p:sldId id="503" r:id="rId16"/>
-    <p:sldId id="494" r:id="rId17"/>
-    <p:sldId id="277" r:id="rId18"/>
-    <p:sldId id="514" r:id="rId19"/>
-    <p:sldId id="512" r:id="rId20"/>
-    <p:sldId id="495" r:id="rId21"/>
-    <p:sldId id="489" r:id="rId22"/>
-    <p:sldId id="484" r:id="rId23"/>
-    <p:sldId id="488" r:id="rId24"/>
-    <p:sldId id="491" r:id="rId25"/>
-    <p:sldId id="276" r:id="rId26"/>
-    <p:sldId id="274" r:id="rId27"/>
-    <p:sldId id="273" r:id="rId28"/>
+    <p:sldId id="510" r:id="rId12"/>
+    <p:sldId id="513" r:id="rId13"/>
+    <p:sldId id="503" r:id="rId14"/>
+    <p:sldId id="494" r:id="rId15"/>
+    <p:sldId id="277" r:id="rId16"/>
+    <p:sldId id="514" r:id="rId17"/>
   </p:sldIdLst>
   <p:sldSz cx="12192000" cy="6858000"/>
   <p:notesSz cx="6858000" cy="9144000"/>
@@ -144,6 +133,81 @@
 </p:presentation>
 </file>
 
+<file path=ppt/revisionInfo.xml><?xml version="1.0" encoding="utf-8"?>
+<p1510:revInfo xmlns:a="http://schemas.openxmlformats.org/drawingml/2006/main" xmlns:r="http://schemas.openxmlformats.org/officeDocument/2006/relationships" xmlns:p1510="http://schemas.microsoft.com/office/powerpoint/2015/10/main">
+  <p1510:revLst>
+    <p1510:client id="{8978A891-ACFB-4E20-9E9B-72DCE817AE23}" v="12" dt="2020-01-13T14:57:45.568"/>
+  </p1510:revLst>
+</p1510:revInfo>
+</file>
+
+<file path=ppt/changesInfos/changesInfo1.xml><?xml version="1.0" encoding="utf-8"?>
+<pc:chgInfo xmlns:a="http://schemas.openxmlformats.org/drawingml/2006/main" xmlns:r="http://schemas.openxmlformats.org/officeDocument/2006/relationships" xmlns:ac="http://schemas.microsoft.com/office/drawing/2013/main/command" xmlns:pc="http://schemas.microsoft.com/office/powerpoint/2013/main/command">
+  <pc:docChgLst>
+    <pc:chgData name="Smith, Mike K" userId="fd68b96f-d6bb-4c79-994a-7859c22e374b" providerId="ADAL" clId="{8978A891-ACFB-4E20-9E9B-72DCE817AE23}"/>
+    <pc:docChg chg="custSel addSld modSld">
+      <pc:chgData name="Smith, Mike K" userId="fd68b96f-d6bb-4c79-994a-7859c22e374b" providerId="ADAL" clId="{8978A891-ACFB-4E20-9E9B-72DCE817AE23}" dt="2020-01-13T14:59:18.553" v="554" actId="20577"/>
+      <pc:docMkLst>
+        <pc:docMk/>
+      </pc:docMkLst>
+      <pc:sldChg chg="modSp">
+        <pc:chgData name="Smith, Mike K" userId="fd68b96f-d6bb-4c79-994a-7859c22e374b" providerId="ADAL" clId="{8978A891-ACFB-4E20-9E9B-72DCE817AE23}" dt="2020-01-13T14:54:19.510" v="134" actId="20577"/>
+        <pc:sldMkLst>
+          <pc:docMk/>
+          <pc:sldMk cId="2286664444" sldId="504"/>
+        </pc:sldMkLst>
+        <pc:spChg chg="mod">
+          <ac:chgData name="Smith, Mike K" userId="fd68b96f-d6bb-4c79-994a-7859c22e374b" providerId="ADAL" clId="{8978A891-ACFB-4E20-9E9B-72DCE817AE23}" dt="2020-01-13T14:54:19.510" v="134" actId="20577"/>
+          <ac:spMkLst>
+            <pc:docMk/>
+            <pc:sldMk cId="2286664444" sldId="504"/>
+            <ac:spMk id="4" creationId="{89C428A8-A98A-40AB-81C5-C551F957BB2D}"/>
+          </ac:spMkLst>
+        </pc:spChg>
+      </pc:sldChg>
+      <pc:sldChg chg="modSp">
+        <pc:chgData name="Smith, Mike K" userId="fd68b96f-d6bb-4c79-994a-7859c22e374b" providerId="ADAL" clId="{8978A891-ACFB-4E20-9E9B-72DCE817AE23}" dt="2020-01-13T14:59:18.553" v="554" actId="20577"/>
+        <pc:sldMkLst>
+          <pc:docMk/>
+          <pc:sldMk cId="4210869213" sldId="520"/>
+        </pc:sldMkLst>
+        <pc:spChg chg="mod">
+          <ac:chgData name="Smith, Mike K" userId="fd68b96f-d6bb-4c79-994a-7859c22e374b" providerId="ADAL" clId="{8978A891-ACFB-4E20-9E9B-72DCE817AE23}" dt="2020-01-13T14:59:18.553" v="554" actId="20577"/>
+          <ac:spMkLst>
+            <pc:docMk/>
+            <pc:sldMk cId="4210869213" sldId="520"/>
+            <ac:spMk id="2" creationId="{8AE22903-BB48-4455-9DE6-6FD232DD504D}"/>
+          </ac:spMkLst>
+        </pc:spChg>
+      </pc:sldChg>
+      <pc:sldChg chg="modSp add modNotesTx">
+        <pc:chgData name="Smith, Mike K" userId="fd68b96f-d6bb-4c79-994a-7859c22e374b" providerId="ADAL" clId="{8978A891-ACFB-4E20-9E9B-72DCE817AE23}" dt="2020-01-13T14:58:41.936" v="540" actId="20577"/>
+        <pc:sldMkLst>
+          <pc:docMk/>
+          <pc:sldMk cId="1554356410" sldId="521"/>
+        </pc:sldMkLst>
+        <pc:spChg chg="mod">
+          <ac:chgData name="Smith, Mike K" userId="fd68b96f-d6bb-4c79-994a-7859c22e374b" providerId="ADAL" clId="{8978A891-ACFB-4E20-9E9B-72DCE817AE23}" dt="2020-01-13T14:56:12.111" v="196" actId="20577"/>
+          <ac:spMkLst>
+            <pc:docMk/>
+            <pc:sldMk cId="1554356410" sldId="521"/>
+            <ac:spMk id="2" creationId="{8AE22903-BB48-4455-9DE6-6FD232DD504D}"/>
+          </ac:spMkLst>
+        </pc:spChg>
+        <pc:graphicFrameChg chg="mod modGraphic">
+          <ac:chgData name="Smith, Mike K" userId="fd68b96f-d6bb-4c79-994a-7859c22e374b" providerId="ADAL" clId="{8978A891-ACFB-4E20-9E9B-72DCE817AE23}" dt="2020-01-13T14:57:47.689" v="327" actId="108"/>
+          <ac:graphicFrameMkLst>
+            <pc:docMk/>
+            <pc:sldMk cId="1554356410" sldId="521"/>
+            <ac:graphicFrameMk id="6" creationId="{830FFD33-D6DF-4DF0-9D0A-17D92C6D23CB}"/>
+          </ac:graphicFrameMkLst>
+        </pc:graphicFrameChg>
+      </pc:sldChg>
+    </pc:docChg>
+  </pc:docChgLst>
+</pc:chgInfo>
+</file>
+
 <file path=ppt/notesMasters/notesMaster1.xml><?xml version="1.0" encoding="utf-8"?>
 <p:notesMaster xmlns:a="http://schemas.openxmlformats.org/drawingml/2006/main" xmlns:r="http://schemas.openxmlformats.org/officeDocument/2006/relationships" xmlns:p="http://schemas.openxmlformats.org/presentationml/2006/main">
   <p:cSld>
@@ -226,7 +290,7 @@
           <a:p>
             <a:fld id="{9D62F800-1419-438B-96D0-791D66092393}" type="datetimeFigureOut">
               <a:rPr lang="en-GB" smtClean="0"/>
-              <a:t>12/12/2019</a:t>
+              <a:t>13/01/2020</a:t>
             </a:fld>
             <a:endParaRPr lang="en-GB"/>
           </a:p>
@@ -538,7 +602,7 @@
           <a:bodyPr/>
           <a:lstStyle/>
           <a:p>
-            <a:endParaRPr lang="en-GB"/>
+            <a:endParaRPr lang="en-GB" dirty="0"/>
           </a:p>
         </p:txBody>
       </p:sp>
@@ -559,7 +623,7 @@
           <a:p>
             <a:fld id="{B60CA314-A09D-430B-B8BD-3F5B4A929A38}" type="slidenum">
               <a:rPr lang="en-GB" smtClean="0"/>
-              <a:t>20</a:t>
+              <a:t>3</a:t>
             </a:fld>
             <a:endParaRPr lang="en-GB"/>
           </a:p>
@@ -568,7 +632,349 @@
     </p:spTree>
     <p:extLst>
       <p:ext uri="{BB962C8B-B14F-4D97-AF65-F5344CB8AC3E}">
-        <p14:creationId xmlns:p14="http://schemas.microsoft.com/office/powerpoint/2010/main" val="2933602657"/>
+        <p14:creationId xmlns:p14="http://schemas.microsoft.com/office/powerpoint/2010/main" val="3722904397"/>
+      </p:ext>
+    </p:extLst>
+  </p:cSld>
+  <p:clrMapOvr>
+    <a:masterClrMapping/>
+  </p:clrMapOvr>
+</p:notes>
+</file>
+
+<file path=ppt/notesSlides/notesSlide10.xml><?xml version="1.0" encoding="utf-8"?>
+<p:notes xmlns:a="http://schemas.openxmlformats.org/drawingml/2006/main" xmlns:r="http://schemas.openxmlformats.org/officeDocument/2006/relationships" xmlns:p="http://schemas.openxmlformats.org/presentationml/2006/main">
+  <p:cSld>
+    <p:spTree>
+      <p:nvGrpSpPr>
+        <p:cNvPr id="1" name=""/>
+        <p:cNvGrpSpPr/>
+        <p:nvPr/>
+      </p:nvGrpSpPr>
+      <p:grpSpPr>
+        <a:xfrm>
+          <a:off x="0" y="0"/>
+          <a:ext cx="0" cy="0"/>
+          <a:chOff x="0" y="0"/>
+          <a:chExt cx="0" cy="0"/>
+        </a:xfrm>
+      </p:grpSpPr>
+      <p:sp>
+        <p:nvSpPr>
+          <p:cNvPr id="2" name="Slide Image Placeholder 1"/>
+          <p:cNvSpPr>
+            <a:spLocks noGrp="1" noRot="1" noChangeAspect="1"/>
+          </p:cNvSpPr>
+          <p:nvPr>
+            <p:ph type="sldImg"/>
+          </p:nvPr>
+        </p:nvSpPr>
+        <p:spPr/>
+      </p:sp>
+      <p:sp>
+        <p:nvSpPr>
+          <p:cNvPr id="3" name="Notes Placeholder 2"/>
+          <p:cNvSpPr>
+            <a:spLocks noGrp="1"/>
+          </p:cNvSpPr>
+          <p:nvPr>
+            <p:ph type="body" idx="1"/>
+          </p:nvPr>
+        </p:nvSpPr>
+        <p:spPr/>
+        <p:txBody>
+          <a:bodyPr/>
+          <a:lstStyle/>
+          <a:p>
+            <a:r>
+              <a:rPr lang="en-GB" dirty="0"/>
+              <a:t>Doing too much in one training session can lead to overload, burn out and injury (either to your learners or to yourself when they react badly to the session!)</a:t>
+            </a:r>
+          </a:p>
+        </p:txBody>
+      </p:sp>
+      <p:sp>
+        <p:nvSpPr>
+          <p:cNvPr id="4" name="Slide Number Placeholder 3"/>
+          <p:cNvSpPr>
+            <a:spLocks noGrp="1"/>
+          </p:cNvSpPr>
+          <p:nvPr>
+            <p:ph type="sldNum" sz="quarter" idx="5"/>
+          </p:nvPr>
+        </p:nvSpPr>
+        <p:spPr/>
+        <p:txBody>
+          <a:bodyPr/>
+          <a:lstStyle/>
+          <a:p>
+            <a:fld id="{B60CA314-A09D-430B-B8BD-3F5B4A929A38}" type="slidenum">
+              <a:rPr lang="en-GB" smtClean="0"/>
+              <a:t>12</a:t>
+            </a:fld>
+            <a:endParaRPr lang="en-GB"/>
+          </a:p>
+        </p:txBody>
+      </p:sp>
+    </p:spTree>
+    <p:extLst>
+      <p:ext uri="{BB962C8B-B14F-4D97-AF65-F5344CB8AC3E}">
+        <p14:creationId xmlns:p14="http://schemas.microsoft.com/office/powerpoint/2010/main" val="510455010"/>
+      </p:ext>
+    </p:extLst>
+  </p:cSld>
+  <p:clrMapOvr>
+    <a:masterClrMapping/>
+  </p:clrMapOvr>
+</p:notes>
+</file>
+
+<file path=ppt/notesSlides/notesSlide11.xml><?xml version="1.0" encoding="utf-8"?>
+<p:notes xmlns:a="http://schemas.openxmlformats.org/drawingml/2006/main" xmlns:r="http://schemas.openxmlformats.org/officeDocument/2006/relationships" xmlns:p="http://schemas.openxmlformats.org/presentationml/2006/main">
+  <p:cSld>
+    <p:spTree>
+      <p:nvGrpSpPr>
+        <p:cNvPr id="1" name=""/>
+        <p:cNvGrpSpPr/>
+        <p:nvPr/>
+      </p:nvGrpSpPr>
+      <p:grpSpPr>
+        <a:xfrm>
+          <a:off x="0" y="0"/>
+          <a:ext cx="0" cy="0"/>
+          <a:chOff x="0" y="0"/>
+          <a:chExt cx="0" cy="0"/>
+        </a:xfrm>
+      </p:grpSpPr>
+      <p:sp>
+        <p:nvSpPr>
+          <p:cNvPr id="2" name="Slide Image Placeholder 1"/>
+          <p:cNvSpPr>
+            <a:spLocks noGrp="1" noRot="1" noChangeAspect="1"/>
+          </p:cNvSpPr>
+          <p:nvPr>
+            <p:ph type="sldImg"/>
+          </p:nvPr>
+        </p:nvSpPr>
+        <p:spPr/>
+      </p:sp>
+      <p:sp>
+        <p:nvSpPr>
+          <p:cNvPr id="3" name="Notes Placeholder 2"/>
+          <p:cNvSpPr>
+            <a:spLocks noGrp="1"/>
+          </p:cNvSpPr>
+          <p:nvPr>
+            <p:ph type="body" idx="1"/>
+          </p:nvPr>
+        </p:nvSpPr>
+        <p:spPr/>
+        <p:txBody>
+          <a:bodyPr/>
+          <a:lstStyle/>
+          <a:p>
+            <a:r>
+              <a:rPr lang="en-GB" dirty="0"/>
+              <a:t>Don't forget what it's like to approach topics from first principles.</a:t>
+            </a:r>
+          </a:p>
+        </p:txBody>
+      </p:sp>
+      <p:sp>
+        <p:nvSpPr>
+          <p:cNvPr id="4" name="Slide Number Placeholder 3"/>
+          <p:cNvSpPr>
+            <a:spLocks noGrp="1"/>
+          </p:cNvSpPr>
+          <p:nvPr>
+            <p:ph type="sldNum" sz="quarter" idx="5"/>
+          </p:nvPr>
+        </p:nvSpPr>
+        <p:spPr/>
+        <p:txBody>
+          <a:bodyPr/>
+          <a:lstStyle/>
+          <a:p>
+            <a:fld id="{B60CA314-A09D-430B-B8BD-3F5B4A929A38}" type="slidenum">
+              <a:rPr lang="en-GB" smtClean="0"/>
+              <a:t>13</a:t>
+            </a:fld>
+            <a:endParaRPr lang="en-GB"/>
+          </a:p>
+        </p:txBody>
+      </p:sp>
+    </p:spTree>
+    <p:extLst>
+      <p:ext uri="{BB962C8B-B14F-4D97-AF65-F5344CB8AC3E}">
+        <p14:creationId xmlns:p14="http://schemas.microsoft.com/office/powerpoint/2010/main" val="1786379844"/>
+      </p:ext>
+    </p:extLst>
+  </p:cSld>
+  <p:clrMapOvr>
+    <a:masterClrMapping/>
+  </p:clrMapOvr>
+</p:notes>
+</file>
+
+<file path=ppt/notesSlides/notesSlide12.xml><?xml version="1.0" encoding="utf-8"?>
+<p:notes xmlns:a="http://schemas.openxmlformats.org/drawingml/2006/main" xmlns:r="http://schemas.openxmlformats.org/officeDocument/2006/relationships" xmlns:p="http://schemas.openxmlformats.org/presentationml/2006/main">
+  <p:cSld>
+    <p:spTree>
+      <p:nvGrpSpPr>
+        <p:cNvPr id="1" name=""/>
+        <p:cNvGrpSpPr/>
+        <p:nvPr/>
+      </p:nvGrpSpPr>
+      <p:grpSpPr>
+        <a:xfrm>
+          <a:off x="0" y="0"/>
+          <a:ext cx="0" cy="0"/>
+          <a:chOff x="0" y="0"/>
+          <a:chExt cx="0" cy="0"/>
+        </a:xfrm>
+      </p:grpSpPr>
+      <p:sp>
+        <p:nvSpPr>
+          <p:cNvPr id="2" name="Slide Image Placeholder 1"/>
+          <p:cNvSpPr>
+            <a:spLocks noGrp="1" noRot="1" noChangeAspect="1"/>
+          </p:cNvSpPr>
+          <p:nvPr>
+            <p:ph type="sldImg"/>
+          </p:nvPr>
+        </p:nvSpPr>
+        <p:spPr/>
+      </p:sp>
+      <p:sp>
+        <p:nvSpPr>
+          <p:cNvPr id="3" name="Notes Placeholder 2"/>
+          <p:cNvSpPr>
+            <a:spLocks noGrp="1"/>
+          </p:cNvSpPr>
+          <p:nvPr>
+            <p:ph type="body" idx="1"/>
+          </p:nvPr>
+        </p:nvSpPr>
+        <p:spPr/>
+        <p:txBody>
+          <a:bodyPr/>
+          <a:lstStyle/>
+          <a:p>
+            <a:endParaRPr lang="en-GB" dirty="0"/>
+          </a:p>
+        </p:txBody>
+      </p:sp>
+      <p:sp>
+        <p:nvSpPr>
+          <p:cNvPr id="4" name="Slide Number Placeholder 3"/>
+          <p:cNvSpPr>
+            <a:spLocks noGrp="1"/>
+          </p:cNvSpPr>
+          <p:nvPr>
+            <p:ph type="sldNum" sz="quarter" idx="5"/>
+          </p:nvPr>
+        </p:nvSpPr>
+        <p:spPr/>
+        <p:txBody>
+          <a:bodyPr/>
+          <a:lstStyle/>
+          <a:p>
+            <a:fld id="{B60CA314-A09D-430B-B8BD-3F5B4A929A38}" type="slidenum">
+              <a:rPr lang="en-GB" smtClean="0"/>
+              <a:t>14</a:t>
+            </a:fld>
+            <a:endParaRPr lang="en-GB"/>
+          </a:p>
+        </p:txBody>
+      </p:sp>
+    </p:spTree>
+    <p:extLst>
+      <p:ext uri="{BB962C8B-B14F-4D97-AF65-F5344CB8AC3E}">
+        <p14:creationId xmlns:p14="http://schemas.microsoft.com/office/powerpoint/2010/main" val="1914709008"/>
+      </p:ext>
+    </p:extLst>
+  </p:cSld>
+  <p:clrMapOvr>
+    <a:masterClrMapping/>
+  </p:clrMapOvr>
+</p:notes>
+</file>
+
+<file path=ppt/notesSlides/notesSlide13.xml><?xml version="1.0" encoding="utf-8"?>
+<p:notes xmlns:a="http://schemas.openxmlformats.org/drawingml/2006/main" xmlns:r="http://schemas.openxmlformats.org/officeDocument/2006/relationships" xmlns:p="http://schemas.openxmlformats.org/presentationml/2006/main">
+  <p:cSld>
+    <p:spTree>
+      <p:nvGrpSpPr>
+        <p:cNvPr id="1" name=""/>
+        <p:cNvGrpSpPr/>
+        <p:nvPr/>
+      </p:nvGrpSpPr>
+      <p:grpSpPr>
+        <a:xfrm>
+          <a:off x="0" y="0"/>
+          <a:ext cx="0" cy="0"/>
+          <a:chOff x="0" y="0"/>
+          <a:chExt cx="0" cy="0"/>
+        </a:xfrm>
+      </p:grpSpPr>
+      <p:sp>
+        <p:nvSpPr>
+          <p:cNvPr id="2" name="Slide Image Placeholder 1"/>
+          <p:cNvSpPr>
+            <a:spLocks noGrp="1" noRot="1" noChangeAspect="1"/>
+          </p:cNvSpPr>
+          <p:nvPr>
+            <p:ph type="sldImg"/>
+          </p:nvPr>
+        </p:nvSpPr>
+        <p:spPr/>
+      </p:sp>
+      <p:sp>
+        <p:nvSpPr>
+          <p:cNvPr id="3" name="Notes Placeholder 2"/>
+          <p:cNvSpPr>
+            <a:spLocks noGrp="1"/>
+          </p:cNvSpPr>
+          <p:nvPr>
+            <p:ph type="body" idx="1"/>
+          </p:nvPr>
+        </p:nvSpPr>
+        <p:spPr/>
+        <p:txBody>
+          <a:bodyPr/>
+          <a:lstStyle/>
+          <a:p>
+            <a:endParaRPr lang="en-GB" dirty="0"/>
+          </a:p>
+        </p:txBody>
+      </p:sp>
+      <p:sp>
+        <p:nvSpPr>
+          <p:cNvPr id="4" name="Slide Number Placeholder 3"/>
+          <p:cNvSpPr>
+            <a:spLocks noGrp="1"/>
+          </p:cNvSpPr>
+          <p:nvPr>
+            <p:ph type="sldNum" sz="quarter" idx="5"/>
+          </p:nvPr>
+        </p:nvSpPr>
+        <p:spPr/>
+        <p:txBody>
+          <a:bodyPr/>
+          <a:lstStyle/>
+          <a:p>
+            <a:fld id="{B60CA314-A09D-430B-B8BD-3F5B4A929A38}" type="slidenum">
+              <a:rPr lang="en-GB" smtClean="0"/>
+              <a:t>16</a:t>
+            </a:fld>
+            <a:endParaRPr lang="en-GB"/>
+          </a:p>
+        </p:txBody>
+      </p:sp>
+    </p:spTree>
+    <p:extLst>
+      <p:ext uri="{BB962C8B-B14F-4D97-AF65-F5344CB8AC3E}">
+        <p14:creationId xmlns:p14="http://schemas.microsoft.com/office/powerpoint/2010/main" val="1521940328"/>
       </p:ext>
     </p:extLst>
   </p:cSld>
@@ -597,71 +1003,21 @@
       </p:grpSpPr>
       <p:sp>
         <p:nvSpPr>
-          <p:cNvPr id="7" name="Rectangle 7">
-            <a:extLst>
-              <a:ext uri="{FF2B5EF4-FFF2-40B4-BE49-F238E27FC236}">
-                <a16:creationId xmlns:a16="http://schemas.microsoft.com/office/drawing/2014/main" id="{7B735291-1164-4DD3-87D0-1FFE9731D5F1}"/>
-              </a:ext>
-            </a:extLst>
-          </p:cNvPr>
+          <p:cNvPr id="2" name="Slide Image Placeholder 1"/>
           <p:cNvSpPr>
-            <a:spLocks noGrp="1" noChangeArrowheads="1"/>
-          </p:cNvSpPr>
-          <p:nvPr>
-            <p:ph type="sldNum" sz="quarter" idx="5"/>
-          </p:nvPr>
-        </p:nvSpPr>
-        <p:spPr>
-          <a:ln/>
-        </p:spPr>
-        <p:txBody>
-          <a:bodyPr/>
-          <a:lstStyle/>
-          <a:p>
-            <a:fld id="{A1895CF7-F0DF-498A-8F74-CEBB6050F1C4}" type="slidenum">
-              <a:rPr lang="en-GB" altLang="en-US"/>
-              <a:pPr/>
-              <a:t>22</a:t>
-            </a:fld>
-            <a:endParaRPr lang="en-GB" altLang="en-US"/>
-          </a:p>
-        </p:txBody>
-      </p:sp>
-      <p:sp>
-        <p:nvSpPr>
-          <p:cNvPr id="587778" name="Rectangle 2">
-            <a:extLst>
-              <a:ext uri="{FF2B5EF4-FFF2-40B4-BE49-F238E27FC236}">
-                <a16:creationId xmlns:a16="http://schemas.microsoft.com/office/drawing/2014/main" id="{57F988F4-DC57-4D6C-A58D-8081E4ABEEF9}"/>
-              </a:ext>
-            </a:extLst>
-          </p:cNvPr>
-          <p:cNvSpPr>
-            <a:spLocks noGrp="1" noRot="1" noChangeAspect="1" noChangeArrowheads="1" noTextEdit="1"/>
+            <a:spLocks noGrp="1" noRot="1" noChangeAspect="1"/>
           </p:cNvSpPr>
           <p:nvPr>
             <p:ph type="sldImg"/>
           </p:nvPr>
         </p:nvSpPr>
-        <p:spPr>
-          <a:xfrm>
-            <a:off x="139700" y="768350"/>
-            <a:ext cx="6819900" cy="3836988"/>
-          </a:xfrm>
-          <a:ln/>
-        </p:spPr>
+        <p:spPr/>
       </p:sp>
       <p:sp>
         <p:nvSpPr>
-          <p:cNvPr id="587779" name="Rectangle 3">
-            <a:extLst>
-              <a:ext uri="{FF2B5EF4-FFF2-40B4-BE49-F238E27FC236}">
-                <a16:creationId xmlns:a16="http://schemas.microsoft.com/office/drawing/2014/main" id="{2C5CF360-4DFB-4167-A394-FE9B65F2B78F}"/>
-              </a:ext>
-            </a:extLst>
-          </p:cNvPr>
+          <p:cNvPr id="3" name="Notes Placeholder 2"/>
           <p:cNvSpPr>
-            <a:spLocks noGrp="1" noChangeArrowheads="1"/>
+            <a:spLocks noGrp="1"/>
           </p:cNvSpPr>
           <p:nvPr>
             <p:ph type="body" idx="1"/>
@@ -673,27 +1029,650 @@
           <a:lstStyle/>
           <a:p>
             <a:r>
-              <a:rPr lang="en-GB" altLang="en-US" b="1" i="1"/>
-              <a:t>People can really only retain </a:t>
+              <a:rPr lang="en-GB" dirty="0"/>
+              <a:t>MY marathon training plan won't necessarily help YOU achieve your goals, so why do we often teach others R the way that WE have learned R?</a:t>
             </a:r>
-            <a:r>
-              <a:rPr lang="en-GB" altLang="en-US" b="1" i="1">
-                <a:hlinkClick r:id="rId3"/>
-              </a:rPr>
-              <a:t>about four</a:t>
-            </a:r>
-            <a:r>
-              <a:rPr lang="en-GB" altLang="en-US" b="1" i="1"/>
-              <a:t> bits of new, unrelated information</a:t>
-            </a:r>
-            <a:r>
-              <a:rPr lang="en-GB" altLang="en-US"/>
-              <a:t> — and sometimes not even that many. Don’t overstuff your presentation, and take care to signpost the key points — visually, verbally, however you want. </a:t>
-            </a:r>
+          </a:p>
+        </p:txBody>
+      </p:sp>
+      <p:sp>
+        <p:nvSpPr>
+          <p:cNvPr id="4" name="Slide Number Placeholder 3"/>
+          <p:cNvSpPr>
+            <a:spLocks noGrp="1"/>
+          </p:cNvSpPr>
+          <p:nvPr>
+            <p:ph type="sldNum" sz="quarter" idx="5"/>
+          </p:nvPr>
+        </p:nvSpPr>
+        <p:spPr/>
+        <p:txBody>
+          <a:bodyPr/>
+          <a:lstStyle/>
+          <a:p>
+            <a:fld id="{B60CA314-A09D-430B-B8BD-3F5B4A929A38}" type="slidenum">
+              <a:rPr lang="en-GB" smtClean="0"/>
+              <a:t>4</a:t>
+            </a:fld>
+            <a:endParaRPr lang="en-GB"/>
           </a:p>
         </p:txBody>
       </p:sp>
     </p:spTree>
+    <p:extLst>
+      <p:ext uri="{BB962C8B-B14F-4D97-AF65-F5344CB8AC3E}">
+        <p14:creationId xmlns:p14="http://schemas.microsoft.com/office/powerpoint/2010/main" val="1348379886"/>
+      </p:ext>
+    </p:extLst>
+  </p:cSld>
+  <p:clrMapOvr>
+    <a:masterClrMapping/>
+  </p:clrMapOvr>
+</p:notes>
+</file>
+
+<file path=ppt/notesSlides/notesSlide3.xml><?xml version="1.0" encoding="utf-8"?>
+<p:notes xmlns:a="http://schemas.openxmlformats.org/drawingml/2006/main" xmlns:r="http://schemas.openxmlformats.org/officeDocument/2006/relationships" xmlns:p="http://schemas.openxmlformats.org/presentationml/2006/main">
+  <p:cSld>
+    <p:spTree>
+      <p:nvGrpSpPr>
+        <p:cNvPr id="1" name=""/>
+        <p:cNvGrpSpPr/>
+        <p:nvPr/>
+      </p:nvGrpSpPr>
+      <p:grpSpPr>
+        <a:xfrm>
+          <a:off x="0" y="0"/>
+          <a:ext cx="0" cy="0"/>
+          <a:chOff x="0" y="0"/>
+          <a:chExt cx="0" cy="0"/>
+        </a:xfrm>
+      </p:grpSpPr>
+      <p:sp>
+        <p:nvSpPr>
+          <p:cNvPr id="2" name="Slide Image Placeholder 1"/>
+          <p:cNvSpPr>
+            <a:spLocks noGrp="1" noRot="1" noChangeAspect="1"/>
+          </p:cNvSpPr>
+          <p:nvPr>
+            <p:ph type="sldImg"/>
+          </p:nvPr>
+        </p:nvSpPr>
+        <p:spPr/>
+      </p:sp>
+      <p:sp>
+        <p:nvSpPr>
+          <p:cNvPr id="3" name="Notes Placeholder 2"/>
+          <p:cNvSpPr>
+            <a:spLocks noGrp="1"/>
+          </p:cNvSpPr>
+          <p:nvPr>
+            <p:ph type="body" idx="1"/>
+          </p:nvPr>
+        </p:nvSpPr>
+        <p:spPr/>
+        <p:txBody>
+          <a:bodyPr/>
+          <a:lstStyle/>
+          <a:p>
+            <a:r>
+              <a:rPr lang="en-GB" dirty="0"/>
+              <a:t>I'd like to share some of the concepts from the certification training that I have found helpful in rethinking how I approach teaching R… With analogies towards running and marathons.</a:t>
+            </a:r>
+          </a:p>
+        </p:txBody>
+      </p:sp>
+      <p:sp>
+        <p:nvSpPr>
+          <p:cNvPr id="4" name="Slide Number Placeholder 3"/>
+          <p:cNvSpPr>
+            <a:spLocks noGrp="1"/>
+          </p:cNvSpPr>
+          <p:nvPr>
+            <p:ph type="sldNum" sz="quarter" idx="5"/>
+          </p:nvPr>
+        </p:nvSpPr>
+        <p:spPr/>
+        <p:txBody>
+          <a:bodyPr/>
+          <a:lstStyle/>
+          <a:p>
+            <a:fld id="{B60CA314-A09D-430B-B8BD-3F5B4A929A38}" type="slidenum">
+              <a:rPr lang="en-GB" smtClean="0"/>
+              <a:t>5</a:t>
+            </a:fld>
+            <a:endParaRPr lang="en-GB"/>
+          </a:p>
+        </p:txBody>
+      </p:sp>
+    </p:spTree>
+    <p:extLst>
+      <p:ext uri="{BB962C8B-B14F-4D97-AF65-F5344CB8AC3E}">
+        <p14:creationId xmlns:p14="http://schemas.microsoft.com/office/powerpoint/2010/main" val="1131939152"/>
+      </p:ext>
+    </p:extLst>
+  </p:cSld>
+  <p:clrMapOvr>
+    <a:masterClrMapping/>
+  </p:clrMapOvr>
+</p:notes>
+</file>
+
+<file path=ppt/notesSlides/notesSlide4.xml><?xml version="1.0" encoding="utf-8"?>
+<p:notes xmlns:a="http://schemas.openxmlformats.org/drawingml/2006/main" xmlns:r="http://schemas.openxmlformats.org/officeDocument/2006/relationships" xmlns:p="http://schemas.openxmlformats.org/presentationml/2006/main">
+  <p:cSld>
+    <p:spTree>
+      <p:nvGrpSpPr>
+        <p:cNvPr id="1" name=""/>
+        <p:cNvGrpSpPr/>
+        <p:nvPr/>
+      </p:nvGrpSpPr>
+      <p:grpSpPr>
+        <a:xfrm>
+          <a:off x="0" y="0"/>
+          <a:ext cx="0" cy="0"/>
+          <a:chOff x="0" y="0"/>
+          <a:chExt cx="0" cy="0"/>
+        </a:xfrm>
+      </p:grpSpPr>
+      <p:sp>
+        <p:nvSpPr>
+          <p:cNvPr id="2" name="Slide Image Placeholder 1"/>
+          <p:cNvSpPr>
+            <a:spLocks noGrp="1" noRot="1" noChangeAspect="1"/>
+          </p:cNvSpPr>
+          <p:nvPr>
+            <p:ph type="sldImg"/>
+          </p:nvPr>
+        </p:nvSpPr>
+        <p:spPr/>
+      </p:sp>
+      <p:sp>
+        <p:nvSpPr>
+          <p:cNvPr id="3" name="Notes Placeholder 2"/>
+          <p:cNvSpPr>
+            <a:spLocks noGrp="1"/>
+          </p:cNvSpPr>
+          <p:nvPr>
+            <p:ph type="body" idx="1"/>
+          </p:nvPr>
+        </p:nvSpPr>
+        <p:spPr/>
+        <p:txBody>
+          <a:bodyPr/>
+          <a:lstStyle/>
+          <a:p>
+            <a:r>
+              <a:rPr lang="en-GB" dirty="0"/>
+              <a:t>Before you run, it's best of you have planned a route – you know distance, elevation and rough timing</a:t>
+            </a:r>
+          </a:p>
+        </p:txBody>
+      </p:sp>
+      <p:sp>
+        <p:nvSpPr>
+          <p:cNvPr id="4" name="Slide Number Placeholder 3"/>
+          <p:cNvSpPr>
+            <a:spLocks noGrp="1"/>
+          </p:cNvSpPr>
+          <p:nvPr>
+            <p:ph type="sldNum" sz="quarter" idx="5"/>
+          </p:nvPr>
+        </p:nvSpPr>
+        <p:spPr/>
+        <p:txBody>
+          <a:bodyPr/>
+          <a:lstStyle/>
+          <a:p>
+            <a:fld id="{B60CA314-A09D-430B-B8BD-3F5B4A929A38}" type="slidenum">
+              <a:rPr lang="en-GB" smtClean="0"/>
+              <a:t>6</a:t>
+            </a:fld>
+            <a:endParaRPr lang="en-GB"/>
+          </a:p>
+        </p:txBody>
+      </p:sp>
+    </p:spTree>
+    <p:extLst>
+      <p:ext uri="{BB962C8B-B14F-4D97-AF65-F5344CB8AC3E}">
+        <p14:creationId xmlns:p14="http://schemas.microsoft.com/office/powerpoint/2010/main" val="974570762"/>
+      </p:ext>
+    </p:extLst>
+  </p:cSld>
+  <p:clrMapOvr>
+    <a:masterClrMapping/>
+  </p:clrMapOvr>
+</p:notes>
+</file>
+
+<file path=ppt/notesSlides/notesSlide5.xml><?xml version="1.0" encoding="utf-8"?>
+<p:notes xmlns:a="http://schemas.openxmlformats.org/drawingml/2006/main" xmlns:r="http://schemas.openxmlformats.org/officeDocument/2006/relationships" xmlns:p="http://schemas.openxmlformats.org/presentationml/2006/main">
+  <p:cSld>
+    <p:spTree>
+      <p:nvGrpSpPr>
+        <p:cNvPr id="1" name=""/>
+        <p:cNvGrpSpPr/>
+        <p:nvPr/>
+      </p:nvGrpSpPr>
+      <p:grpSpPr>
+        <a:xfrm>
+          <a:off x="0" y="0"/>
+          <a:ext cx="0" cy="0"/>
+          <a:chOff x="0" y="0"/>
+          <a:chExt cx="0" cy="0"/>
+        </a:xfrm>
+      </p:grpSpPr>
+      <p:sp>
+        <p:nvSpPr>
+          <p:cNvPr id="2" name="Slide Image Placeholder 1"/>
+          <p:cNvSpPr>
+            <a:spLocks noGrp="1" noRot="1" noChangeAspect="1"/>
+          </p:cNvSpPr>
+          <p:nvPr>
+            <p:ph type="sldImg"/>
+          </p:nvPr>
+        </p:nvSpPr>
+        <p:spPr/>
+      </p:sp>
+      <p:sp>
+        <p:nvSpPr>
+          <p:cNvPr id="3" name="Notes Placeholder 2"/>
+          <p:cNvSpPr>
+            <a:spLocks noGrp="1"/>
+          </p:cNvSpPr>
+          <p:nvPr>
+            <p:ph type="body" idx="1"/>
+          </p:nvPr>
+        </p:nvSpPr>
+        <p:spPr/>
+        <p:txBody>
+          <a:bodyPr/>
+          <a:lstStyle/>
+          <a:p>
+            <a:r>
+              <a:rPr lang="en-GB" dirty="0"/>
+              <a:t>Likewise, before you teach, you ought to have a plan of the concepts that you're going to introduce and how they relate to each other. It helps YOU (the trainer) plan and it helps your trainees understand how concepts are related.</a:t>
+            </a:r>
+          </a:p>
+        </p:txBody>
+      </p:sp>
+      <p:sp>
+        <p:nvSpPr>
+          <p:cNvPr id="4" name="Slide Number Placeholder 3"/>
+          <p:cNvSpPr>
+            <a:spLocks noGrp="1"/>
+          </p:cNvSpPr>
+          <p:nvPr>
+            <p:ph type="sldNum" sz="quarter" idx="5"/>
+          </p:nvPr>
+        </p:nvSpPr>
+        <p:spPr/>
+        <p:txBody>
+          <a:bodyPr/>
+          <a:lstStyle/>
+          <a:p>
+            <a:fld id="{B60CA314-A09D-430B-B8BD-3F5B4A929A38}" type="slidenum">
+              <a:rPr lang="en-GB" smtClean="0"/>
+              <a:t>7</a:t>
+            </a:fld>
+            <a:endParaRPr lang="en-GB"/>
+          </a:p>
+        </p:txBody>
+      </p:sp>
+    </p:spTree>
+    <p:extLst>
+      <p:ext uri="{BB962C8B-B14F-4D97-AF65-F5344CB8AC3E}">
+        <p14:creationId xmlns:p14="http://schemas.microsoft.com/office/powerpoint/2010/main" val="142053397"/>
+      </p:ext>
+    </p:extLst>
+  </p:cSld>
+  <p:clrMapOvr>
+    <a:masterClrMapping/>
+  </p:clrMapOvr>
+</p:notes>
+</file>
+
+<file path=ppt/notesSlides/notesSlide6.xml><?xml version="1.0" encoding="utf-8"?>
+<p:notes xmlns:a="http://schemas.openxmlformats.org/drawingml/2006/main" xmlns:r="http://schemas.openxmlformats.org/officeDocument/2006/relationships" xmlns:p="http://schemas.openxmlformats.org/presentationml/2006/main">
+  <p:cSld>
+    <p:spTree>
+      <p:nvGrpSpPr>
+        <p:cNvPr id="1" name=""/>
+        <p:cNvGrpSpPr/>
+        <p:nvPr/>
+      </p:nvGrpSpPr>
+      <p:grpSpPr>
+        <a:xfrm>
+          <a:off x="0" y="0"/>
+          <a:ext cx="0" cy="0"/>
+          <a:chOff x="0" y="0"/>
+          <a:chExt cx="0" cy="0"/>
+        </a:xfrm>
+      </p:grpSpPr>
+      <p:sp>
+        <p:nvSpPr>
+          <p:cNvPr id="2" name="Slide Image Placeholder 1"/>
+          <p:cNvSpPr>
+            <a:spLocks noGrp="1" noRot="1" noChangeAspect="1"/>
+          </p:cNvSpPr>
+          <p:nvPr>
+            <p:ph type="sldImg"/>
+          </p:nvPr>
+        </p:nvSpPr>
+        <p:spPr/>
+      </p:sp>
+      <p:sp>
+        <p:nvSpPr>
+          <p:cNvPr id="3" name="Notes Placeholder 2"/>
+          <p:cNvSpPr>
+            <a:spLocks noGrp="1"/>
+          </p:cNvSpPr>
+          <p:nvPr>
+            <p:ph type="body" idx="1"/>
+          </p:nvPr>
+        </p:nvSpPr>
+        <p:spPr/>
+        <p:txBody>
+          <a:bodyPr/>
+          <a:lstStyle/>
+          <a:p>
+            <a:r>
+              <a:rPr lang="en-GB" dirty="0"/>
+              <a:t>You should have a training plan mapped out (for each session or across training topics) and each session should build on the previous session.</a:t>
+            </a:r>
+          </a:p>
+        </p:txBody>
+      </p:sp>
+      <p:sp>
+        <p:nvSpPr>
+          <p:cNvPr id="4" name="Slide Number Placeholder 3"/>
+          <p:cNvSpPr>
+            <a:spLocks noGrp="1"/>
+          </p:cNvSpPr>
+          <p:nvPr>
+            <p:ph type="sldNum" sz="quarter" idx="5"/>
+          </p:nvPr>
+        </p:nvSpPr>
+        <p:spPr/>
+        <p:txBody>
+          <a:bodyPr/>
+          <a:lstStyle/>
+          <a:p>
+            <a:fld id="{B60CA314-A09D-430B-B8BD-3F5B4A929A38}" type="slidenum">
+              <a:rPr lang="en-GB" smtClean="0"/>
+              <a:t>8</a:t>
+            </a:fld>
+            <a:endParaRPr lang="en-GB"/>
+          </a:p>
+        </p:txBody>
+      </p:sp>
+    </p:spTree>
+    <p:extLst>
+      <p:ext uri="{BB962C8B-B14F-4D97-AF65-F5344CB8AC3E}">
+        <p14:creationId xmlns:p14="http://schemas.microsoft.com/office/powerpoint/2010/main" val="1777789516"/>
+      </p:ext>
+    </p:extLst>
+  </p:cSld>
+  <p:clrMapOvr>
+    <a:masterClrMapping/>
+  </p:clrMapOvr>
+</p:notes>
+</file>
+
+<file path=ppt/notesSlides/notesSlide7.xml><?xml version="1.0" encoding="utf-8"?>
+<p:notes xmlns:a="http://schemas.openxmlformats.org/drawingml/2006/main" xmlns:r="http://schemas.openxmlformats.org/officeDocument/2006/relationships" xmlns:p="http://schemas.openxmlformats.org/presentationml/2006/main">
+  <p:cSld>
+    <p:spTree>
+      <p:nvGrpSpPr>
+        <p:cNvPr id="1" name=""/>
+        <p:cNvGrpSpPr/>
+        <p:nvPr/>
+      </p:nvGrpSpPr>
+      <p:grpSpPr>
+        <a:xfrm>
+          <a:off x="0" y="0"/>
+          <a:ext cx="0" cy="0"/>
+          <a:chOff x="0" y="0"/>
+          <a:chExt cx="0" cy="0"/>
+        </a:xfrm>
+      </p:grpSpPr>
+      <p:sp>
+        <p:nvSpPr>
+          <p:cNvPr id="2" name="Slide Image Placeholder 1"/>
+          <p:cNvSpPr>
+            <a:spLocks noGrp="1" noRot="1" noChangeAspect="1"/>
+          </p:cNvSpPr>
+          <p:nvPr>
+            <p:ph type="sldImg"/>
+          </p:nvPr>
+        </p:nvSpPr>
+        <p:spPr/>
+      </p:sp>
+      <p:sp>
+        <p:nvSpPr>
+          <p:cNvPr id="3" name="Notes Placeholder 2"/>
+          <p:cNvSpPr>
+            <a:spLocks noGrp="1"/>
+          </p:cNvSpPr>
+          <p:nvPr>
+            <p:ph type="body" idx="1"/>
+          </p:nvPr>
+        </p:nvSpPr>
+        <p:spPr/>
+        <p:txBody>
+          <a:bodyPr/>
+          <a:lstStyle/>
+          <a:p>
+            <a:r>
+              <a:rPr lang="en-GB" dirty="0"/>
+              <a:t>In a marathon training plan you typically find lots of rest days. These are vital to ensure that you don't overdo your training. Rest is VITAL. </a:t>
+            </a:r>
+          </a:p>
+        </p:txBody>
+      </p:sp>
+      <p:sp>
+        <p:nvSpPr>
+          <p:cNvPr id="4" name="Slide Number Placeholder 3"/>
+          <p:cNvSpPr>
+            <a:spLocks noGrp="1"/>
+          </p:cNvSpPr>
+          <p:nvPr>
+            <p:ph type="sldNum" sz="quarter" idx="5"/>
+          </p:nvPr>
+        </p:nvSpPr>
+        <p:spPr/>
+        <p:txBody>
+          <a:bodyPr/>
+          <a:lstStyle/>
+          <a:p>
+            <a:fld id="{B60CA314-A09D-430B-B8BD-3F5B4A929A38}" type="slidenum">
+              <a:rPr lang="en-GB" smtClean="0"/>
+              <a:t>9</a:t>
+            </a:fld>
+            <a:endParaRPr lang="en-GB"/>
+          </a:p>
+        </p:txBody>
+      </p:sp>
+    </p:spTree>
+    <p:extLst>
+      <p:ext uri="{BB962C8B-B14F-4D97-AF65-F5344CB8AC3E}">
+        <p14:creationId xmlns:p14="http://schemas.microsoft.com/office/powerpoint/2010/main" val="809311867"/>
+      </p:ext>
+    </p:extLst>
+  </p:cSld>
+  <p:clrMapOvr>
+    <a:masterClrMapping/>
+  </p:clrMapOvr>
+</p:notes>
+</file>
+
+<file path=ppt/notesSlides/notesSlide8.xml><?xml version="1.0" encoding="utf-8"?>
+<p:notes xmlns:a="http://schemas.openxmlformats.org/drawingml/2006/main" xmlns:r="http://schemas.openxmlformats.org/officeDocument/2006/relationships" xmlns:p="http://schemas.openxmlformats.org/presentationml/2006/main">
+  <p:cSld>
+    <p:spTree>
+      <p:nvGrpSpPr>
+        <p:cNvPr id="1" name=""/>
+        <p:cNvGrpSpPr/>
+        <p:nvPr/>
+      </p:nvGrpSpPr>
+      <p:grpSpPr>
+        <a:xfrm>
+          <a:off x="0" y="0"/>
+          <a:ext cx="0" cy="0"/>
+          <a:chOff x="0" y="0"/>
+          <a:chExt cx="0" cy="0"/>
+        </a:xfrm>
+      </p:grpSpPr>
+      <p:sp>
+        <p:nvSpPr>
+          <p:cNvPr id="2" name="Slide Image Placeholder 1"/>
+          <p:cNvSpPr>
+            <a:spLocks noGrp="1" noRot="1" noChangeAspect="1"/>
+          </p:cNvSpPr>
+          <p:nvPr>
+            <p:ph type="sldImg"/>
+          </p:nvPr>
+        </p:nvSpPr>
+        <p:spPr/>
+      </p:sp>
+      <p:sp>
+        <p:nvSpPr>
+          <p:cNvPr id="3" name="Notes Placeholder 2"/>
+          <p:cNvSpPr>
+            <a:spLocks noGrp="1"/>
+          </p:cNvSpPr>
+          <p:nvPr>
+            <p:ph type="body" idx="1"/>
+          </p:nvPr>
+        </p:nvSpPr>
+        <p:spPr/>
+        <p:txBody>
+          <a:bodyPr/>
+          <a:lstStyle/>
+          <a:p>
+            <a:r>
+              <a:rPr lang="en-GB" dirty="0"/>
+              <a:t>In our marathon training plan, we have assessments to benchmark performance and help assess whether the training we're doing is working. Build in checks to your R training to check and measure whether your learners are actually grasping the topic. </a:t>
+            </a:r>
+          </a:p>
+        </p:txBody>
+      </p:sp>
+      <p:sp>
+        <p:nvSpPr>
+          <p:cNvPr id="4" name="Slide Number Placeholder 3"/>
+          <p:cNvSpPr>
+            <a:spLocks noGrp="1"/>
+          </p:cNvSpPr>
+          <p:nvPr>
+            <p:ph type="sldNum" sz="quarter" idx="5"/>
+          </p:nvPr>
+        </p:nvSpPr>
+        <p:spPr/>
+        <p:txBody>
+          <a:bodyPr/>
+          <a:lstStyle/>
+          <a:p>
+            <a:fld id="{B60CA314-A09D-430B-B8BD-3F5B4A929A38}" type="slidenum">
+              <a:rPr lang="en-GB" smtClean="0"/>
+              <a:t>10</a:t>
+            </a:fld>
+            <a:endParaRPr lang="en-GB"/>
+          </a:p>
+        </p:txBody>
+      </p:sp>
+    </p:spTree>
+    <p:extLst>
+      <p:ext uri="{BB962C8B-B14F-4D97-AF65-F5344CB8AC3E}">
+        <p14:creationId xmlns:p14="http://schemas.microsoft.com/office/powerpoint/2010/main" val="3025017838"/>
+      </p:ext>
+    </p:extLst>
+  </p:cSld>
+  <p:clrMapOvr>
+    <a:masterClrMapping/>
+  </p:clrMapOvr>
+</p:notes>
+</file>
+
+<file path=ppt/notesSlides/notesSlide9.xml><?xml version="1.0" encoding="utf-8"?>
+<p:notes xmlns:a="http://schemas.openxmlformats.org/drawingml/2006/main" xmlns:r="http://schemas.openxmlformats.org/officeDocument/2006/relationships" xmlns:p="http://schemas.openxmlformats.org/presentationml/2006/main">
+  <p:cSld>
+    <p:spTree>
+      <p:nvGrpSpPr>
+        <p:cNvPr id="1" name=""/>
+        <p:cNvGrpSpPr/>
+        <p:nvPr/>
+      </p:nvGrpSpPr>
+      <p:grpSpPr>
+        <a:xfrm>
+          <a:off x="0" y="0"/>
+          <a:ext cx="0" cy="0"/>
+          <a:chOff x="0" y="0"/>
+          <a:chExt cx="0" cy="0"/>
+        </a:xfrm>
+      </p:grpSpPr>
+      <p:sp>
+        <p:nvSpPr>
+          <p:cNvPr id="2" name="Slide Image Placeholder 1"/>
+          <p:cNvSpPr>
+            <a:spLocks noGrp="1" noRot="1" noChangeAspect="1"/>
+          </p:cNvSpPr>
+          <p:nvPr>
+            <p:ph type="sldImg"/>
+          </p:nvPr>
+        </p:nvSpPr>
+        <p:spPr/>
+      </p:sp>
+      <p:sp>
+        <p:nvSpPr>
+          <p:cNvPr id="3" name="Notes Placeholder 2"/>
+          <p:cNvSpPr>
+            <a:spLocks noGrp="1"/>
+          </p:cNvSpPr>
+          <p:nvPr>
+            <p:ph type="body" idx="1"/>
+          </p:nvPr>
+        </p:nvSpPr>
+        <p:spPr/>
+        <p:txBody>
+          <a:bodyPr/>
+          <a:lstStyle/>
+          <a:p>
+            <a:r>
+              <a:rPr lang="en-GB" dirty="0"/>
+              <a:t>We all have different expectations, needs and desired outcomes from training. So before we formulate training, identify likely personas and what THEY might want from training. Then ensure that what we're training fulfils the needs of those individuals.</a:t>
+            </a:r>
+          </a:p>
+        </p:txBody>
+      </p:sp>
+      <p:sp>
+        <p:nvSpPr>
+          <p:cNvPr id="4" name="Slide Number Placeholder 3"/>
+          <p:cNvSpPr>
+            <a:spLocks noGrp="1"/>
+          </p:cNvSpPr>
+          <p:nvPr>
+            <p:ph type="sldNum" sz="quarter" idx="5"/>
+          </p:nvPr>
+        </p:nvSpPr>
+        <p:spPr/>
+        <p:txBody>
+          <a:bodyPr/>
+          <a:lstStyle/>
+          <a:p>
+            <a:fld id="{B60CA314-A09D-430B-B8BD-3F5B4A929A38}" type="slidenum">
+              <a:rPr lang="en-GB" smtClean="0"/>
+              <a:t>11</a:t>
+            </a:fld>
+            <a:endParaRPr lang="en-GB"/>
+          </a:p>
+        </p:txBody>
+      </p:sp>
+    </p:spTree>
+    <p:extLst>
+      <p:ext uri="{BB962C8B-B14F-4D97-AF65-F5344CB8AC3E}">
+        <p14:creationId xmlns:p14="http://schemas.microsoft.com/office/powerpoint/2010/main" val="3851696841"/>
+      </p:ext>
+    </p:extLst>
   </p:cSld>
   <p:clrMapOvr>
     <a:masterClrMapping/>
@@ -850,7 +1829,7 @@
           <a:p>
             <a:fld id="{A2A003D7-24A3-4DE2-8BAD-93DC5C5E8607}" type="datetimeFigureOut">
               <a:rPr lang="en-GB" smtClean="0"/>
-              <a:t>12/12/2019</a:t>
+              <a:t>13/01/2020</a:t>
             </a:fld>
             <a:endParaRPr lang="en-GB"/>
           </a:p>
@@ -1050,7 +2029,7 @@
           <a:p>
             <a:fld id="{A2A003D7-24A3-4DE2-8BAD-93DC5C5E8607}" type="datetimeFigureOut">
               <a:rPr lang="en-GB" smtClean="0"/>
-              <a:t>12/12/2019</a:t>
+              <a:t>13/01/2020</a:t>
             </a:fld>
             <a:endParaRPr lang="en-GB"/>
           </a:p>
@@ -1260,7 +2239,7 @@
           <a:p>
             <a:fld id="{A2A003D7-24A3-4DE2-8BAD-93DC5C5E8607}" type="datetimeFigureOut">
               <a:rPr lang="en-GB" smtClean="0"/>
-              <a:t>12/12/2019</a:t>
+              <a:t>13/01/2020</a:t>
             </a:fld>
             <a:endParaRPr lang="en-GB"/>
           </a:p>
@@ -1460,7 +2439,7 @@
           <a:p>
             <a:fld id="{A2A003D7-24A3-4DE2-8BAD-93DC5C5E8607}" type="datetimeFigureOut">
               <a:rPr lang="en-GB" smtClean="0"/>
-              <a:t>12/12/2019</a:t>
+              <a:t>13/01/2020</a:t>
             </a:fld>
             <a:endParaRPr lang="en-GB"/>
           </a:p>
@@ -1736,7 +2715,7 @@
           <a:p>
             <a:fld id="{A2A003D7-24A3-4DE2-8BAD-93DC5C5E8607}" type="datetimeFigureOut">
               <a:rPr lang="en-GB" smtClean="0"/>
-              <a:t>12/12/2019</a:t>
+              <a:t>13/01/2020</a:t>
             </a:fld>
             <a:endParaRPr lang="en-GB"/>
           </a:p>
@@ -2004,7 +2983,7 @@
           <a:p>
             <a:fld id="{A2A003D7-24A3-4DE2-8BAD-93DC5C5E8607}" type="datetimeFigureOut">
               <a:rPr lang="en-GB" smtClean="0"/>
-              <a:t>12/12/2019</a:t>
+              <a:t>13/01/2020</a:t>
             </a:fld>
             <a:endParaRPr lang="en-GB"/>
           </a:p>
@@ -2419,7 +3398,7 @@
           <a:p>
             <a:fld id="{A2A003D7-24A3-4DE2-8BAD-93DC5C5E8607}" type="datetimeFigureOut">
               <a:rPr lang="en-GB" smtClean="0"/>
-              <a:t>12/12/2019</a:t>
+              <a:t>13/01/2020</a:t>
             </a:fld>
             <a:endParaRPr lang="en-GB"/>
           </a:p>
@@ -2561,7 +3540,7 @@
           <a:p>
             <a:fld id="{A2A003D7-24A3-4DE2-8BAD-93DC5C5E8607}" type="datetimeFigureOut">
               <a:rPr lang="en-GB" smtClean="0"/>
-              <a:t>12/12/2019</a:t>
+              <a:t>13/01/2020</a:t>
             </a:fld>
             <a:endParaRPr lang="en-GB"/>
           </a:p>
@@ -2674,7 +3653,7 @@
           <a:p>
             <a:fld id="{A2A003D7-24A3-4DE2-8BAD-93DC5C5E8607}" type="datetimeFigureOut">
               <a:rPr lang="en-GB" smtClean="0"/>
-              <a:t>12/12/2019</a:t>
+              <a:t>13/01/2020</a:t>
             </a:fld>
             <a:endParaRPr lang="en-GB"/>
           </a:p>
@@ -2987,7 +3966,7 @@
           <a:p>
             <a:fld id="{A2A003D7-24A3-4DE2-8BAD-93DC5C5E8607}" type="datetimeFigureOut">
               <a:rPr lang="en-GB" smtClean="0"/>
-              <a:t>12/12/2019</a:t>
+              <a:t>13/01/2020</a:t>
             </a:fld>
             <a:endParaRPr lang="en-GB"/>
           </a:p>
@@ -3276,7 +4255,7 @@
           <a:p>
             <a:fld id="{A2A003D7-24A3-4DE2-8BAD-93DC5C5E8607}" type="datetimeFigureOut">
               <a:rPr lang="en-GB" smtClean="0"/>
-              <a:t>12/12/2019</a:t>
+              <a:t>13/01/2020</a:t>
             </a:fld>
             <a:endParaRPr lang="en-GB"/>
           </a:p>
@@ -3519,7 +4498,7 @@
           <a:p>
             <a:fld id="{A2A003D7-24A3-4DE2-8BAD-93DC5C5E8607}" type="datetimeFigureOut">
               <a:rPr lang="en-GB" smtClean="0"/>
-              <a:t>12/12/2019</a:t>
+              <a:t>13/01/2020</a:t>
             </a:fld>
             <a:endParaRPr lang="en-GB"/>
           </a:p>
@@ -4070,8 +5049,8 @@
         </p:nvSpPr>
         <p:spPr>
           <a:xfrm>
-            <a:off x="838200" y="365125"/>
-            <a:ext cx="10515600" cy="1812018"/>
+            <a:off x="759192" y="355500"/>
+            <a:ext cx="10673615" cy="1812018"/>
           </a:xfrm>
         </p:spPr>
         <p:txBody>
@@ -4081,8 +5060,8 @@
           <a:lstStyle/>
           <a:p>
             <a:r>
-              <a:rPr lang="en-GB" b="1" dirty="0"/>
-              <a:t>… and use formative assessment to check progress.</a:t>
+              <a:rPr lang="en-GB" sz="4000" dirty="0"/>
+              <a:t>… and use planned assessments to check progress.</a:t>
             </a:r>
           </a:p>
         </p:txBody>
@@ -4102,7 +5081,7 @@
           <p:nvPr>
             <p:extLst>
               <p:ext uri="{D42A27DB-BD31-4B8C-83A1-F6EECF244321}">
-                <p14:modId xmlns:p14="http://schemas.microsoft.com/office/powerpoint/2010/main" val="2336316185"/>
+                <p14:modId xmlns:p14="http://schemas.microsoft.com/office/powerpoint/2010/main" val="1831707212"/>
               </p:ext>
             </p:extLst>
           </p:nvPr>
@@ -5605,7 +6584,7 @@
                           </a:solidFill>
                           <a:effectLst/>
                         </a:rPr>
-                        <a:t>Timed run over a 2M course</a:t>
+                        <a:t>Timed run over a 2 mile course</a:t>
                       </a:r>
                     </a:p>
                   </a:txBody>
@@ -5711,111 +6690,82 @@
           <a:chExt cx="0" cy="0"/>
         </a:xfrm>
       </p:grpSpPr>
-      <p:grpSp>
-        <p:nvGrpSpPr>
-          <p:cNvPr id="4" name="Group 3">
+      <p:sp>
+        <p:nvSpPr>
+          <p:cNvPr id="5" name="Rectangle 4">
             <a:extLst>
               <a:ext uri="{FF2B5EF4-FFF2-40B4-BE49-F238E27FC236}">
-                <a16:creationId xmlns:a16="http://schemas.microsoft.com/office/drawing/2014/main" id="{A19C8888-313F-440A-8EB0-BA24D22F6078}"/>
+                <a16:creationId xmlns:a16="http://schemas.microsoft.com/office/drawing/2014/main" id="{2DAF4283-14E1-45E8-94B0-07D705241A5E}"/>
               </a:ext>
             </a:extLst>
           </p:cNvPr>
-          <p:cNvGrpSpPr/>
+          <p:cNvSpPr/>
           <p:nvPr/>
-        </p:nvGrpSpPr>
-        <p:grpSpPr>
+        </p:nvSpPr>
+        <p:spPr>
           <a:xfrm>
-            <a:off x="838200" y="1528257"/>
-            <a:ext cx="10515600" cy="5276850"/>
-            <a:chOff x="838200" y="1528257"/>
-            <a:chExt cx="10515600" cy="5276850"/>
+            <a:off x="0" y="6101060"/>
+            <a:ext cx="12191999" cy="1200329"/>
           </a:xfrm>
-        </p:grpSpPr>
-        <p:pic>
-          <p:nvPicPr>
-            <p:cNvPr id="1026" name="Picture 2" descr="Image result for couch to 5k&quot;">
-              <a:extLst>
-                <a:ext uri="{FF2B5EF4-FFF2-40B4-BE49-F238E27FC236}">
-                  <a16:creationId xmlns:a16="http://schemas.microsoft.com/office/drawing/2014/main" id="{DD5A2D19-CAD9-4B16-9B21-506996971117}"/>
-                </a:ext>
-              </a:extLst>
-            </p:cNvPr>
-            <p:cNvPicPr>
-              <a:picLocks noChangeAspect="1" noChangeArrowheads="1"/>
-            </p:cNvPicPr>
-            <p:nvPr/>
-          </p:nvPicPr>
-          <p:blipFill rotWithShape="1">
-            <a:blip r:embed="rId2">
-              <a:extLst>
-                <a:ext uri="{28A0092B-C50C-407E-A947-70E740481C1C}">
-                  <a14:useLocalDpi xmlns:a14="http://schemas.microsoft.com/office/drawing/2010/main" val="0"/>
-                </a:ext>
-              </a:extLst>
-            </a:blip>
-            <a:srcRect r="1141"/>
-            <a:stretch/>
-          </p:blipFill>
-          <p:spPr bwMode="auto">
-            <a:xfrm>
-              <a:off x="838200" y="2772137"/>
-              <a:ext cx="5514532" cy="2789090"/>
-            </a:xfrm>
-            <a:prstGeom prst="rect">
-              <a:avLst/>
-            </a:prstGeom>
-            <a:ln>
-              <a:noFill/>
-            </a:ln>
-            <a:effectLst>
-              <a:outerShdw blurRad="292100" dist="139700" dir="2700000" algn="tl" rotWithShape="0">
-                <a:srgbClr val="333333">
-                  <a:alpha val="65000"/>
-                </a:srgbClr>
-              </a:outerShdw>
-            </a:effectLst>
-            <a:extLst>
-              <a:ext uri="{909E8E84-426E-40DD-AFC4-6F175D3DCCD1}">
-                <a14:hiddenFill xmlns:a14="http://schemas.microsoft.com/office/drawing/2010/main">
-                  <a:solidFill>
-                    <a:srgbClr val="FFFFFF"/>
-                  </a:solidFill>
-                </a14:hiddenFill>
-              </a:ext>
-            </a:extLst>
-          </p:spPr>
-        </p:pic>
-        <p:pic>
-          <p:nvPicPr>
-            <p:cNvPr id="3" name="Picture 2">
-              <a:extLst>
-                <a:ext uri="{FF2B5EF4-FFF2-40B4-BE49-F238E27FC236}">
-                  <a16:creationId xmlns:a16="http://schemas.microsoft.com/office/drawing/2014/main" id="{B5C3EA90-8339-433F-8326-736C6E29681C}"/>
-                </a:ext>
-              </a:extLst>
-            </p:cNvPr>
-            <p:cNvPicPr>
-              <a:picLocks noChangeAspect="1"/>
-            </p:cNvPicPr>
-            <p:nvPr/>
-          </p:nvPicPr>
-          <p:blipFill>
-            <a:blip r:embed="rId3"/>
-            <a:stretch>
-              <a:fillRect/>
-            </a:stretch>
-          </p:blipFill>
-          <p:spPr>
-            <a:xfrm>
-              <a:off x="7781925" y="1528257"/>
-              <a:ext cx="3571875" cy="5276850"/>
-            </a:xfrm>
-            <a:prstGeom prst="rect">
-              <a:avLst/>
-            </a:prstGeom>
-          </p:spPr>
-        </p:pic>
-      </p:grpSp>
+          <a:prstGeom prst="rect">
+            <a:avLst/>
+          </a:prstGeom>
+        </p:spPr>
+        <p:txBody>
+          <a:bodyPr wrap="square">
+            <a:spAutoFit/>
+          </a:bodyPr>
+          <a:lstStyle/>
+          <a:p>
+            <a:pPr algn="ctr"/>
+            <a:r>
+              <a:rPr lang="en-GB" sz="2400" b="1" dirty="0">
+                <a:solidFill>
+                  <a:schemeClr val="accent1"/>
+                </a:solidFill>
+                <a:hlinkClick r:id="rId3">
+                  <a:extLst>
+                    <a:ext uri="{A12FA001-AC4F-418D-AE19-62706E023703}">
+                      <ahyp:hlinkClr xmlns:ahyp="http://schemas.microsoft.com/office/drawing/2018/hyperlinkcolor" val="tx"/>
+                    </a:ext>
+                  </a:extLst>
+                </a:hlinkClick>
+              </a:rPr>
+              <a:t>https://github.com/rstudio-education/learner-personas</a:t>
+            </a:r>
+            <a:endParaRPr lang="en-GB" sz="2400" dirty="0">
+              <a:solidFill>
+                <a:schemeClr val="bg1">
+                  <a:lumMod val="65000"/>
+                </a:schemeClr>
+              </a:solidFill>
+              <a:latin typeface="-apple-system"/>
+            </a:endParaRPr>
+          </a:p>
+          <a:p>
+            <a:pPr algn="ctr"/>
+            <a:endParaRPr lang="en-GB" sz="2400" dirty="0">
+              <a:solidFill>
+                <a:schemeClr val="bg1">
+                  <a:lumMod val="65000"/>
+                </a:schemeClr>
+              </a:solidFill>
+              <a:latin typeface="-apple-system"/>
+            </a:endParaRPr>
+          </a:p>
+          <a:p>
+            <a:pPr algn="ctr"/>
+            <a:endParaRPr lang="en-GB" sz="2400" dirty="0">
+              <a:solidFill>
+                <a:schemeClr val="bg1">
+                  <a:lumMod val="65000"/>
+                </a:schemeClr>
+              </a:solidFill>
+              <a:latin typeface="-apple-system"/>
+            </a:endParaRPr>
+          </a:p>
+        </p:txBody>
+      </p:sp>
       <p:sp>
         <p:nvSpPr>
           <p:cNvPr id="2" name="Title 1">
@@ -5832,16 +6782,22 @@
             <p:ph type="title"/>
           </p:nvPr>
         </p:nvSpPr>
-        <p:spPr/>
+        <p:spPr>
+          <a:xfrm>
+            <a:off x="489684" y="351929"/>
+            <a:ext cx="11212629" cy="1325563"/>
+          </a:xfrm>
+        </p:spPr>
         <p:txBody>
           <a:bodyPr>
-            <a:normAutofit fontScale="90000"/>
+            <a:normAutofit/>
           </a:bodyPr>
           <a:lstStyle/>
           <a:p>
+            <a:pPr algn="ctr"/>
             <a:r>
               <a:rPr lang="en-GB" dirty="0"/>
-              <a:t>Each lesson should move at least one of the identified learner personas towards achieving </a:t>
+              <a:t>Each training session should help individuals attending towards achieving </a:t>
             </a:r>
             <a:r>
               <a:rPr lang="en-GB" b="1" i="1" dirty="0">
@@ -5858,42 +6814,12 @@
           </a:p>
         </p:txBody>
       </p:sp>
-    </p:spTree>
-    <p:extLst>
-      <p:ext uri="{BB962C8B-B14F-4D97-AF65-F5344CB8AC3E}">
-        <p14:creationId xmlns:p14="http://schemas.microsoft.com/office/powerpoint/2010/main" val="2080458286"/>
-      </p:ext>
-    </p:extLst>
-  </p:cSld>
-  <p:clrMapOvr>
-    <a:masterClrMapping/>
-  </p:clrMapOvr>
-</p:sld>
-</file>
-
-<file path=ppt/slides/slide12.xml><?xml version="1.0" encoding="utf-8"?>
-<p:sld xmlns:a="http://schemas.openxmlformats.org/drawingml/2006/main" xmlns:r="http://schemas.openxmlformats.org/officeDocument/2006/relationships" xmlns:p="http://schemas.openxmlformats.org/presentationml/2006/main">
-  <p:cSld>
-    <p:spTree>
-      <p:nvGrpSpPr>
-        <p:cNvPr id="1" name=""/>
-        <p:cNvGrpSpPr/>
-        <p:nvPr/>
-      </p:nvGrpSpPr>
-      <p:grpSpPr>
-        <a:xfrm>
-          <a:off x="0" y="0"/>
-          <a:ext cx="0" cy="0"/>
-          <a:chOff x="0" y="0"/>
-          <a:chExt cx="0" cy="0"/>
-        </a:xfrm>
-      </p:grpSpPr>
       <p:grpSp>
         <p:nvGrpSpPr>
-          <p:cNvPr id="6" name="Group 5">
+          <p:cNvPr id="4" name="Group 3">
             <a:extLst>
               <a:ext uri="{FF2B5EF4-FFF2-40B4-BE49-F238E27FC236}">
-                <a16:creationId xmlns:a16="http://schemas.microsoft.com/office/drawing/2014/main" id="{425094CD-612D-429A-933C-97B64A8ED628}"/>
+                <a16:creationId xmlns:a16="http://schemas.microsoft.com/office/drawing/2014/main" id="{009723C4-F932-4621-94DE-B0B6A3CEC7D5}"/>
               </a:ext>
             </a:extLst>
           </p:cNvPr>
@@ -5902,141 +6828,12 @@
         </p:nvGrpSpPr>
         <p:grpSpPr>
           <a:xfrm>
-            <a:off x="1984499" y="1989598"/>
-            <a:ext cx="8223002" cy="4524315"/>
-            <a:chOff x="3533699" y="1884050"/>
-            <a:chExt cx="8223002" cy="4524315"/>
+            <a:off x="676031" y="2083930"/>
+            <a:ext cx="2390911" cy="3835560"/>
+            <a:chOff x="676031" y="2083930"/>
+            <a:chExt cx="2390911" cy="3835560"/>
           </a:xfrm>
         </p:grpSpPr>
-        <p:sp>
-          <p:nvSpPr>
-            <p:cNvPr id="5" name="Rectangle 4">
-              <a:extLst>
-                <a:ext uri="{FF2B5EF4-FFF2-40B4-BE49-F238E27FC236}">
-                  <a16:creationId xmlns:a16="http://schemas.microsoft.com/office/drawing/2014/main" id="{2DAF4283-14E1-45E8-94B0-07D705241A5E}"/>
-                </a:ext>
-              </a:extLst>
-            </p:cNvPr>
-            <p:cNvSpPr/>
-            <p:nvPr/>
-          </p:nvSpPr>
-          <p:spPr>
-            <a:xfrm>
-              <a:off x="5660701" y="1884050"/>
-              <a:ext cx="6096000" cy="4524315"/>
-            </a:xfrm>
-            <a:prstGeom prst="rect">
-              <a:avLst/>
-            </a:prstGeom>
-          </p:spPr>
-          <p:txBody>
-            <a:bodyPr>
-              <a:spAutoFit/>
-            </a:bodyPr>
-            <a:lstStyle/>
-            <a:p>
-              <a:r>
-                <a:rPr lang="en-GB" dirty="0">
-                  <a:solidFill>
-                    <a:schemeClr val="bg1">
-                      <a:lumMod val="65000"/>
-                    </a:schemeClr>
-                  </a:solidFill>
-                  <a:latin typeface="-apple-system"/>
-                </a:rPr>
-                <a:t>…Jacqui wants updates on what's new in RStudio products and related data science packages and tools, and advanced guides for making Shiny faster, integrated with no-SQL databases, and other high-value topics. She finds most self-paced tutorials frustrating because they're answering questions she doesn't have today.</a:t>
-              </a:r>
-            </a:p>
-            <a:p>
-              <a:endParaRPr lang="en-GB" dirty="0">
-                <a:solidFill>
-                  <a:schemeClr val="bg1">
-                    <a:lumMod val="65000"/>
-                  </a:schemeClr>
-                </a:solidFill>
-                <a:latin typeface="-apple-system"/>
-              </a:endParaRPr>
-            </a:p>
-            <a:p>
-              <a:r>
-                <a:rPr lang="en-GB" dirty="0">
-                  <a:solidFill>
-                    <a:schemeClr val="bg1">
-                      <a:lumMod val="65000"/>
-                    </a:schemeClr>
-                  </a:solidFill>
-                  <a:latin typeface="-apple-system"/>
-                </a:rPr>
-                <a:t>Jacqui believes that time is money: every minute she spends learning something new has to pay off sooner rather than later.</a:t>
-              </a:r>
-            </a:p>
-            <a:p>
-              <a:endParaRPr lang="en-GB" b="0" i="0" dirty="0">
-                <a:solidFill>
-                  <a:schemeClr val="bg1">
-                    <a:lumMod val="65000"/>
-                  </a:schemeClr>
-                </a:solidFill>
-                <a:effectLst/>
-                <a:latin typeface="-apple-system"/>
-              </a:endParaRPr>
-            </a:p>
-            <a:p>
-              <a:r>
-                <a:rPr lang="en-GB" dirty="0">
-                  <a:solidFill>
-                    <a:schemeClr val="bg1">
-                      <a:lumMod val="65000"/>
-                    </a:schemeClr>
-                  </a:solidFill>
-                  <a:latin typeface="-apple-system"/>
-                </a:rPr>
-                <a:t>Jacqui wants how-to guides and reference material for her day-to-day work, webinars to give her a sense of where the industry is going, and short, intensive online training for very specific topics.</a:t>
-              </a:r>
-            </a:p>
-            <a:p>
-              <a:endParaRPr lang="en-GB" dirty="0">
-                <a:solidFill>
-                  <a:schemeClr val="bg1">
-                    <a:lumMod val="65000"/>
-                  </a:schemeClr>
-                </a:solidFill>
-                <a:latin typeface="-apple-system"/>
-              </a:endParaRPr>
-            </a:p>
-            <a:p>
-              <a:r>
-                <a:rPr lang="en-GB" b="1" dirty="0">
-                  <a:solidFill>
-                    <a:schemeClr val="accent1"/>
-                  </a:solidFill>
-                  <a:latin typeface="-apple-system"/>
-                </a:rPr>
-                <a:t>- </a:t>
-              </a:r>
-              <a:r>
-                <a:rPr lang="en-GB" b="1" dirty="0">
-                  <a:solidFill>
-                    <a:schemeClr val="accent1"/>
-                  </a:solidFill>
-                  <a:hlinkClick r:id="rId2">
-                    <a:extLst>
-                      <a:ext uri="{A12FA001-AC4F-418D-AE19-62706E023703}">
-                        <ahyp:hlinkClr xmlns:ahyp="http://schemas.microsoft.com/office/drawing/2018/hyperlinkcolor" val="tx"/>
-                      </a:ext>
-                    </a:extLst>
-                  </a:hlinkClick>
-                </a:rPr>
-                <a:t>https://github.com/rstudio-education/learner-personas</a:t>
-              </a:r>
-              <a:endParaRPr lang="en-GB" b="1" dirty="0">
-                <a:solidFill>
-                  <a:schemeClr val="accent1"/>
-                </a:solidFill>
-              </a:endParaRPr>
-            </a:p>
-          </p:txBody>
-        </p:sp>
         <p:pic>
           <p:nvPicPr>
             <p:cNvPr id="1028" name="Picture 4" descr="jacqui-ofalltrades.png">
@@ -6052,7 +6849,7 @@
             <p:nvPr/>
           </p:nvPicPr>
           <p:blipFill>
-            <a:blip r:embed="rId3">
+            <a:blip r:embed="rId4">
               <a:extLst>
                 <a:ext uri="{28A0092B-C50C-407E-A947-70E740481C1C}">
                   <a14:useLocalDpi xmlns:a14="http://schemas.microsoft.com/office/drawing/2010/main" val="0"/>
@@ -6066,7 +6863,7 @@
           </p:blipFill>
           <p:spPr bwMode="auto">
             <a:xfrm>
-              <a:off x="3533699" y="2051861"/>
+              <a:off x="838200" y="2083930"/>
               <a:ext cx="2066574" cy="3284621"/>
             </a:xfrm>
             <a:prstGeom prst="rect">
@@ -6093,45 +6890,226 @@
             </a:extLst>
           </p:spPr>
         </p:pic>
+        <p:sp>
+          <p:nvSpPr>
+            <p:cNvPr id="3" name="TextBox 2">
+              <a:extLst>
+                <a:ext uri="{FF2B5EF4-FFF2-40B4-BE49-F238E27FC236}">
+                  <a16:creationId xmlns:a16="http://schemas.microsoft.com/office/drawing/2014/main" id="{F4108E88-342E-4375-9CDB-6356F03DDC6F}"/>
+                </a:ext>
+              </a:extLst>
+            </p:cNvPr>
+            <p:cNvSpPr txBox="1"/>
+            <p:nvPr/>
+          </p:nvSpPr>
+          <p:spPr>
+            <a:xfrm>
+              <a:off x="676031" y="5457825"/>
+              <a:ext cx="2390911" cy="461665"/>
+            </a:xfrm>
+            <a:prstGeom prst="rect">
+              <a:avLst/>
+            </a:prstGeom>
+            <a:noFill/>
+          </p:spPr>
+          <p:txBody>
+            <a:bodyPr wrap="none" rtlCol="0">
+              <a:spAutoFit/>
+            </a:bodyPr>
+            <a:lstStyle/>
+            <a:p>
+              <a:r>
+                <a:rPr lang="en-GB" sz="2400" dirty="0"/>
+                <a:t>Jacqui </a:t>
+              </a:r>
+              <a:r>
+                <a:rPr lang="en-GB" sz="2400" dirty="0" err="1"/>
+                <a:t>Ofalltrades</a:t>
+              </a:r>
+              <a:endParaRPr lang="en-GB" sz="2400" dirty="0"/>
+            </a:p>
+          </p:txBody>
+        </p:sp>
       </p:grpSp>
-      <p:sp>
-        <p:nvSpPr>
-          <p:cNvPr id="2" name="Title 1">
+      <p:grpSp>
+        <p:nvGrpSpPr>
+          <p:cNvPr id="9" name="Group 8">
             <a:extLst>
               <a:ext uri="{FF2B5EF4-FFF2-40B4-BE49-F238E27FC236}">
-                <a16:creationId xmlns:a16="http://schemas.microsoft.com/office/drawing/2014/main" id="{8AE22903-BB48-4455-9DE6-6FD232DD504D}"/>
+                <a16:creationId xmlns:a16="http://schemas.microsoft.com/office/drawing/2014/main" id="{EAD42BD6-49D9-41C7-A85B-DF2428852F23}"/>
               </a:ext>
             </a:extLst>
           </p:cNvPr>
-          <p:cNvSpPr>
-            <a:spLocks noGrp="1"/>
-          </p:cNvSpPr>
-          <p:nvPr>
-            <p:ph type="title"/>
-          </p:nvPr>
+          <p:cNvGrpSpPr/>
+          <p:nvPr/>
+        </p:nvGrpSpPr>
+        <p:grpSpPr>
+          <a:xfrm>
+            <a:off x="4640870" y="2034654"/>
+            <a:ext cx="2390911" cy="3884836"/>
+            <a:chOff x="4640870" y="2034654"/>
+            <a:chExt cx="2390911" cy="3884836"/>
+          </a:xfrm>
+        </p:grpSpPr>
+        <p:pic>
+          <p:nvPicPr>
+            <p:cNvPr id="8" name="Picture 7">
+              <a:extLst>
+                <a:ext uri="{FF2B5EF4-FFF2-40B4-BE49-F238E27FC236}">
+                  <a16:creationId xmlns:a16="http://schemas.microsoft.com/office/drawing/2014/main" id="{7A99A405-1551-456E-BEA1-449679DE8F33}"/>
+                </a:ext>
+              </a:extLst>
+            </p:cNvPr>
+            <p:cNvPicPr>
+              <a:picLocks noChangeAspect="1"/>
+            </p:cNvPicPr>
+            <p:nvPr/>
+          </p:nvPicPr>
+          <p:blipFill>
+            <a:blip r:embed="rId5">
+              <a:extLst>
+                <a:ext uri="{28A0092B-C50C-407E-A947-70E740481C1C}">
+                  <a14:useLocalDpi xmlns:a14="http://schemas.microsoft.com/office/drawing/2010/main" val="0"/>
+                </a:ext>
+              </a:extLst>
+            </a:blip>
+            <a:stretch>
+              <a:fillRect/>
+            </a:stretch>
+          </p:blipFill>
+          <p:spPr>
+            <a:xfrm>
+              <a:off x="4640870" y="2034654"/>
+              <a:ext cx="2390911" cy="3383172"/>
+            </a:xfrm>
+            <a:prstGeom prst="rect">
+              <a:avLst/>
+            </a:prstGeom>
+            <a:ln>
+              <a:noFill/>
+            </a:ln>
+            <a:effectLst>
+              <a:outerShdw blurRad="292100" dist="139700" dir="2700000" algn="tl" rotWithShape="0">
+                <a:srgbClr val="333333">
+                  <a:alpha val="65000"/>
+                </a:srgbClr>
+              </a:outerShdw>
+            </a:effectLst>
+          </p:spPr>
+        </p:pic>
+        <p:sp>
+          <p:nvSpPr>
+            <p:cNvPr id="10" name="TextBox 9">
+              <a:extLst>
+                <a:ext uri="{FF2B5EF4-FFF2-40B4-BE49-F238E27FC236}">
+                  <a16:creationId xmlns:a16="http://schemas.microsoft.com/office/drawing/2014/main" id="{1E634095-4860-406C-B83F-81C1AE27CADB}"/>
+                </a:ext>
+              </a:extLst>
+            </p:cNvPr>
+            <p:cNvSpPr txBox="1"/>
+            <p:nvPr/>
+          </p:nvSpPr>
+          <p:spPr>
+            <a:xfrm>
+              <a:off x="5039985" y="5457825"/>
+              <a:ext cx="1592680" cy="461665"/>
+            </a:xfrm>
+            <a:prstGeom prst="rect">
+              <a:avLst/>
+            </a:prstGeom>
+            <a:noFill/>
+          </p:spPr>
+          <p:txBody>
+            <a:bodyPr wrap="none" rtlCol="0">
+              <a:spAutoFit/>
+            </a:bodyPr>
+            <a:lstStyle/>
+            <a:p>
+              <a:r>
+                <a:rPr lang="en-GB" sz="2400" dirty="0"/>
+                <a:t>Exton Excel</a:t>
+              </a:r>
+            </a:p>
+          </p:txBody>
+        </p:sp>
+      </p:grpSp>
+      <p:pic>
+        <p:nvPicPr>
+          <p:cNvPr id="12" name="Picture 11">
+            <a:extLst>
+              <a:ext uri="{FF2B5EF4-FFF2-40B4-BE49-F238E27FC236}">
+                <a16:creationId xmlns:a16="http://schemas.microsoft.com/office/drawing/2014/main" id="{F02E39A9-43FC-4B5C-B039-9DD1490C9C81}"/>
+              </a:ext>
+            </a:extLst>
+          </p:cNvPr>
+          <p:cNvPicPr>
+            <a:picLocks noChangeAspect="1"/>
+          </p:cNvPicPr>
+          <p:nvPr/>
+        </p:nvPicPr>
+        <p:blipFill>
+          <a:blip r:embed="rId6">
+            <a:extLst>
+              <a:ext uri="{28A0092B-C50C-407E-A947-70E740481C1C}">
+                <a14:useLocalDpi xmlns:a14="http://schemas.microsoft.com/office/drawing/2010/main" val="0"/>
+              </a:ext>
+            </a:extLst>
+          </a:blip>
+          <a:stretch>
+            <a:fillRect/>
+          </a:stretch>
+        </p:blipFill>
+        <p:spPr>
+          <a:xfrm>
+            <a:off x="8318786" y="1859063"/>
+            <a:ext cx="3475685" cy="3598761"/>
+          </a:xfrm>
+          <a:prstGeom prst="rect">
+            <a:avLst/>
+          </a:prstGeom>
+          <a:ln>
+            <a:noFill/>
+          </a:ln>
+          <a:effectLst>
+            <a:outerShdw blurRad="292100" dist="139700" dir="2700000" algn="tl" rotWithShape="0">
+              <a:srgbClr val="333333">
+                <a:alpha val="65000"/>
+              </a:srgbClr>
+            </a:outerShdw>
+          </a:effectLst>
+        </p:spPr>
+      </p:pic>
+      <p:sp>
+        <p:nvSpPr>
+          <p:cNvPr id="14" name="TextBox 13">
+            <a:extLst>
+              <a:ext uri="{FF2B5EF4-FFF2-40B4-BE49-F238E27FC236}">
+                <a16:creationId xmlns:a16="http://schemas.microsoft.com/office/drawing/2014/main" id="{3941EF9E-1E40-40C0-BB4F-7A26B9551088}"/>
+              </a:ext>
+            </a:extLst>
+          </p:cNvPr>
+          <p:cNvSpPr txBox="1"/>
+          <p:nvPr/>
         </p:nvSpPr>
-        <p:spPr/>
+        <p:spPr>
+          <a:xfrm>
+            <a:off x="9125060" y="5457824"/>
+            <a:ext cx="1863139" cy="461665"/>
+          </a:xfrm>
+          <a:prstGeom prst="rect">
+            <a:avLst/>
+          </a:prstGeom>
+          <a:noFill/>
+        </p:spPr>
         <p:txBody>
-          <a:bodyPr>
-            <a:normAutofit fontScale="90000"/>
+          <a:bodyPr wrap="none" rtlCol="0">
+            <a:spAutoFit/>
           </a:bodyPr>
           <a:lstStyle/>
           <a:p>
             <a:r>
-              <a:rPr lang="en-GB" dirty="0"/>
-              <a:t>Each lesson should move at least one of the identified learner personas towards achieving </a:t>
-            </a:r>
-            <a:r>
-              <a:rPr lang="en-GB" b="1" i="1" dirty="0">
-                <a:solidFill>
-                  <a:srgbClr val="FF0000"/>
-                </a:solidFill>
-              </a:rPr>
-              <a:t>their</a:t>
-            </a:r>
-            <a:r>
-              <a:rPr lang="en-GB" dirty="0"/>
-              <a:t> goal.</a:t>
+              <a:rPr lang="en-GB" sz="2400" dirty="0"/>
+              <a:t>Nang Newbie</a:t>
             </a:r>
           </a:p>
         </p:txBody>
@@ -6149,7 +7127,7 @@
 </p:sld>
 </file>
 
-<file path=ppt/slides/slide13.xml><?xml version="1.0" encoding="utf-8"?>
+<file path=ppt/slides/slide12.xml><?xml version="1.0" encoding="utf-8"?>
 <p:sld xmlns:a="http://schemas.openxmlformats.org/drawingml/2006/main" xmlns:r="http://schemas.openxmlformats.org/officeDocument/2006/relationships" xmlns:p="http://schemas.openxmlformats.org/presentationml/2006/main">
   <p:cSld>
     <p:spTree>
@@ -6189,95 +7167,7 @@
           <a:p>
             <a:r>
               <a:rPr lang="en-GB" dirty="0"/>
-              <a:t>Doing too much too soon can lead to injury</a:t>
-            </a:r>
-          </a:p>
-        </p:txBody>
-      </p:sp>
-      <p:pic>
-        <p:nvPicPr>
-          <p:cNvPr id="4" name="Picture 3">
-            <a:extLst>
-              <a:ext uri="{FF2B5EF4-FFF2-40B4-BE49-F238E27FC236}">
-                <a16:creationId xmlns:a16="http://schemas.microsoft.com/office/drawing/2014/main" id="{D4F23512-FE32-4E63-BFCE-F6D70565E705}"/>
-              </a:ext>
-            </a:extLst>
-          </p:cNvPr>
-          <p:cNvPicPr>
-            <a:picLocks noChangeAspect="1"/>
-          </p:cNvPicPr>
-          <p:nvPr/>
-        </p:nvPicPr>
-        <p:blipFill>
-          <a:blip r:embed="rId2"/>
-          <a:stretch>
-            <a:fillRect/>
-          </a:stretch>
-        </p:blipFill>
-        <p:spPr>
-          <a:xfrm>
-            <a:off x="3332800" y="1690688"/>
-            <a:ext cx="5526400" cy="4201528"/>
-          </a:xfrm>
-          <a:prstGeom prst="rect">
-            <a:avLst/>
-          </a:prstGeom>
-        </p:spPr>
-      </p:pic>
-    </p:spTree>
-    <p:extLst>
-      <p:ext uri="{BB962C8B-B14F-4D97-AF65-F5344CB8AC3E}">
-        <p14:creationId xmlns:p14="http://schemas.microsoft.com/office/powerpoint/2010/main" val="3673171504"/>
-      </p:ext>
-    </p:extLst>
-  </p:cSld>
-  <p:clrMapOvr>
-    <a:masterClrMapping/>
-  </p:clrMapOvr>
-</p:sld>
-</file>
-
-<file path=ppt/slides/slide14.xml><?xml version="1.0" encoding="utf-8"?>
-<p:sld xmlns:a="http://schemas.openxmlformats.org/drawingml/2006/main" xmlns:r="http://schemas.openxmlformats.org/officeDocument/2006/relationships" xmlns:p="http://schemas.openxmlformats.org/presentationml/2006/main">
-  <p:cSld>
-    <p:spTree>
-      <p:nvGrpSpPr>
-        <p:cNvPr id="1" name=""/>
-        <p:cNvGrpSpPr/>
-        <p:nvPr/>
-      </p:nvGrpSpPr>
-      <p:grpSpPr>
-        <a:xfrm>
-          <a:off x="0" y="0"/>
-          <a:ext cx="0" cy="0"/>
-          <a:chOff x="0" y="0"/>
-          <a:chExt cx="0" cy="0"/>
-        </a:xfrm>
-      </p:grpSpPr>
-      <p:sp>
-        <p:nvSpPr>
-          <p:cNvPr id="2" name="Title 1">
-            <a:extLst>
-              <a:ext uri="{FF2B5EF4-FFF2-40B4-BE49-F238E27FC236}">
-                <a16:creationId xmlns:a16="http://schemas.microsoft.com/office/drawing/2014/main" id="{22BD76A7-8548-46F9-9A7E-EAEA7CBDC961}"/>
-              </a:ext>
-            </a:extLst>
-          </p:cNvPr>
-          <p:cNvSpPr>
-            <a:spLocks noGrp="1"/>
-          </p:cNvSpPr>
-          <p:nvPr>
-            <p:ph type="title"/>
-          </p:nvPr>
-        </p:nvSpPr>
-        <p:spPr/>
-        <p:txBody>
-          <a:bodyPr/>
-          <a:lstStyle/>
-          <a:p>
-            <a:r>
-              <a:rPr lang="en-GB" dirty="0"/>
-              <a:t>Doing too much too soon can lead to injury</a:t>
+              <a:t>Doing too much too soon can lead to injury…</a:t>
             </a:r>
           </a:p>
         </p:txBody>
@@ -6297,7 +7187,7 @@
           <p:nvPr/>
         </p:nvPicPr>
         <p:blipFill>
-          <a:blip r:embed="rId2">
+          <a:blip r:embed="rId3">
             <a:extLst>
               <a:ext uri="{28A0092B-C50C-407E-A947-70E740481C1C}">
                 <a14:useLocalDpi xmlns:a14="http://schemas.microsoft.com/office/drawing/2010/main" val="0"/>
@@ -6311,7 +7201,7 @@
         </p:blipFill>
         <p:spPr bwMode="auto">
           <a:xfrm>
-            <a:off x="4191000" y="1690688"/>
+            <a:off x="4191000" y="2066073"/>
             <a:ext cx="3810000" cy="3771900"/>
           </a:xfrm>
           <a:prstGeom prst="rect">
@@ -6365,7 +7255,7 @@
 </p:sld>
 </file>
 
-<file path=ppt/slides/slide15.xml><?xml version="1.0" encoding="utf-8"?>
+<file path=ppt/slides/slide13.xml><?xml version="1.0" encoding="utf-8"?>
 <p:sld xmlns:a="http://schemas.openxmlformats.org/drawingml/2006/main" xmlns:r="http://schemas.openxmlformats.org/officeDocument/2006/relationships" xmlns:p="http://schemas.openxmlformats.org/presentationml/2006/main">
   <p:cSld>
     <p:spTree>
@@ -6431,7 +7321,7 @@
 </p:sld>
 </file>
 
-<file path=ppt/slides/slide16.xml><?xml version="1.0" encoding="utf-8"?>
+<file path=ppt/slides/slide14.xml><?xml version="1.0" encoding="utf-8"?>
 <p:sld xmlns:a="http://schemas.openxmlformats.org/drawingml/2006/main" xmlns:r="http://schemas.openxmlformats.org/officeDocument/2006/relationships" xmlns:p="http://schemas.openxmlformats.org/presentationml/2006/main">
   <p:cSld>
     <p:spTree>
@@ -6497,7 +7387,7 @@
 </p:sld>
 </file>
 
-<file path=ppt/slides/slide17.xml><?xml version="1.0" encoding="utf-8"?>
+<file path=ppt/slides/slide15.xml><?xml version="1.0" encoding="utf-8"?>
 <p:sld xmlns:a="http://schemas.openxmlformats.org/drawingml/2006/main" xmlns:r="http://schemas.openxmlformats.org/officeDocument/2006/relationships" xmlns:p="http://schemas.openxmlformats.org/presentationml/2006/main">
   <p:cSld>
     <p:spTree>
@@ -7036,7 +7926,7 @@
 </p:sld>
 </file>
 
-<file path=ppt/slides/slide18.xml><?xml version="1.0" encoding="utf-8"?>
+<file path=ppt/slides/slide16.xml><?xml version="1.0" encoding="utf-8"?>
 <p:sld xmlns:a="http://schemas.openxmlformats.org/drawingml/2006/main" xmlns:r="http://schemas.openxmlformats.org/officeDocument/2006/relationships" xmlns:p="http://schemas.openxmlformats.org/presentationml/2006/main">
   <p:cSld>
     <p:spTree>
@@ -7116,7 +8006,7 @@
             <a:pPr lvl="1"/>
             <a:r>
               <a:rPr lang="en-GB" dirty="0">
-                <a:hlinkClick r:id="rId2"/>
+                <a:hlinkClick r:id="rId3"/>
               </a:rPr>
               <a:t>https://education.rstudio.com/trainers#people</a:t>
             </a:r>
@@ -7135,7 +8025,7 @@
             <a:pPr lvl="1"/>
             <a:r>
               <a:rPr lang="en-GB" dirty="0">
-                <a:hlinkClick r:id="rId3"/>
+                <a:hlinkClick r:id="rId4"/>
               </a:rPr>
               <a:t>https://education.rstudio.com/trainers#info</a:t>
             </a:r>
@@ -7145,7 +8035,7 @@
             <a:pPr lvl="1"/>
             <a:r>
               <a:rPr lang="en-GB" dirty="0"/>
-              <a:t>Instructor training in February 2020. Contact Greg Wilson.</a:t>
+              <a:t>Instructor training in February 2020. Contact Greg Wilson or Carl Howe at RStudio.</a:t>
             </a:r>
           </a:p>
           <a:p>
@@ -7161,7 +8051,7 @@
             <a:pPr lvl="1"/>
             <a:r>
               <a:rPr lang="en-GB" dirty="0">
-                <a:hlinkClick r:id="rId4"/>
+                <a:hlinkClick r:id="rId5"/>
               </a:rPr>
               <a:t>https://github.com/rstudio-education</a:t>
             </a:r>
@@ -7234,7 +8124,7 @@
               </a:ln>
               <a:extLst>
                 <a:ext uri="{C572A759-6A51-4108-AA02-DFA0A04FC94B}">
-                  <ma14:wrappingTextBoxFlag xmlns:ma14="http://schemas.microsoft.com/office/mac/drawingml/2011/main" xmlns="" val="1"/>
+                  <ma14:wrappingTextBoxFlag xmlns="" xmlns:ma14="http://schemas.microsoft.com/office/mac/drawingml/2011/main" val="1"/>
                 </a:ext>
               </a:extLst>
             </p:spPr>
@@ -7305,7 +8195,7 @@
               <p:nvPr/>
             </p:nvPicPr>
             <p:blipFill>
-              <a:blip r:embed="rId5" cstate="print">
+              <a:blip r:embed="rId6" cstate="print">
                 <a:extLst>
                   <a:ext uri="{28A0092B-C50C-407E-A947-70E740481C1C}">
                     <a14:useLocalDpi xmlns:a14="http://schemas.microsoft.com/office/drawing/2010/main" val="0"/>
@@ -7362,7 +8252,7 @@
               </a:ln>
               <a:extLst>
                 <a:ext uri="{C572A759-6A51-4108-AA02-DFA0A04FC94B}">
-                  <ma14:wrappingTextBoxFlag xmlns:ma14="http://schemas.microsoft.com/office/mac/drawingml/2011/main" xmlns="" val="1"/>
+                  <ma14:wrappingTextBoxFlag xmlns="" xmlns:ma14="http://schemas.microsoft.com/office/mac/drawingml/2011/main" val="1"/>
                 </a:ext>
               </a:extLst>
             </p:spPr>
@@ -7440,7 +8330,7 @@
               </a:ln>
               <a:extLst>
                 <a:ext uri="{C572A759-6A51-4108-AA02-DFA0A04FC94B}">
-                  <ma14:wrappingTextBoxFlag xmlns:ma14="http://schemas.microsoft.com/office/mac/drawingml/2011/main" xmlns="" val="1"/>
+                  <ma14:wrappingTextBoxFlag xmlns="" xmlns:ma14="http://schemas.microsoft.com/office/mac/drawingml/2011/main" val="1"/>
                 </a:ext>
               </a:extLst>
             </p:spPr>
@@ -7483,10 +8373,10 @@
               <p:nvPr/>
             </p:nvPicPr>
             <p:blipFill>
-              <a:blip r:embed="rId6">
+              <a:blip r:embed="rId7">
                 <a:extLst>
                   <a:ext uri="{96DAC541-7B7A-43D3-8B79-37D633B846F1}">
-                    <asvg:svgBlip xmlns:asvg="http://schemas.microsoft.com/office/drawing/2016/SVG/main" r:embed="rId7"/>
+                    <asvg:svgBlip xmlns:asvg="http://schemas.microsoft.com/office/drawing/2016/SVG/main" r:embed="rId8"/>
                   </a:ext>
                 </a:extLst>
               </a:blip>
@@ -7519,7 +8409,7 @@
 </p:sld>
 </file>
 
-<file path=ppt/slides/slide19.xml><?xml version="1.0" encoding="utf-8"?>
+<file path=ppt/slides/slide2.xml><?xml version="1.0" encoding="utf-8"?>
 <p:sld xmlns:a="http://schemas.openxmlformats.org/drawingml/2006/main" xmlns:r="http://schemas.openxmlformats.org/officeDocument/2006/relationships" xmlns:p="http://schemas.openxmlformats.org/presentationml/2006/main">
   <p:cSld>
     <p:spTree>
@@ -7538,10 +8428,10 @@
       </p:grpSpPr>
       <p:sp>
         <p:nvSpPr>
-          <p:cNvPr id="4" name="Title 3">
+          <p:cNvPr id="2" name="Title 1">
             <a:extLst>
               <a:ext uri="{FF2B5EF4-FFF2-40B4-BE49-F238E27FC236}">
-                <a16:creationId xmlns:a16="http://schemas.microsoft.com/office/drawing/2014/main" id="{8735D53C-59E6-47C5-9A06-9515285548D1}"/>
+                <a16:creationId xmlns:a16="http://schemas.microsoft.com/office/drawing/2014/main" id="{8A28942A-2056-4711-B050-C2A8C84F217F}"/>
               </a:ext>
             </a:extLst>
           </p:cNvPr>
@@ -7559,17 +8449,25 @@
           <a:p>
             <a:r>
               <a:rPr lang="en-GB" dirty="0"/>
-              <a:t>The backup pile</a:t>
+              <a:t>This talk is for </a:t>
+            </a:r>
+            <a:r>
+              <a:rPr lang="en-GB" b="1" i="1" dirty="0"/>
+              <a:t>YOU</a:t>
+            </a:r>
+            <a:r>
+              <a:rPr lang="en-GB" dirty="0"/>
+              <a:t>…</a:t>
             </a:r>
           </a:p>
         </p:txBody>
       </p:sp>
       <p:sp>
         <p:nvSpPr>
-          <p:cNvPr id="5" name="Text Placeholder 4">
+          <p:cNvPr id="3" name="Content Placeholder 2">
             <a:extLst>
               <a:ext uri="{FF2B5EF4-FFF2-40B4-BE49-F238E27FC236}">
-                <a16:creationId xmlns:a16="http://schemas.microsoft.com/office/drawing/2014/main" id="{A473CBF5-CEA4-4F21-8B89-C9DAF6C434DB}"/>
+                <a16:creationId xmlns:a16="http://schemas.microsoft.com/office/drawing/2014/main" id="{2B10E3A3-6492-43E5-A4BE-9B3EE5F66027}"/>
               </a:ext>
             </a:extLst>
           </p:cNvPr>
@@ -7577,22 +8475,50 @@
             <a:spLocks noGrp="1"/>
           </p:cNvSpPr>
           <p:nvPr>
-            <p:ph type="body" idx="1"/>
+            <p:ph idx="1"/>
           </p:nvPr>
         </p:nvSpPr>
-        <p:spPr/>
+        <p:spPr>
+          <a:xfrm>
+            <a:off x="838200" y="1984193"/>
+            <a:ext cx="10515600" cy="3390220"/>
+          </a:xfrm>
+        </p:spPr>
         <p:txBody>
-          <a:bodyPr/>
+          <a:bodyPr>
+            <a:normAutofit/>
+          </a:bodyPr>
           <a:lstStyle/>
           <a:p>
-            <a:endParaRPr lang="en-GB"/>
+            <a:r>
+              <a:rPr lang="en-GB" sz="3200" dirty="0"/>
+              <a:t>If you are looking for an R trainer and want to know what "RStudio certification" means</a:t>
+            </a:r>
+          </a:p>
+          <a:p>
+            <a:endParaRPr lang="en-GB" sz="3200" dirty="0"/>
+          </a:p>
+          <a:p>
+            <a:r>
+              <a:rPr lang="en-GB" sz="3200" dirty="0"/>
+              <a:t>If you are interested in becoming an RStudio certified trainer</a:t>
+            </a:r>
+          </a:p>
+          <a:p>
+            <a:endParaRPr lang="en-GB" sz="3200" dirty="0"/>
+          </a:p>
+          <a:p>
+            <a:r>
+              <a:rPr lang="en-GB" sz="3200" dirty="0"/>
+              <a:t>If you are creating training materials for others</a:t>
+            </a:r>
           </a:p>
         </p:txBody>
       </p:sp>
     </p:spTree>
     <p:extLst>
       <p:ext uri="{BB962C8B-B14F-4D97-AF65-F5344CB8AC3E}">
-        <p14:creationId xmlns:p14="http://schemas.microsoft.com/office/powerpoint/2010/main" val="919430748"/>
+        <p14:creationId xmlns:p14="http://schemas.microsoft.com/office/powerpoint/2010/main" val="3608765863"/>
       </p:ext>
     </p:extLst>
   </p:cSld>
@@ -7602,7 +8528,7 @@
 </p:sld>
 </file>
 
-<file path=ppt/slides/slide2.xml><?xml version="1.0" encoding="utf-8"?>
+<file path=ppt/slides/slide3.xml><?xml version="1.0" encoding="utf-8"?>
 <p:sld xmlns:a="http://schemas.openxmlformats.org/drawingml/2006/main" xmlns:r="http://schemas.openxmlformats.org/officeDocument/2006/relationships" xmlns:p="http://schemas.openxmlformats.org/presentationml/2006/main">
   <p:cSld>
     <p:spTree>
@@ -7642,7 +8568,7 @@
           <a:p>
             <a:r>
               <a:rPr lang="en-GB" dirty="0"/>
-              <a:t>Learning R is a bit like running a marathon…</a:t>
+              <a:t>An analogy: learning and teaching others R is a bit like training for and running a marathon</a:t>
             </a:r>
           </a:p>
         </p:txBody>
@@ -7682,7 +8608,7 @@
             <p:nvPr/>
           </p:nvPicPr>
           <p:blipFill>
-            <a:blip r:embed="rId2">
+            <a:blip r:embed="rId3">
               <a:extLst>
                 <a:ext uri="{28A0092B-C50C-407E-A947-70E740481C1C}">
                   <a14:useLocalDpi xmlns:a14="http://schemas.microsoft.com/office/drawing/2010/main" val="0"/>
@@ -7782,7 +8708,7 @@
             <p:nvPr/>
           </p:nvPicPr>
           <p:blipFill>
-            <a:blip r:embed="rId3">
+            <a:blip r:embed="rId4">
               <a:extLst>
                 <a:ext uri="{28A0092B-C50C-407E-A947-70E740481C1C}">
                   <a14:useLocalDpi xmlns:a14="http://schemas.microsoft.com/office/drawing/2010/main" val="0"/>
@@ -7871,7 +8797,7 @@
           </p:nvPr>
         </p:nvPicPr>
         <p:blipFill>
-          <a:blip r:embed="rId4">
+          <a:blip r:embed="rId5">
             <a:extLst>
               <a:ext uri="{28A0092B-C50C-407E-A947-70E740481C1C}">
                 <a14:useLocalDpi xmlns:a14="http://schemas.microsoft.com/office/drawing/2010/main" val="0"/>
@@ -8133,1308 +9059,7 @@
 </p:sld>
 </file>
 
-<file path=ppt/slides/slide20.xml><?xml version="1.0" encoding="utf-8"?>
-<p:sld xmlns:a="http://schemas.openxmlformats.org/drawingml/2006/main" xmlns:r="http://schemas.openxmlformats.org/officeDocument/2006/relationships" xmlns:p="http://schemas.openxmlformats.org/presentationml/2006/main" show="0">
-  <p:cSld>
-    <p:spTree>
-      <p:nvGrpSpPr>
-        <p:cNvPr id="1" name=""/>
-        <p:cNvGrpSpPr/>
-        <p:nvPr/>
-      </p:nvGrpSpPr>
-      <p:grpSpPr>
-        <a:xfrm>
-          <a:off x="0" y="0"/>
-          <a:ext cx="0" cy="0"/>
-          <a:chOff x="0" y="0"/>
-          <a:chExt cx="0" cy="0"/>
-        </a:xfrm>
-      </p:grpSpPr>
-      <p:sp>
-        <p:nvSpPr>
-          <p:cNvPr id="4" name="Title 3">
-            <a:extLst>
-              <a:ext uri="{FF2B5EF4-FFF2-40B4-BE49-F238E27FC236}">
-                <a16:creationId xmlns:a16="http://schemas.microsoft.com/office/drawing/2014/main" id="{62BBA9DC-8E71-4EB1-962E-3CA67DD92CD3}"/>
-              </a:ext>
-            </a:extLst>
-          </p:cNvPr>
-          <p:cNvSpPr>
-            <a:spLocks noGrp="1"/>
-          </p:cNvSpPr>
-          <p:nvPr>
-            <p:ph type="title"/>
-          </p:nvPr>
-        </p:nvSpPr>
-        <p:spPr/>
-        <p:txBody>
-          <a:bodyPr/>
-          <a:lstStyle/>
-          <a:p>
-            <a:r>
-              <a:rPr lang="en-GB" dirty="0"/>
-              <a:t>Certification – what’s the point?</a:t>
-            </a:r>
-          </a:p>
-        </p:txBody>
-      </p:sp>
-      <p:sp>
-        <p:nvSpPr>
-          <p:cNvPr id="5" name="Content Placeholder 4">
-            <a:extLst>
-              <a:ext uri="{FF2B5EF4-FFF2-40B4-BE49-F238E27FC236}">
-                <a16:creationId xmlns:a16="http://schemas.microsoft.com/office/drawing/2014/main" id="{C5603F27-A49F-49BF-999B-63AFFB3A97A6}"/>
-              </a:ext>
-            </a:extLst>
-          </p:cNvPr>
-          <p:cNvSpPr>
-            <a:spLocks noGrp="1"/>
-          </p:cNvSpPr>
-          <p:nvPr>
-            <p:ph idx="1"/>
-          </p:nvPr>
-        </p:nvSpPr>
-        <p:spPr/>
-        <p:txBody>
-          <a:bodyPr/>
-          <a:lstStyle/>
-          <a:p>
-            <a:r>
-              <a:rPr lang="en-GB" dirty="0"/>
-              <a:t>Proficiency in teaching</a:t>
-            </a:r>
-          </a:p>
-          <a:p>
-            <a:r>
-              <a:rPr lang="en-GB" dirty="0"/>
-              <a:t>Proficiency in technical skills</a:t>
-            </a:r>
-          </a:p>
-          <a:p>
-            <a:endParaRPr lang="en-GB" dirty="0"/>
-          </a:p>
-          <a:p>
-            <a:r>
-              <a:rPr lang="en-GB" dirty="0"/>
-              <a:t>Certified trainers share best practice, keep up to date with latest developments and tools in </a:t>
-            </a:r>
-            <a:r>
-              <a:rPr lang="en-GB" dirty="0" err="1"/>
-              <a:t>tidyverse</a:t>
-            </a:r>
-            <a:r>
-              <a:rPr lang="en-GB" dirty="0"/>
-              <a:t>, Shiny.</a:t>
-            </a:r>
-          </a:p>
-          <a:p>
-            <a:pPr lvl="1"/>
-            <a:r>
-              <a:rPr lang="en-GB" dirty="0"/>
-              <a:t>Community of practice</a:t>
-            </a:r>
-          </a:p>
-          <a:p>
-            <a:endParaRPr lang="en-GB" dirty="0"/>
-          </a:p>
-          <a:p>
-            <a:r>
-              <a:rPr lang="en-GB" dirty="0"/>
-              <a:t>Delegates being trained and organisations commissioning training by certified trainers can be confident that the training will be good.</a:t>
-            </a:r>
-          </a:p>
-        </p:txBody>
-      </p:sp>
-    </p:spTree>
-    <p:extLst>
-      <p:ext uri="{BB962C8B-B14F-4D97-AF65-F5344CB8AC3E}">
-        <p14:creationId xmlns:p14="http://schemas.microsoft.com/office/powerpoint/2010/main" val="1456518721"/>
-      </p:ext>
-    </p:extLst>
-  </p:cSld>
-  <p:clrMapOvr>
-    <a:masterClrMapping/>
-  </p:clrMapOvr>
-</p:sld>
-</file>
-
-<file path=ppt/slides/slide21.xml><?xml version="1.0" encoding="utf-8"?>
-<p:sld xmlns:a="http://schemas.openxmlformats.org/drawingml/2006/main" xmlns:r="http://schemas.openxmlformats.org/officeDocument/2006/relationships" xmlns:p="http://schemas.openxmlformats.org/presentationml/2006/main">
-  <p:cSld>
-    <p:spTree>
-      <p:nvGrpSpPr>
-        <p:cNvPr id="1" name=""/>
-        <p:cNvGrpSpPr/>
-        <p:nvPr/>
-      </p:nvGrpSpPr>
-      <p:grpSpPr>
-        <a:xfrm>
-          <a:off x="0" y="0"/>
-          <a:ext cx="0" cy="0"/>
-          <a:chOff x="0" y="0"/>
-          <a:chExt cx="0" cy="0"/>
-        </a:xfrm>
-      </p:grpSpPr>
-      <p:pic>
-        <p:nvPicPr>
-          <p:cNvPr id="5" name="Picture 4">
-            <a:extLst>
-              <a:ext uri="{FF2B5EF4-FFF2-40B4-BE49-F238E27FC236}">
-                <a16:creationId xmlns:a16="http://schemas.microsoft.com/office/drawing/2014/main" id="{BC9CCBE8-9C84-49B7-A26F-119228D4A347}"/>
-              </a:ext>
-            </a:extLst>
-          </p:cNvPr>
-          <p:cNvPicPr>
-            <a:picLocks noChangeAspect="1"/>
-          </p:cNvPicPr>
-          <p:nvPr/>
-        </p:nvPicPr>
-        <p:blipFill>
-          <a:blip r:embed="rId2">
-            <a:extLst>
-              <a:ext uri="{28A0092B-C50C-407E-A947-70E740481C1C}">
-                <a14:useLocalDpi xmlns:a14="http://schemas.microsoft.com/office/drawing/2010/main" val="0"/>
-              </a:ext>
-            </a:extLst>
-          </a:blip>
-          <a:stretch>
-            <a:fillRect/>
-          </a:stretch>
-        </p:blipFill>
-        <p:spPr>
-          <a:xfrm>
-            <a:off x="3080616" y="318536"/>
-            <a:ext cx="6030768" cy="6220927"/>
-          </a:xfrm>
-          <a:prstGeom prst="rect">
-            <a:avLst/>
-          </a:prstGeom>
-        </p:spPr>
-      </p:pic>
-      <p:sp>
-        <p:nvSpPr>
-          <p:cNvPr id="6" name="TextBox 5">
-            <a:extLst>
-              <a:ext uri="{FF2B5EF4-FFF2-40B4-BE49-F238E27FC236}">
-                <a16:creationId xmlns:a16="http://schemas.microsoft.com/office/drawing/2014/main" id="{C0260A94-1E9C-4C16-9736-F86B857BDAAE}"/>
-              </a:ext>
-            </a:extLst>
-          </p:cNvPr>
-          <p:cNvSpPr txBox="1"/>
-          <p:nvPr/>
-        </p:nvSpPr>
-        <p:spPr>
-          <a:xfrm>
-            <a:off x="3651260" y="6565715"/>
-            <a:ext cx="4889480" cy="246221"/>
-          </a:xfrm>
-          <a:prstGeom prst="rect">
-            <a:avLst/>
-          </a:prstGeom>
-          <a:noFill/>
-        </p:spPr>
-        <p:txBody>
-          <a:bodyPr wrap="none" rtlCol="0">
-            <a:spAutoFit/>
-          </a:bodyPr>
-          <a:lstStyle/>
-          <a:p>
-            <a:r>
-              <a:rPr lang="en-GB" sz="1000" dirty="0">
-                <a:hlinkClick r:id="rId3"/>
-              </a:rPr>
-              <a:t>https://headrush.typepad.com/creating_passionate_users/2005/10/getting_users_p.html</a:t>
-            </a:r>
-            <a:endParaRPr lang="en-GB" sz="1000" dirty="0"/>
-          </a:p>
-        </p:txBody>
-      </p:sp>
-    </p:spTree>
-    <p:extLst>
-      <p:ext uri="{BB962C8B-B14F-4D97-AF65-F5344CB8AC3E}">
-        <p14:creationId xmlns:p14="http://schemas.microsoft.com/office/powerpoint/2010/main" val="2260987142"/>
-      </p:ext>
-    </p:extLst>
-  </p:cSld>
-  <p:clrMapOvr>
-    <a:masterClrMapping/>
-  </p:clrMapOvr>
-</p:sld>
-</file>
-
-<file path=ppt/slides/slide22.xml><?xml version="1.0" encoding="utf-8"?>
-<p:sld xmlns:a="http://schemas.openxmlformats.org/drawingml/2006/main" xmlns:r="http://schemas.openxmlformats.org/officeDocument/2006/relationships" xmlns:p="http://schemas.openxmlformats.org/presentationml/2006/main">
-  <p:cSld>
-    <p:spTree>
-      <p:nvGrpSpPr>
-        <p:cNvPr id="1" name=""/>
-        <p:cNvGrpSpPr/>
-        <p:nvPr/>
-      </p:nvGrpSpPr>
-      <p:grpSpPr>
-        <a:xfrm>
-          <a:off x="0" y="0"/>
-          <a:ext cx="0" cy="0"/>
-          <a:chOff x="0" y="0"/>
-          <a:chExt cx="0" cy="0"/>
-        </a:xfrm>
-      </p:grpSpPr>
-      <p:pic>
-        <p:nvPicPr>
-          <p:cNvPr id="586754" name="Picture 2">
-            <a:extLst>
-              <a:ext uri="{FF2B5EF4-FFF2-40B4-BE49-F238E27FC236}">
-                <a16:creationId xmlns:a16="http://schemas.microsoft.com/office/drawing/2014/main" id="{BD3708BE-1CF2-4ECD-BFF6-BA30351BE724}"/>
-              </a:ext>
-            </a:extLst>
-          </p:cNvPr>
-          <p:cNvPicPr>
-            <a:picLocks noChangeAspect="1" noChangeArrowheads="1"/>
-          </p:cNvPicPr>
-          <p:nvPr/>
-        </p:nvPicPr>
-        <p:blipFill>
-          <a:blip r:embed="rId3">
-            <a:extLst>
-              <a:ext uri="{28A0092B-C50C-407E-A947-70E740481C1C}">
-                <a14:useLocalDpi xmlns:a14="http://schemas.microsoft.com/office/drawing/2010/main" val="0"/>
-              </a:ext>
-            </a:extLst>
-          </a:blip>
-          <a:srcRect/>
-          <a:stretch>
-            <a:fillRect/>
-          </a:stretch>
-        </p:blipFill>
-        <p:spPr bwMode="auto">
-          <a:xfrm>
-            <a:off x="3058160" y="421538"/>
-            <a:ext cx="6075680" cy="6014923"/>
-          </a:xfrm>
-          <a:prstGeom prst="rect">
-            <a:avLst/>
-          </a:prstGeom>
-          <a:noFill/>
-          <a:ln>
-            <a:noFill/>
-          </a:ln>
-          <a:effectLst/>
-          <a:extLst>
-            <a:ext uri="{909E8E84-426E-40DD-AFC4-6F175D3DCCD1}">
-              <a14:hiddenFill xmlns:a14="http://schemas.microsoft.com/office/drawing/2010/main">
-                <a:solidFill>
-                  <a:schemeClr val="accent1"/>
-                </a:solidFill>
-              </a14:hiddenFill>
-            </a:ext>
-            <a:ext uri="{91240B29-F687-4F45-9708-019B960494DF}">
-              <a14:hiddenLine xmlns:a14="http://schemas.microsoft.com/office/drawing/2010/main" w="9525">
-                <a:solidFill>
-                  <a:schemeClr val="tx1"/>
-                </a:solidFill>
-                <a:miter lim="800000"/>
-                <a:headEnd/>
-                <a:tailEnd/>
-              </a14:hiddenLine>
-            </a:ext>
-            <a:ext uri="{AF507438-7753-43E0-B8FC-AC1667EBCBE1}">
-              <a14:hiddenEffects xmlns:a14="http://schemas.microsoft.com/office/drawing/2010/main">
-                <a:effectLst>
-                  <a:outerShdw dist="35921" dir="2700000" algn="ctr" rotWithShape="0">
-                    <a:schemeClr val="bg2"/>
-                  </a:outerShdw>
-                </a:effectLst>
-              </a14:hiddenEffects>
-            </a:ext>
-          </a:extLst>
-        </p:spPr>
-      </p:pic>
-      <p:sp>
-        <p:nvSpPr>
-          <p:cNvPr id="586755" name="Text Box 3">
-            <a:extLst>
-              <a:ext uri="{FF2B5EF4-FFF2-40B4-BE49-F238E27FC236}">
-                <a16:creationId xmlns:a16="http://schemas.microsoft.com/office/drawing/2014/main" id="{1CD68509-E825-4DB8-BF41-29BB44717EAE}"/>
-              </a:ext>
-            </a:extLst>
-          </p:cNvPr>
-          <p:cNvSpPr txBox="1">
-            <a:spLocks noChangeArrowheads="1"/>
-          </p:cNvSpPr>
-          <p:nvPr/>
-        </p:nvSpPr>
-        <p:spPr bwMode="auto">
-          <a:xfrm>
-            <a:off x="7331075" y="6562725"/>
-            <a:ext cx="3302000" cy="228600"/>
-          </a:xfrm>
-          <a:prstGeom prst="rect">
-            <a:avLst/>
-          </a:prstGeom>
-          <a:noFill/>
-          <a:ln>
-            <a:noFill/>
-          </a:ln>
-          <a:effectLst/>
-          <a:extLst>
-            <a:ext uri="{909E8E84-426E-40DD-AFC4-6F175D3DCCD1}">
-              <a14:hiddenFill xmlns:a14="http://schemas.microsoft.com/office/drawing/2010/main">
-                <a:solidFill>
-                  <a:schemeClr val="accent1"/>
-                </a:solidFill>
-              </a14:hiddenFill>
-            </a:ext>
-            <a:ext uri="{91240B29-F687-4F45-9708-019B960494DF}">
-              <a14:hiddenLine xmlns:a14="http://schemas.microsoft.com/office/drawing/2010/main" w="9525">
-                <a:solidFill>
-                  <a:schemeClr val="tx1"/>
-                </a:solidFill>
-                <a:miter lim="800000"/>
-                <a:headEnd/>
-                <a:tailEnd/>
-              </a14:hiddenLine>
-            </a:ext>
-            <a:ext uri="{AF507438-7753-43E0-B8FC-AC1667EBCBE1}">
-              <a14:hiddenEffects xmlns:a14="http://schemas.microsoft.com/office/drawing/2010/main">
-                <a:effectLst>
-                  <a:outerShdw dist="35921" dir="2700000" algn="ctr" rotWithShape="0">
-                    <a:schemeClr val="bg2"/>
-                  </a:outerShdw>
-                </a:effectLst>
-              </a14:hiddenEffects>
-            </a:ext>
-          </a:extLst>
-        </p:spPr>
-        <p:txBody>
-          <a:bodyPr wrap="none">
-            <a:spAutoFit/>
-          </a:bodyPr>
-          <a:lstStyle/>
-          <a:p>
-            <a:r>
-              <a:rPr lang="en-GB" altLang="en-US" sz="900">
-                <a:hlinkClick r:id="rId4"/>
-              </a:rPr>
-              <a:t>http://www.slideshare.net/CJAtherton/chris-atherton-at-tcuk09</a:t>
-            </a:r>
-            <a:endParaRPr lang="en-GB" altLang="en-US" sz="900"/>
-          </a:p>
-        </p:txBody>
-      </p:sp>
-    </p:spTree>
-  </p:cSld>
-  <p:clrMapOvr>
-    <a:masterClrMapping/>
-  </p:clrMapOvr>
-</p:sld>
-</file>
-
-<file path=ppt/slides/slide23.xml><?xml version="1.0" encoding="utf-8"?>
-<p:sld xmlns:a="http://schemas.openxmlformats.org/drawingml/2006/main" xmlns:r="http://schemas.openxmlformats.org/officeDocument/2006/relationships" xmlns:p="http://schemas.openxmlformats.org/presentationml/2006/main">
-  <p:cSld>
-    <p:spTree>
-      <p:nvGrpSpPr>
-        <p:cNvPr id="1" name=""/>
-        <p:cNvGrpSpPr/>
-        <p:nvPr/>
-      </p:nvGrpSpPr>
-      <p:grpSpPr>
-        <a:xfrm>
-          <a:off x="0" y="0"/>
-          <a:ext cx="0" cy="0"/>
-          <a:chOff x="0" y="0"/>
-          <a:chExt cx="0" cy="0"/>
-        </a:xfrm>
-      </p:grpSpPr>
-      <p:sp>
-        <p:nvSpPr>
-          <p:cNvPr id="2" name="Title 1">
-            <a:extLst>
-              <a:ext uri="{FF2B5EF4-FFF2-40B4-BE49-F238E27FC236}">
-                <a16:creationId xmlns:a16="http://schemas.microsoft.com/office/drawing/2014/main" id="{426A38E2-6A52-43CB-B639-E0331370C905}"/>
-              </a:ext>
-            </a:extLst>
-          </p:cNvPr>
-          <p:cNvSpPr>
-            <a:spLocks noGrp="1"/>
-          </p:cNvSpPr>
-          <p:nvPr>
-            <p:ph type="title"/>
-          </p:nvPr>
-        </p:nvSpPr>
-        <p:spPr/>
-        <p:txBody>
-          <a:bodyPr/>
-          <a:lstStyle/>
-          <a:p>
-            <a:r>
-              <a:rPr lang="en-GB" dirty="0"/>
-              <a:t>Evidence-based teaching methods</a:t>
-            </a:r>
-          </a:p>
-        </p:txBody>
-      </p:sp>
-      <p:sp>
-        <p:nvSpPr>
-          <p:cNvPr id="3" name="TextBox 2">
-            <a:extLst>
-              <a:ext uri="{FF2B5EF4-FFF2-40B4-BE49-F238E27FC236}">
-                <a16:creationId xmlns:a16="http://schemas.microsoft.com/office/drawing/2014/main" id="{FA8506BB-04A9-4044-88C7-B9B3F945E632}"/>
-              </a:ext>
-            </a:extLst>
-          </p:cNvPr>
-          <p:cNvSpPr txBox="1"/>
-          <p:nvPr/>
-        </p:nvSpPr>
-        <p:spPr>
-          <a:xfrm>
-            <a:off x="756006" y="5500532"/>
-            <a:ext cx="2887650" cy="646331"/>
-          </a:xfrm>
-          <a:prstGeom prst="rect">
-            <a:avLst/>
-          </a:prstGeom>
-          <a:noFill/>
-        </p:spPr>
-        <p:txBody>
-          <a:bodyPr wrap="none" rtlCol="0">
-            <a:spAutoFit/>
-          </a:bodyPr>
-          <a:lstStyle/>
-          <a:p>
-            <a:r>
-              <a:rPr lang="en-GB" sz="3600" dirty="0"/>
-              <a:t>Cognitive-load</a:t>
-            </a:r>
-          </a:p>
-        </p:txBody>
-      </p:sp>
-      <p:sp>
-        <p:nvSpPr>
-          <p:cNvPr id="4" name="TextBox 3">
-            <a:extLst>
-              <a:ext uri="{FF2B5EF4-FFF2-40B4-BE49-F238E27FC236}">
-                <a16:creationId xmlns:a16="http://schemas.microsoft.com/office/drawing/2014/main" id="{A41A273A-ACA1-4206-9744-E5233851FA0F}"/>
-              </a:ext>
-            </a:extLst>
-          </p:cNvPr>
-          <p:cNvSpPr txBox="1"/>
-          <p:nvPr/>
-        </p:nvSpPr>
-        <p:spPr>
-          <a:xfrm>
-            <a:off x="756006" y="3004118"/>
-            <a:ext cx="3418052" cy="646331"/>
-          </a:xfrm>
-          <a:prstGeom prst="rect">
-            <a:avLst/>
-          </a:prstGeom>
-          <a:noFill/>
-        </p:spPr>
-        <p:txBody>
-          <a:bodyPr wrap="none" rtlCol="0">
-            <a:spAutoFit/>
-          </a:bodyPr>
-          <a:lstStyle/>
-          <a:p>
-            <a:r>
-              <a:rPr lang="en-GB" sz="3600" dirty="0"/>
-              <a:t>Learner personas</a:t>
-            </a:r>
-          </a:p>
-        </p:txBody>
-      </p:sp>
-      <p:sp>
-        <p:nvSpPr>
-          <p:cNvPr id="5" name="TextBox 4">
-            <a:extLst>
-              <a:ext uri="{FF2B5EF4-FFF2-40B4-BE49-F238E27FC236}">
-                <a16:creationId xmlns:a16="http://schemas.microsoft.com/office/drawing/2014/main" id="{E88D4766-0012-49D8-AEBD-7B4C627CF354}"/>
-              </a:ext>
-            </a:extLst>
-          </p:cNvPr>
-          <p:cNvSpPr txBox="1"/>
-          <p:nvPr/>
-        </p:nvSpPr>
-        <p:spPr>
-          <a:xfrm>
-            <a:off x="6250602" y="3605995"/>
-            <a:ext cx="4522264" cy="646331"/>
-          </a:xfrm>
-          <a:prstGeom prst="rect">
-            <a:avLst/>
-          </a:prstGeom>
-          <a:noFill/>
-        </p:spPr>
-        <p:txBody>
-          <a:bodyPr wrap="none" rtlCol="0">
-            <a:spAutoFit/>
-          </a:bodyPr>
-          <a:lstStyle/>
-          <a:p>
-            <a:r>
-              <a:rPr lang="en-GB" sz="3600" dirty="0"/>
-              <a:t>Formative assessments</a:t>
-            </a:r>
-          </a:p>
-        </p:txBody>
-      </p:sp>
-      <p:sp>
-        <p:nvSpPr>
-          <p:cNvPr id="6" name="TextBox 5">
-            <a:extLst>
-              <a:ext uri="{FF2B5EF4-FFF2-40B4-BE49-F238E27FC236}">
-                <a16:creationId xmlns:a16="http://schemas.microsoft.com/office/drawing/2014/main" id="{F1C6398D-DE96-4986-97B5-00FF9361A7C7}"/>
-              </a:ext>
-            </a:extLst>
-          </p:cNvPr>
-          <p:cNvSpPr txBox="1"/>
-          <p:nvPr/>
-        </p:nvSpPr>
-        <p:spPr>
-          <a:xfrm>
-            <a:off x="756006" y="4252326"/>
-            <a:ext cx="2246321" cy="646331"/>
-          </a:xfrm>
-          <a:prstGeom prst="rect">
-            <a:avLst/>
-          </a:prstGeom>
-          <a:noFill/>
-        </p:spPr>
-        <p:txBody>
-          <a:bodyPr wrap="none" rtlCol="0">
-            <a:spAutoFit/>
-          </a:bodyPr>
-          <a:lstStyle/>
-          <a:p>
-            <a:r>
-              <a:rPr lang="en-GB" sz="3600" dirty="0"/>
-              <a:t>Motivation</a:t>
-            </a:r>
-          </a:p>
-        </p:txBody>
-      </p:sp>
-      <p:sp>
-        <p:nvSpPr>
-          <p:cNvPr id="7" name="TextBox 6">
-            <a:extLst>
-              <a:ext uri="{FF2B5EF4-FFF2-40B4-BE49-F238E27FC236}">
-                <a16:creationId xmlns:a16="http://schemas.microsoft.com/office/drawing/2014/main" id="{6946D174-CA92-4437-9A96-9FBB8A5B0DF2}"/>
-              </a:ext>
-            </a:extLst>
-          </p:cNvPr>
-          <p:cNvSpPr txBox="1"/>
-          <p:nvPr/>
-        </p:nvSpPr>
-        <p:spPr>
-          <a:xfrm>
-            <a:off x="6250602" y="4854202"/>
-            <a:ext cx="1958870" cy="646331"/>
-          </a:xfrm>
-          <a:prstGeom prst="rect">
-            <a:avLst/>
-          </a:prstGeom>
-          <a:noFill/>
-        </p:spPr>
-        <p:txBody>
-          <a:bodyPr wrap="none" rtlCol="0">
-            <a:spAutoFit/>
-          </a:bodyPr>
-          <a:lstStyle/>
-          <a:p>
-            <a:r>
-              <a:rPr lang="en-GB" sz="3600" dirty="0"/>
-              <a:t>Feedback</a:t>
-            </a:r>
-          </a:p>
-        </p:txBody>
-      </p:sp>
-      <p:sp>
-        <p:nvSpPr>
-          <p:cNvPr id="8" name="TextBox 7">
-            <a:extLst>
-              <a:ext uri="{FF2B5EF4-FFF2-40B4-BE49-F238E27FC236}">
-                <a16:creationId xmlns:a16="http://schemas.microsoft.com/office/drawing/2014/main" id="{FD037F82-F086-43C0-8A02-949BC47482C7}"/>
-              </a:ext>
-            </a:extLst>
-          </p:cNvPr>
-          <p:cNvSpPr txBox="1"/>
-          <p:nvPr/>
-        </p:nvSpPr>
-        <p:spPr>
-          <a:xfrm>
-            <a:off x="756006" y="1755910"/>
-            <a:ext cx="3852465" cy="646331"/>
-          </a:xfrm>
-          <a:prstGeom prst="rect">
-            <a:avLst/>
-          </a:prstGeom>
-          <a:noFill/>
-        </p:spPr>
-        <p:txBody>
-          <a:bodyPr wrap="none" rtlCol="0">
-            <a:spAutoFit/>
-          </a:bodyPr>
-          <a:lstStyle/>
-          <a:p>
-            <a:r>
-              <a:rPr lang="en-GB" sz="3600" dirty="0"/>
-              <a:t>Learning paradigms</a:t>
-            </a:r>
-          </a:p>
-        </p:txBody>
-      </p:sp>
-      <p:sp>
-        <p:nvSpPr>
-          <p:cNvPr id="9" name="TextBox 8">
-            <a:extLst>
-              <a:ext uri="{FF2B5EF4-FFF2-40B4-BE49-F238E27FC236}">
-                <a16:creationId xmlns:a16="http://schemas.microsoft.com/office/drawing/2014/main" id="{BD41778F-7A8C-4EBD-AAAE-A777D8CB4102}"/>
-              </a:ext>
-            </a:extLst>
-          </p:cNvPr>
-          <p:cNvSpPr txBox="1"/>
-          <p:nvPr/>
-        </p:nvSpPr>
-        <p:spPr>
-          <a:xfrm>
-            <a:off x="6250602" y="1690688"/>
-            <a:ext cx="3373552" cy="1200329"/>
-          </a:xfrm>
-          <a:prstGeom prst="rect">
-            <a:avLst/>
-          </a:prstGeom>
-          <a:noFill/>
-        </p:spPr>
-        <p:txBody>
-          <a:bodyPr wrap="none" rtlCol="0">
-            <a:spAutoFit/>
-          </a:bodyPr>
-          <a:lstStyle/>
-          <a:p>
-            <a:r>
-              <a:rPr lang="en-GB" sz="3600" dirty="0"/>
-              <a:t>Concept maps &amp; </a:t>
-            </a:r>
-          </a:p>
-          <a:p>
-            <a:r>
-              <a:rPr lang="en-GB" sz="3600" dirty="0"/>
-              <a:t>Mental models</a:t>
-            </a:r>
-          </a:p>
-        </p:txBody>
-      </p:sp>
-    </p:spTree>
-    <p:extLst>
-      <p:ext uri="{BB962C8B-B14F-4D97-AF65-F5344CB8AC3E}">
-        <p14:creationId xmlns:p14="http://schemas.microsoft.com/office/powerpoint/2010/main" val="3809533075"/>
-      </p:ext>
-    </p:extLst>
-  </p:cSld>
-  <p:clrMapOvr>
-    <a:masterClrMapping/>
-  </p:clrMapOvr>
-</p:sld>
-</file>
-
-<file path=ppt/slides/slide24.xml><?xml version="1.0" encoding="utf-8"?>
-<p:sld xmlns:a="http://schemas.openxmlformats.org/drawingml/2006/main" xmlns:r="http://schemas.openxmlformats.org/officeDocument/2006/relationships" xmlns:p="http://schemas.openxmlformats.org/presentationml/2006/main">
-  <p:cSld>
-    <p:spTree>
-      <p:nvGrpSpPr>
-        <p:cNvPr id="1" name=""/>
-        <p:cNvGrpSpPr/>
-        <p:nvPr/>
-      </p:nvGrpSpPr>
-      <p:grpSpPr>
-        <a:xfrm>
-          <a:off x="0" y="0"/>
-          <a:ext cx="0" cy="0"/>
-          <a:chOff x="0" y="0"/>
-          <a:chExt cx="0" cy="0"/>
-        </a:xfrm>
-      </p:grpSpPr>
-      <p:sp>
-        <p:nvSpPr>
-          <p:cNvPr id="3" name="Title 2">
-            <a:extLst>
-              <a:ext uri="{FF2B5EF4-FFF2-40B4-BE49-F238E27FC236}">
-                <a16:creationId xmlns:a16="http://schemas.microsoft.com/office/drawing/2014/main" id="{5C133CDD-CCC6-44A7-93F9-38DE8C408983}"/>
-              </a:ext>
-            </a:extLst>
-          </p:cNvPr>
-          <p:cNvSpPr>
-            <a:spLocks noGrp="1"/>
-          </p:cNvSpPr>
-          <p:nvPr>
-            <p:ph type="title"/>
-          </p:nvPr>
-        </p:nvSpPr>
-        <p:spPr/>
-        <p:txBody>
-          <a:bodyPr>
-            <a:normAutofit fontScale="90000"/>
-          </a:bodyPr>
-          <a:lstStyle/>
-          <a:p>
-            <a:r>
-              <a:rPr lang="en-GB" b="1" dirty="0"/>
-              <a:t>Our job as trainers: </a:t>
-            </a:r>
-            <a:br>
-              <a:rPr lang="en-GB" b="1" dirty="0"/>
-            </a:br>
-            <a:r>
-              <a:rPr lang="en-GB" dirty="0"/>
-              <a:t>Lead learners through the “suck” threshold, hopefully get them to the “kicking ass” threshold ASAP.</a:t>
-            </a:r>
-          </a:p>
-        </p:txBody>
-      </p:sp>
-    </p:spTree>
-    <p:extLst>
-      <p:ext uri="{BB962C8B-B14F-4D97-AF65-F5344CB8AC3E}">
-        <p14:creationId xmlns:p14="http://schemas.microsoft.com/office/powerpoint/2010/main" val="2430702081"/>
-      </p:ext>
-    </p:extLst>
-  </p:cSld>
-  <p:clrMapOvr>
-    <a:masterClrMapping/>
-  </p:clrMapOvr>
-</p:sld>
-</file>
-
-<file path=ppt/slides/slide25.xml><?xml version="1.0" encoding="utf-8"?>
-<p:sld xmlns:a="http://schemas.openxmlformats.org/drawingml/2006/main" xmlns:r="http://schemas.openxmlformats.org/officeDocument/2006/relationships" xmlns:p="http://schemas.openxmlformats.org/presentationml/2006/main" show="0">
-  <p:cSld>
-    <p:spTree>
-      <p:nvGrpSpPr>
-        <p:cNvPr id="1" name=""/>
-        <p:cNvGrpSpPr/>
-        <p:nvPr/>
-      </p:nvGrpSpPr>
-      <p:grpSpPr>
-        <a:xfrm>
-          <a:off x="0" y="0"/>
-          <a:ext cx="0" cy="0"/>
-          <a:chOff x="0" y="0"/>
-          <a:chExt cx="0" cy="0"/>
-        </a:xfrm>
-      </p:grpSpPr>
-      <p:pic>
-        <p:nvPicPr>
-          <p:cNvPr id="5" name="Picture 4">
-            <a:extLst>
-              <a:ext uri="{FF2B5EF4-FFF2-40B4-BE49-F238E27FC236}">
-                <a16:creationId xmlns:a16="http://schemas.microsoft.com/office/drawing/2014/main" id="{BC9CCBE8-9C84-49B7-A26F-119228D4A347}"/>
-              </a:ext>
-            </a:extLst>
-          </p:cNvPr>
-          <p:cNvPicPr>
-            <a:picLocks noChangeAspect="1"/>
-          </p:cNvPicPr>
-          <p:nvPr/>
-        </p:nvPicPr>
-        <p:blipFill rotWithShape="1">
-          <a:blip r:embed="rId2">
-            <a:extLst>
-              <a:ext uri="{28A0092B-C50C-407E-A947-70E740481C1C}">
-                <a14:useLocalDpi xmlns:a14="http://schemas.microsoft.com/office/drawing/2010/main" val="0"/>
-              </a:ext>
-            </a:extLst>
-          </a:blip>
-          <a:srcRect t="7416"/>
-          <a:stretch/>
-        </p:blipFill>
-        <p:spPr>
-          <a:xfrm>
-            <a:off x="3080617" y="549233"/>
-            <a:ext cx="6030766" cy="5759534"/>
-          </a:xfrm>
-          <a:prstGeom prst="rect">
-            <a:avLst/>
-          </a:prstGeom>
-          <a:ln>
-            <a:noFill/>
-          </a:ln>
-          <a:effectLst>
-            <a:outerShdw blurRad="292100" dist="139700" dir="2700000" algn="tl" rotWithShape="0">
-              <a:srgbClr val="333333">
-                <a:alpha val="65000"/>
-              </a:srgbClr>
-            </a:outerShdw>
-          </a:effectLst>
-        </p:spPr>
-      </p:pic>
-      <p:sp>
-        <p:nvSpPr>
-          <p:cNvPr id="6" name="TextBox 5">
-            <a:extLst>
-              <a:ext uri="{FF2B5EF4-FFF2-40B4-BE49-F238E27FC236}">
-                <a16:creationId xmlns:a16="http://schemas.microsoft.com/office/drawing/2014/main" id="{C0260A94-1E9C-4C16-9736-F86B857BDAAE}"/>
-              </a:ext>
-            </a:extLst>
-          </p:cNvPr>
-          <p:cNvSpPr txBox="1"/>
-          <p:nvPr/>
-        </p:nvSpPr>
-        <p:spPr>
-          <a:xfrm>
-            <a:off x="3651260" y="6565715"/>
-            <a:ext cx="4889480" cy="246221"/>
-          </a:xfrm>
-          <a:prstGeom prst="rect">
-            <a:avLst/>
-          </a:prstGeom>
-          <a:noFill/>
-        </p:spPr>
-        <p:txBody>
-          <a:bodyPr wrap="none" rtlCol="0">
-            <a:spAutoFit/>
-          </a:bodyPr>
-          <a:lstStyle/>
-          <a:p>
-            <a:r>
-              <a:rPr lang="en-GB" sz="1000" dirty="0">
-                <a:hlinkClick r:id="rId3"/>
-              </a:rPr>
-              <a:t>https://headrush.typepad.com/creating_passionate_users/2005/10/getting_users_p.html</a:t>
-            </a:r>
-            <a:endParaRPr lang="en-GB" sz="1000" dirty="0"/>
-          </a:p>
-        </p:txBody>
-      </p:sp>
-    </p:spTree>
-    <p:extLst>
-      <p:ext uri="{BB962C8B-B14F-4D97-AF65-F5344CB8AC3E}">
-        <p14:creationId xmlns:p14="http://schemas.microsoft.com/office/powerpoint/2010/main" val="2120078438"/>
-      </p:ext>
-    </p:extLst>
-  </p:cSld>
-  <p:clrMapOvr>
-    <a:masterClrMapping/>
-  </p:clrMapOvr>
-</p:sld>
-</file>
-
-<file path=ppt/slides/slide26.xml><?xml version="1.0" encoding="utf-8"?>
-<p:sld xmlns:a="http://schemas.openxmlformats.org/drawingml/2006/main" xmlns:r="http://schemas.openxmlformats.org/officeDocument/2006/relationships" xmlns:p="http://schemas.openxmlformats.org/presentationml/2006/main" show="0">
-  <p:cSld>
-    <p:spTree>
-      <p:nvGrpSpPr>
-        <p:cNvPr id="1" name=""/>
-        <p:cNvGrpSpPr/>
-        <p:nvPr/>
-      </p:nvGrpSpPr>
-      <p:grpSpPr>
-        <a:xfrm>
-          <a:off x="0" y="0"/>
-          <a:ext cx="0" cy="0"/>
-          <a:chOff x="0" y="0"/>
-          <a:chExt cx="0" cy="0"/>
-        </a:xfrm>
-      </p:grpSpPr>
-      <p:sp>
-        <p:nvSpPr>
-          <p:cNvPr id="2" name="Title 1">
-            <a:extLst>
-              <a:ext uri="{FF2B5EF4-FFF2-40B4-BE49-F238E27FC236}">
-                <a16:creationId xmlns:a16="http://schemas.microsoft.com/office/drawing/2014/main" id="{06FAC062-0398-4996-810C-1E4CF49892E4}"/>
-              </a:ext>
-            </a:extLst>
-          </p:cNvPr>
-          <p:cNvSpPr>
-            <a:spLocks noGrp="1"/>
-          </p:cNvSpPr>
-          <p:nvPr>
-            <p:ph type="title"/>
-          </p:nvPr>
-        </p:nvSpPr>
-        <p:spPr/>
-        <p:txBody>
-          <a:bodyPr/>
-          <a:lstStyle/>
-          <a:p>
-            <a:r>
-              <a:rPr lang="en-GB" dirty="0"/>
-              <a:t>Feedback</a:t>
-            </a:r>
-          </a:p>
-        </p:txBody>
-      </p:sp>
-      <p:sp>
-        <p:nvSpPr>
-          <p:cNvPr id="3" name="Content Placeholder 2">
-            <a:extLst>
-              <a:ext uri="{FF2B5EF4-FFF2-40B4-BE49-F238E27FC236}">
-                <a16:creationId xmlns:a16="http://schemas.microsoft.com/office/drawing/2014/main" id="{3C7FD09A-64D4-452C-9990-8C7A880F44E3}"/>
-              </a:ext>
-            </a:extLst>
-          </p:cNvPr>
-          <p:cNvSpPr>
-            <a:spLocks noGrp="1"/>
-          </p:cNvSpPr>
-          <p:nvPr>
-            <p:ph idx="1"/>
-          </p:nvPr>
-        </p:nvSpPr>
-        <p:spPr/>
-        <p:txBody>
-          <a:bodyPr>
-            <a:normAutofit fontScale="92500" lnSpcReduction="10000"/>
-          </a:bodyPr>
-          <a:lstStyle/>
-          <a:p>
-            <a:r>
-              <a:rPr lang="en-GB" dirty="0"/>
-              <a:t>“Wow, for the first time I really UNDERSTAND what I’m doing with the </a:t>
-            </a:r>
-            <a:r>
-              <a:rPr lang="en-GB" dirty="0" err="1"/>
-              <a:t>ggplot</a:t>
-            </a:r>
-            <a:r>
-              <a:rPr lang="en-GB" dirty="0"/>
-              <a:t> mapping and aesthetics…”</a:t>
-            </a:r>
-          </a:p>
-          <a:p>
-            <a:r>
-              <a:rPr lang="en-GB" dirty="0"/>
-              <a:t>“Very clear explanation. I think I can do this now…”</a:t>
-            </a:r>
-          </a:p>
-          <a:p>
-            <a:r>
-              <a:rPr lang="en-GB" dirty="0"/>
-              <a:t>“Builds nicely…”, “Good flow…”</a:t>
-            </a:r>
-          </a:p>
-          <a:p>
-            <a:r>
-              <a:rPr lang="en-GB" dirty="0"/>
-              <a:t>“Like the ‘paste into the right places’ exercise…”</a:t>
-            </a:r>
-          </a:p>
-          <a:p>
-            <a:r>
-              <a:rPr lang="en-GB" dirty="0"/>
-              <a:t>“Liked the assessment exercise… makes people thing about code without having to necessarily generate it.”</a:t>
-            </a:r>
-          </a:p>
-          <a:p>
-            <a:endParaRPr lang="en-GB" dirty="0"/>
-          </a:p>
-          <a:p>
-            <a:r>
-              <a:rPr lang="en-GB" dirty="0"/>
-              <a:t>“Didn’t really understand the concept map first time through…”</a:t>
-            </a:r>
-          </a:p>
-          <a:p>
-            <a:r>
-              <a:rPr lang="en-GB" dirty="0"/>
-              <a:t>“Some of the text is a bit dense…”</a:t>
-            </a:r>
-          </a:p>
-        </p:txBody>
-      </p:sp>
-    </p:spTree>
-    <p:extLst>
-      <p:ext uri="{BB962C8B-B14F-4D97-AF65-F5344CB8AC3E}">
-        <p14:creationId xmlns:p14="http://schemas.microsoft.com/office/powerpoint/2010/main" val="3406484527"/>
-      </p:ext>
-    </p:extLst>
-  </p:cSld>
-  <p:clrMapOvr>
-    <a:masterClrMapping/>
-  </p:clrMapOvr>
-</p:sld>
-</file>
-
-<file path=ppt/slides/slide27.xml><?xml version="1.0" encoding="utf-8"?>
-<p:sld xmlns:a="http://schemas.openxmlformats.org/drawingml/2006/main" xmlns:r="http://schemas.openxmlformats.org/officeDocument/2006/relationships" xmlns:p="http://schemas.openxmlformats.org/presentationml/2006/main" show="0">
-  <p:cSld>
-    <p:spTree>
-      <p:nvGrpSpPr>
-        <p:cNvPr id="1" name=""/>
-        <p:cNvGrpSpPr/>
-        <p:nvPr/>
-      </p:nvGrpSpPr>
-      <p:grpSpPr>
-        <a:xfrm>
-          <a:off x="0" y="0"/>
-          <a:ext cx="0" cy="0"/>
-          <a:chOff x="0" y="0"/>
-          <a:chExt cx="0" cy="0"/>
-        </a:xfrm>
-      </p:grpSpPr>
-      <p:sp>
-        <p:nvSpPr>
-          <p:cNvPr id="2" name="Title 1">
-            <a:extLst>
-              <a:ext uri="{FF2B5EF4-FFF2-40B4-BE49-F238E27FC236}">
-                <a16:creationId xmlns:a16="http://schemas.microsoft.com/office/drawing/2014/main" id="{5543E790-9552-4998-9FEB-1CF9EB7B3923}"/>
-              </a:ext>
-            </a:extLst>
-          </p:cNvPr>
-          <p:cNvSpPr>
-            <a:spLocks noGrp="1"/>
-          </p:cNvSpPr>
-          <p:nvPr>
-            <p:ph type="title"/>
-          </p:nvPr>
-        </p:nvSpPr>
-        <p:spPr/>
-        <p:txBody>
-          <a:bodyPr/>
-          <a:lstStyle/>
-          <a:p>
-            <a:r>
-              <a:rPr lang="en-GB" dirty="0"/>
-              <a:t>Logistics</a:t>
-            </a:r>
-          </a:p>
-        </p:txBody>
-      </p:sp>
-      <p:sp>
-        <p:nvSpPr>
-          <p:cNvPr id="3" name="Content Placeholder 2">
-            <a:extLst>
-              <a:ext uri="{FF2B5EF4-FFF2-40B4-BE49-F238E27FC236}">
-                <a16:creationId xmlns:a16="http://schemas.microsoft.com/office/drawing/2014/main" id="{522925C3-A877-4BBE-9BC0-F6F0E385A096}"/>
-              </a:ext>
-            </a:extLst>
-          </p:cNvPr>
-          <p:cNvSpPr>
-            <a:spLocks noGrp="1"/>
-          </p:cNvSpPr>
-          <p:nvPr>
-            <p:ph idx="1"/>
-          </p:nvPr>
-        </p:nvSpPr>
-        <p:spPr/>
-        <p:txBody>
-          <a:bodyPr/>
-          <a:lstStyle/>
-          <a:p>
-            <a:r>
-              <a:rPr lang="en-GB" dirty="0"/>
-              <a:t>Lesson prepared locally</a:t>
-            </a:r>
-          </a:p>
-          <a:p>
-            <a:r>
-              <a:rPr lang="en-GB" dirty="0"/>
-              <a:t>Using </a:t>
-            </a:r>
-            <a:r>
-              <a:rPr lang="en-GB" dirty="0" err="1"/>
-              <a:t>Github</a:t>
-            </a:r>
-            <a:r>
-              <a:rPr lang="en-GB" dirty="0"/>
-              <a:t> repo</a:t>
-            </a:r>
-          </a:p>
-          <a:p>
-            <a:r>
-              <a:rPr lang="en-GB" dirty="0"/>
-              <a:t>RStudio Cloud instance using the </a:t>
-            </a:r>
-            <a:r>
-              <a:rPr lang="en-GB" dirty="0" err="1"/>
-              <a:t>Github</a:t>
-            </a:r>
-            <a:r>
-              <a:rPr lang="en-GB" dirty="0"/>
-              <a:t> repo</a:t>
-            </a:r>
-          </a:p>
-          <a:p>
-            <a:r>
-              <a:rPr lang="en-GB" dirty="0"/>
-              <a:t>Learner invited to RStudio Cloud URL</a:t>
-            </a:r>
-          </a:p>
-          <a:p>
-            <a:pPr lvl="1"/>
-            <a:r>
-              <a:rPr lang="en-GB" dirty="0">
-                <a:hlinkClick r:id="rId2"/>
-              </a:rPr>
-              <a:t>https://rstudio.cloud/project/370395</a:t>
-            </a:r>
-            <a:endParaRPr lang="en-GB" dirty="0"/>
-          </a:p>
-          <a:p>
-            <a:r>
-              <a:rPr lang="en-GB" dirty="0"/>
-              <a:t>Lesson presented as .</a:t>
-            </a:r>
-            <a:r>
-              <a:rPr lang="en-GB" dirty="0" err="1"/>
-              <a:t>Rmd</a:t>
-            </a:r>
-            <a:r>
-              <a:rPr lang="en-GB" dirty="0"/>
-              <a:t> file</a:t>
-            </a:r>
-          </a:p>
-          <a:p>
-            <a:pPr lvl="1"/>
-            <a:r>
-              <a:rPr lang="en-GB" dirty="0"/>
-              <a:t>Explanation interspersed with code chunks</a:t>
-            </a:r>
-          </a:p>
-        </p:txBody>
-      </p:sp>
-    </p:spTree>
-    <p:extLst>
-      <p:ext uri="{BB962C8B-B14F-4D97-AF65-F5344CB8AC3E}">
-        <p14:creationId xmlns:p14="http://schemas.microsoft.com/office/powerpoint/2010/main" val="2117029590"/>
-      </p:ext>
-    </p:extLst>
-  </p:cSld>
-  <p:clrMapOvr>
-    <a:masterClrMapping/>
-  </p:clrMapOvr>
-</p:sld>
-</file>
-
-<file path=ppt/slides/slide3.xml><?xml version="1.0" encoding="utf-8"?>
-<p:sld xmlns:a="http://schemas.openxmlformats.org/drawingml/2006/main" xmlns:r="http://schemas.openxmlformats.org/officeDocument/2006/relationships" xmlns:p="http://schemas.openxmlformats.org/presentationml/2006/main">
-  <p:cSld>
-    <p:spTree>
-      <p:nvGrpSpPr>
-        <p:cNvPr id="1" name=""/>
-        <p:cNvGrpSpPr/>
-        <p:nvPr/>
-      </p:nvGrpSpPr>
-      <p:grpSpPr>
-        <a:xfrm>
-          <a:off x="0" y="0"/>
-          <a:ext cx="0" cy="0"/>
-          <a:chOff x="0" y="0"/>
-          <a:chExt cx="0" cy="0"/>
-        </a:xfrm>
-      </p:grpSpPr>
-      <p:sp>
-        <p:nvSpPr>
-          <p:cNvPr id="2" name="Title 1">
-            <a:extLst>
-              <a:ext uri="{FF2B5EF4-FFF2-40B4-BE49-F238E27FC236}">
-                <a16:creationId xmlns:a16="http://schemas.microsoft.com/office/drawing/2014/main" id="{192114D0-9B80-4513-993C-DD5741184525}"/>
-              </a:ext>
-            </a:extLst>
-          </p:cNvPr>
-          <p:cNvSpPr>
-            <a:spLocks noGrp="1"/>
-          </p:cNvSpPr>
-          <p:nvPr>
-            <p:ph type="title"/>
-          </p:nvPr>
-        </p:nvSpPr>
-        <p:spPr/>
-        <p:txBody>
-          <a:bodyPr>
-            <a:normAutofit/>
-          </a:bodyPr>
-          <a:lstStyle/>
-          <a:p>
-            <a:r>
-              <a:rPr lang="en-GB" dirty="0"/>
-              <a:t>…but you shouldn’t seek </a:t>
-            </a:r>
-            <a:r>
-              <a:rPr lang="en-GB" b="1" i="1" dirty="0">
-                <a:solidFill>
-                  <a:srgbClr val="FF0000"/>
-                </a:solidFill>
-              </a:rPr>
-              <a:t>MY</a:t>
-            </a:r>
-            <a:r>
-              <a:rPr lang="en-GB" dirty="0"/>
-              <a:t> advice on how to train to run your best over 26.2 miles.</a:t>
-            </a:r>
-          </a:p>
-        </p:txBody>
-      </p:sp>
-    </p:spTree>
-    <p:extLst>
-      <p:ext uri="{BB962C8B-B14F-4D97-AF65-F5344CB8AC3E}">
-        <p14:creationId xmlns:p14="http://schemas.microsoft.com/office/powerpoint/2010/main" val="2321136143"/>
-      </p:ext>
-    </p:extLst>
-  </p:cSld>
-  <p:clrMapOvr>
-    <a:masterClrMapping/>
-  </p:clrMapOvr>
-</p:sld>
-</file>
-
 <file path=ppt/slides/slide4.xml><?xml version="1.0" encoding="utf-8"?>
-<p:sld xmlns:a="http://schemas.openxmlformats.org/drawingml/2006/main" xmlns:r="http://schemas.openxmlformats.org/officeDocument/2006/relationships" xmlns:p="http://schemas.openxmlformats.org/presentationml/2006/main">
-  <p:cSld>
-    <p:spTree>
-      <p:nvGrpSpPr>
-        <p:cNvPr id="1" name=""/>
-        <p:cNvGrpSpPr/>
-        <p:nvPr/>
-      </p:nvGrpSpPr>
-      <p:grpSpPr>
-        <a:xfrm>
-          <a:off x="0" y="0"/>
-          <a:ext cx="0" cy="0"/>
-          <a:chOff x="0" y="0"/>
-          <a:chExt cx="0" cy="0"/>
-        </a:xfrm>
-      </p:grpSpPr>
-      <p:sp>
-        <p:nvSpPr>
-          <p:cNvPr id="2" name="Title 1">
-            <a:extLst>
-              <a:ext uri="{FF2B5EF4-FFF2-40B4-BE49-F238E27FC236}">
-                <a16:creationId xmlns:a16="http://schemas.microsoft.com/office/drawing/2014/main" id="{192114D0-9B80-4513-993C-DD5741184525}"/>
-              </a:ext>
-            </a:extLst>
-          </p:cNvPr>
-          <p:cNvSpPr>
-            <a:spLocks noGrp="1"/>
-          </p:cNvSpPr>
-          <p:nvPr>
-            <p:ph type="title"/>
-          </p:nvPr>
-        </p:nvSpPr>
-        <p:spPr/>
-        <p:txBody>
-          <a:bodyPr/>
-          <a:lstStyle/>
-          <a:p>
-            <a:r>
-              <a:rPr lang="en-GB" dirty="0"/>
-              <a:t>So why do we often turn to “experienced users” to train us in things like R?</a:t>
-            </a:r>
-          </a:p>
-        </p:txBody>
-      </p:sp>
-    </p:spTree>
-    <p:extLst>
-      <p:ext uri="{BB962C8B-B14F-4D97-AF65-F5344CB8AC3E}">
-        <p14:creationId xmlns:p14="http://schemas.microsoft.com/office/powerpoint/2010/main" val="2807204743"/>
-      </p:ext>
-    </p:extLst>
-  </p:cSld>
-  <p:clrMapOvr>
-    <a:masterClrMapping/>
-  </p:clrMapOvr>
-</p:sld>
-</file>
-
-<file path=ppt/slides/slide5.xml><?xml version="1.0" encoding="utf-8"?>
 <p:sld xmlns:a="http://schemas.openxmlformats.org/drawingml/2006/main" xmlns:r="http://schemas.openxmlformats.org/officeDocument/2006/relationships" xmlns:p="http://schemas.openxmlformats.org/presentationml/2006/main">
   <p:cSld>
     <p:spTree>
@@ -9504,7 +9129,7 @@
 </p:sld>
 </file>
 
-<file path=ppt/slides/slide6.xml><?xml version="1.0" encoding="utf-8"?>
+<file path=ppt/slides/slide5.xml><?xml version="1.0" encoding="utf-8"?>
 <p:sld xmlns:a="http://schemas.openxmlformats.org/drawingml/2006/main" xmlns:r="http://schemas.openxmlformats.org/officeDocument/2006/relationships" xmlns:p="http://schemas.openxmlformats.org/presentationml/2006/main">
   <p:cSld>
     <p:spTree>
@@ -9579,6 +9204,106 @@
 </p:sld>
 </file>
 
+<file path=ppt/slides/slide6.xml><?xml version="1.0" encoding="utf-8"?>
+<p:sld xmlns:a="http://schemas.openxmlformats.org/drawingml/2006/main" xmlns:r="http://schemas.openxmlformats.org/officeDocument/2006/relationships" xmlns:p="http://schemas.openxmlformats.org/presentationml/2006/main">
+  <p:cSld>
+    <p:spTree>
+      <p:nvGrpSpPr>
+        <p:cNvPr id="1" name=""/>
+        <p:cNvGrpSpPr/>
+        <p:nvPr/>
+      </p:nvGrpSpPr>
+      <p:grpSpPr>
+        <a:xfrm>
+          <a:off x="0" y="0"/>
+          <a:ext cx="0" cy="0"/>
+          <a:chOff x="0" y="0"/>
+          <a:chExt cx="0" cy="0"/>
+        </a:xfrm>
+      </p:grpSpPr>
+      <p:sp>
+        <p:nvSpPr>
+          <p:cNvPr id="2" name="Title 1">
+            <a:extLst>
+              <a:ext uri="{FF2B5EF4-FFF2-40B4-BE49-F238E27FC236}">
+                <a16:creationId xmlns:a16="http://schemas.microsoft.com/office/drawing/2014/main" id="{8AE22903-BB48-4455-9DE6-6FD232DD504D}"/>
+              </a:ext>
+            </a:extLst>
+          </p:cNvPr>
+          <p:cNvSpPr>
+            <a:spLocks noGrp="1"/>
+          </p:cNvSpPr>
+          <p:nvPr>
+            <p:ph type="title"/>
+          </p:nvPr>
+        </p:nvSpPr>
+        <p:spPr/>
+        <p:txBody>
+          <a:bodyPr>
+            <a:normAutofit/>
+          </a:bodyPr>
+          <a:lstStyle/>
+          <a:p>
+            <a:r>
+              <a:rPr lang="en-GB" dirty="0"/>
+              <a:t>Plan your route: how far you are going, how long it will take.</a:t>
+            </a:r>
+          </a:p>
+        </p:txBody>
+      </p:sp>
+      <p:pic>
+        <p:nvPicPr>
+          <p:cNvPr id="6" name="Picture 5">
+            <a:extLst>
+              <a:ext uri="{FF2B5EF4-FFF2-40B4-BE49-F238E27FC236}">
+                <a16:creationId xmlns:a16="http://schemas.microsoft.com/office/drawing/2014/main" id="{881839ED-36C0-4CBD-BEA3-B460CFE0F48B}"/>
+              </a:ext>
+            </a:extLst>
+          </p:cNvPr>
+          <p:cNvPicPr>
+            <a:picLocks noChangeAspect="1"/>
+          </p:cNvPicPr>
+          <p:nvPr/>
+        </p:nvPicPr>
+        <p:blipFill>
+          <a:blip r:embed="rId3"/>
+          <a:stretch>
+            <a:fillRect/>
+          </a:stretch>
+        </p:blipFill>
+        <p:spPr>
+          <a:xfrm>
+            <a:off x="3412384" y="1989158"/>
+            <a:ext cx="5367231" cy="3915254"/>
+          </a:xfrm>
+          <a:prstGeom prst="rect">
+            <a:avLst/>
+          </a:prstGeom>
+          <a:ln>
+            <a:noFill/>
+          </a:ln>
+          <a:effectLst>
+            <a:outerShdw blurRad="292100" dist="139700" dir="2700000" algn="tl" rotWithShape="0">
+              <a:srgbClr val="333333">
+                <a:alpha val="65000"/>
+              </a:srgbClr>
+            </a:outerShdw>
+          </a:effectLst>
+        </p:spPr>
+      </p:pic>
+    </p:spTree>
+    <p:extLst>
+      <p:ext uri="{BB962C8B-B14F-4D97-AF65-F5344CB8AC3E}">
+        <p14:creationId xmlns:p14="http://schemas.microsoft.com/office/powerpoint/2010/main" val="2523511368"/>
+      </p:ext>
+    </p:extLst>
+  </p:cSld>
+  <p:clrMapOvr>
+    <a:masterClrMapping/>
+  </p:clrMapOvr>
+</p:sld>
+</file>
+
 <file path=ppt/slides/slide7.xml><?xml version="1.0" encoding="utf-8"?>
 <p:sld xmlns:a="http://schemas.openxmlformats.org/drawingml/2006/main" xmlns:r="http://schemas.openxmlformats.org/officeDocument/2006/relationships" xmlns:p="http://schemas.openxmlformats.org/presentationml/2006/main">
   <p:cSld>
@@ -9615,23 +9340,23 @@
         <p:spPr/>
         <p:txBody>
           <a:bodyPr>
-            <a:normAutofit fontScale="90000"/>
+            <a:normAutofit/>
           </a:bodyPr>
           <a:lstStyle/>
           <a:p>
             <a:r>
               <a:rPr lang="en-GB" dirty="0"/>
-              <a:t>Providing concept maps helps learners associate concepts – help build training routes</a:t>
+              <a:t>Plan your training: how many topics are you covering, how concepts relate to each other.</a:t>
             </a:r>
           </a:p>
         </p:txBody>
       </p:sp>
       <p:pic>
         <p:nvPicPr>
-          <p:cNvPr id="6" name="Picture 5">
+          <p:cNvPr id="7" name="Picture 6">
             <a:extLst>
               <a:ext uri="{FF2B5EF4-FFF2-40B4-BE49-F238E27FC236}">
-                <a16:creationId xmlns:a16="http://schemas.microsoft.com/office/drawing/2014/main" id="{881839ED-36C0-4CBD-BEA3-B460CFE0F48B}"/>
+                <a16:creationId xmlns:a16="http://schemas.microsoft.com/office/drawing/2014/main" id="{5B25D49C-BE36-4E2D-AF1F-AD1BB39D5905}"/>
               </a:ext>
             </a:extLst>
           </p:cNvPr>
@@ -9641,15 +9366,15 @@
           <p:nvPr/>
         </p:nvPicPr>
         <p:blipFill>
-          <a:blip r:embed="rId2"/>
+          <a:blip r:embed="rId3"/>
           <a:stretch>
             <a:fillRect/>
           </a:stretch>
         </p:blipFill>
         <p:spPr>
           <a:xfrm>
-            <a:off x="3412384" y="1989158"/>
-            <a:ext cx="5367231" cy="3915254"/>
+            <a:off x="3086099" y="2175647"/>
+            <a:ext cx="6019800" cy="3409950"/>
           </a:xfrm>
           <a:prstGeom prst="rect">
             <a:avLst/>
@@ -9669,7 +9394,7 @@
     </p:spTree>
     <p:extLst>
       <p:ext uri="{BB962C8B-B14F-4D97-AF65-F5344CB8AC3E}">
-        <p14:creationId xmlns:p14="http://schemas.microsoft.com/office/powerpoint/2010/main" val="2523511368"/>
+        <p14:creationId xmlns:p14="http://schemas.microsoft.com/office/powerpoint/2010/main" val="1201384947"/>
       </p:ext>
     </p:extLst>
   </p:cSld>
@@ -9712,64 +9437,1838 @@
             <p:ph type="title"/>
           </p:nvPr>
         </p:nvSpPr>
-        <p:spPr/>
+        <p:spPr>
+          <a:xfrm>
+            <a:off x="784860" y="355500"/>
+            <a:ext cx="10622280" cy="1812018"/>
+          </a:xfrm>
+        </p:spPr>
         <p:txBody>
           <a:bodyPr>
-            <a:normAutofit fontScale="90000"/>
+            <a:normAutofit/>
           </a:bodyPr>
           <a:lstStyle/>
           <a:p>
             <a:r>
               <a:rPr lang="en-GB" dirty="0"/>
-              <a:t>Providing concept maps helps learners associate concepts – help build training routes</a:t>
+              <a:t>Structure training to build on earlier training sessions…</a:t>
             </a:r>
           </a:p>
         </p:txBody>
       </p:sp>
-      <p:pic>
-        <p:nvPicPr>
-          <p:cNvPr id="7" name="Picture 6">
+      <p:graphicFrame>
+        <p:nvGraphicFramePr>
+          <p:cNvPr id="6" name="Table 5">
             <a:extLst>
               <a:ext uri="{FF2B5EF4-FFF2-40B4-BE49-F238E27FC236}">
-                <a16:creationId xmlns:a16="http://schemas.microsoft.com/office/drawing/2014/main" id="{5B25D49C-BE36-4E2D-AF1F-AD1BB39D5905}"/>
+                <a16:creationId xmlns:a16="http://schemas.microsoft.com/office/drawing/2014/main" id="{830FFD33-D6DF-4DF0-9D0A-17D92C6D23CB}"/>
               </a:ext>
             </a:extLst>
           </p:cNvPr>
-          <p:cNvPicPr>
-            <a:picLocks noChangeAspect="1"/>
-          </p:cNvPicPr>
-          <p:nvPr/>
-        </p:nvPicPr>
-        <p:blipFill>
-          <a:blip r:embed="rId2"/>
-          <a:stretch>
-            <a:fillRect/>
-          </a:stretch>
-        </p:blipFill>
-        <p:spPr>
-          <a:xfrm>
-            <a:off x="3086099" y="2175647"/>
-            <a:ext cx="6019800" cy="3409950"/>
-          </a:xfrm>
-          <a:prstGeom prst="rect">
-            <a:avLst/>
-          </a:prstGeom>
-          <a:ln>
-            <a:noFill/>
-          </a:ln>
-          <a:effectLst>
-            <a:outerShdw blurRad="292100" dist="139700" dir="2700000" algn="tl" rotWithShape="0">
-              <a:srgbClr val="333333">
-                <a:alpha val="65000"/>
-              </a:srgbClr>
-            </a:outerShdw>
-          </a:effectLst>
-        </p:spPr>
-      </p:pic>
+          <p:cNvGraphicFramePr>
+            <a:graphicFrameLocks noGrp="1"/>
+          </p:cNvGraphicFramePr>
+          <p:nvPr>
+            <p:extLst>
+              <p:ext uri="{D42A27DB-BD31-4B8C-83A1-F6EECF244321}">
+                <p14:modId xmlns:p14="http://schemas.microsoft.com/office/powerpoint/2010/main" val="3393697495"/>
+              </p:ext>
+            </p:extLst>
+          </p:nvPr>
+        </p:nvGraphicFramePr>
+        <p:xfrm>
+          <a:off x="1139993" y="2416418"/>
+          <a:ext cx="9912014" cy="3827570"/>
+        </p:xfrm>
+        <a:graphic>
+          <a:graphicData uri="http://schemas.openxmlformats.org/drawingml/2006/table">
+            <a:tbl>
+              <a:tblPr/>
+              <a:tblGrid>
+                <a:gridCol w="1299762">
+                  <a:extLst>
+                    <a:ext uri="{9D8B030D-6E8A-4147-A177-3AD203B41FA5}">
+                      <a16:colId xmlns:a16="http://schemas.microsoft.com/office/drawing/2014/main" val="3693639221"/>
+                    </a:ext>
+                  </a:extLst>
+                </a:gridCol>
+                <a:gridCol w="1071284">
+                  <a:extLst>
+                    <a:ext uri="{9D8B030D-6E8A-4147-A177-3AD203B41FA5}">
+                      <a16:colId xmlns:a16="http://schemas.microsoft.com/office/drawing/2014/main" val="302076751"/>
+                    </a:ext>
+                  </a:extLst>
+                </a:gridCol>
+                <a:gridCol w="852067">
+                  <a:extLst>
+                    <a:ext uri="{9D8B030D-6E8A-4147-A177-3AD203B41FA5}">
+                      <a16:colId xmlns:a16="http://schemas.microsoft.com/office/drawing/2014/main" val="4071914447"/>
+                    </a:ext>
+                  </a:extLst>
+                </a:gridCol>
+                <a:gridCol w="1089351">
+                  <a:extLst>
+                    <a:ext uri="{9D8B030D-6E8A-4147-A177-3AD203B41FA5}">
+                      <a16:colId xmlns:a16="http://schemas.microsoft.com/office/drawing/2014/main" val="2615334561"/>
+                    </a:ext>
+                  </a:extLst>
+                </a:gridCol>
+                <a:gridCol w="891744">
+                  <a:extLst>
+                    <a:ext uri="{9D8B030D-6E8A-4147-A177-3AD203B41FA5}">
+                      <a16:colId xmlns:a16="http://schemas.microsoft.com/office/drawing/2014/main" val="146551761"/>
+                    </a:ext>
+                  </a:extLst>
+                </a:gridCol>
+                <a:gridCol w="1038234">
+                  <a:extLst>
+                    <a:ext uri="{9D8B030D-6E8A-4147-A177-3AD203B41FA5}">
+                      <a16:colId xmlns:a16="http://schemas.microsoft.com/office/drawing/2014/main" val="1928664565"/>
+                    </a:ext>
+                  </a:extLst>
+                </a:gridCol>
+                <a:gridCol w="1413574">
+                  <a:extLst>
+                    <a:ext uri="{9D8B030D-6E8A-4147-A177-3AD203B41FA5}">
+                      <a16:colId xmlns:a16="http://schemas.microsoft.com/office/drawing/2014/main" val="2602580722"/>
+                    </a:ext>
+                  </a:extLst>
+                </a:gridCol>
+                <a:gridCol w="2255998">
+                  <a:extLst>
+                    <a:ext uri="{9D8B030D-6E8A-4147-A177-3AD203B41FA5}">
+                      <a16:colId xmlns:a16="http://schemas.microsoft.com/office/drawing/2014/main" val="739095414"/>
+                    </a:ext>
+                  </a:extLst>
+                </a:gridCol>
+              </a:tblGrid>
+              <a:tr h="501241">
+                <a:tc>
+                  <a:txBody>
+                    <a:bodyPr/>
+                    <a:lstStyle/>
+                    <a:p>
+                      <a:r>
+                        <a:rPr lang="en-GB" sz="2800" b="1" dirty="0">
+                          <a:effectLst/>
+                        </a:rPr>
+                        <a:t>Week 1</a:t>
+                      </a:r>
+                    </a:p>
+                  </a:txBody>
+                  <a:tcPr marL="16997" marR="16997" marT="16997" marB="16997" anchor="ctr">
+                    <a:lnL>
+                      <a:noFill/>
+                    </a:lnL>
+                    <a:lnR>
+                      <a:noFill/>
+                    </a:lnR>
+                    <a:lnT>
+                      <a:noFill/>
+                    </a:lnT>
+                    <a:lnB>
+                      <a:noFill/>
+                    </a:lnB>
+                    <a:solidFill>
+                      <a:srgbClr val="FFFFFF"/>
+                    </a:solidFill>
+                  </a:tcPr>
+                </a:tc>
+                <a:tc>
+                  <a:txBody>
+                    <a:bodyPr/>
+                    <a:lstStyle/>
+                    <a:p>
+                      <a:r>
+                        <a:rPr lang="en-GB" sz="2000" kern="1200" dirty="0">
+                          <a:solidFill>
+                            <a:schemeClr val="bg1">
+                              <a:lumMod val="85000"/>
+                            </a:schemeClr>
+                          </a:solidFill>
+                          <a:effectLst/>
+                          <a:latin typeface="+mn-lt"/>
+                          <a:ea typeface="+mn-ea"/>
+                          <a:cs typeface="+mn-cs"/>
+                        </a:rPr>
+                        <a:t>15 minutes jogging. </a:t>
+                      </a:r>
+                    </a:p>
+                  </a:txBody>
+                  <a:tcPr marL="16997" marR="16997" marT="16997" marB="16997" anchor="ctr">
+                    <a:lnL>
+                      <a:noFill/>
+                    </a:lnL>
+                    <a:lnR>
+                      <a:noFill/>
+                    </a:lnR>
+                    <a:lnT>
+                      <a:noFill/>
+                    </a:lnT>
+                    <a:lnB>
+                      <a:noFill/>
+                    </a:lnB>
+                    <a:solidFill>
+                      <a:srgbClr val="FFFFFF"/>
+                    </a:solidFill>
+                  </a:tcPr>
+                </a:tc>
+                <a:tc>
+                  <a:txBody>
+                    <a:bodyPr/>
+                    <a:lstStyle/>
+                    <a:p>
+                      <a:pPr algn="ctr"/>
+                      <a:r>
+                        <a:rPr lang="en-GB" sz="2000" kern="1200" dirty="0">
+                          <a:solidFill>
+                            <a:schemeClr val="bg1">
+                              <a:lumMod val="85000"/>
+                            </a:schemeClr>
+                          </a:solidFill>
+                          <a:effectLst/>
+                          <a:latin typeface="+mn-lt"/>
+                          <a:ea typeface="+mn-ea"/>
+                          <a:cs typeface="+mn-cs"/>
+                        </a:rPr>
+                        <a:t>Rest</a:t>
+                      </a:r>
+                    </a:p>
+                  </a:txBody>
+                  <a:tcPr marL="16997" marR="16997" marT="16997" marB="16997" anchor="ctr">
+                    <a:lnL>
+                      <a:noFill/>
+                    </a:lnL>
+                    <a:lnR>
+                      <a:noFill/>
+                    </a:lnR>
+                    <a:lnT>
+                      <a:noFill/>
+                    </a:lnT>
+                    <a:lnB>
+                      <a:noFill/>
+                    </a:lnB>
+                    <a:solidFill>
+                      <a:srgbClr val="FFFFFF"/>
+                    </a:solidFill>
+                  </a:tcPr>
+                </a:tc>
+                <a:tc>
+                  <a:txBody>
+                    <a:bodyPr/>
+                    <a:lstStyle/>
+                    <a:p>
+                      <a:r>
+                        <a:rPr lang="en-GB" sz="2000" b="1" kern="1200" dirty="0">
+                          <a:solidFill>
+                            <a:srgbClr val="FF0000"/>
+                          </a:solidFill>
+                          <a:effectLst/>
+                          <a:latin typeface="+mn-lt"/>
+                          <a:ea typeface="+mn-ea"/>
+                          <a:cs typeface="+mn-cs"/>
+                        </a:rPr>
+                        <a:t>20 mins </a:t>
+                      </a:r>
+                      <a:r>
+                        <a:rPr lang="en-GB" sz="2000" kern="1200" dirty="0">
+                          <a:solidFill>
+                            <a:schemeClr val="bg1">
+                              <a:lumMod val="85000"/>
+                            </a:schemeClr>
+                          </a:solidFill>
+                          <a:effectLst/>
+                          <a:latin typeface="+mn-lt"/>
+                          <a:ea typeface="+mn-ea"/>
+                          <a:cs typeface="+mn-cs"/>
+                        </a:rPr>
+                        <a:t>jogging. </a:t>
+                      </a:r>
+                    </a:p>
+                  </a:txBody>
+                  <a:tcPr marL="16997" marR="16997" marT="16997" marB="16997" anchor="ctr">
+                    <a:lnL>
+                      <a:noFill/>
+                    </a:lnL>
+                    <a:lnR>
+                      <a:noFill/>
+                    </a:lnR>
+                    <a:lnT>
+                      <a:noFill/>
+                    </a:lnT>
+                    <a:lnB>
+                      <a:noFill/>
+                    </a:lnB>
+                    <a:solidFill>
+                      <a:srgbClr val="FFFFFF"/>
+                    </a:solidFill>
+                  </a:tcPr>
+                </a:tc>
+                <a:tc>
+                  <a:txBody>
+                    <a:bodyPr/>
+                    <a:lstStyle/>
+                    <a:p>
+                      <a:pPr algn="ctr"/>
+                      <a:r>
+                        <a:rPr lang="en-GB" sz="2000" kern="1200" dirty="0">
+                          <a:solidFill>
+                            <a:schemeClr val="bg1">
+                              <a:lumMod val="85000"/>
+                            </a:schemeClr>
+                          </a:solidFill>
+                          <a:effectLst/>
+                          <a:latin typeface="+mn-lt"/>
+                          <a:ea typeface="+mn-ea"/>
+                          <a:cs typeface="+mn-cs"/>
+                        </a:rPr>
+                        <a:t>Rest</a:t>
+                      </a:r>
+                    </a:p>
+                  </a:txBody>
+                  <a:tcPr marL="16997" marR="16997" marT="16997" marB="16997" anchor="ctr">
+                    <a:lnL>
+                      <a:noFill/>
+                    </a:lnL>
+                    <a:lnR>
+                      <a:noFill/>
+                    </a:lnR>
+                    <a:lnT>
+                      <a:noFill/>
+                    </a:lnT>
+                    <a:lnB>
+                      <a:noFill/>
+                    </a:lnB>
+                    <a:solidFill>
+                      <a:srgbClr val="FFFFFF"/>
+                    </a:solidFill>
+                  </a:tcPr>
+                </a:tc>
+                <a:tc>
+                  <a:txBody>
+                    <a:bodyPr/>
+                    <a:lstStyle/>
+                    <a:p>
+                      <a:pPr algn="ctr"/>
+                      <a:r>
+                        <a:rPr lang="en-GB" sz="2000" kern="1200" dirty="0">
+                          <a:solidFill>
+                            <a:schemeClr val="bg1">
+                              <a:lumMod val="85000"/>
+                            </a:schemeClr>
+                          </a:solidFill>
+                          <a:effectLst/>
+                          <a:latin typeface="+mn-lt"/>
+                          <a:ea typeface="+mn-ea"/>
+                          <a:cs typeface="+mn-cs"/>
+                        </a:rPr>
+                        <a:t>Rest</a:t>
+                      </a:r>
+                    </a:p>
+                  </a:txBody>
+                  <a:tcPr marL="16997" marR="16997" marT="16997" marB="16997" anchor="ctr">
+                    <a:lnL>
+                      <a:noFill/>
+                    </a:lnL>
+                    <a:lnR>
+                      <a:noFill/>
+                    </a:lnR>
+                    <a:lnT>
+                      <a:noFill/>
+                    </a:lnT>
+                    <a:lnB>
+                      <a:noFill/>
+                    </a:lnB>
+                    <a:solidFill>
+                      <a:srgbClr val="FFFFFF"/>
+                    </a:solidFill>
+                  </a:tcPr>
+                </a:tc>
+                <a:tc>
+                  <a:txBody>
+                    <a:bodyPr/>
+                    <a:lstStyle/>
+                    <a:p>
+                      <a:r>
+                        <a:rPr lang="en-GB" sz="2000" b="1" kern="1200" dirty="0">
+                          <a:solidFill>
+                            <a:srgbClr val="FF0000"/>
+                          </a:solidFill>
+                          <a:effectLst/>
+                          <a:latin typeface="+mn-lt"/>
+                          <a:ea typeface="+mn-ea"/>
+                          <a:cs typeface="+mn-cs"/>
+                        </a:rPr>
+                        <a:t>25 mins </a:t>
+                      </a:r>
+                      <a:r>
+                        <a:rPr lang="en-GB" sz="2000" kern="1200" dirty="0">
+                          <a:solidFill>
+                            <a:schemeClr val="bg1">
+                              <a:lumMod val="85000"/>
+                            </a:schemeClr>
+                          </a:solidFill>
+                          <a:effectLst/>
+                          <a:latin typeface="+mn-lt"/>
+                          <a:ea typeface="+mn-ea"/>
+                          <a:cs typeface="+mn-cs"/>
+                        </a:rPr>
+                        <a:t>jogging.</a:t>
+                      </a:r>
+                    </a:p>
+                  </a:txBody>
+                  <a:tcPr marL="16997" marR="16997" marT="16997" marB="16997" anchor="ctr">
+                    <a:lnL>
+                      <a:noFill/>
+                    </a:lnL>
+                    <a:lnR>
+                      <a:noFill/>
+                    </a:lnR>
+                    <a:lnT>
+                      <a:noFill/>
+                    </a:lnT>
+                    <a:lnB>
+                      <a:noFill/>
+                    </a:lnB>
+                    <a:solidFill>
+                      <a:srgbClr val="FFFFFF"/>
+                    </a:solidFill>
+                  </a:tcPr>
+                </a:tc>
+                <a:tc>
+                  <a:txBody>
+                    <a:bodyPr/>
+                    <a:lstStyle/>
+                    <a:p>
+                      <a:r>
+                        <a:rPr lang="en-GB" sz="2000" kern="1200" dirty="0">
+                          <a:solidFill>
+                            <a:schemeClr val="bg1">
+                              <a:lumMod val="85000"/>
+                            </a:schemeClr>
+                          </a:solidFill>
+                          <a:effectLst/>
+                          <a:latin typeface="+mn-lt"/>
+                          <a:ea typeface="+mn-ea"/>
+                          <a:cs typeface="+mn-cs"/>
+                        </a:rPr>
+                        <a:t>1 hour ramble</a:t>
+                      </a:r>
+                    </a:p>
+                  </a:txBody>
+                  <a:tcPr marL="16997" marR="16997" marT="16997" marB="16997" anchor="ctr">
+                    <a:lnL>
+                      <a:noFill/>
+                    </a:lnL>
+                    <a:lnR>
+                      <a:noFill/>
+                    </a:lnR>
+                    <a:lnT w="12700" cmpd="sng">
+                      <a:noFill/>
+                      <a:prstDash val="solid"/>
+                    </a:lnT>
+                    <a:lnB>
+                      <a:noFill/>
+                    </a:lnB>
+                    <a:lnTlToBr w="12700" cmpd="sng">
+                      <a:noFill/>
+                      <a:prstDash val="solid"/>
+                    </a:lnTlToBr>
+                    <a:lnBlToTr w="12700" cmpd="sng">
+                      <a:noFill/>
+                      <a:prstDash val="solid"/>
+                    </a:lnBlToTr>
+                    <a:solidFill>
+                      <a:srgbClr val="FFFFFF"/>
+                    </a:solidFill>
+                  </a:tcPr>
+                </a:tc>
+                <a:extLst>
+                  <a:ext uri="{0D108BD9-81ED-4DB2-BD59-A6C34878D82A}">
+                    <a16:rowId xmlns:a16="http://schemas.microsoft.com/office/drawing/2014/main" val="3579610694"/>
+                  </a:ext>
+                </a:extLst>
+              </a:tr>
+              <a:tr h="441716">
+                <a:tc>
+                  <a:txBody>
+                    <a:bodyPr/>
+                    <a:lstStyle/>
+                    <a:p>
+                      <a:r>
+                        <a:rPr lang="en-GB" sz="2800" b="1" dirty="0">
+                          <a:effectLst/>
+                        </a:rPr>
+                        <a:t>Week 2</a:t>
+                      </a:r>
+                    </a:p>
+                  </a:txBody>
+                  <a:tcPr marL="16997" marR="16997" marT="16997" marB="16997" anchor="ctr">
+                    <a:lnL>
+                      <a:noFill/>
+                    </a:lnL>
+                    <a:lnR>
+                      <a:noFill/>
+                    </a:lnR>
+                    <a:lnT>
+                      <a:noFill/>
+                    </a:lnT>
+                    <a:lnB>
+                      <a:noFill/>
+                    </a:lnB>
+                    <a:solidFill>
+                      <a:srgbClr val="EEEEEE"/>
+                    </a:solidFill>
+                  </a:tcPr>
+                </a:tc>
+                <a:tc>
+                  <a:txBody>
+                    <a:bodyPr/>
+                    <a:lstStyle/>
+                    <a:p>
+                      <a:r>
+                        <a:rPr lang="en-GB" sz="2000" kern="1200" dirty="0">
+                          <a:solidFill>
+                            <a:schemeClr val="bg1">
+                              <a:lumMod val="85000"/>
+                            </a:schemeClr>
+                          </a:solidFill>
+                          <a:effectLst/>
+                          <a:latin typeface="+mn-lt"/>
+                          <a:ea typeface="+mn-ea"/>
+                          <a:cs typeface="+mn-cs"/>
+                        </a:rPr>
+                        <a:t>25 mins jogging</a:t>
+                      </a:r>
+                    </a:p>
+                  </a:txBody>
+                  <a:tcPr marL="16997" marR="16997" marT="16997" marB="16997" anchor="ctr">
+                    <a:lnL>
+                      <a:noFill/>
+                    </a:lnL>
+                    <a:lnR>
+                      <a:noFill/>
+                    </a:lnR>
+                    <a:lnT>
+                      <a:noFill/>
+                    </a:lnT>
+                    <a:lnB>
+                      <a:noFill/>
+                    </a:lnB>
+                    <a:solidFill>
+                      <a:srgbClr val="EEEEEE"/>
+                    </a:solidFill>
+                  </a:tcPr>
+                </a:tc>
+                <a:tc>
+                  <a:txBody>
+                    <a:bodyPr/>
+                    <a:lstStyle/>
+                    <a:p>
+                      <a:pPr algn="ctr"/>
+                      <a:r>
+                        <a:rPr lang="en-GB" sz="2000" kern="1200" dirty="0">
+                          <a:solidFill>
+                            <a:schemeClr val="bg1">
+                              <a:lumMod val="85000"/>
+                            </a:schemeClr>
+                          </a:solidFill>
+                          <a:effectLst/>
+                          <a:latin typeface="+mn-lt"/>
+                          <a:ea typeface="+mn-ea"/>
+                          <a:cs typeface="+mn-cs"/>
+                        </a:rPr>
+                        <a:t>Rest</a:t>
+                      </a:r>
+                    </a:p>
+                  </a:txBody>
+                  <a:tcPr marL="16997" marR="16997" marT="16997" marB="16997" anchor="ctr">
+                    <a:lnL>
+                      <a:noFill/>
+                    </a:lnL>
+                    <a:lnR>
+                      <a:noFill/>
+                    </a:lnR>
+                    <a:lnT>
+                      <a:noFill/>
+                    </a:lnT>
+                    <a:lnB>
+                      <a:noFill/>
+                    </a:lnB>
+                    <a:solidFill>
+                      <a:srgbClr val="EEEEEE"/>
+                    </a:solidFill>
+                  </a:tcPr>
+                </a:tc>
+                <a:tc>
+                  <a:txBody>
+                    <a:bodyPr/>
+                    <a:lstStyle/>
+                    <a:p>
+                      <a:r>
+                        <a:rPr lang="en-GB" sz="2000" b="1" kern="1200" dirty="0">
+                          <a:solidFill>
+                            <a:srgbClr val="FF0000"/>
+                          </a:solidFill>
+                          <a:effectLst/>
+                          <a:latin typeface="+mn-lt"/>
+                          <a:ea typeface="+mn-ea"/>
+                          <a:cs typeface="+mn-cs"/>
+                        </a:rPr>
+                        <a:t>35 mins </a:t>
+                      </a:r>
+                      <a:r>
+                        <a:rPr lang="en-GB" sz="2000" kern="1200" dirty="0">
+                          <a:solidFill>
+                            <a:schemeClr val="bg1">
+                              <a:lumMod val="85000"/>
+                            </a:schemeClr>
+                          </a:solidFill>
+                          <a:effectLst/>
+                          <a:latin typeface="+mn-lt"/>
+                          <a:ea typeface="+mn-ea"/>
+                          <a:cs typeface="+mn-cs"/>
+                        </a:rPr>
+                        <a:t>jogging</a:t>
+                      </a:r>
+                    </a:p>
+                  </a:txBody>
+                  <a:tcPr marL="16997" marR="16997" marT="16997" marB="16997" anchor="ctr">
+                    <a:lnL>
+                      <a:noFill/>
+                    </a:lnL>
+                    <a:lnR>
+                      <a:noFill/>
+                    </a:lnR>
+                    <a:lnT>
+                      <a:noFill/>
+                    </a:lnT>
+                    <a:lnB>
+                      <a:noFill/>
+                    </a:lnB>
+                    <a:solidFill>
+                      <a:srgbClr val="EEEEEE"/>
+                    </a:solidFill>
+                  </a:tcPr>
+                </a:tc>
+                <a:tc>
+                  <a:txBody>
+                    <a:bodyPr/>
+                    <a:lstStyle/>
+                    <a:p>
+                      <a:pPr algn="ctr"/>
+                      <a:r>
+                        <a:rPr lang="en-GB" sz="2000" kern="1200" dirty="0">
+                          <a:solidFill>
+                            <a:schemeClr val="bg1">
+                              <a:lumMod val="85000"/>
+                            </a:schemeClr>
+                          </a:solidFill>
+                          <a:effectLst/>
+                          <a:latin typeface="+mn-lt"/>
+                          <a:ea typeface="+mn-ea"/>
+                          <a:cs typeface="+mn-cs"/>
+                        </a:rPr>
+                        <a:t>Rest</a:t>
+                      </a:r>
+                    </a:p>
+                  </a:txBody>
+                  <a:tcPr marL="16997" marR="16997" marT="16997" marB="16997" anchor="ctr">
+                    <a:lnL>
+                      <a:noFill/>
+                    </a:lnL>
+                    <a:lnR>
+                      <a:noFill/>
+                    </a:lnR>
+                    <a:lnT>
+                      <a:noFill/>
+                    </a:lnT>
+                    <a:lnB>
+                      <a:noFill/>
+                    </a:lnB>
+                    <a:solidFill>
+                      <a:srgbClr val="EEEEEE"/>
+                    </a:solidFill>
+                  </a:tcPr>
+                </a:tc>
+                <a:tc>
+                  <a:txBody>
+                    <a:bodyPr/>
+                    <a:lstStyle/>
+                    <a:p>
+                      <a:pPr algn="ctr"/>
+                      <a:r>
+                        <a:rPr lang="en-GB" sz="2000" kern="1200" dirty="0">
+                          <a:solidFill>
+                            <a:schemeClr val="bg1">
+                              <a:lumMod val="85000"/>
+                            </a:schemeClr>
+                          </a:solidFill>
+                          <a:effectLst/>
+                          <a:latin typeface="+mn-lt"/>
+                          <a:ea typeface="+mn-ea"/>
+                          <a:cs typeface="+mn-cs"/>
+                        </a:rPr>
+                        <a:t>Rest</a:t>
+                      </a:r>
+                    </a:p>
+                  </a:txBody>
+                  <a:tcPr marL="16997" marR="16997" marT="16997" marB="16997" anchor="ctr">
+                    <a:lnL>
+                      <a:noFill/>
+                    </a:lnL>
+                    <a:lnR>
+                      <a:noFill/>
+                    </a:lnR>
+                    <a:lnT>
+                      <a:noFill/>
+                    </a:lnT>
+                    <a:lnB>
+                      <a:noFill/>
+                    </a:lnB>
+                    <a:solidFill>
+                      <a:srgbClr val="EEEEEE"/>
+                    </a:solidFill>
+                  </a:tcPr>
+                </a:tc>
+                <a:tc>
+                  <a:txBody>
+                    <a:bodyPr/>
+                    <a:lstStyle/>
+                    <a:p>
+                      <a:r>
+                        <a:rPr lang="en-GB" sz="2000" b="1" kern="1200" dirty="0">
+                          <a:solidFill>
+                            <a:srgbClr val="FF0000"/>
+                          </a:solidFill>
+                          <a:effectLst/>
+                          <a:latin typeface="+mn-lt"/>
+                          <a:ea typeface="+mn-ea"/>
+                          <a:cs typeface="+mn-cs"/>
+                        </a:rPr>
+                        <a:t>30 mins </a:t>
+                      </a:r>
+                      <a:r>
+                        <a:rPr lang="en-GB" sz="2000" kern="1200" dirty="0">
+                          <a:solidFill>
+                            <a:schemeClr val="bg1">
+                              <a:lumMod val="85000"/>
+                            </a:schemeClr>
+                          </a:solidFill>
+                          <a:effectLst/>
+                          <a:latin typeface="+mn-lt"/>
+                          <a:ea typeface="+mn-ea"/>
+                          <a:cs typeface="+mn-cs"/>
+                        </a:rPr>
+                        <a:t>jogging</a:t>
+                      </a:r>
+                    </a:p>
+                  </a:txBody>
+                  <a:tcPr marL="16997" marR="16997" marT="16997" marB="16997" anchor="ctr">
+                    <a:lnL>
+                      <a:noFill/>
+                    </a:lnL>
+                    <a:lnR>
+                      <a:noFill/>
+                    </a:lnR>
+                    <a:lnT>
+                      <a:noFill/>
+                    </a:lnT>
+                    <a:lnB>
+                      <a:noFill/>
+                    </a:lnB>
+                    <a:solidFill>
+                      <a:srgbClr val="EEEEEE"/>
+                    </a:solidFill>
+                  </a:tcPr>
+                </a:tc>
+                <a:tc>
+                  <a:txBody>
+                    <a:bodyPr/>
+                    <a:lstStyle/>
+                    <a:p>
+                      <a:r>
+                        <a:rPr lang="en-GB" sz="2000" kern="1200" dirty="0">
+                          <a:solidFill>
+                            <a:schemeClr val="bg1">
+                              <a:lumMod val="85000"/>
+                            </a:schemeClr>
+                          </a:solidFill>
+                          <a:effectLst/>
+                          <a:latin typeface="+mn-lt"/>
+                          <a:ea typeface="+mn-ea"/>
+                          <a:cs typeface="+mn-cs"/>
+                        </a:rPr>
+                        <a:t>75-min ramble</a:t>
+                      </a:r>
+                    </a:p>
+                  </a:txBody>
+                  <a:tcPr marL="16997" marR="16997" marT="16997" marB="16997" anchor="ctr">
+                    <a:lnL>
+                      <a:noFill/>
+                    </a:lnL>
+                    <a:lnR>
+                      <a:noFill/>
+                    </a:lnR>
+                    <a:lnT>
+                      <a:noFill/>
+                    </a:lnT>
+                    <a:lnB>
+                      <a:noFill/>
+                    </a:lnB>
+                    <a:lnTlToBr w="12700" cmpd="sng">
+                      <a:noFill/>
+                      <a:prstDash val="solid"/>
+                    </a:lnTlToBr>
+                    <a:lnBlToTr w="12700" cmpd="sng">
+                      <a:noFill/>
+                      <a:prstDash val="solid"/>
+                    </a:lnBlToTr>
+                    <a:solidFill>
+                      <a:srgbClr val="EEEEEE"/>
+                    </a:solidFill>
+                  </a:tcPr>
+                </a:tc>
+                <a:extLst>
+                  <a:ext uri="{0D108BD9-81ED-4DB2-BD59-A6C34878D82A}">
+                    <a16:rowId xmlns:a16="http://schemas.microsoft.com/office/drawing/2014/main" val="74197366"/>
+                  </a:ext>
+                </a:extLst>
+              </a:tr>
+              <a:tr h="441716">
+                <a:tc>
+                  <a:txBody>
+                    <a:bodyPr/>
+                    <a:lstStyle/>
+                    <a:p>
+                      <a:r>
+                        <a:rPr lang="en-GB" sz="2800" b="1" dirty="0">
+                          <a:effectLst/>
+                        </a:rPr>
+                        <a:t>Week 3</a:t>
+                      </a:r>
+                    </a:p>
+                  </a:txBody>
+                  <a:tcPr marL="16997" marR="16997" marT="16997" marB="16997" anchor="ctr">
+                    <a:lnL>
+                      <a:noFill/>
+                    </a:lnL>
+                    <a:lnR>
+                      <a:noFill/>
+                    </a:lnR>
+                    <a:lnT>
+                      <a:noFill/>
+                    </a:lnT>
+                    <a:lnB>
+                      <a:noFill/>
+                    </a:lnB>
+                    <a:solidFill>
+                      <a:srgbClr val="FFFFFF"/>
+                    </a:solidFill>
+                  </a:tcPr>
+                </a:tc>
+                <a:tc>
+                  <a:txBody>
+                    <a:bodyPr/>
+                    <a:lstStyle/>
+                    <a:p>
+                      <a:r>
+                        <a:rPr lang="en-GB" sz="2000" kern="1200" dirty="0">
+                          <a:solidFill>
+                            <a:schemeClr val="bg1">
+                              <a:lumMod val="85000"/>
+                            </a:schemeClr>
+                          </a:solidFill>
+                          <a:effectLst/>
+                          <a:latin typeface="+mn-lt"/>
+                          <a:ea typeface="+mn-ea"/>
+                          <a:cs typeface="+mn-cs"/>
+                        </a:rPr>
+                        <a:t>30 mins jogging</a:t>
+                      </a:r>
+                    </a:p>
+                  </a:txBody>
+                  <a:tcPr marL="16997" marR="16997" marT="16997" marB="16997" anchor="ctr">
+                    <a:lnL>
+                      <a:noFill/>
+                    </a:lnL>
+                    <a:lnR>
+                      <a:noFill/>
+                    </a:lnR>
+                    <a:lnT>
+                      <a:noFill/>
+                    </a:lnT>
+                    <a:lnB>
+                      <a:noFill/>
+                    </a:lnB>
+                    <a:solidFill>
+                      <a:srgbClr val="FFFFFF"/>
+                    </a:solidFill>
+                  </a:tcPr>
+                </a:tc>
+                <a:tc>
+                  <a:txBody>
+                    <a:bodyPr/>
+                    <a:lstStyle/>
+                    <a:p>
+                      <a:pPr algn="ctr"/>
+                      <a:r>
+                        <a:rPr lang="en-GB" sz="2000" kern="1200" dirty="0">
+                          <a:solidFill>
+                            <a:schemeClr val="bg1">
+                              <a:lumMod val="85000"/>
+                            </a:schemeClr>
+                          </a:solidFill>
+                          <a:effectLst/>
+                          <a:latin typeface="+mn-lt"/>
+                          <a:ea typeface="+mn-ea"/>
+                          <a:cs typeface="+mn-cs"/>
+                        </a:rPr>
+                        <a:t>Rest</a:t>
+                      </a:r>
+                    </a:p>
+                  </a:txBody>
+                  <a:tcPr marL="16997" marR="16997" marT="16997" marB="16997" anchor="ctr">
+                    <a:lnL>
+                      <a:noFill/>
+                    </a:lnL>
+                    <a:lnR>
+                      <a:noFill/>
+                    </a:lnR>
+                    <a:lnT>
+                      <a:noFill/>
+                    </a:lnT>
+                    <a:lnB>
+                      <a:noFill/>
+                    </a:lnB>
+                    <a:solidFill>
+                      <a:srgbClr val="FFFFFF"/>
+                    </a:solidFill>
+                  </a:tcPr>
+                </a:tc>
+                <a:tc>
+                  <a:txBody>
+                    <a:bodyPr/>
+                    <a:lstStyle/>
+                    <a:p>
+                      <a:r>
+                        <a:rPr lang="en-GB" sz="2000" b="1" kern="1200" dirty="0">
+                          <a:solidFill>
+                            <a:srgbClr val="FF0000"/>
+                          </a:solidFill>
+                          <a:effectLst/>
+                          <a:latin typeface="+mn-lt"/>
+                          <a:ea typeface="+mn-ea"/>
+                          <a:cs typeface="+mn-cs"/>
+                        </a:rPr>
+                        <a:t>40 mins </a:t>
+                      </a:r>
+                      <a:r>
+                        <a:rPr lang="en-GB" sz="2000" kern="1200" dirty="0">
+                          <a:solidFill>
+                            <a:schemeClr val="bg1">
+                              <a:lumMod val="85000"/>
+                            </a:schemeClr>
+                          </a:solidFill>
+                          <a:effectLst/>
+                          <a:latin typeface="+mn-lt"/>
+                          <a:ea typeface="+mn-ea"/>
+                          <a:cs typeface="+mn-cs"/>
+                        </a:rPr>
+                        <a:t>jogging</a:t>
+                      </a:r>
+                    </a:p>
+                  </a:txBody>
+                  <a:tcPr marL="16997" marR="16997" marT="16997" marB="16997" anchor="ctr">
+                    <a:lnL>
+                      <a:noFill/>
+                    </a:lnL>
+                    <a:lnR>
+                      <a:noFill/>
+                    </a:lnR>
+                    <a:lnT>
+                      <a:noFill/>
+                    </a:lnT>
+                    <a:lnB>
+                      <a:noFill/>
+                    </a:lnB>
+                    <a:solidFill>
+                      <a:srgbClr val="FFFFFF"/>
+                    </a:solidFill>
+                  </a:tcPr>
+                </a:tc>
+                <a:tc>
+                  <a:txBody>
+                    <a:bodyPr/>
+                    <a:lstStyle/>
+                    <a:p>
+                      <a:pPr algn="ctr"/>
+                      <a:r>
+                        <a:rPr lang="en-GB" sz="2000" kern="1200" dirty="0">
+                          <a:solidFill>
+                            <a:schemeClr val="bg1">
+                              <a:lumMod val="85000"/>
+                            </a:schemeClr>
+                          </a:solidFill>
+                          <a:effectLst/>
+                          <a:latin typeface="+mn-lt"/>
+                          <a:ea typeface="+mn-ea"/>
+                          <a:cs typeface="+mn-cs"/>
+                        </a:rPr>
+                        <a:t>Rest</a:t>
+                      </a:r>
+                    </a:p>
+                  </a:txBody>
+                  <a:tcPr marL="16997" marR="16997" marT="16997" marB="16997" anchor="ctr">
+                    <a:lnL>
+                      <a:noFill/>
+                    </a:lnL>
+                    <a:lnR>
+                      <a:noFill/>
+                    </a:lnR>
+                    <a:lnT>
+                      <a:noFill/>
+                    </a:lnT>
+                    <a:lnB>
+                      <a:noFill/>
+                    </a:lnB>
+                    <a:solidFill>
+                      <a:srgbClr val="FFFFFF"/>
+                    </a:solidFill>
+                  </a:tcPr>
+                </a:tc>
+                <a:tc>
+                  <a:txBody>
+                    <a:bodyPr/>
+                    <a:lstStyle/>
+                    <a:p>
+                      <a:pPr algn="ctr"/>
+                      <a:r>
+                        <a:rPr lang="en-GB" sz="2000" kern="1200" dirty="0">
+                          <a:solidFill>
+                            <a:schemeClr val="bg1">
+                              <a:lumMod val="85000"/>
+                            </a:schemeClr>
+                          </a:solidFill>
+                          <a:effectLst/>
+                          <a:latin typeface="+mn-lt"/>
+                          <a:ea typeface="+mn-ea"/>
+                          <a:cs typeface="+mn-cs"/>
+                        </a:rPr>
+                        <a:t>Rest</a:t>
+                      </a:r>
+                    </a:p>
+                  </a:txBody>
+                  <a:tcPr marL="16997" marR="16997" marT="16997" marB="16997" anchor="ctr">
+                    <a:lnL>
+                      <a:noFill/>
+                    </a:lnL>
+                    <a:lnR>
+                      <a:noFill/>
+                    </a:lnR>
+                    <a:lnT>
+                      <a:noFill/>
+                    </a:lnT>
+                    <a:lnB>
+                      <a:noFill/>
+                    </a:lnB>
+                    <a:solidFill>
+                      <a:srgbClr val="FFFFFF"/>
+                    </a:solidFill>
+                  </a:tcPr>
+                </a:tc>
+                <a:tc>
+                  <a:txBody>
+                    <a:bodyPr/>
+                    <a:lstStyle/>
+                    <a:p>
+                      <a:r>
+                        <a:rPr lang="en-GB" sz="2000" b="1" kern="1200" dirty="0">
+                          <a:solidFill>
+                            <a:srgbClr val="FF0000"/>
+                          </a:solidFill>
+                          <a:effectLst/>
+                          <a:latin typeface="+mn-lt"/>
+                          <a:ea typeface="+mn-ea"/>
+                          <a:cs typeface="+mn-cs"/>
+                        </a:rPr>
+                        <a:t>35 mins </a:t>
+                      </a:r>
+                      <a:r>
+                        <a:rPr lang="en-GB" sz="2000" kern="1200" dirty="0">
+                          <a:solidFill>
+                            <a:schemeClr val="bg1">
+                              <a:lumMod val="85000"/>
+                            </a:schemeClr>
+                          </a:solidFill>
+                          <a:effectLst/>
+                          <a:latin typeface="+mn-lt"/>
+                          <a:ea typeface="+mn-ea"/>
+                          <a:cs typeface="+mn-cs"/>
+                        </a:rPr>
+                        <a:t>jogging</a:t>
+                      </a:r>
+                    </a:p>
+                  </a:txBody>
+                  <a:tcPr marL="16997" marR="16997" marT="16997" marB="16997" anchor="ctr">
+                    <a:lnL>
+                      <a:noFill/>
+                    </a:lnL>
+                    <a:lnR>
+                      <a:noFill/>
+                    </a:lnR>
+                    <a:lnT>
+                      <a:noFill/>
+                    </a:lnT>
+                    <a:lnB>
+                      <a:noFill/>
+                    </a:lnB>
+                    <a:solidFill>
+                      <a:srgbClr val="FFFFFF"/>
+                    </a:solidFill>
+                  </a:tcPr>
+                </a:tc>
+                <a:tc>
+                  <a:txBody>
+                    <a:bodyPr/>
+                    <a:lstStyle/>
+                    <a:p>
+                      <a:r>
+                        <a:rPr lang="en-GB" sz="2000" kern="1200" dirty="0">
+                          <a:solidFill>
+                            <a:schemeClr val="bg1">
+                              <a:lumMod val="85000"/>
+                            </a:schemeClr>
+                          </a:solidFill>
+                          <a:effectLst/>
+                          <a:latin typeface="+mn-lt"/>
+                          <a:ea typeface="+mn-ea"/>
+                          <a:cs typeface="+mn-cs"/>
+                        </a:rPr>
+                        <a:t>90-min ramble</a:t>
+                      </a:r>
+                    </a:p>
+                  </a:txBody>
+                  <a:tcPr marL="16997" marR="16997" marT="16997" marB="16997" anchor="ctr">
+                    <a:lnL>
+                      <a:noFill/>
+                    </a:lnL>
+                    <a:lnR>
+                      <a:noFill/>
+                    </a:lnR>
+                    <a:lnT>
+                      <a:noFill/>
+                    </a:lnT>
+                    <a:lnB>
+                      <a:noFill/>
+                    </a:lnB>
+                    <a:lnTlToBr w="12700" cmpd="sng">
+                      <a:noFill/>
+                      <a:prstDash val="solid"/>
+                    </a:lnTlToBr>
+                    <a:lnBlToTr w="12700" cmpd="sng">
+                      <a:noFill/>
+                      <a:prstDash val="solid"/>
+                    </a:lnBlToTr>
+                    <a:solidFill>
+                      <a:srgbClr val="FFFFFF"/>
+                    </a:solidFill>
+                  </a:tcPr>
+                </a:tc>
+                <a:extLst>
+                  <a:ext uri="{0D108BD9-81ED-4DB2-BD59-A6C34878D82A}">
+                    <a16:rowId xmlns:a16="http://schemas.microsoft.com/office/drawing/2014/main" val="2608435965"/>
+                  </a:ext>
+                </a:extLst>
+              </a:tr>
+              <a:tr h="441716">
+                <a:tc>
+                  <a:txBody>
+                    <a:bodyPr/>
+                    <a:lstStyle/>
+                    <a:p>
+                      <a:r>
+                        <a:rPr lang="en-GB" sz="2800" b="1" dirty="0">
+                          <a:effectLst/>
+                        </a:rPr>
+                        <a:t>Week 4</a:t>
+                      </a:r>
+                    </a:p>
+                  </a:txBody>
+                  <a:tcPr marL="16997" marR="16997" marT="16997" marB="16997" anchor="ctr">
+                    <a:lnL>
+                      <a:noFill/>
+                    </a:lnL>
+                    <a:lnR>
+                      <a:noFill/>
+                    </a:lnR>
+                    <a:lnT>
+                      <a:noFill/>
+                    </a:lnT>
+                    <a:lnB>
+                      <a:noFill/>
+                    </a:lnB>
+                    <a:solidFill>
+                      <a:srgbClr val="EEEEEE"/>
+                    </a:solidFill>
+                  </a:tcPr>
+                </a:tc>
+                <a:tc>
+                  <a:txBody>
+                    <a:bodyPr/>
+                    <a:lstStyle/>
+                    <a:p>
+                      <a:r>
+                        <a:rPr lang="en-GB" sz="2000" kern="1200" dirty="0">
+                          <a:solidFill>
+                            <a:schemeClr val="bg1">
+                              <a:lumMod val="85000"/>
+                            </a:schemeClr>
+                          </a:solidFill>
+                          <a:effectLst/>
+                          <a:latin typeface="+mn-lt"/>
+                          <a:ea typeface="+mn-ea"/>
+                          <a:cs typeface="+mn-cs"/>
+                        </a:rPr>
+                        <a:t>35 mins jogging</a:t>
+                      </a:r>
+                    </a:p>
+                  </a:txBody>
+                  <a:tcPr marL="16997" marR="16997" marT="16997" marB="16997" anchor="ctr">
+                    <a:lnL>
+                      <a:noFill/>
+                    </a:lnL>
+                    <a:lnR>
+                      <a:noFill/>
+                    </a:lnR>
+                    <a:lnT>
+                      <a:noFill/>
+                    </a:lnT>
+                    <a:lnB>
+                      <a:noFill/>
+                    </a:lnB>
+                    <a:solidFill>
+                      <a:srgbClr val="EEEEEE"/>
+                    </a:solidFill>
+                  </a:tcPr>
+                </a:tc>
+                <a:tc>
+                  <a:txBody>
+                    <a:bodyPr/>
+                    <a:lstStyle/>
+                    <a:p>
+                      <a:pPr algn="ctr"/>
+                      <a:r>
+                        <a:rPr lang="en-GB" sz="2000" kern="1200" dirty="0">
+                          <a:solidFill>
+                            <a:schemeClr val="bg1">
+                              <a:lumMod val="85000"/>
+                            </a:schemeClr>
+                          </a:solidFill>
+                          <a:effectLst/>
+                          <a:latin typeface="+mn-lt"/>
+                          <a:ea typeface="+mn-ea"/>
+                          <a:cs typeface="+mn-cs"/>
+                        </a:rPr>
+                        <a:t>Rest</a:t>
+                      </a:r>
+                    </a:p>
+                  </a:txBody>
+                  <a:tcPr marL="16997" marR="16997" marT="16997" marB="16997" anchor="ctr">
+                    <a:lnL>
+                      <a:noFill/>
+                    </a:lnL>
+                    <a:lnR>
+                      <a:noFill/>
+                    </a:lnR>
+                    <a:lnT>
+                      <a:noFill/>
+                    </a:lnT>
+                    <a:lnB>
+                      <a:noFill/>
+                    </a:lnB>
+                    <a:solidFill>
+                      <a:srgbClr val="EEEEEE"/>
+                    </a:solidFill>
+                  </a:tcPr>
+                </a:tc>
+                <a:tc>
+                  <a:txBody>
+                    <a:bodyPr/>
+                    <a:lstStyle/>
+                    <a:p>
+                      <a:r>
+                        <a:rPr lang="en-GB" sz="2000" b="1" kern="1200" dirty="0">
+                          <a:solidFill>
+                            <a:srgbClr val="FF0000"/>
+                          </a:solidFill>
+                          <a:effectLst/>
+                          <a:latin typeface="+mn-lt"/>
+                          <a:ea typeface="+mn-ea"/>
+                          <a:cs typeface="+mn-cs"/>
+                        </a:rPr>
+                        <a:t>45 mins </a:t>
+                      </a:r>
+                      <a:r>
+                        <a:rPr lang="en-GB" sz="2000" kern="1200" dirty="0">
+                          <a:solidFill>
+                            <a:schemeClr val="bg1">
+                              <a:lumMod val="85000"/>
+                            </a:schemeClr>
+                          </a:solidFill>
+                          <a:effectLst/>
+                          <a:latin typeface="+mn-lt"/>
+                          <a:ea typeface="+mn-ea"/>
+                          <a:cs typeface="+mn-cs"/>
+                        </a:rPr>
+                        <a:t>jogging</a:t>
+                      </a:r>
+                    </a:p>
+                  </a:txBody>
+                  <a:tcPr marL="16997" marR="16997" marT="16997" marB="16997" anchor="ctr">
+                    <a:lnL>
+                      <a:noFill/>
+                    </a:lnL>
+                    <a:lnR>
+                      <a:noFill/>
+                    </a:lnR>
+                    <a:lnT>
+                      <a:noFill/>
+                    </a:lnT>
+                    <a:lnB>
+                      <a:noFill/>
+                    </a:lnB>
+                    <a:solidFill>
+                      <a:srgbClr val="EEEEEE"/>
+                    </a:solidFill>
+                  </a:tcPr>
+                </a:tc>
+                <a:tc>
+                  <a:txBody>
+                    <a:bodyPr/>
+                    <a:lstStyle/>
+                    <a:p>
+                      <a:pPr algn="ctr"/>
+                      <a:r>
+                        <a:rPr lang="en-GB" sz="2000" kern="1200" dirty="0">
+                          <a:solidFill>
+                            <a:schemeClr val="bg1">
+                              <a:lumMod val="85000"/>
+                            </a:schemeClr>
+                          </a:solidFill>
+                          <a:effectLst/>
+                          <a:latin typeface="+mn-lt"/>
+                          <a:ea typeface="+mn-ea"/>
+                          <a:cs typeface="+mn-cs"/>
+                        </a:rPr>
+                        <a:t>Rest</a:t>
+                      </a:r>
+                    </a:p>
+                  </a:txBody>
+                  <a:tcPr marL="16997" marR="16997" marT="16997" marB="16997" anchor="ctr">
+                    <a:lnL>
+                      <a:noFill/>
+                    </a:lnL>
+                    <a:lnR>
+                      <a:noFill/>
+                    </a:lnR>
+                    <a:lnT>
+                      <a:noFill/>
+                    </a:lnT>
+                    <a:lnB>
+                      <a:noFill/>
+                    </a:lnB>
+                    <a:solidFill>
+                      <a:srgbClr val="EEEEEE"/>
+                    </a:solidFill>
+                  </a:tcPr>
+                </a:tc>
+                <a:tc>
+                  <a:txBody>
+                    <a:bodyPr/>
+                    <a:lstStyle/>
+                    <a:p>
+                      <a:pPr algn="ctr"/>
+                      <a:r>
+                        <a:rPr lang="en-GB" sz="2000" kern="1200" dirty="0">
+                          <a:solidFill>
+                            <a:schemeClr val="bg1">
+                              <a:lumMod val="85000"/>
+                            </a:schemeClr>
+                          </a:solidFill>
+                          <a:effectLst/>
+                          <a:latin typeface="+mn-lt"/>
+                          <a:ea typeface="+mn-ea"/>
+                          <a:cs typeface="+mn-cs"/>
+                        </a:rPr>
+                        <a:t>Rest</a:t>
+                      </a:r>
+                    </a:p>
+                  </a:txBody>
+                  <a:tcPr marL="16997" marR="16997" marT="16997" marB="16997" anchor="ctr">
+                    <a:lnL>
+                      <a:noFill/>
+                    </a:lnL>
+                    <a:lnR>
+                      <a:noFill/>
+                    </a:lnR>
+                    <a:lnT>
+                      <a:noFill/>
+                    </a:lnT>
+                    <a:lnB>
+                      <a:noFill/>
+                    </a:lnB>
+                    <a:solidFill>
+                      <a:srgbClr val="EEEEEE"/>
+                    </a:solidFill>
+                  </a:tcPr>
+                </a:tc>
+                <a:tc>
+                  <a:txBody>
+                    <a:bodyPr/>
+                    <a:lstStyle/>
+                    <a:p>
+                      <a:r>
+                        <a:rPr lang="en-GB" sz="2000" b="1" kern="1200" dirty="0">
+                          <a:solidFill>
+                            <a:srgbClr val="FF0000"/>
+                          </a:solidFill>
+                          <a:effectLst/>
+                          <a:latin typeface="+mn-lt"/>
+                          <a:ea typeface="+mn-ea"/>
+                          <a:cs typeface="+mn-cs"/>
+                        </a:rPr>
+                        <a:t>35 mins </a:t>
+                      </a:r>
+                      <a:r>
+                        <a:rPr lang="en-GB" sz="2000" kern="1200" dirty="0">
+                          <a:solidFill>
+                            <a:schemeClr val="bg1">
+                              <a:lumMod val="85000"/>
+                            </a:schemeClr>
+                          </a:solidFill>
+                          <a:effectLst/>
+                          <a:latin typeface="+mn-lt"/>
+                          <a:ea typeface="+mn-ea"/>
+                          <a:cs typeface="+mn-cs"/>
+                        </a:rPr>
+                        <a:t>jogging</a:t>
+                      </a:r>
+                    </a:p>
+                  </a:txBody>
+                  <a:tcPr marL="16997" marR="16997" marT="16997" marB="16997" anchor="ctr">
+                    <a:lnL>
+                      <a:noFill/>
+                    </a:lnL>
+                    <a:lnR>
+                      <a:noFill/>
+                    </a:lnR>
+                    <a:lnT>
+                      <a:noFill/>
+                    </a:lnT>
+                    <a:lnB>
+                      <a:noFill/>
+                    </a:lnB>
+                    <a:solidFill>
+                      <a:srgbClr val="EEEEEE"/>
+                    </a:solidFill>
+                  </a:tcPr>
+                </a:tc>
+                <a:tc>
+                  <a:txBody>
+                    <a:bodyPr/>
+                    <a:lstStyle/>
+                    <a:p>
+                      <a:r>
+                        <a:rPr lang="en-GB" sz="2000" kern="1200" dirty="0">
+                          <a:solidFill>
+                            <a:schemeClr val="bg1">
+                              <a:lumMod val="85000"/>
+                            </a:schemeClr>
+                          </a:solidFill>
+                          <a:effectLst/>
+                          <a:latin typeface="+mn-lt"/>
+                          <a:ea typeface="+mn-ea"/>
+                          <a:cs typeface="+mn-cs"/>
+                        </a:rPr>
+                        <a:t>1 hr jogging and walking.</a:t>
+                      </a:r>
+                    </a:p>
+                  </a:txBody>
+                  <a:tcPr marL="16997" marR="16997" marT="16997" marB="16997" anchor="ctr">
+                    <a:lnL>
+                      <a:noFill/>
+                    </a:lnL>
+                    <a:lnR>
+                      <a:noFill/>
+                    </a:lnR>
+                    <a:lnT>
+                      <a:noFill/>
+                    </a:lnT>
+                    <a:lnB>
+                      <a:noFill/>
+                    </a:lnB>
+                    <a:lnTlToBr w="12700" cmpd="sng">
+                      <a:noFill/>
+                      <a:prstDash val="solid"/>
+                    </a:lnTlToBr>
+                    <a:lnBlToTr w="12700" cmpd="sng">
+                      <a:noFill/>
+                      <a:prstDash val="solid"/>
+                    </a:lnBlToTr>
+                    <a:solidFill>
+                      <a:srgbClr val="EEEEEE"/>
+                    </a:solidFill>
+                  </a:tcPr>
+                </a:tc>
+                <a:extLst>
+                  <a:ext uri="{0D108BD9-81ED-4DB2-BD59-A6C34878D82A}">
+                    <a16:rowId xmlns:a16="http://schemas.microsoft.com/office/drawing/2014/main" val="2028427573"/>
+                  </a:ext>
+                </a:extLst>
+              </a:tr>
+              <a:tr h="641738">
+                <a:tc>
+                  <a:txBody>
+                    <a:bodyPr/>
+                    <a:lstStyle/>
+                    <a:p>
+                      <a:r>
+                        <a:rPr lang="en-GB" sz="2800" b="1" dirty="0">
+                          <a:effectLst/>
+                        </a:rPr>
+                        <a:t>Week 5</a:t>
+                      </a:r>
+                    </a:p>
+                  </a:txBody>
+                  <a:tcPr marL="16997" marR="16997" marT="16997" marB="16997" anchor="ctr">
+                    <a:lnL>
+                      <a:noFill/>
+                    </a:lnL>
+                    <a:lnR>
+                      <a:noFill/>
+                    </a:lnR>
+                    <a:lnT>
+                      <a:noFill/>
+                    </a:lnT>
+                    <a:lnB>
+                      <a:noFill/>
+                    </a:lnB>
+                    <a:solidFill>
+                      <a:srgbClr val="FFFFFF"/>
+                    </a:solidFill>
+                  </a:tcPr>
+                </a:tc>
+                <a:tc>
+                  <a:txBody>
+                    <a:bodyPr/>
+                    <a:lstStyle/>
+                    <a:p>
+                      <a:r>
+                        <a:rPr lang="en-GB" sz="2000" kern="1200" dirty="0">
+                          <a:solidFill>
+                            <a:schemeClr val="bg1">
+                              <a:lumMod val="85000"/>
+                            </a:schemeClr>
+                          </a:solidFill>
+                          <a:effectLst/>
+                          <a:latin typeface="+mn-lt"/>
+                          <a:ea typeface="+mn-ea"/>
+                          <a:cs typeface="+mn-cs"/>
+                        </a:rPr>
+                        <a:t>20-min run</a:t>
+                      </a:r>
+                    </a:p>
+                  </a:txBody>
+                  <a:tcPr marL="16997" marR="16997" marT="16997" marB="16997" anchor="ctr">
+                    <a:lnL>
+                      <a:noFill/>
+                    </a:lnL>
+                    <a:lnR>
+                      <a:noFill/>
+                    </a:lnR>
+                    <a:lnT>
+                      <a:noFill/>
+                    </a:lnT>
+                    <a:lnB>
+                      <a:noFill/>
+                    </a:lnB>
+                    <a:solidFill>
+                      <a:srgbClr val="FFFFFF"/>
+                    </a:solidFill>
+                  </a:tcPr>
+                </a:tc>
+                <a:tc>
+                  <a:txBody>
+                    <a:bodyPr/>
+                    <a:lstStyle/>
+                    <a:p>
+                      <a:pPr algn="ctr"/>
+                      <a:r>
+                        <a:rPr lang="en-GB" sz="2000" kern="1200" dirty="0">
+                          <a:solidFill>
+                            <a:schemeClr val="bg1">
+                              <a:lumMod val="85000"/>
+                            </a:schemeClr>
+                          </a:solidFill>
+                          <a:effectLst/>
+                          <a:latin typeface="+mn-lt"/>
+                          <a:ea typeface="+mn-ea"/>
+                          <a:cs typeface="+mn-cs"/>
+                        </a:rPr>
+                        <a:t>Rest</a:t>
+                      </a:r>
+                    </a:p>
+                  </a:txBody>
+                  <a:tcPr marL="16997" marR="16997" marT="16997" marB="16997" anchor="ctr">
+                    <a:lnL>
+                      <a:noFill/>
+                    </a:lnL>
+                    <a:lnR>
+                      <a:noFill/>
+                    </a:lnR>
+                    <a:lnT>
+                      <a:noFill/>
+                    </a:lnT>
+                    <a:lnB>
+                      <a:noFill/>
+                    </a:lnB>
+                    <a:solidFill>
+                      <a:srgbClr val="FFFFFF"/>
+                    </a:solidFill>
+                  </a:tcPr>
+                </a:tc>
+                <a:tc>
+                  <a:txBody>
+                    <a:bodyPr/>
+                    <a:lstStyle/>
+                    <a:p>
+                      <a:r>
+                        <a:rPr lang="en-GB" sz="2000" b="1" kern="1200" dirty="0">
+                          <a:solidFill>
+                            <a:srgbClr val="FF0000"/>
+                          </a:solidFill>
+                          <a:effectLst/>
+                          <a:latin typeface="+mn-lt"/>
+                          <a:ea typeface="+mn-ea"/>
+                          <a:cs typeface="+mn-cs"/>
+                        </a:rPr>
+                        <a:t>50 mins </a:t>
+                      </a:r>
+                      <a:r>
+                        <a:rPr lang="en-GB" sz="2000" kern="1200" dirty="0">
+                          <a:solidFill>
+                            <a:schemeClr val="bg1">
+                              <a:lumMod val="85000"/>
+                            </a:schemeClr>
+                          </a:solidFill>
+                          <a:effectLst/>
+                          <a:latin typeface="+mn-lt"/>
+                          <a:ea typeface="+mn-ea"/>
+                          <a:cs typeface="+mn-cs"/>
+                        </a:rPr>
+                        <a:t>jogging</a:t>
+                      </a:r>
+                    </a:p>
+                  </a:txBody>
+                  <a:tcPr marL="16997" marR="16997" marT="16997" marB="16997" anchor="ctr">
+                    <a:lnL>
+                      <a:noFill/>
+                    </a:lnL>
+                    <a:lnR>
+                      <a:noFill/>
+                    </a:lnR>
+                    <a:lnT>
+                      <a:noFill/>
+                    </a:lnT>
+                    <a:lnB>
+                      <a:noFill/>
+                    </a:lnB>
+                    <a:solidFill>
+                      <a:srgbClr val="FFFFFF"/>
+                    </a:solidFill>
+                  </a:tcPr>
+                </a:tc>
+                <a:tc>
+                  <a:txBody>
+                    <a:bodyPr/>
+                    <a:lstStyle/>
+                    <a:p>
+                      <a:pPr algn="ctr"/>
+                      <a:r>
+                        <a:rPr lang="en-GB" sz="2000" kern="1200" dirty="0">
+                          <a:solidFill>
+                            <a:schemeClr val="bg1">
+                              <a:lumMod val="85000"/>
+                            </a:schemeClr>
+                          </a:solidFill>
+                          <a:effectLst/>
+                          <a:latin typeface="+mn-lt"/>
+                          <a:ea typeface="+mn-ea"/>
+                          <a:cs typeface="+mn-cs"/>
+                        </a:rPr>
+                        <a:t>Rest</a:t>
+                      </a:r>
+                    </a:p>
+                  </a:txBody>
+                  <a:tcPr marL="16997" marR="16997" marT="16997" marB="16997" anchor="ctr">
+                    <a:lnL>
+                      <a:noFill/>
+                    </a:lnL>
+                    <a:lnR>
+                      <a:noFill/>
+                    </a:lnR>
+                    <a:lnT>
+                      <a:noFill/>
+                    </a:lnT>
+                    <a:lnB>
+                      <a:noFill/>
+                    </a:lnB>
+                    <a:solidFill>
+                      <a:srgbClr val="FFFFFF"/>
+                    </a:solidFill>
+                  </a:tcPr>
+                </a:tc>
+                <a:tc>
+                  <a:txBody>
+                    <a:bodyPr/>
+                    <a:lstStyle/>
+                    <a:p>
+                      <a:pPr algn="ctr"/>
+                      <a:r>
+                        <a:rPr lang="en-GB" sz="2000" kern="1200" dirty="0">
+                          <a:solidFill>
+                            <a:schemeClr val="bg1">
+                              <a:lumMod val="85000"/>
+                            </a:schemeClr>
+                          </a:solidFill>
+                          <a:effectLst/>
+                          <a:latin typeface="+mn-lt"/>
+                          <a:ea typeface="+mn-ea"/>
+                          <a:cs typeface="+mn-cs"/>
+                        </a:rPr>
+                        <a:t>Rest</a:t>
+                      </a:r>
+                    </a:p>
+                  </a:txBody>
+                  <a:tcPr marL="16997" marR="16997" marT="16997" marB="16997" anchor="ctr">
+                    <a:lnL>
+                      <a:noFill/>
+                    </a:lnL>
+                    <a:lnR>
+                      <a:noFill/>
+                    </a:lnR>
+                    <a:lnT>
+                      <a:noFill/>
+                    </a:lnT>
+                    <a:lnB>
+                      <a:noFill/>
+                    </a:lnB>
+                    <a:solidFill>
+                      <a:srgbClr val="FFFFFF"/>
+                    </a:solidFill>
+                  </a:tcPr>
+                </a:tc>
+                <a:tc>
+                  <a:txBody>
+                    <a:bodyPr/>
+                    <a:lstStyle/>
+                    <a:p>
+                      <a:r>
+                        <a:rPr lang="en-GB" sz="2000" kern="1200" dirty="0">
+                          <a:solidFill>
+                            <a:schemeClr val="bg1">
+                              <a:lumMod val="85000"/>
+                            </a:schemeClr>
+                          </a:solidFill>
+                          <a:effectLst/>
+                          <a:latin typeface="+mn-lt"/>
+                          <a:ea typeface="+mn-ea"/>
+                          <a:cs typeface="+mn-cs"/>
+                        </a:rPr>
+                        <a:t>Timed run over a 2M course</a:t>
+                      </a:r>
+                    </a:p>
+                  </a:txBody>
+                  <a:tcPr marL="16997" marR="16997" marT="16997" marB="16997" anchor="ctr">
+                    <a:lnL>
+                      <a:noFill/>
+                    </a:lnL>
+                    <a:lnR>
+                      <a:noFill/>
+                    </a:lnR>
+                    <a:lnT>
+                      <a:noFill/>
+                    </a:lnT>
+                    <a:lnB>
+                      <a:noFill/>
+                    </a:lnB>
+                    <a:solidFill>
+                      <a:srgbClr val="FFFFFF"/>
+                    </a:solidFill>
+                  </a:tcPr>
+                </a:tc>
+                <a:tc>
+                  <a:txBody>
+                    <a:bodyPr/>
+                    <a:lstStyle/>
+                    <a:p>
+                      <a:r>
+                        <a:rPr lang="en-GB" sz="2000" kern="1200" dirty="0">
+                          <a:solidFill>
+                            <a:schemeClr val="bg1">
+                              <a:lumMod val="85000"/>
+                            </a:schemeClr>
+                          </a:solidFill>
+                          <a:effectLst/>
+                          <a:latin typeface="+mn-lt"/>
+                          <a:ea typeface="+mn-ea"/>
+                          <a:cs typeface="+mn-cs"/>
+                        </a:rPr>
+                        <a:t>90-min ramble, or run in a 10K road race</a:t>
+                      </a:r>
+                    </a:p>
+                  </a:txBody>
+                  <a:tcPr marL="16997" marR="16997" marT="16997" marB="16997" anchor="ctr">
+                    <a:lnL>
+                      <a:noFill/>
+                    </a:lnL>
+                    <a:lnR>
+                      <a:noFill/>
+                    </a:lnR>
+                    <a:lnT>
+                      <a:noFill/>
+                    </a:lnT>
+                    <a:lnB>
+                      <a:noFill/>
+                    </a:lnB>
+                    <a:lnTlToBr w="12700" cmpd="sng">
+                      <a:noFill/>
+                      <a:prstDash val="solid"/>
+                    </a:lnTlToBr>
+                    <a:lnBlToTr w="12700" cmpd="sng">
+                      <a:noFill/>
+                      <a:prstDash val="solid"/>
+                    </a:lnBlToTr>
+                    <a:solidFill>
+                      <a:srgbClr val="FFFFFF"/>
+                    </a:solidFill>
+                  </a:tcPr>
+                </a:tc>
+                <a:extLst>
+                  <a:ext uri="{0D108BD9-81ED-4DB2-BD59-A6C34878D82A}">
+                    <a16:rowId xmlns:a16="http://schemas.microsoft.com/office/drawing/2014/main" val="659567723"/>
+                  </a:ext>
+                </a:extLst>
+              </a:tr>
+            </a:tbl>
+          </a:graphicData>
+        </a:graphic>
+      </p:graphicFrame>
     </p:spTree>
     <p:extLst>
       <p:ext uri="{BB962C8B-B14F-4D97-AF65-F5344CB8AC3E}">
-        <p14:creationId xmlns:p14="http://schemas.microsoft.com/office/powerpoint/2010/main" val="1201384947"/>
+        <p14:creationId xmlns:p14="http://schemas.microsoft.com/office/powerpoint/2010/main" val="1554356410"/>
       </p:ext>
     </p:extLst>
   </p:cSld>
@@ -9814,8 +11313,8 @@
         </p:nvSpPr>
         <p:spPr>
           <a:xfrm>
-            <a:off x="838200" y="365125"/>
-            <a:ext cx="10515600" cy="1812018"/>
+            <a:off x="784860" y="355500"/>
+            <a:ext cx="10622280" cy="1812018"/>
           </a:xfrm>
         </p:spPr>
         <p:txBody>
@@ -9826,7 +11325,15 @@
           <a:p>
             <a:r>
               <a:rPr lang="en-GB" dirty="0"/>
-              <a:t>Structure content to allow learners space to absorb the concepts …</a:t>
+              <a:t>A</a:t>
+            </a:r>
+            <a:r>
+              <a:rPr lang="en-GB"/>
+              <a:t>llow </a:t>
+            </a:r>
+            <a:r>
+              <a:rPr lang="en-GB" dirty="0"/>
+              <a:t>learners time to assimilate what you've taught and prepare for the next topic …</a:t>
             </a:r>
           </a:p>
         </p:txBody>
@@ -9844,11 +11351,7 @@
             <a:graphicFrameLocks noGrp="1"/>
           </p:cNvGraphicFramePr>
           <p:nvPr>
-            <p:extLst>
-              <p:ext uri="{D42A27DB-BD31-4B8C-83A1-F6EECF244321}">
-                <p14:modId xmlns:p14="http://schemas.microsoft.com/office/powerpoint/2010/main" val="3076730656"/>
-              </p:ext>
-            </p:extLst>
+            <p:extLst/>
           </p:nvPr>
         </p:nvGraphicFramePr>
         <p:xfrm>
@@ -11400,7 +12903,7 @@
     </p:spTree>
     <p:extLst>
       <p:ext uri="{BB962C8B-B14F-4D97-AF65-F5344CB8AC3E}">
-        <p14:creationId xmlns:p14="http://schemas.microsoft.com/office/powerpoint/2010/main" val="824500660"/>
+        <p14:creationId xmlns:p14="http://schemas.microsoft.com/office/powerpoint/2010/main" val="4210869213"/>
       </p:ext>
     </p:extLst>
   </p:cSld>

--- a/Learn to teach_MikeKSmith.pptx
+++ b/Learn to teach_MikeKSmith.pptx
@@ -5,7 +5,7 @@
     <p:sldMasterId id="2147483648" r:id="rId1"/>
   </p:sldMasterIdLst>
   <p:notesMasterIdLst>
-    <p:notesMasterId r:id="rId18"/>
+    <p:notesMasterId r:id="rId19"/>
   </p:notesMasterIdLst>
   <p:sldIdLst>
     <p:sldId id="256" r:id="rId2"/>
@@ -19,11 +19,12 @@
     <p:sldId id="520" r:id="rId10"/>
     <p:sldId id="515" r:id="rId11"/>
     <p:sldId id="510" r:id="rId12"/>
-    <p:sldId id="513" r:id="rId13"/>
-    <p:sldId id="503" r:id="rId14"/>
+    <p:sldId id="503" r:id="rId13"/>
+    <p:sldId id="522" r:id="rId14"/>
     <p:sldId id="494" r:id="rId15"/>
-    <p:sldId id="277" r:id="rId16"/>
-    <p:sldId id="514" r:id="rId17"/>
+    <p:sldId id="523" r:id="rId16"/>
+    <p:sldId id="277" r:id="rId17"/>
+    <p:sldId id="514" r:id="rId18"/>
   </p:sldIdLst>
   <p:sldSz cx="12192000" cy="6858000"/>
   <p:notesSz cx="6858000" cy="9144000"/>
@@ -136,7 +137,7 @@
 <file path=ppt/revisionInfo.xml><?xml version="1.0" encoding="utf-8"?>
 <p1510:revInfo xmlns:a="http://schemas.openxmlformats.org/drawingml/2006/main" xmlns:r="http://schemas.openxmlformats.org/officeDocument/2006/relationships" xmlns:p1510="http://schemas.microsoft.com/office/powerpoint/2015/10/main">
   <p1510:revLst>
-    <p1510:client id="{8978A891-ACFB-4E20-9E9B-72DCE817AE23}" v="12" dt="2020-01-13T14:57:45.568"/>
+    <p1510:client id="{8978A891-ACFB-4E20-9E9B-72DCE817AE23}" v="15" dt="2020-01-27T14:43:00.724"/>
   </p1510:revLst>
 </p1510:revInfo>
 </file>
@@ -146,7 +147,7 @@
   <pc:docChgLst>
     <pc:chgData name="Smith, Mike K" userId="fd68b96f-d6bb-4c79-994a-7859c22e374b" providerId="ADAL" clId="{8978A891-ACFB-4E20-9E9B-72DCE817AE23}"/>
     <pc:docChg chg="custSel addSld modSld">
-      <pc:chgData name="Smith, Mike K" userId="fd68b96f-d6bb-4c79-994a-7859c22e374b" providerId="ADAL" clId="{8978A891-ACFB-4E20-9E9B-72DCE817AE23}" dt="2020-01-13T14:59:18.553" v="554" actId="20577"/>
+      <pc:chgData name="Smith, Mike K" userId="fd68b96f-d6bb-4c79-994a-7859c22e374b" providerId="ADAL" clId="{8978A891-ACFB-4E20-9E9B-72DCE817AE23}" dt="2020-01-27T14:43:00.722" v="557"/>
       <pc:docMkLst>
         <pc:docMk/>
       </pc:docMkLst>
@@ -203,6 +204,27 @@
           </ac:graphicFrameMkLst>
         </pc:graphicFrameChg>
       </pc:sldChg>
+      <pc:sldChg chg="add">
+        <pc:chgData name="Smith, Mike K" userId="fd68b96f-d6bb-4c79-994a-7859c22e374b" providerId="ADAL" clId="{8978A891-ACFB-4E20-9E9B-72DCE817AE23}" dt="2020-01-27T14:41:58.241" v="555"/>
+        <pc:sldMkLst>
+          <pc:docMk/>
+          <pc:sldMk cId="494997490" sldId="522"/>
+        </pc:sldMkLst>
+      </pc:sldChg>
+      <pc:sldChg chg="add">
+        <pc:chgData name="Smith, Mike K" userId="fd68b96f-d6bb-4c79-994a-7859c22e374b" providerId="ADAL" clId="{8978A891-ACFB-4E20-9E9B-72DCE817AE23}" dt="2020-01-27T14:42:27.324" v="556"/>
+        <pc:sldMkLst>
+          <pc:docMk/>
+          <pc:sldMk cId="2450957856" sldId="522"/>
+        </pc:sldMkLst>
+      </pc:sldChg>
+      <pc:sldChg chg="add">
+        <pc:chgData name="Smith, Mike K" userId="fd68b96f-d6bb-4c79-994a-7859c22e374b" providerId="ADAL" clId="{8978A891-ACFB-4E20-9E9B-72DCE817AE23}" dt="2020-01-27T14:43:00.722" v="557"/>
+        <pc:sldMkLst>
+          <pc:docMk/>
+          <pc:sldMk cId="721320504" sldId="523"/>
+        </pc:sldMkLst>
+      </pc:sldChg>
     </pc:docChg>
   </pc:docChgLst>
 </pc:chgInfo>
@@ -290,7 +312,7 @@
           <a:p>
             <a:fld id="{9D62F800-1419-438B-96D0-791D66092393}" type="datetimeFigureOut">
               <a:rPr lang="en-GB" smtClean="0"/>
-              <a:t>13/01/2020</a:t>
+              <a:t>27/01/2020</a:t>
             </a:fld>
             <a:endParaRPr lang="en-GB"/>
           </a:p>
@@ -688,7 +710,7 @@
           <a:p>
             <a:r>
               <a:rPr lang="en-GB" dirty="0"/>
-              <a:t>Doing too much in one training session can lead to overload, burn out and injury (either to your learners or to yourself when they react badly to the session!)</a:t>
+              <a:t>Don't forget what it's like to approach topics from first principles.</a:t>
             </a:r>
           </a:p>
         </p:txBody>
@@ -719,7 +741,7 @@
     </p:spTree>
     <p:extLst>
       <p:ext uri="{BB962C8B-B14F-4D97-AF65-F5344CB8AC3E}">
-        <p14:creationId xmlns:p14="http://schemas.microsoft.com/office/powerpoint/2010/main" val="510455010"/>
+        <p14:creationId xmlns:p14="http://schemas.microsoft.com/office/powerpoint/2010/main" val="1786379844"/>
       </p:ext>
     </p:extLst>
   </p:cSld>
@@ -806,7 +828,7 @@
     </p:spTree>
     <p:extLst>
       <p:ext uri="{BB962C8B-B14F-4D97-AF65-F5344CB8AC3E}">
-        <p14:creationId xmlns:p14="http://schemas.microsoft.com/office/powerpoint/2010/main" val="1786379844"/>
+        <p14:creationId xmlns:p14="http://schemas.microsoft.com/office/powerpoint/2010/main" val="1175696235"/>
       </p:ext>
     </p:extLst>
   </p:cSld>
@@ -965,7 +987,91 @@
           <a:p>
             <a:fld id="{B60CA314-A09D-430B-B8BD-3F5B4A929A38}" type="slidenum">
               <a:rPr lang="en-GB" smtClean="0"/>
-              <a:t>16</a:t>
+              <a:t>15</a:t>
+            </a:fld>
+            <a:endParaRPr lang="en-GB"/>
+          </a:p>
+        </p:txBody>
+      </p:sp>
+    </p:spTree>
+    <p:extLst>
+      <p:ext uri="{BB962C8B-B14F-4D97-AF65-F5344CB8AC3E}">
+        <p14:creationId xmlns:p14="http://schemas.microsoft.com/office/powerpoint/2010/main" val="705131103"/>
+      </p:ext>
+    </p:extLst>
+  </p:cSld>
+  <p:clrMapOvr>
+    <a:masterClrMapping/>
+  </p:clrMapOvr>
+</p:notes>
+</file>
+
+<file path=ppt/notesSlides/notesSlide14.xml><?xml version="1.0" encoding="utf-8"?>
+<p:notes xmlns:a="http://schemas.openxmlformats.org/drawingml/2006/main" xmlns:r="http://schemas.openxmlformats.org/officeDocument/2006/relationships" xmlns:p="http://schemas.openxmlformats.org/presentationml/2006/main">
+  <p:cSld>
+    <p:spTree>
+      <p:nvGrpSpPr>
+        <p:cNvPr id="1" name=""/>
+        <p:cNvGrpSpPr/>
+        <p:nvPr/>
+      </p:nvGrpSpPr>
+      <p:grpSpPr>
+        <a:xfrm>
+          <a:off x="0" y="0"/>
+          <a:ext cx="0" cy="0"/>
+          <a:chOff x="0" y="0"/>
+          <a:chExt cx="0" cy="0"/>
+        </a:xfrm>
+      </p:grpSpPr>
+      <p:sp>
+        <p:nvSpPr>
+          <p:cNvPr id="2" name="Slide Image Placeholder 1"/>
+          <p:cNvSpPr>
+            <a:spLocks noGrp="1" noRot="1" noChangeAspect="1"/>
+          </p:cNvSpPr>
+          <p:nvPr>
+            <p:ph type="sldImg"/>
+          </p:nvPr>
+        </p:nvSpPr>
+        <p:spPr/>
+      </p:sp>
+      <p:sp>
+        <p:nvSpPr>
+          <p:cNvPr id="3" name="Notes Placeholder 2"/>
+          <p:cNvSpPr>
+            <a:spLocks noGrp="1"/>
+          </p:cNvSpPr>
+          <p:nvPr>
+            <p:ph type="body" idx="1"/>
+          </p:nvPr>
+        </p:nvSpPr>
+        <p:spPr/>
+        <p:txBody>
+          <a:bodyPr/>
+          <a:lstStyle/>
+          <a:p>
+            <a:endParaRPr lang="en-GB" dirty="0"/>
+          </a:p>
+        </p:txBody>
+      </p:sp>
+      <p:sp>
+        <p:nvSpPr>
+          <p:cNvPr id="4" name="Slide Number Placeholder 3"/>
+          <p:cNvSpPr>
+            <a:spLocks noGrp="1"/>
+          </p:cNvSpPr>
+          <p:nvPr>
+            <p:ph type="sldNum" sz="quarter" idx="5"/>
+          </p:nvPr>
+        </p:nvSpPr>
+        <p:spPr/>
+        <p:txBody>
+          <a:bodyPr/>
+          <a:lstStyle/>
+          <a:p>
+            <a:fld id="{B60CA314-A09D-430B-B8BD-3F5B4A929A38}" type="slidenum">
+              <a:rPr lang="en-GB" smtClean="0"/>
+              <a:t>17</a:t>
             </a:fld>
             <a:endParaRPr lang="en-GB"/>
           </a:p>
@@ -1829,7 +1935,7 @@
           <a:p>
             <a:fld id="{A2A003D7-24A3-4DE2-8BAD-93DC5C5E8607}" type="datetimeFigureOut">
               <a:rPr lang="en-GB" smtClean="0"/>
-              <a:t>13/01/2020</a:t>
+              <a:t>27/01/2020</a:t>
             </a:fld>
             <a:endParaRPr lang="en-GB"/>
           </a:p>
@@ -2029,7 +2135,7 @@
           <a:p>
             <a:fld id="{A2A003D7-24A3-4DE2-8BAD-93DC5C5E8607}" type="datetimeFigureOut">
               <a:rPr lang="en-GB" smtClean="0"/>
-              <a:t>13/01/2020</a:t>
+              <a:t>27/01/2020</a:t>
             </a:fld>
             <a:endParaRPr lang="en-GB"/>
           </a:p>
@@ -2239,7 +2345,7 @@
           <a:p>
             <a:fld id="{A2A003D7-24A3-4DE2-8BAD-93DC5C5E8607}" type="datetimeFigureOut">
               <a:rPr lang="en-GB" smtClean="0"/>
-              <a:t>13/01/2020</a:t>
+              <a:t>27/01/2020</a:t>
             </a:fld>
             <a:endParaRPr lang="en-GB"/>
           </a:p>
@@ -2439,7 +2545,7 @@
           <a:p>
             <a:fld id="{A2A003D7-24A3-4DE2-8BAD-93DC5C5E8607}" type="datetimeFigureOut">
               <a:rPr lang="en-GB" smtClean="0"/>
-              <a:t>13/01/2020</a:t>
+              <a:t>27/01/2020</a:t>
             </a:fld>
             <a:endParaRPr lang="en-GB"/>
           </a:p>
@@ -2715,7 +2821,7 @@
           <a:p>
             <a:fld id="{A2A003D7-24A3-4DE2-8BAD-93DC5C5E8607}" type="datetimeFigureOut">
               <a:rPr lang="en-GB" smtClean="0"/>
-              <a:t>13/01/2020</a:t>
+              <a:t>27/01/2020</a:t>
             </a:fld>
             <a:endParaRPr lang="en-GB"/>
           </a:p>
@@ -2983,7 +3089,7 @@
           <a:p>
             <a:fld id="{A2A003D7-24A3-4DE2-8BAD-93DC5C5E8607}" type="datetimeFigureOut">
               <a:rPr lang="en-GB" smtClean="0"/>
-              <a:t>13/01/2020</a:t>
+              <a:t>27/01/2020</a:t>
             </a:fld>
             <a:endParaRPr lang="en-GB"/>
           </a:p>
@@ -3398,7 +3504,7 @@
           <a:p>
             <a:fld id="{A2A003D7-24A3-4DE2-8BAD-93DC5C5E8607}" type="datetimeFigureOut">
               <a:rPr lang="en-GB" smtClean="0"/>
-              <a:t>13/01/2020</a:t>
+              <a:t>27/01/2020</a:t>
             </a:fld>
             <a:endParaRPr lang="en-GB"/>
           </a:p>
@@ -3540,7 +3646,7 @@
           <a:p>
             <a:fld id="{A2A003D7-24A3-4DE2-8BAD-93DC5C5E8607}" type="datetimeFigureOut">
               <a:rPr lang="en-GB" smtClean="0"/>
-              <a:t>13/01/2020</a:t>
+              <a:t>27/01/2020</a:t>
             </a:fld>
             <a:endParaRPr lang="en-GB"/>
           </a:p>
@@ -3653,7 +3759,7 @@
           <a:p>
             <a:fld id="{A2A003D7-24A3-4DE2-8BAD-93DC5C5E8607}" type="datetimeFigureOut">
               <a:rPr lang="en-GB" smtClean="0"/>
-              <a:t>13/01/2020</a:t>
+              <a:t>27/01/2020</a:t>
             </a:fld>
             <a:endParaRPr lang="en-GB"/>
           </a:p>
@@ -3966,7 +4072,7 @@
           <a:p>
             <a:fld id="{A2A003D7-24A3-4DE2-8BAD-93DC5C5E8607}" type="datetimeFigureOut">
               <a:rPr lang="en-GB" smtClean="0"/>
-              <a:t>13/01/2020</a:t>
+              <a:t>27/01/2020</a:t>
             </a:fld>
             <a:endParaRPr lang="en-GB"/>
           </a:p>
@@ -4255,7 +4361,7 @@
           <a:p>
             <a:fld id="{A2A003D7-24A3-4DE2-8BAD-93DC5C5E8607}" type="datetimeFigureOut">
               <a:rPr lang="en-GB" smtClean="0"/>
-              <a:t>13/01/2020</a:t>
+              <a:t>27/01/2020</a:t>
             </a:fld>
             <a:endParaRPr lang="en-GB"/>
           </a:p>
@@ -4498,7 +4604,7 @@
           <a:p>
             <a:fld id="{A2A003D7-24A3-4DE2-8BAD-93DC5C5E8607}" type="datetimeFigureOut">
               <a:rPr lang="en-GB" smtClean="0"/>
-              <a:t>13/01/2020</a:t>
+              <a:t>27/01/2020</a:t>
             </a:fld>
             <a:endParaRPr lang="en-GB"/>
           </a:p>
@@ -7146,106 +7252,44 @@
       </p:grpSpPr>
       <p:sp>
         <p:nvSpPr>
-          <p:cNvPr id="2" name="Title 1">
+          <p:cNvPr id="2" name="TextBox 1">
             <a:extLst>
               <a:ext uri="{FF2B5EF4-FFF2-40B4-BE49-F238E27FC236}">
-                <a16:creationId xmlns:a16="http://schemas.microsoft.com/office/drawing/2014/main" id="{22BD76A7-8548-46F9-9A7E-EAEA7CBDC961}"/>
+                <a16:creationId xmlns:a16="http://schemas.microsoft.com/office/drawing/2014/main" id="{049BB98E-210D-4915-AD68-FCAAEA916162}"/>
               </a:ext>
             </a:extLst>
           </p:cNvPr>
-          <p:cNvSpPr>
-            <a:spLocks noGrp="1"/>
-          </p:cNvSpPr>
-          <p:nvPr>
-            <p:ph type="title"/>
-          </p:nvPr>
+          <p:cNvSpPr txBox="1"/>
+          <p:nvPr/>
         </p:nvSpPr>
-        <p:spPr/>
-        <p:txBody>
-          <a:bodyPr/>
-          <a:lstStyle/>
-          <a:p>
-            <a:r>
-              <a:rPr lang="en-GB" dirty="0"/>
-              <a:t>Doing too much too soon can lead to injury…</a:t>
-            </a:r>
-          </a:p>
-        </p:txBody>
-      </p:sp>
-      <p:pic>
-        <p:nvPicPr>
-          <p:cNvPr id="5" name="Picture 2">
-            <a:extLst>
-              <a:ext uri="{FF2B5EF4-FFF2-40B4-BE49-F238E27FC236}">
-                <a16:creationId xmlns:a16="http://schemas.microsoft.com/office/drawing/2014/main" id="{962FD9B4-F478-4CE7-A490-384436BAC028}"/>
-              </a:ext>
-            </a:extLst>
-          </p:cNvPr>
-          <p:cNvPicPr>
-            <a:picLocks noChangeAspect="1" noChangeArrowheads="1"/>
-          </p:cNvPicPr>
-          <p:nvPr/>
-        </p:nvPicPr>
-        <p:blipFill>
-          <a:blip r:embed="rId3">
-            <a:extLst>
-              <a:ext uri="{28A0092B-C50C-407E-A947-70E740481C1C}">
-                <a14:useLocalDpi xmlns:a14="http://schemas.microsoft.com/office/drawing/2010/main" val="0"/>
-              </a:ext>
-            </a:extLst>
-          </a:blip>
-          <a:srcRect/>
-          <a:stretch>
-            <a:fillRect/>
-          </a:stretch>
-        </p:blipFill>
-        <p:spPr bwMode="auto">
+        <p:spPr>
           <a:xfrm>
-            <a:off x="4191000" y="2066073"/>
-            <a:ext cx="3810000" cy="3771900"/>
+            <a:off x="1442757" y="2367171"/>
+            <a:ext cx="9306486" cy="2123658"/>
           </a:xfrm>
           <a:prstGeom prst="rect">
             <a:avLst/>
           </a:prstGeom>
           <a:noFill/>
-          <a:ln>
-            <a:noFill/>
-          </a:ln>
-          <a:effectLst/>
-          <a:extLst>
-            <a:ext uri="{909E8E84-426E-40DD-AFC4-6F175D3DCCD1}">
-              <a14:hiddenFill xmlns:a14="http://schemas.microsoft.com/office/drawing/2010/main">
-                <a:solidFill>
-                  <a:schemeClr val="accent1"/>
-                </a:solidFill>
-              </a14:hiddenFill>
-            </a:ext>
-            <a:ext uri="{91240B29-F687-4F45-9708-019B960494DF}">
-              <a14:hiddenLine xmlns:a14="http://schemas.microsoft.com/office/drawing/2010/main" w="9525">
-                <a:solidFill>
-                  <a:schemeClr val="tx1"/>
-                </a:solidFill>
-                <a:miter lim="800000"/>
-                <a:headEnd/>
-                <a:tailEnd/>
-              </a14:hiddenLine>
-            </a:ext>
-            <a:ext uri="{AF507438-7753-43E0-B8FC-AC1667EBCBE1}">
-              <a14:hiddenEffects xmlns:a14="http://schemas.microsoft.com/office/drawing/2010/main">
-                <a:effectLst>
-                  <a:outerShdw dist="35921" dir="2700000" algn="ctr" rotWithShape="0">
-                    <a:schemeClr val="bg2"/>
-                  </a:outerShdw>
-                </a:effectLst>
-              </a14:hiddenEffects>
-            </a:ext>
-          </a:extLst>
         </p:spPr>
-      </p:pic>
+        <p:txBody>
+          <a:bodyPr wrap="square" rtlCol="0">
+            <a:spAutoFit/>
+          </a:bodyPr>
+          <a:lstStyle/>
+          <a:p>
+            <a:pPr algn="ctr"/>
+            <a:r>
+              <a:rPr lang="en-GB" sz="6600" dirty="0"/>
+              <a:t>The first time you run a mile is a BIG deal.</a:t>
+            </a:r>
+          </a:p>
+        </p:txBody>
+      </p:sp>
     </p:spTree>
     <p:extLst>
       <p:ext uri="{BB962C8B-B14F-4D97-AF65-F5344CB8AC3E}">
-        <p14:creationId xmlns:p14="http://schemas.microsoft.com/office/powerpoint/2010/main" val="4253405534"/>
+        <p14:creationId xmlns:p14="http://schemas.microsoft.com/office/powerpoint/2010/main" val="2310867904"/>
       </p:ext>
     </p:extLst>
   </p:cSld>
@@ -7286,8 +7330,8 @@
         </p:nvSpPr>
         <p:spPr>
           <a:xfrm>
-            <a:off x="1442757" y="2367171"/>
-            <a:ext cx="9306486" cy="2123658"/>
+            <a:off x="1525712" y="1859339"/>
+            <a:ext cx="9140576" cy="3139321"/>
           </a:xfrm>
           <a:prstGeom prst="rect">
             <a:avLst/>
@@ -7303,7 +7347,7 @@
             <a:pPr algn="ctr"/>
             <a:r>
               <a:rPr lang="en-GB" sz="6600" dirty="0"/>
-              <a:t>The first time you run a mile is a BIG deal.</a:t>
+              <a:t>It's easy to forget what it feels like to be a complete novice at R.</a:t>
             </a:r>
           </a:p>
         </p:txBody>
@@ -7311,7 +7355,7 @@
     </p:spTree>
     <p:extLst>
       <p:ext uri="{BB962C8B-B14F-4D97-AF65-F5344CB8AC3E}">
-        <p14:creationId xmlns:p14="http://schemas.microsoft.com/office/powerpoint/2010/main" val="2310867904"/>
+        <p14:creationId xmlns:p14="http://schemas.microsoft.com/office/powerpoint/2010/main" val="2450957856"/>
       </p:ext>
     </p:extLst>
   </p:cSld>
@@ -7388,6 +7432,72 @@
 </file>
 
 <file path=ppt/slides/slide15.xml><?xml version="1.0" encoding="utf-8"?>
+<p:sld xmlns:a="http://schemas.openxmlformats.org/drawingml/2006/main" xmlns:r="http://schemas.openxmlformats.org/officeDocument/2006/relationships" xmlns:p="http://schemas.openxmlformats.org/presentationml/2006/main">
+  <p:cSld>
+    <p:spTree>
+      <p:nvGrpSpPr>
+        <p:cNvPr id="1" name=""/>
+        <p:cNvGrpSpPr/>
+        <p:nvPr/>
+      </p:nvGrpSpPr>
+      <p:grpSpPr>
+        <a:xfrm>
+          <a:off x="0" y="0"/>
+          <a:ext cx="0" cy="0"/>
+          <a:chOff x="0" y="0"/>
+          <a:chExt cx="0" cy="0"/>
+        </a:xfrm>
+      </p:grpSpPr>
+      <p:sp>
+        <p:nvSpPr>
+          <p:cNvPr id="2" name="TextBox 1">
+            <a:extLst>
+              <a:ext uri="{FF2B5EF4-FFF2-40B4-BE49-F238E27FC236}">
+                <a16:creationId xmlns:a16="http://schemas.microsoft.com/office/drawing/2014/main" id="{049BB98E-210D-4915-AD68-FCAAEA916162}"/>
+              </a:ext>
+            </a:extLst>
+          </p:cNvPr>
+          <p:cNvSpPr txBox="1"/>
+          <p:nvPr/>
+        </p:nvSpPr>
+        <p:spPr>
+          <a:xfrm>
+            <a:off x="1442757" y="1859339"/>
+            <a:ext cx="9306486" cy="3139321"/>
+          </a:xfrm>
+          <a:prstGeom prst="rect">
+            <a:avLst/>
+          </a:prstGeom>
+          <a:noFill/>
+        </p:spPr>
+        <p:txBody>
+          <a:bodyPr wrap="square" rtlCol="0">
+            <a:spAutoFit/>
+          </a:bodyPr>
+          <a:lstStyle/>
+          <a:p>
+            <a:pPr algn="ctr"/>
+            <a:r>
+              <a:rPr lang="en-GB" sz="6600" dirty="0"/>
+              <a:t>Things that seem "trivial" to some are likely to seem "impossible" to others.</a:t>
+            </a:r>
+          </a:p>
+        </p:txBody>
+      </p:sp>
+    </p:spTree>
+    <p:extLst>
+      <p:ext uri="{BB962C8B-B14F-4D97-AF65-F5344CB8AC3E}">
+        <p14:creationId xmlns:p14="http://schemas.microsoft.com/office/powerpoint/2010/main" val="721320504"/>
+      </p:ext>
+    </p:extLst>
+  </p:cSld>
+  <p:clrMapOvr>
+    <a:masterClrMapping/>
+  </p:clrMapOvr>
+</p:sld>
+</file>
+
+<file path=ppt/slides/slide16.xml><?xml version="1.0" encoding="utf-8"?>
 <p:sld xmlns:a="http://schemas.openxmlformats.org/drawingml/2006/main" xmlns:r="http://schemas.openxmlformats.org/officeDocument/2006/relationships" xmlns:p="http://schemas.openxmlformats.org/presentationml/2006/main">
   <p:cSld>
     <p:spTree>
@@ -7926,7 +8036,7 @@
 </p:sld>
 </file>
 
-<file path=ppt/slides/slide16.xml><?xml version="1.0" encoding="utf-8"?>
+<file path=ppt/slides/slide17.xml><?xml version="1.0" encoding="utf-8"?>
 <p:sld xmlns:a="http://schemas.openxmlformats.org/drawingml/2006/main" xmlns:r="http://schemas.openxmlformats.org/officeDocument/2006/relationships" xmlns:p="http://schemas.openxmlformats.org/presentationml/2006/main">
   <p:cSld>
     <p:spTree>
@@ -8124,7 +8234,7 @@
               </a:ln>
               <a:extLst>
                 <a:ext uri="{C572A759-6A51-4108-AA02-DFA0A04FC94B}">
-                  <ma14:wrappingTextBoxFlag xmlns="" xmlns:ma14="http://schemas.microsoft.com/office/mac/drawingml/2011/main" val="1"/>
+                  <ma14:wrappingTextBoxFlag xmlns:ma14="http://schemas.microsoft.com/office/mac/drawingml/2011/main" xmlns="" val="1"/>
                 </a:ext>
               </a:extLst>
             </p:spPr>
@@ -8252,7 +8362,7 @@
               </a:ln>
               <a:extLst>
                 <a:ext uri="{C572A759-6A51-4108-AA02-DFA0A04FC94B}">
-                  <ma14:wrappingTextBoxFlag xmlns="" xmlns:ma14="http://schemas.microsoft.com/office/mac/drawingml/2011/main" val="1"/>
+                  <ma14:wrappingTextBoxFlag xmlns:ma14="http://schemas.microsoft.com/office/mac/drawingml/2011/main" xmlns="" val="1"/>
                 </a:ext>
               </a:extLst>
             </p:spPr>
@@ -8330,7 +8440,7 @@
               </a:ln>
               <a:extLst>
                 <a:ext uri="{C572A759-6A51-4108-AA02-DFA0A04FC94B}">
-                  <ma14:wrappingTextBoxFlag xmlns="" xmlns:ma14="http://schemas.microsoft.com/office/mac/drawingml/2011/main" val="1"/>
+                  <ma14:wrappingTextBoxFlag xmlns:ma14="http://schemas.microsoft.com/office/mac/drawingml/2011/main" xmlns="" val="1"/>
                 </a:ext>
               </a:extLst>
             </p:spPr>
@@ -8563,12 +8673,15 @@
         </p:nvSpPr>
         <p:spPr/>
         <p:txBody>
-          <a:bodyPr/>
+          <a:bodyPr>
+            <a:normAutofit fontScale="90000"/>
+          </a:bodyPr>
           <a:lstStyle/>
           <a:p>
+            <a:pPr algn="ctr"/>
             <a:r>
               <a:rPr lang="en-GB" dirty="0"/>
-              <a:t>An analogy: learning and teaching others R is a bit like training for and running a marathon</a:t>
+              <a:t>An analogy: learning R and teaching others R is a bit like training for and running a marathon</a:t>
             </a:r>
           </a:p>
         </p:txBody>
@@ -8687,7 +8800,7 @@
         </p:nvGrpSpPr>
         <p:grpSpPr>
           <a:xfrm>
-            <a:off x="4483086" y="1690688"/>
+            <a:off x="4617282" y="1690688"/>
             <a:ext cx="2503884" cy="4997293"/>
             <a:chOff x="4238781" y="1749456"/>
             <a:chExt cx="2503884" cy="4997293"/>
@@ -8810,7 +8923,7 @@
         </p:blipFill>
         <p:spPr>
           <a:xfrm>
-            <a:off x="8392118" y="1690688"/>
+            <a:off x="8849053" y="1690688"/>
             <a:ext cx="2287719" cy="3453161"/>
           </a:xfrm>
         </p:spPr>
@@ -8829,7 +8942,7 @@
         </p:nvSpPr>
         <p:spPr>
           <a:xfrm>
-            <a:off x="8175093" y="5326601"/>
+            <a:off x="8632028" y="5326601"/>
             <a:ext cx="2721772" cy="1077218"/>
           </a:xfrm>
           <a:prstGeom prst="rect">

--- a/Learn to teach_MikeKSmith.pptx
+++ b/Learn to teach_MikeKSmith.pptx
@@ -147,7 +147,7 @@
   <pc:docChgLst>
     <pc:chgData name="Smith, Mike K" userId="fd68b96f-d6bb-4c79-994a-7859c22e374b" providerId="ADAL" clId="{8978A891-ACFB-4E20-9E9B-72DCE817AE23}"/>
     <pc:docChg chg="custSel addSld modSld">
-      <pc:chgData name="Smith, Mike K" userId="fd68b96f-d6bb-4c79-994a-7859c22e374b" providerId="ADAL" clId="{8978A891-ACFB-4E20-9E9B-72DCE817AE23}" dt="2020-01-27T14:43:00.722" v="557"/>
+      <pc:chgData name="Smith, Mike K" userId="fd68b96f-d6bb-4c79-994a-7859c22e374b" providerId="ADAL" clId="{8978A891-ACFB-4E20-9E9B-72DCE817AE23}" dt="2020-01-28T13:35:42.468" v="837" actId="20577"/>
       <pc:docMkLst>
         <pc:docMk/>
       </pc:docMkLst>
@@ -163,6 +163,29 @@
             <pc:docMk/>
             <pc:sldMk cId="2286664444" sldId="504"/>
             <ac:spMk id="4" creationId="{89C428A8-A98A-40AB-81C5-C551F957BB2D}"/>
+          </ac:spMkLst>
+        </pc:spChg>
+      </pc:sldChg>
+      <pc:sldChg chg="delSp modSp">
+        <pc:chgData name="Smith, Mike K" userId="fd68b96f-d6bb-4c79-994a-7859c22e374b" providerId="ADAL" clId="{8978A891-ACFB-4E20-9E9B-72DCE817AE23}" dt="2020-01-28T13:35:42.468" v="837" actId="20577"/>
+        <pc:sldMkLst>
+          <pc:docMk/>
+          <pc:sldMk cId="3608765863" sldId="519"/>
+        </pc:sldMkLst>
+        <pc:spChg chg="mod">
+          <ac:chgData name="Smith, Mike K" userId="fd68b96f-d6bb-4c79-994a-7859c22e374b" providerId="ADAL" clId="{8978A891-ACFB-4E20-9E9B-72DCE817AE23}" dt="2020-01-28T13:35:42.468" v="837" actId="20577"/>
+          <ac:spMkLst>
+            <pc:docMk/>
+            <pc:sldMk cId="3608765863" sldId="519"/>
+            <ac:spMk id="2" creationId="{8A28942A-2056-4711-B050-C2A8C84F217F}"/>
+          </ac:spMkLst>
+        </pc:spChg>
+        <pc:spChg chg="del mod">
+          <ac:chgData name="Smith, Mike K" userId="fd68b96f-d6bb-4c79-994a-7859c22e374b" providerId="ADAL" clId="{8978A891-ACFB-4E20-9E9B-72DCE817AE23}" dt="2020-01-28T13:34:50.801" v="817" actId="478"/>
+          <ac:spMkLst>
+            <pc:docMk/>
+            <pc:sldMk cId="3608765863" sldId="519"/>
+            <ac:spMk id="3" creationId="{2B10E3A3-6492-43E5-A4BE-9B3EE5F66027}"/>
           </ac:spMkLst>
         </pc:spChg>
       </pc:sldChg>
@@ -312,7 +335,7 @@
           <a:p>
             <a:fld id="{9D62F800-1419-438B-96D0-791D66092393}" type="datetimeFigureOut">
               <a:rPr lang="en-GB" smtClean="0"/>
-              <a:t>27/01/2020</a:t>
+              <a:t>28/01/2020</a:t>
             </a:fld>
             <a:endParaRPr lang="en-GB"/>
           </a:p>
@@ -1935,7 +1958,7 @@
           <a:p>
             <a:fld id="{A2A003D7-24A3-4DE2-8BAD-93DC5C5E8607}" type="datetimeFigureOut">
               <a:rPr lang="en-GB" smtClean="0"/>
-              <a:t>27/01/2020</a:t>
+              <a:t>28/01/2020</a:t>
             </a:fld>
             <a:endParaRPr lang="en-GB"/>
           </a:p>
@@ -2135,7 +2158,7 @@
           <a:p>
             <a:fld id="{A2A003D7-24A3-4DE2-8BAD-93DC5C5E8607}" type="datetimeFigureOut">
               <a:rPr lang="en-GB" smtClean="0"/>
-              <a:t>27/01/2020</a:t>
+              <a:t>28/01/2020</a:t>
             </a:fld>
             <a:endParaRPr lang="en-GB"/>
           </a:p>
@@ -2345,7 +2368,7 @@
           <a:p>
             <a:fld id="{A2A003D7-24A3-4DE2-8BAD-93DC5C5E8607}" type="datetimeFigureOut">
               <a:rPr lang="en-GB" smtClean="0"/>
-              <a:t>27/01/2020</a:t>
+              <a:t>28/01/2020</a:t>
             </a:fld>
             <a:endParaRPr lang="en-GB"/>
           </a:p>
@@ -2545,7 +2568,7 @@
           <a:p>
             <a:fld id="{A2A003D7-24A3-4DE2-8BAD-93DC5C5E8607}" type="datetimeFigureOut">
               <a:rPr lang="en-GB" smtClean="0"/>
-              <a:t>27/01/2020</a:t>
+              <a:t>28/01/2020</a:t>
             </a:fld>
             <a:endParaRPr lang="en-GB"/>
           </a:p>
@@ -2821,7 +2844,7 @@
           <a:p>
             <a:fld id="{A2A003D7-24A3-4DE2-8BAD-93DC5C5E8607}" type="datetimeFigureOut">
               <a:rPr lang="en-GB" smtClean="0"/>
-              <a:t>27/01/2020</a:t>
+              <a:t>28/01/2020</a:t>
             </a:fld>
             <a:endParaRPr lang="en-GB"/>
           </a:p>
@@ -3089,7 +3112,7 @@
           <a:p>
             <a:fld id="{A2A003D7-24A3-4DE2-8BAD-93DC5C5E8607}" type="datetimeFigureOut">
               <a:rPr lang="en-GB" smtClean="0"/>
-              <a:t>27/01/2020</a:t>
+              <a:t>28/01/2020</a:t>
             </a:fld>
             <a:endParaRPr lang="en-GB"/>
           </a:p>
@@ -3504,7 +3527,7 @@
           <a:p>
             <a:fld id="{A2A003D7-24A3-4DE2-8BAD-93DC5C5E8607}" type="datetimeFigureOut">
               <a:rPr lang="en-GB" smtClean="0"/>
-              <a:t>27/01/2020</a:t>
+              <a:t>28/01/2020</a:t>
             </a:fld>
             <a:endParaRPr lang="en-GB"/>
           </a:p>
@@ -3646,7 +3669,7 @@
           <a:p>
             <a:fld id="{A2A003D7-24A3-4DE2-8BAD-93DC5C5E8607}" type="datetimeFigureOut">
               <a:rPr lang="en-GB" smtClean="0"/>
-              <a:t>27/01/2020</a:t>
+              <a:t>28/01/2020</a:t>
             </a:fld>
             <a:endParaRPr lang="en-GB"/>
           </a:p>
@@ -3759,7 +3782,7 @@
           <a:p>
             <a:fld id="{A2A003D7-24A3-4DE2-8BAD-93DC5C5E8607}" type="datetimeFigureOut">
               <a:rPr lang="en-GB" smtClean="0"/>
-              <a:t>27/01/2020</a:t>
+              <a:t>28/01/2020</a:t>
             </a:fld>
             <a:endParaRPr lang="en-GB"/>
           </a:p>
@@ -4072,7 +4095,7 @@
           <a:p>
             <a:fld id="{A2A003D7-24A3-4DE2-8BAD-93DC5C5E8607}" type="datetimeFigureOut">
               <a:rPr lang="en-GB" smtClean="0"/>
-              <a:t>27/01/2020</a:t>
+              <a:t>28/01/2020</a:t>
             </a:fld>
             <a:endParaRPr lang="en-GB"/>
           </a:p>
@@ -4361,7 +4384,7 @@
           <a:p>
             <a:fld id="{A2A003D7-24A3-4DE2-8BAD-93DC5C5E8607}" type="datetimeFigureOut">
               <a:rPr lang="en-GB" smtClean="0"/>
-              <a:t>27/01/2020</a:t>
+              <a:t>28/01/2020</a:t>
             </a:fld>
             <a:endParaRPr lang="en-GB"/>
           </a:p>
@@ -4604,7 +4627,7 @@
           <a:p>
             <a:fld id="{A2A003D7-24A3-4DE2-8BAD-93DC5C5E8607}" type="datetimeFigureOut">
               <a:rPr lang="en-GB" smtClean="0"/>
-              <a:t>27/01/2020</a:t>
+              <a:t>28/01/2020</a:t>
             </a:fld>
             <a:endParaRPr lang="en-GB"/>
           </a:p>
@@ -8234,7 +8257,7 @@
               </a:ln>
               <a:extLst>
                 <a:ext uri="{C572A759-6A51-4108-AA02-DFA0A04FC94B}">
-                  <ma14:wrappingTextBoxFlag xmlns:ma14="http://schemas.microsoft.com/office/mac/drawingml/2011/main" xmlns="" val="1"/>
+                  <ma14:wrappingTextBoxFlag xmlns="" xmlns:ma14="http://schemas.microsoft.com/office/mac/drawingml/2011/main" val="1"/>
                 </a:ext>
               </a:extLst>
             </p:spPr>
@@ -8362,7 +8385,7 @@
               </a:ln>
               <a:extLst>
                 <a:ext uri="{C572A759-6A51-4108-AA02-DFA0A04FC94B}">
-                  <ma14:wrappingTextBoxFlag xmlns:ma14="http://schemas.microsoft.com/office/mac/drawingml/2011/main" xmlns="" val="1"/>
+                  <ma14:wrappingTextBoxFlag xmlns="" xmlns:ma14="http://schemas.microsoft.com/office/mac/drawingml/2011/main" val="1"/>
                 </a:ext>
               </a:extLst>
             </p:spPr>
@@ -8440,7 +8463,7 @@
               </a:ln>
               <a:extLst>
                 <a:ext uri="{C572A759-6A51-4108-AA02-DFA0A04FC94B}">
-                  <ma14:wrappingTextBoxFlag xmlns:ma14="http://schemas.microsoft.com/office/mac/drawingml/2011/main" xmlns="" val="1"/>
+                  <ma14:wrappingTextBoxFlag xmlns="" xmlns:ma14="http://schemas.microsoft.com/office/mac/drawingml/2011/main" val="1"/>
                 </a:ext>
               </a:extLst>
             </p:spPr>
@@ -8552,46 +8575,10 @@
             <p:ph type="title"/>
           </p:nvPr>
         </p:nvSpPr>
-        <p:spPr/>
-        <p:txBody>
-          <a:bodyPr/>
-          <a:lstStyle/>
-          <a:p>
-            <a:r>
-              <a:rPr lang="en-GB" dirty="0"/>
-              <a:t>This talk is for </a:t>
-            </a:r>
-            <a:r>
-              <a:rPr lang="en-GB" b="1" i="1" dirty="0"/>
-              <a:t>YOU</a:t>
-            </a:r>
-            <a:r>
-              <a:rPr lang="en-GB" dirty="0"/>
-              <a:t>…</a:t>
-            </a:r>
-          </a:p>
-        </p:txBody>
-      </p:sp>
-      <p:sp>
-        <p:nvSpPr>
-          <p:cNvPr id="3" name="Content Placeholder 2">
-            <a:extLst>
-              <a:ext uri="{FF2B5EF4-FFF2-40B4-BE49-F238E27FC236}">
-                <a16:creationId xmlns:a16="http://schemas.microsoft.com/office/drawing/2014/main" id="{2B10E3A3-6492-43E5-A4BE-9B3EE5F66027}"/>
-              </a:ext>
-            </a:extLst>
-          </p:cNvPr>
-          <p:cNvSpPr>
-            <a:spLocks noGrp="1"/>
-          </p:cNvSpPr>
-          <p:nvPr>
-            <p:ph idx="1"/>
-          </p:nvPr>
-        </p:nvSpPr>
         <p:spPr>
           <a:xfrm>
-            <a:off x="838200" y="1984193"/>
-            <a:ext cx="10515600" cy="3390220"/>
+            <a:off x="838200" y="1752386"/>
+            <a:ext cx="10515600" cy="3353228"/>
           </a:xfrm>
         </p:spPr>
         <p:txBody>
@@ -8600,27 +8587,28 @@
           </a:bodyPr>
           <a:lstStyle/>
           <a:p>
+            <a:pPr algn="ctr"/>
             <a:r>
-              <a:rPr lang="en-GB" sz="3200" dirty="0"/>
-              <a:t>If you are looking for an R trainer and want to know what "RStudio certification" means</a:t>
+              <a:rPr lang="en-GB" sz="6000" dirty="0"/>
+              <a:t>What does </a:t>
             </a:r>
-          </a:p>
-          <a:p>
-            <a:endParaRPr lang="en-GB" sz="3200" dirty="0"/>
-          </a:p>
-          <a:p>
+            <a:br>
+              <a:rPr lang="en-GB" sz="6000" dirty="0"/>
+            </a:br>
             <a:r>
-              <a:rPr lang="en-GB" sz="3200" dirty="0"/>
-              <a:t>If you are interested in becoming an RStudio certified trainer</a:t>
+              <a:rPr lang="en-GB" sz="6000" dirty="0"/>
+              <a:t>RStudio certification </a:t>
             </a:r>
-          </a:p>
-          <a:p>
-            <a:endParaRPr lang="en-GB" sz="3200" dirty="0"/>
-          </a:p>
-          <a:p>
+            <a:br>
+              <a:rPr lang="en-GB" sz="6000" dirty="0"/>
+            </a:br>
             <a:r>
-              <a:rPr lang="en-GB" sz="3200" dirty="0"/>
-              <a:t>If you are creating training materials for others</a:t>
+              <a:rPr lang="en-GB" sz="6000" b="1" i="1" dirty="0"/>
+              <a:t>mean</a:t>
+            </a:r>
+            <a:r>
+              <a:rPr lang="en-GB" sz="6000" dirty="0"/>
+              <a:t>?</a:t>
             </a:r>
           </a:p>
         </p:txBody>
